--- a/new.pptx
+++ b/new.pptx
@@ -1,25 +1,32 @@
 
 <file path=ppt/presentation.xml><?xml version="1.0" encoding="utf-8"?>
-<p:presentation xmlns:a="http://schemas.openxmlformats.org/drawingml/2006/main" xmlns:r="http://schemas.openxmlformats.org/officeDocument/2006/relationships" xmlns:p="http://schemas.openxmlformats.org/presentationml/2006/main" xmlns:m="http://schemas.openxmlformats.org/officeDocument/2006/math" xmlns:a14="http://schemas.microsoft.com/office/drawing/2010/main">
+<p:presentation xmlns:a="http://schemas.openxmlformats.org/drawingml/2006/main" xmlns:r="http://schemas.openxmlformats.org/officeDocument/2006/relationships" xmlns:p="http://schemas.openxmlformats.org/presentationml/2006/main">
   <p:sldMasterIdLst>
-    <p:sldMasterId id="2147483648" r:id="rId5"/>
+    <p:sldMasterId id="2147483648" r:id="rId1"/>
   </p:sldMasterIdLst>
   <p:notesMasterIdLst>
-    <p:notesMasterId r:id="rId7"/>
+    <p:notesMasterId r:id="rId19"/>
   </p:notesMasterIdLst>
   <p:sldIdLst>
-    <p:sldId id="256" r:id="rId8"/>
-    <p:sldId id="257" r:id="rId9"/>
-    <p:sldId id="258" r:id="rId10"/>
-    <p:sldId id="259" r:id="rId11"/>
-    <p:sldId id="260" r:id="rId12"/>
-    <p:sldId id="261" r:id="rId13"/>
-    <p:sldId id="262" r:id="rId14"/>
-    <p:sldId id="263" r:id="rId15"/>
-    <p:sldId id="264" r:id="rId16"/>
-    <p:sldId id="265" r:id="rId17"/>
+    <p:sldId id="256" r:id="rId2"/>
+    <p:sldId id="257" r:id="rId3"/>
+    <p:sldId id="258" r:id="rId4"/>
+    <p:sldId id="259" r:id="rId5"/>
+    <p:sldId id="266" r:id="rId6"/>
+    <p:sldId id="267" r:id="rId7"/>
+    <p:sldId id="268" r:id="rId8"/>
+    <p:sldId id="269" r:id="rId9"/>
+    <p:sldId id="270" r:id="rId10"/>
+    <p:sldId id="271" r:id="rId11"/>
+    <p:sldId id="272" r:id="rId12"/>
+    <p:sldId id="273" r:id="rId13"/>
+    <p:sldId id="261" r:id="rId14"/>
+    <p:sldId id="262" r:id="rId15"/>
+    <p:sldId id="263" r:id="rId16"/>
+    <p:sldId id="264" r:id="rId17"/>
+    <p:sldId id="265" r:id="rId18"/>
   </p:sldIdLst>
-  <p:sldSz cx="9144000" cy="6858000"/>
+  <p:sldSz cx="9144000" cy="6858000" type="screen4x3"/>
   <p:notesSz cx="6858000" cy="9144000"/>
   <p:defaultTextStyle>
     <a:defPPr marL="0" marR="0" indent="0" algn="l" defTabSz="914400" rtl="0" fontAlgn="auto" latinLnBrk="1" hangingPunct="0">
@@ -37,7 +44,7 @@
       <a:buFontTx/>
       <a:buNone/>
       <a:tabLst/>
-      <a:defRPr b="0" baseline="0" cap="none" i="0" spc="0" strike="noStrike" sz="1800" u="none" kumimoji="0" normalizeH="0">
+      <a:defRPr kumimoji="0" sz="1800" b="0" i="0" u="none" strike="noStrike" cap="none" spc="0" normalizeH="0" baseline="0">
         <a:ln>
           <a:noFill/>
         </a:ln>
@@ -63,7 +70,7 @@
       <a:buFontTx/>
       <a:buNone/>
       <a:tabLst/>
-      <a:defRPr b="0" baseline="0" cap="none" i="0" spc="0" strike="noStrike" sz="1800" u="none" kumimoji="0" normalizeH="0">
+      <a:defRPr kumimoji="0" sz="1800" b="0" i="0" u="none" strike="noStrike" cap="none" spc="0" normalizeH="0" baseline="0">
         <a:ln>
           <a:noFill/>
         </a:ln>
@@ -93,7 +100,7 @@
       <a:buFontTx/>
       <a:buNone/>
       <a:tabLst/>
-      <a:defRPr b="0" baseline="0" cap="none" i="0" spc="0" strike="noStrike" sz="1800" u="none" kumimoji="0" normalizeH="0">
+      <a:defRPr kumimoji="0" sz="1800" b="0" i="0" u="none" strike="noStrike" cap="none" spc="0" normalizeH="0" baseline="0">
         <a:ln>
           <a:noFill/>
         </a:ln>
@@ -123,7 +130,7 @@
       <a:buFontTx/>
       <a:buNone/>
       <a:tabLst/>
-      <a:defRPr b="0" baseline="0" cap="none" i="0" spc="0" strike="noStrike" sz="1800" u="none" kumimoji="0" normalizeH="0">
+      <a:defRPr kumimoji="0" sz="1800" b="0" i="0" u="none" strike="noStrike" cap="none" spc="0" normalizeH="0" baseline="0">
         <a:ln>
           <a:noFill/>
         </a:ln>
@@ -153,7 +160,7 @@
       <a:buFontTx/>
       <a:buNone/>
       <a:tabLst/>
-      <a:defRPr b="0" baseline="0" cap="none" i="0" spc="0" strike="noStrike" sz="1800" u="none" kumimoji="0" normalizeH="0">
+      <a:defRPr kumimoji="0" sz="1800" b="0" i="0" u="none" strike="noStrike" cap="none" spc="0" normalizeH="0" baseline="0">
         <a:ln>
           <a:noFill/>
         </a:ln>
@@ -183,7 +190,7 @@
       <a:buFontTx/>
       <a:buNone/>
       <a:tabLst/>
-      <a:defRPr b="0" baseline="0" cap="none" i="0" spc="0" strike="noStrike" sz="1800" u="none" kumimoji="0" normalizeH="0">
+      <a:defRPr kumimoji="0" sz="1800" b="0" i="0" u="none" strike="noStrike" cap="none" spc="0" normalizeH="0" baseline="0">
         <a:ln>
           <a:noFill/>
         </a:ln>
@@ -213,7 +220,7 @@
       <a:buFontTx/>
       <a:buNone/>
       <a:tabLst/>
-      <a:defRPr b="0" baseline="0" cap="none" i="0" spc="0" strike="noStrike" sz="1800" u="none" kumimoji="0" normalizeH="0">
+      <a:defRPr kumimoji="0" sz="1800" b="0" i="0" u="none" strike="noStrike" cap="none" spc="0" normalizeH="0" baseline="0">
         <a:ln>
           <a:noFill/>
         </a:ln>
@@ -243,7 +250,7 @@
       <a:buFontTx/>
       <a:buNone/>
       <a:tabLst/>
-      <a:defRPr b="0" baseline="0" cap="none" i="0" spc="0" strike="noStrike" sz="1800" u="none" kumimoji="0" normalizeH="0">
+      <a:defRPr kumimoji="0" sz="1800" b="0" i="0" u="none" strike="noStrike" cap="none" spc="0" normalizeH="0" baseline="0">
         <a:ln>
           <a:noFill/>
         </a:ln>
@@ -273,7 +280,7 @@
       <a:buFontTx/>
       <a:buNone/>
       <a:tabLst/>
-      <a:defRPr b="0" baseline="0" cap="none" i="0" spc="0" strike="noStrike" sz="1800" u="none" kumimoji="0" normalizeH="0">
+      <a:defRPr kumimoji="0" sz="1800" b="0" i="0" u="none" strike="noStrike" cap="none" spc="0" normalizeH="0" baseline="0">
         <a:ln>
           <a:noFill/>
         </a:ln>
@@ -303,7 +310,7 @@
       <a:buFontTx/>
       <a:buNone/>
       <a:tabLst/>
-      <a:defRPr b="0" baseline="0" cap="none" i="0" spc="0" strike="noStrike" sz="1800" u="none" kumimoji="0" normalizeH="0">
+      <a:defRPr kumimoji="0" sz="1800" b="0" i="0" u="none" strike="noStrike" cap="none" spc="0" normalizeH="0" baseline="0">
         <a:ln>
           <a:noFill/>
         </a:ln>
@@ -322,13 +329,14 @@
 </p:presentation>
 </file>
 
-<file path=ppt/commentAuthors.xml><?xml version="1.0" encoding="utf-8"?>
-<p:cmAuthorLst xmlns:a="http://schemas.openxmlformats.org/drawingml/2006/main" xmlns:r="http://schemas.openxmlformats.org/officeDocument/2006/relationships" xmlns:p="http://schemas.openxmlformats.org/presentationml/2006/main" xmlns:m="http://schemas.openxmlformats.org/officeDocument/2006/math" xmlns:a14="http://schemas.microsoft.com/office/drawing/2010/main"/>
-</file>
-
 <file path=ppt/notesMasters/notesMaster1.xml><?xml version="1.0" encoding="utf-8"?>
-<p:notesMaster xmlns:a="http://schemas.openxmlformats.org/drawingml/2006/main" xmlns:r="http://schemas.openxmlformats.org/officeDocument/2006/relationships" xmlns:p="http://schemas.openxmlformats.org/presentationml/2006/main" xmlns:m="http://schemas.openxmlformats.org/officeDocument/2006/math" xmlns:a14="http://schemas.microsoft.com/office/drawing/2010/main">
+<p:notesMaster xmlns:a="http://schemas.openxmlformats.org/drawingml/2006/main" xmlns:r="http://schemas.openxmlformats.org/officeDocument/2006/relationships" xmlns:p="http://schemas.openxmlformats.org/presentationml/2006/main">
   <p:cSld>
+    <p:bg>
+      <p:bgRef idx="1001">
+        <a:schemeClr val="bg1"/>
+      </p:bgRef>
+    </p:bg>
     <p:spTree>
       <p:nvGrpSpPr>
         <p:cNvPr id="1" name=""/>
@@ -346,7 +354,9 @@
       <p:sp>
         <p:nvSpPr>
           <p:cNvPr id="101" name="Shape 101"/>
-          <p:cNvSpPr/>
+          <p:cNvSpPr>
+            <a:spLocks noGrp="1" noRot="1" noChangeAspect="1"/>
+          </p:cNvSpPr>
           <p:nvPr>
             <p:ph type="sldImg"/>
           </p:nvPr>
@@ -364,14 +374,16 @@
           <a:bodyPr/>
           <a:lstStyle/>
           <a:p>
-            <a:pPr/>
+            <a:endParaRPr/>
           </a:p>
         </p:txBody>
       </p:sp>
       <p:sp>
         <p:nvSpPr>
           <p:cNvPr id="102" name="Shape 102"/>
-          <p:cNvSpPr/>
+          <p:cNvSpPr>
+            <a:spLocks noGrp="1"/>
+          </p:cNvSpPr>
           <p:nvPr>
             <p:ph type="body" sz="quarter" idx="1"/>
           </p:nvPr>
@@ -389,7 +401,7 @@
           <a:bodyPr/>
           <a:lstStyle/>
           <a:p>
-            <a:pPr/>
+            <a:endParaRPr/>
           </a:p>
         </p:txBody>
       </p:sp>
@@ -474,7 +486,7 @@
 </file>
 
 <file path=ppt/slideLayouts/slideLayout1.xml><?xml version="1.0" encoding="utf-8"?>
-<p:sldLayout xmlns:a="http://schemas.openxmlformats.org/drawingml/2006/main" xmlns:r="http://schemas.openxmlformats.org/officeDocument/2006/relationships" xmlns:p="http://schemas.openxmlformats.org/presentationml/2006/main" xmlns:m="http://schemas.openxmlformats.org/officeDocument/2006/math" xmlns:a14="http://schemas.microsoft.com/office/drawing/2010/main" type="title" showMasterSp="0" showMasterPhAnim="1">
+<p:sldLayout xmlns:a="http://schemas.openxmlformats.org/drawingml/2006/main" xmlns:r="http://schemas.openxmlformats.org/officeDocument/2006/relationships" xmlns:p="http://schemas.openxmlformats.org/presentationml/2006/main" showMasterSp="0" type="title">
   <p:cSld name="Diapositiva titolo">
     <p:spTree>
       <p:nvGrpSpPr>
@@ -522,13 +534,16 @@
                 </a:solidFill>
               </a:defRPr>
             </a:pPr>
+            <a:endParaRPr/>
           </a:p>
         </p:txBody>
       </p:sp>
       <p:sp>
         <p:nvSpPr>
           <p:cNvPr id="14" name="Titolo Testo"/>
-          <p:cNvSpPr txBox="1"/>
+          <p:cNvSpPr txBox="1">
+            <a:spLocks noGrp="1"/>
+          </p:cNvSpPr>
           <p:nvPr>
             <p:ph type="title"/>
           </p:nvPr>
@@ -550,7 +565,6 @@
             </a:lvl1pPr>
           </a:lstStyle>
           <a:p>
-            <a:pPr/>
             <a:r>
               <a:t>Titolo Testo</a:t>
             </a:r>
@@ -560,7 +574,9 @@
       <p:sp>
         <p:nvSpPr>
           <p:cNvPr id="15" name="Corpo livello uno…"/>
-          <p:cNvSpPr txBox="1"/>
+          <p:cNvSpPr txBox="1">
+            <a:spLocks noGrp="1"/>
+          </p:cNvSpPr>
           <p:nvPr>
             <p:ph type="body" sz="quarter" idx="1"/>
           </p:nvPr>
@@ -629,7 +645,6 @@
             </a:lvl5pPr>
           </a:lstStyle>
           <a:p>
-            <a:pPr/>
             <a:r>
               <a:t>Corpo livello uno</a:t>
             </a:r>
@@ -681,7 +696,7 @@
             <a:miter lim="400000"/>
           </a:ln>
           <a:effectLst>
-            <a:outerShdw sx="100000" sy="100000" kx="0" ky="0" algn="b" rotWithShape="0" blurRad="38100" dist="10160" dir="5400000">
+            <a:outerShdw blurRad="38100" dist="10160" dir="5400000" rotWithShape="0">
               <a:srgbClr val="000000">
                 <a:alpha val="60000"/>
               </a:srgbClr>
@@ -699,13 +714,16 @@
                 </a:solidFill>
               </a:defRPr>
             </a:pPr>
+            <a:endParaRPr/>
           </a:p>
         </p:txBody>
       </p:sp>
       <p:sp>
         <p:nvSpPr>
           <p:cNvPr id="17" name="Numero diapositiva"/>
-          <p:cNvSpPr txBox="1"/>
+          <p:cNvSpPr txBox="1">
+            <a:spLocks noGrp="1"/>
+          </p:cNvSpPr>
           <p:nvPr>
             <p:ph type="sldNum" sz="quarter" idx="2"/>
           </p:nvPr>
@@ -719,8 +737,12 @@
           <a:bodyPr/>
           <a:lstStyle/>
           <a:p>
-            <a:pPr/>
-            <a:fld id="{86CB4B4D-7CA3-9044-876B-883B54F8677D}" type="slidenum"/>
+            <a:fld id="{86CB4B4D-7CA3-9044-876B-883B54F8677D}" type="slidenum">
+              <a:rPr/>
+              <a:pPr/>
+              <a:t>‹N›</a:t>
+            </a:fld>
+            <a:endParaRPr/>
           </a:p>
         </p:txBody>
       </p:sp>
@@ -729,12 +751,12 @@
   <p:clrMapOvr>
     <a:masterClrMapping/>
   </p:clrMapOvr>
-  <p:transition xmlns:p14="http://schemas.microsoft.com/office/powerpoint/2010/main" spd="med" advClick="1"/>
+  <p:transition spd="med"/>
 </p:sldLayout>
 </file>
 
 <file path=ppt/slideLayouts/slideLayout2.xml><?xml version="1.0" encoding="utf-8"?>
-<p:sldLayout xmlns:a="http://schemas.openxmlformats.org/drawingml/2006/main" xmlns:r="http://schemas.openxmlformats.org/officeDocument/2006/relationships" xmlns:p="http://schemas.openxmlformats.org/presentationml/2006/main" xmlns:m="http://schemas.openxmlformats.org/officeDocument/2006/math" xmlns:a14="http://schemas.microsoft.com/office/drawing/2010/main" type="tx" showMasterSp="1" showMasterPhAnim="1">
+<p:sldLayout xmlns:a="http://schemas.openxmlformats.org/drawingml/2006/main" xmlns:r="http://schemas.openxmlformats.org/officeDocument/2006/relationships" xmlns:p="http://schemas.openxmlformats.org/presentationml/2006/main" type="tx">
   <p:cSld name="Titolo e contenuto">
     <p:spTree>
       <p:nvGrpSpPr>
@@ -753,7 +775,9 @@
       <p:sp>
         <p:nvSpPr>
           <p:cNvPr id="24" name="Titolo Testo"/>
-          <p:cNvSpPr txBox="1"/>
+          <p:cNvSpPr txBox="1">
+            <a:spLocks noGrp="1"/>
+          </p:cNvSpPr>
           <p:nvPr>
             <p:ph type="title"/>
           </p:nvPr>
@@ -767,7 +791,6 @@
           <a:bodyPr/>
           <a:lstStyle/>
           <a:p>
-            <a:pPr/>
             <a:r>
               <a:t>Titolo Testo</a:t>
             </a:r>
@@ -777,7 +800,9 @@
       <p:sp>
         <p:nvSpPr>
           <p:cNvPr id="25" name="Corpo livello uno…"/>
-          <p:cNvSpPr txBox="1"/>
+          <p:cNvSpPr txBox="1">
+            <a:spLocks noGrp="1"/>
+          </p:cNvSpPr>
           <p:nvPr>
             <p:ph type="body" idx="1"/>
           </p:nvPr>
@@ -791,7 +816,6 @@
           <a:bodyPr/>
           <a:lstStyle/>
           <a:p>
-            <a:pPr/>
             <a:r>
               <a:t>Corpo livello uno</a:t>
             </a:r>
@@ -825,7 +849,9 @@
       <p:sp>
         <p:nvSpPr>
           <p:cNvPr id="26" name="Numero diapositiva"/>
-          <p:cNvSpPr txBox="1"/>
+          <p:cNvSpPr txBox="1">
+            <a:spLocks noGrp="1"/>
+          </p:cNvSpPr>
           <p:nvPr>
             <p:ph type="sldNum" sz="quarter" idx="2"/>
           </p:nvPr>
@@ -839,8 +865,12 @@
           <a:bodyPr/>
           <a:lstStyle/>
           <a:p>
-            <a:pPr/>
-            <a:fld id="{86CB4B4D-7CA3-9044-876B-883B54F8677D}" type="slidenum"/>
+            <a:fld id="{86CB4B4D-7CA3-9044-876B-883B54F8677D}" type="slidenum">
+              <a:rPr/>
+              <a:pPr/>
+              <a:t>‹N›</a:t>
+            </a:fld>
+            <a:endParaRPr/>
           </a:p>
         </p:txBody>
       </p:sp>
@@ -849,12 +879,12 @@
   <p:clrMapOvr>
     <a:masterClrMapping/>
   </p:clrMapOvr>
-  <p:transition xmlns:p14="http://schemas.microsoft.com/office/powerpoint/2010/main" spd="med" advClick="1"/>
+  <p:transition spd="med"/>
 </p:sldLayout>
 </file>
 
 <file path=ppt/slideLayouts/slideLayout3.xml><?xml version="1.0" encoding="utf-8"?>
-<p:sldLayout xmlns:a="http://schemas.openxmlformats.org/drawingml/2006/main" xmlns:r="http://schemas.openxmlformats.org/officeDocument/2006/relationships" xmlns:p="http://schemas.openxmlformats.org/presentationml/2006/main" xmlns:m="http://schemas.openxmlformats.org/officeDocument/2006/math" xmlns:a14="http://schemas.microsoft.com/office/drawing/2010/main" type="tx" showMasterSp="0" showMasterPhAnim="1">
+<p:sldLayout xmlns:a="http://schemas.openxmlformats.org/drawingml/2006/main" xmlns:r="http://schemas.openxmlformats.org/officeDocument/2006/relationships" xmlns:p="http://schemas.openxmlformats.org/presentationml/2006/main" showMasterSp="0" type="tx">
   <p:cSld name="Intestazione sezione">
     <p:spTree>
       <p:nvGrpSpPr>
@@ -902,6 +932,7 @@
                 </a:solidFill>
               </a:defRPr>
             </a:pPr>
+            <a:endParaRPr/>
           </a:p>
         </p:txBody>
       </p:sp>
@@ -926,7 +957,7 @@
             <a:miter lim="400000"/>
           </a:ln>
           <a:effectLst>
-            <a:outerShdw sx="100000" sy="100000" kx="0" ky="0" algn="b" rotWithShape="0" blurRad="38100" dist="10160" dir="5400000">
+            <a:outerShdw blurRad="38100" dist="10160" dir="5400000" rotWithShape="0">
               <a:srgbClr val="000000">
                 <a:alpha val="60000"/>
               </a:srgbClr>
@@ -944,13 +975,16 @@
                 </a:solidFill>
               </a:defRPr>
             </a:pPr>
+            <a:endParaRPr/>
           </a:p>
         </p:txBody>
       </p:sp>
       <p:sp>
         <p:nvSpPr>
           <p:cNvPr id="35" name="Titolo Testo"/>
-          <p:cNvSpPr txBox="1"/>
+          <p:cNvSpPr txBox="1">
+            <a:spLocks noGrp="1"/>
+          </p:cNvSpPr>
           <p:nvPr>
             <p:ph type="title"/>
           </p:nvPr>
@@ -972,7 +1006,6 @@
             </a:lvl1pPr>
           </a:lstStyle>
           <a:p>
-            <a:pPr/>
             <a:r>
               <a:t>Titolo Testo</a:t>
             </a:r>
@@ -982,7 +1015,9 @@
       <p:sp>
         <p:nvSpPr>
           <p:cNvPr id="36" name="Corpo livello uno…"/>
-          <p:cNvSpPr txBox="1"/>
+          <p:cNvSpPr txBox="1">
+            <a:spLocks noGrp="1"/>
+          </p:cNvSpPr>
           <p:nvPr>
             <p:ph type="body" sz="quarter" idx="1"/>
           </p:nvPr>
@@ -1051,7 +1086,6 @@
             </a:lvl5pPr>
           </a:lstStyle>
           <a:p>
-            <a:pPr/>
             <a:r>
               <a:t>Corpo livello uno</a:t>
             </a:r>
@@ -1085,7 +1119,9 @@
       <p:sp>
         <p:nvSpPr>
           <p:cNvPr id="37" name="Numero diapositiva"/>
-          <p:cNvSpPr txBox="1"/>
+          <p:cNvSpPr txBox="1">
+            <a:spLocks noGrp="1"/>
+          </p:cNvSpPr>
           <p:nvPr>
             <p:ph type="sldNum" sz="quarter" idx="2"/>
           </p:nvPr>
@@ -1099,8 +1135,12 @@
           <a:bodyPr/>
           <a:lstStyle/>
           <a:p>
-            <a:pPr/>
-            <a:fld id="{86CB4B4D-7CA3-9044-876B-883B54F8677D}" type="slidenum"/>
+            <a:fld id="{86CB4B4D-7CA3-9044-876B-883B54F8677D}" type="slidenum">
+              <a:rPr/>
+              <a:pPr/>
+              <a:t>‹N›</a:t>
+            </a:fld>
+            <a:endParaRPr/>
           </a:p>
         </p:txBody>
       </p:sp>
@@ -1109,12 +1149,12 @@
   <p:clrMapOvr>
     <a:masterClrMapping/>
   </p:clrMapOvr>
-  <p:transition xmlns:p14="http://schemas.microsoft.com/office/powerpoint/2010/main" spd="med" advClick="1"/>
+  <p:transition spd="med"/>
 </p:sldLayout>
 </file>
 
 <file path=ppt/slideLayouts/slideLayout4.xml><?xml version="1.0" encoding="utf-8"?>
-<p:sldLayout xmlns:a="http://schemas.openxmlformats.org/drawingml/2006/main" xmlns:r="http://schemas.openxmlformats.org/officeDocument/2006/relationships" xmlns:p="http://schemas.openxmlformats.org/presentationml/2006/main" xmlns:m="http://schemas.openxmlformats.org/officeDocument/2006/math" xmlns:a14="http://schemas.microsoft.com/office/drawing/2010/main" type="tx" showMasterSp="1" showMasterPhAnim="1">
+<p:sldLayout xmlns:a="http://schemas.openxmlformats.org/drawingml/2006/main" xmlns:r="http://schemas.openxmlformats.org/officeDocument/2006/relationships" xmlns:p="http://schemas.openxmlformats.org/presentationml/2006/main" type="tx">
   <p:cSld name="Due contenuti">
     <p:spTree>
       <p:nvGrpSpPr>
@@ -1133,7 +1173,9 @@
       <p:sp>
         <p:nvSpPr>
           <p:cNvPr id="44" name="Titolo Testo"/>
-          <p:cNvSpPr txBox="1"/>
+          <p:cNvSpPr txBox="1">
+            <a:spLocks noGrp="1"/>
+          </p:cNvSpPr>
           <p:nvPr>
             <p:ph type="title"/>
           </p:nvPr>
@@ -1151,7 +1193,6 @@
           <a:bodyPr/>
           <a:lstStyle/>
           <a:p>
-            <a:pPr/>
             <a:r>
               <a:t>Titolo Testo</a:t>
             </a:r>
@@ -1161,7 +1202,9 @@
       <p:sp>
         <p:nvSpPr>
           <p:cNvPr id="45" name="Corpo livello uno…"/>
-          <p:cNvSpPr txBox="1"/>
+          <p:cNvSpPr txBox="1">
+            <a:spLocks noGrp="1"/>
+          </p:cNvSpPr>
           <p:nvPr>
             <p:ph type="body" sz="half" idx="1"/>
           </p:nvPr>
@@ -1195,7 +1238,6 @@
             </a:lvl5pPr>
           </a:lstStyle>
           <a:p>
-            <a:pPr/>
             <a:r>
               <a:t>Corpo livello uno</a:t>
             </a:r>
@@ -1229,7 +1271,9 @@
       <p:sp>
         <p:nvSpPr>
           <p:cNvPr id="46" name="Numero diapositiva"/>
-          <p:cNvSpPr txBox="1"/>
+          <p:cNvSpPr txBox="1">
+            <a:spLocks noGrp="1"/>
+          </p:cNvSpPr>
           <p:nvPr>
             <p:ph type="sldNum" sz="quarter" idx="2"/>
           </p:nvPr>
@@ -1243,8 +1287,12 @@
           <a:bodyPr/>
           <a:lstStyle/>
           <a:p>
-            <a:pPr/>
-            <a:fld id="{86CB4B4D-7CA3-9044-876B-883B54F8677D}" type="slidenum"/>
+            <a:fld id="{86CB4B4D-7CA3-9044-876B-883B54F8677D}" type="slidenum">
+              <a:rPr/>
+              <a:pPr/>
+              <a:t>‹N›</a:t>
+            </a:fld>
+            <a:endParaRPr/>
           </a:p>
         </p:txBody>
       </p:sp>
@@ -1253,12 +1301,12 @@
   <p:clrMapOvr>
     <a:masterClrMapping/>
   </p:clrMapOvr>
-  <p:transition xmlns:p14="http://schemas.microsoft.com/office/powerpoint/2010/main" spd="med" advClick="1"/>
+  <p:transition spd="med"/>
 </p:sldLayout>
 </file>
 
 <file path=ppt/slideLayouts/slideLayout5.xml><?xml version="1.0" encoding="utf-8"?>
-<p:sldLayout xmlns:a="http://schemas.openxmlformats.org/drawingml/2006/main" xmlns:r="http://schemas.openxmlformats.org/officeDocument/2006/relationships" xmlns:p="http://schemas.openxmlformats.org/presentationml/2006/main" xmlns:m="http://schemas.openxmlformats.org/officeDocument/2006/math" xmlns:a14="http://schemas.microsoft.com/office/drawing/2010/main" type="tx" showMasterSp="1" showMasterPhAnim="1">
+<p:sldLayout xmlns:a="http://schemas.openxmlformats.org/drawingml/2006/main" xmlns:r="http://schemas.openxmlformats.org/officeDocument/2006/relationships" xmlns:p="http://schemas.openxmlformats.org/presentationml/2006/main" type="tx">
   <p:cSld name="Confronto">
     <p:spTree>
       <p:nvGrpSpPr>
@@ -1277,7 +1325,9 @@
       <p:sp>
         <p:nvSpPr>
           <p:cNvPr id="53" name="Titolo Testo"/>
-          <p:cNvSpPr txBox="1"/>
+          <p:cNvSpPr txBox="1">
+            <a:spLocks noGrp="1"/>
+          </p:cNvSpPr>
           <p:nvPr>
             <p:ph type="title"/>
           </p:nvPr>
@@ -1295,7 +1345,6 @@
           <a:bodyPr/>
           <a:lstStyle/>
           <a:p>
-            <a:pPr/>
             <a:r>
               <a:t>Titolo Testo</a:t>
             </a:r>
@@ -1305,7 +1354,9 @@
       <p:sp>
         <p:nvSpPr>
           <p:cNvPr id="54" name="Corpo livello uno…"/>
-          <p:cNvSpPr txBox="1"/>
+          <p:cNvSpPr txBox="1">
+            <a:spLocks noGrp="1"/>
+          </p:cNvSpPr>
           <p:nvPr>
             <p:ph type="body" sz="quarter" idx="1"/>
           </p:nvPr>
@@ -1326,35 +1377,34 @@
               <a:buClrTx/>
               <a:buSzTx/>
               <a:buNone/>
-              <a:defRPr cap="all" sz="2300"/>
+              <a:defRPr sz="2300" cap="all"/>
             </a:lvl1pPr>
             <a:lvl2pPr marL="0" indent="457200">
               <a:buClrTx/>
               <a:buSzTx/>
               <a:buNone/>
-              <a:defRPr cap="all" sz="2300"/>
+              <a:defRPr sz="2300" cap="all"/>
             </a:lvl2pPr>
             <a:lvl3pPr marL="0" indent="914400">
               <a:buClrTx/>
               <a:buSzTx/>
               <a:buNone/>
-              <a:defRPr cap="all" sz="2300"/>
+              <a:defRPr sz="2300" cap="all"/>
             </a:lvl3pPr>
             <a:lvl4pPr marL="0" indent="1371600">
               <a:buClrTx/>
               <a:buSzTx/>
               <a:buNone/>
-              <a:defRPr cap="all" sz="2300"/>
+              <a:defRPr sz="2300" cap="all"/>
             </a:lvl4pPr>
             <a:lvl5pPr marL="0" indent="1828800">
               <a:buClrTx/>
               <a:buSzTx/>
               <a:buNone/>
-              <a:defRPr cap="all" sz="2300"/>
+              <a:defRPr sz="2300" cap="all"/>
             </a:lvl5pPr>
           </a:lstStyle>
           <a:p>
-            <a:pPr/>
             <a:r>
               <a:t>Corpo livello uno</a:t>
             </a:r>
@@ -1388,7 +1438,9 @@
       <p:sp>
         <p:nvSpPr>
           <p:cNvPr id="55" name="Segnaposto testo 4"/>
-          <p:cNvSpPr/>
+          <p:cNvSpPr>
+            <a:spLocks noGrp="1"/>
+          </p:cNvSpPr>
           <p:nvPr>
             <p:ph type="body" sz="quarter" idx="13"/>
           </p:nvPr>
@@ -1410,15 +1462,18 @@
               <a:buClrTx/>
               <a:buSzTx/>
               <a:buNone/>
-              <a:defRPr cap="all" sz="2300"/>
+              <a:defRPr sz="2300" cap="all"/>
             </a:pPr>
+            <a:endParaRPr/>
           </a:p>
         </p:txBody>
       </p:sp>
       <p:sp>
         <p:nvSpPr>
           <p:cNvPr id="56" name="Numero diapositiva"/>
-          <p:cNvSpPr txBox="1"/>
+          <p:cNvSpPr txBox="1">
+            <a:spLocks noGrp="1"/>
+          </p:cNvSpPr>
           <p:nvPr>
             <p:ph type="sldNum" sz="quarter" idx="2"/>
           </p:nvPr>
@@ -1432,8 +1487,12 @@
           <a:bodyPr/>
           <a:lstStyle/>
           <a:p>
-            <a:pPr/>
-            <a:fld id="{86CB4B4D-7CA3-9044-876B-883B54F8677D}" type="slidenum"/>
+            <a:fld id="{86CB4B4D-7CA3-9044-876B-883B54F8677D}" type="slidenum">
+              <a:rPr/>
+              <a:pPr/>
+              <a:t>‹N›</a:t>
+            </a:fld>
+            <a:endParaRPr/>
           </a:p>
         </p:txBody>
       </p:sp>
@@ -1442,12 +1501,12 @@
   <p:clrMapOvr>
     <a:masterClrMapping/>
   </p:clrMapOvr>
-  <p:transition xmlns:p14="http://schemas.microsoft.com/office/powerpoint/2010/main" spd="med" advClick="1"/>
+  <p:transition spd="med"/>
 </p:sldLayout>
 </file>
 
 <file path=ppt/slideLayouts/slideLayout6.xml><?xml version="1.0" encoding="utf-8"?>
-<p:sldLayout xmlns:a="http://schemas.openxmlformats.org/drawingml/2006/main" xmlns:r="http://schemas.openxmlformats.org/officeDocument/2006/relationships" xmlns:p="http://schemas.openxmlformats.org/presentationml/2006/main" xmlns:m="http://schemas.openxmlformats.org/officeDocument/2006/math" xmlns:a14="http://schemas.microsoft.com/office/drawing/2010/main" type="tx" showMasterSp="1" showMasterPhAnim="1">
+<p:sldLayout xmlns:a="http://schemas.openxmlformats.org/drawingml/2006/main" xmlns:r="http://schemas.openxmlformats.org/officeDocument/2006/relationships" xmlns:p="http://schemas.openxmlformats.org/presentationml/2006/main" type="tx">
   <p:cSld name="Solo titolo">
     <p:spTree>
       <p:nvGrpSpPr>
@@ -1466,7 +1525,9 @@
       <p:sp>
         <p:nvSpPr>
           <p:cNvPr id="63" name="Titolo Testo"/>
-          <p:cNvSpPr txBox="1"/>
+          <p:cNvSpPr txBox="1">
+            <a:spLocks noGrp="1"/>
+          </p:cNvSpPr>
           <p:nvPr>
             <p:ph type="title"/>
           </p:nvPr>
@@ -1484,7 +1545,6 @@
           <a:bodyPr/>
           <a:lstStyle/>
           <a:p>
-            <a:pPr/>
             <a:r>
               <a:t>Titolo Testo</a:t>
             </a:r>
@@ -1494,7 +1554,9 @@
       <p:sp>
         <p:nvSpPr>
           <p:cNvPr id="64" name="Numero diapositiva"/>
-          <p:cNvSpPr txBox="1"/>
+          <p:cNvSpPr txBox="1">
+            <a:spLocks noGrp="1"/>
+          </p:cNvSpPr>
           <p:nvPr>
             <p:ph type="sldNum" sz="quarter" idx="2"/>
           </p:nvPr>
@@ -1508,8 +1570,12 @@
           <a:bodyPr/>
           <a:lstStyle/>
           <a:p>
-            <a:pPr/>
-            <a:fld id="{86CB4B4D-7CA3-9044-876B-883B54F8677D}" type="slidenum"/>
+            <a:fld id="{86CB4B4D-7CA3-9044-876B-883B54F8677D}" type="slidenum">
+              <a:rPr/>
+              <a:pPr/>
+              <a:t>‹N›</a:t>
+            </a:fld>
+            <a:endParaRPr/>
           </a:p>
         </p:txBody>
       </p:sp>
@@ -1518,12 +1584,12 @@
   <p:clrMapOvr>
     <a:masterClrMapping/>
   </p:clrMapOvr>
-  <p:transition xmlns:p14="http://schemas.microsoft.com/office/powerpoint/2010/main" spd="med" advClick="1"/>
+  <p:transition spd="med"/>
 </p:sldLayout>
 </file>
 
 <file path=ppt/slideLayouts/slideLayout7.xml><?xml version="1.0" encoding="utf-8"?>
-<p:sldLayout xmlns:a="http://schemas.openxmlformats.org/drawingml/2006/main" xmlns:r="http://schemas.openxmlformats.org/officeDocument/2006/relationships" xmlns:p="http://schemas.openxmlformats.org/presentationml/2006/main" xmlns:m="http://schemas.openxmlformats.org/officeDocument/2006/math" xmlns:a14="http://schemas.microsoft.com/office/drawing/2010/main" type="tx" showMasterSp="0" showMasterPhAnim="1">
+<p:sldLayout xmlns:a="http://schemas.openxmlformats.org/drawingml/2006/main" xmlns:r="http://schemas.openxmlformats.org/officeDocument/2006/relationships" xmlns:p="http://schemas.openxmlformats.org/presentationml/2006/main" showMasterSp="0" type="tx">
   <p:cSld name="Vuota">
     <p:spTree>
       <p:nvGrpSpPr>
@@ -1542,7 +1608,9 @@
       <p:sp>
         <p:nvSpPr>
           <p:cNvPr id="71" name="Numero diapositiva"/>
-          <p:cNvSpPr txBox="1"/>
+          <p:cNvSpPr txBox="1">
+            <a:spLocks noGrp="1"/>
+          </p:cNvSpPr>
           <p:nvPr>
             <p:ph type="sldNum" sz="quarter" idx="2"/>
           </p:nvPr>
@@ -1556,8 +1624,12 @@
           <a:bodyPr/>
           <a:lstStyle/>
           <a:p>
-            <a:pPr/>
-            <a:fld id="{86CB4B4D-7CA3-9044-876B-883B54F8677D}" type="slidenum"/>
+            <a:fld id="{86CB4B4D-7CA3-9044-876B-883B54F8677D}" type="slidenum">
+              <a:rPr/>
+              <a:pPr/>
+              <a:t>‹N›</a:t>
+            </a:fld>
+            <a:endParaRPr/>
           </a:p>
         </p:txBody>
       </p:sp>
@@ -1566,12 +1638,12 @@
   <p:clrMapOvr>
     <a:masterClrMapping/>
   </p:clrMapOvr>
-  <p:transition xmlns:p14="http://schemas.microsoft.com/office/powerpoint/2010/main" spd="med" advClick="1"/>
+  <p:transition spd="med"/>
 </p:sldLayout>
 </file>
 
 <file path=ppt/slideLayouts/slideLayout8.xml><?xml version="1.0" encoding="utf-8"?>
-<p:sldLayout xmlns:a="http://schemas.openxmlformats.org/drawingml/2006/main" xmlns:r="http://schemas.openxmlformats.org/officeDocument/2006/relationships" xmlns:p="http://schemas.openxmlformats.org/presentationml/2006/main" xmlns:m="http://schemas.openxmlformats.org/officeDocument/2006/math" xmlns:a14="http://schemas.microsoft.com/office/drawing/2010/main" type="tx" showMasterSp="1" showMasterPhAnim="1">
+<p:sldLayout xmlns:a="http://schemas.openxmlformats.org/drawingml/2006/main" xmlns:r="http://schemas.openxmlformats.org/officeDocument/2006/relationships" xmlns:p="http://schemas.openxmlformats.org/presentationml/2006/main" type="tx">
   <p:cSld name="Contenuto con didascalia">
     <p:spTree>
       <p:nvGrpSpPr>
@@ -1590,7 +1662,9 @@
       <p:sp>
         <p:nvSpPr>
           <p:cNvPr id="78" name="Titolo Testo"/>
-          <p:cNvSpPr txBox="1"/>
+          <p:cNvSpPr txBox="1">
+            <a:spLocks noGrp="1"/>
+          </p:cNvSpPr>
           <p:nvPr>
             <p:ph type="title"/>
           </p:nvPr>
@@ -1612,7 +1686,6 @@
             </a:lvl1pPr>
           </a:lstStyle>
           <a:p>
-            <a:pPr/>
             <a:r>
               <a:t>Titolo Testo</a:t>
             </a:r>
@@ -1622,7 +1695,9 @@
       <p:sp>
         <p:nvSpPr>
           <p:cNvPr id="79" name="Corpo livello uno…"/>
-          <p:cNvSpPr txBox="1"/>
+          <p:cNvSpPr txBox="1">
+            <a:spLocks noGrp="1"/>
+          </p:cNvSpPr>
           <p:nvPr>
             <p:ph type="body" idx="1"/>
           </p:nvPr>
@@ -1640,7 +1715,6 @@
           <a:bodyPr/>
           <a:lstStyle/>
           <a:p>
-            <a:pPr/>
             <a:r>
               <a:t>Corpo livello uno</a:t>
             </a:r>
@@ -1674,7 +1748,9 @@
       <p:sp>
         <p:nvSpPr>
           <p:cNvPr id="80" name="Segnaposto testo 3"/>
-          <p:cNvSpPr/>
+          <p:cNvSpPr>
+            <a:spLocks noGrp="1"/>
+          </p:cNvSpPr>
           <p:nvPr>
             <p:ph type="body" sz="quarter" idx="13"/>
           </p:nvPr>
@@ -1698,6 +1774,7 @@
               <a:buNone/>
               <a:defRPr sz="1400"/>
             </a:pPr>
+            <a:endParaRPr/>
           </a:p>
         </p:txBody>
       </p:sp>
@@ -1733,6 +1810,7 @@
                 </a:solidFill>
               </a:defRPr>
             </a:pPr>
+            <a:endParaRPr/>
           </a:p>
         </p:txBody>
       </p:sp>
@@ -1768,13 +1846,16 @@
                 </a:solidFill>
               </a:defRPr>
             </a:pPr>
+            <a:endParaRPr/>
           </a:p>
         </p:txBody>
       </p:sp>
       <p:sp>
         <p:nvSpPr>
           <p:cNvPr id="83" name="Numero diapositiva"/>
-          <p:cNvSpPr txBox="1"/>
+          <p:cNvSpPr txBox="1">
+            <a:spLocks noGrp="1"/>
+          </p:cNvSpPr>
           <p:nvPr>
             <p:ph type="sldNum" sz="quarter" idx="2"/>
           </p:nvPr>
@@ -1788,8 +1869,12 @@
           <a:bodyPr/>
           <a:lstStyle/>
           <a:p>
-            <a:pPr/>
-            <a:fld id="{86CB4B4D-7CA3-9044-876B-883B54F8677D}" type="slidenum"/>
+            <a:fld id="{86CB4B4D-7CA3-9044-876B-883B54F8677D}" type="slidenum">
+              <a:rPr/>
+              <a:pPr/>
+              <a:t>‹N›</a:t>
+            </a:fld>
+            <a:endParaRPr/>
           </a:p>
         </p:txBody>
       </p:sp>
@@ -1798,12 +1883,12 @@
   <p:clrMapOvr>
     <a:masterClrMapping/>
   </p:clrMapOvr>
-  <p:transition xmlns:p14="http://schemas.microsoft.com/office/powerpoint/2010/main" spd="med" advClick="1"/>
+  <p:transition spd="med"/>
 </p:sldLayout>
 </file>
 
 <file path=ppt/slideLayouts/slideLayout9.xml><?xml version="1.0" encoding="utf-8"?>
-<p:sldLayout xmlns:a="http://schemas.openxmlformats.org/drawingml/2006/main" xmlns:r="http://schemas.openxmlformats.org/officeDocument/2006/relationships" xmlns:p="http://schemas.openxmlformats.org/presentationml/2006/main" xmlns:m="http://schemas.openxmlformats.org/officeDocument/2006/math" xmlns:a14="http://schemas.microsoft.com/office/drawing/2010/main" type="tx" showMasterSp="1" showMasterPhAnim="1">
+<p:sldLayout xmlns:a="http://schemas.openxmlformats.org/drawingml/2006/main" xmlns:r="http://schemas.openxmlformats.org/officeDocument/2006/relationships" xmlns:p="http://schemas.openxmlformats.org/presentationml/2006/main" type="tx">
   <p:cSld name="Immagine con didascalia">
     <p:spTree>
       <p:nvGrpSpPr>
@@ -1822,7 +1907,9 @@
       <p:sp>
         <p:nvSpPr>
           <p:cNvPr id="90" name="Titolo Testo"/>
-          <p:cNvSpPr txBox="1"/>
+          <p:cNvSpPr txBox="1">
+            <a:spLocks noGrp="1"/>
+          </p:cNvSpPr>
           <p:nvPr>
             <p:ph type="title"/>
           </p:nvPr>
@@ -1844,7 +1931,6 @@
             </a:lvl1pPr>
           </a:lstStyle>
           <a:p>
-            <a:pPr/>
             <a:r>
               <a:t>Titolo Testo</a:t>
             </a:r>
@@ -1854,7 +1940,9 @@
       <p:sp>
         <p:nvSpPr>
           <p:cNvPr id="91" name="Segnaposto immagine 2"/>
-          <p:cNvSpPr/>
+          <p:cNvSpPr>
+            <a:spLocks noGrp="1"/>
+          </p:cNvSpPr>
           <p:nvPr>
             <p:ph type="pic" idx="13"/>
           </p:nvPr>
@@ -1874,14 +1962,16 @@
           </a:bodyPr>
           <a:lstStyle/>
           <a:p>
-            <a:pPr/>
+            <a:endParaRPr/>
           </a:p>
         </p:txBody>
       </p:sp>
       <p:sp>
         <p:nvSpPr>
           <p:cNvPr id="92" name="Corpo livello uno…"/>
-          <p:cNvSpPr txBox="1"/>
+          <p:cNvSpPr txBox="1">
+            <a:spLocks noGrp="1"/>
+          </p:cNvSpPr>
           <p:nvPr>
             <p:ph type="body" sz="quarter" idx="1"/>
           </p:nvPr>
@@ -1930,7 +2020,6 @@
             </a:lvl5pPr>
           </a:lstStyle>
           <a:p>
-            <a:pPr/>
             <a:r>
               <a:t>Corpo livello uno</a:t>
             </a:r>
@@ -1993,6 +2082,7 @@
                 </a:solidFill>
               </a:defRPr>
             </a:pPr>
+            <a:endParaRPr/>
           </a:p>
         </p:txBody>
       </p:sp>
@@ -2028,13 +2118,16 @@
                 </a:solidFill>
               </a:defRPr>
             </a:pPr>
+            <a:endParaRPr/>
           </a:p>
         </p:txBody>
       </p:sp>
       <p:sp>
         <p:nvSpPr>
           <p:cNvPr id="95" name="Numero diapositiva"/>
-          <p:cNvSpPr txBox="1"/>
+          <p:cNvSpPr txBox="1">
+            <a:spLocks noGrp="1"/>
+          </p:cNvSpPr>
           <p:nvPr>
             <p:ph type="sldNum" sz="quarter" idx="2"/>
           </p:nvPr>
@@ -2052,8 +2145,12 @@
           <a:bodyPr/>
           <a:lstStyle/>
           <a:p>
-            <a:pPr/>
-            <a:fld id="{86CB4B4D-7CA3-9044-876B-883B54F8677D}" type="slidenum"/>
+            <a:fld id="{86CB4B4D-7CA3-9044-876B-883B54F8677D}" type="slidenum">
+              <a:rPr/>
+              <a:pPr/>
+              <a:t>‹N›</a:t>
+            </a:fld>
+            <a:endParaRPr/>
           </a:p>
         </p:txBody>
       </p:sp>
@@ -2062,18 +2159,19 @@
   <p:clrMapOvr>
     <a:masterClrMapping/>
   </p:clrMapOvr>
-  <p:transition xmlns:p14="http://schemas.microsoft.com/office/powerpoint/2010/main" spd="med" advClick="1"/>
+  <p:transition spd="med"/>
 </p:sldLayout>
 </file>
 
 <file path=ppt/slideMasters/slideMaster1.xml><?xml version="1.0" encoding="utf-8"?>
-<p:sldMaster xmlns:a="http://schemas.openxmlformats.org/drawingml/2006/main" xmlns:r="http://schemas.openxmlformats.org/officeDocument/2006/relationships" xmlns:p="http://schemas.openxmlformats.org/presentationml/2006/main" xmlns:m="http://schemas.openxmlformats.org/officeDocument/2006/math" xmlns:a14="http://schemas.microsoft.com/office/drawing/2010/main">
+<p:sldMaster xmlns:a="http://schemas.openxmlformats.org/drawingml/2006/main" xmlns:r="http://schemas.openxmlformats.org/officeDocument/2006/relationships" xmlns:p="http://schemas.openxmlformats.org/presentationml/2006/main">
   <p:cSld>
     <p:bg>
       <p:bgPr>
         <a:solidFill>
           <a:srgbClr val="FFFFFF"/>
         </a:solidFill>
+        <a:effectLst/>
       </p:bgPr>
     </p:bg>
     <p:spTree>
@@ -2111,7 +2209,7 @@
             <a:miter lim="400000"/>
           </a:ln>
           <a:effectLst>
-            <a:outerShdw sx="100000" sy="100000" kx="0" ky="0" algn="b" rotWithShape="0" blurRad="38100" dist="10160" dir="5400000">
+            <a:outerShdw blurRad="38100" dist="10160" dir="5400000" rotWithShape="0">
               <a:srgbClr val="000000">
                 <a:alpha val="60000"/>
               </a:srgbClr>
@@ -2129,6 +2227,7 @@
                 </a:solidFill>
               </a:defRPr>
             </a:pPr>
+            <a:endParaRPr/>
           </a:p>
         </p:txBody>
       </p:sp>
@@ -2164,13 +2263,16 @@
                 </a:solidFill>
               </a:defRPr>
             </a:pPr>
+            <a:endParaRPr/>
           </a:p>
         </p:txBody>
       </p:sp>
       <p:sp>
         <p:nvSpPr>
           <p:cNvPr id="4" name="Titolo Testo"/>
-          <p:cNvSpPr txBox="1"/>
+          <p:cNvSpPr txBox="1">
+            <a:spLocks noGrp="1"/>
+          </p:cNvSpPr>
           <p:nvPr>
             <p:ph type="title"/>
           </p:nvPr>
@@ -2188,17 +2290,16 @@
           </a:ln>
           <a:extLst>
             <a:ext uri="{C572A759-6A51-4108-AA02-DFA0A04FC94B}">
-              <ma14:wrappingTextBoxFlag xmlns:ma14="http://schemas.microsoft.com/office/mac/drawingml/2011/main" val="1"/>
+              <ma14:wrappingTextBoxFlag xmlns:ma14="http://schemas.microsoft.com/office/mac/drawingml/2011/main" xmlns:a14="http://schemas.microsoft.com/office/drawing/2010/main" xmlns:m="http://schemas.openxmlformats.org/officeDocument/2006/math" xmlns="" val="1"/>
             </a:ext>
           </a:extLst>
         </p:spPr>
         <p:txBody>
           <a:bodyPr lIns="45719" rIns="45719" anchor="ctr">
-            <a:normAutofit fontScale="100000" lnSpcReduction="0"/>
+            <a:normAutofit/>
           </a:bodyPr>
           <a:lstStyle/>
           <a:p>
-            <a:pPr/>
             <a:r>
               <a:t>Titolo Testo</a:t>
             </a:r>
@@ -2208,7 +2309,9 @@
       <p:sp>
         <p:nvSpPr>
           <p:cNvPr id="5" name="Corpo livello uno…"/>
-          <p:cNvSpPr txBox="1"/>
+          <p:cNvSpPr txBox="1">
+            <a:spLocks noGrp="1"/>
+          </p:cNvSpPr>
           <p:nvPr>
             <p:ph type="body" idx="1"/>
           </p:nvPr>
@@ -2226,17 +2329,16 @@
           </a:ln>
           <a:extLst>
             <a:ext uri="{C572A759-6A51-4108-AA02-DFA0A04FC94B}">
-              <ma14:wrappingTextBoxFlag xmlns:ma14="http://schemas.microsoft.com/office/mac/drawingml/2011/main" val="1"/>
+              <ma14:wrappingTextBoxFlag xmlns:ma14="http://schemas.microsoft.com/office/mac/drawingml/2011/main" xmlns:a14="http://schemas.microsoft.com/office/drawing/2010/main" xmlns:m="http://schemas.openxmlformats.org/officeDocument/2006/math" xmlns="" val="1"/>
             </a:ext>
           </a:extLst>
         </p:spPr>
         <p:txBody>
           <a:bodyPr lIns="45719" rIns="45719">
-            <a:normAutofit fontScale="100000" lnSpcReduction="0"/>
+            <a:normAutofit/>
           </a:bodyPr>
           <a:lstStyle/>
           <a:p>
-            <a:pPr/>
             <a:r>
               <a:t>Corpo livello uno</a:t>
             </a:r>
@@ -2270,7 +2372,9 @@
       <p:sp>
         <p:nvSpPr>
           <p:cNvPr id="6" name="Numero diapositiva"/>
-          <p:cNvSpPr txBox="1"/>
+          <p:cNvSpPr txBox="1">
+            <a:spLocks noGrp="1"/>
+          </p:cNvSpPr>
           <p:nvPr>
             <p:ph type="sldNum" sz="quarter" idx="2"/>
           </p:nvPr>
@@ -2301,8 +2405,12 @@
             </a:lvl1pPr>
           </a:lstStyle>
           <a:p>
-            <a:pPr/>
-            <a:fld id="{86CB4B4D-7CA3-9044-876B-883B54F8677D}" type="slidenum"/>
+            <a:fld id="{86CB4B4D-7CA3-9044-876B-883B54F8677D}" type="slidenum">
+              <a:rPr/>
+              <a:pPr/>
+              <a:t>‹N›</a:t>
+            </a:fld>
+            <a:endParaRPr/>
           </a:p>
         </p:txBody>
       </p:sp>
@@ -2310,17 +2418,17 @@
   </p:cSld>
   <p:clrMap bg1="lt1" tx1="dk1" bg2="lt2" tx2="dk2" accent1="accent1" accent2="accent2" accent3="accent3" accent4="accent4" accent5="accent5" accent6="accent6" hlink="hlink" folHlink="folHlink"/>
   <p:sldLayoutIdLst>
-    <p:sldLayoutId id="2147483649" r:id="rId2"/>
-    <p:sldLayoutId id="2147483650" r:id="rId3"/>
-    <p:sldLayoutId id="2147483651" r:id="rId4"/>
-    <p:sldLayoutId id="2147483652" r:id="rId5"/>
-    <p:sldLayoutId id="2147483653" r:id="rId6"/>
-    <p:sldLayoutId id="2147483654" r:id="rId7"/>
-    <p:sldLayoutId id="2147483655" r:id="rId8"/>
-    <p:sldLayoutId id="2147483656" r:id="rId9"/>
-    <p:sldLayoutId id="2147483657" r:id="rId10"/>
+    <p:sldLayoutId id="2147483649" r:id="rId1"/>
+    <p:sldLayoutId id="2147483650" r:id="rId2"/>
+    <p:sldLayoutId id="2147483651" r:id="rId3"/>
+    <p:sldLayoutId id="2147483652" r:id="rId4"/>
+    <p:sldLayoutId id="2147483653" r:id="rId5"/>
+    <p:sldLayoutId id="2147483654" r:id="rId6"/>
+    <p:sldLayoutId id="2147483655" r:id="rId7"/>
+    <p:sldLayoutId id="2147483656" r:id="rId8"/>
+    <p:sldLayoutId id="2147483657" r:id="rId9"/>
   </p:sldLayoutIdLst>
-  <p:transition xmlns:p14="http://schemas.microsoft.com/office/powerpoint/2010/main" spd="med" advClick="1"/>
+  <p:transition spd="med"/>
   <p:txStyles>
     <p:titleStyle>
       <a:lvl1pPr marL="0" marR="0" indent="0" algn="l" defTabSz="914400" rtl="0" latinLnBrk="0">
@@ -2338,7 +2446,7 @@
         <a:buFontTx/>
         <a:buNone/>
         <a:tabLst/>
-        <a:defRPr b="0" baseline="0" cap="none" i="0" spc="0" strike="noStrike" sz="4500" u="none">
+        <a:defRPr sz="4500" b="0" i="0" u="none" strike="noStrike" cap="none" spc="0" baseline="0">
           <a:solidFill>
             <a:schemeClr val="accent2">
               <a:lumOff val="16690"/>
@@ -2366,7 +2474,7 @@
         <a:buFontTx/>
         <a:buNone/>
         <a:tabLst/>
-        <a:defRPr b="0" baseline="0" cap="none" i="0" spc="0" strike="noStrike" sz="4500" u="none">
+        <a:defRPr sz="4500" b="0" i="0" u="none" strike="noStrike" cap="none" spc="0" baseline="0">
           <a:solidFill>
             <a:schemeClr val="accent2">
               <a:lumOff val="16690"/>
@@ -2394,7 +2502,7 @@
         <a:buFontTx/>
         <a:buNone/>
         <a:tabLst/>
-        <a:defRPr b="0" baseline="0" cap="none" i="0" spc="0" strike="noStrike" sz="4500" u="none">
+        <a:defRPr sz="4500" b="0" i="0" u="none" strike="noStrike" cap="none" spc="0" baseline="0">
           <a:solidFill>
             <a:schemeClr val="accent2">
               <a:lumOff val="16690"/>
@@ -2422,7 +2530,7 @@
         <a:buFontTx/>
         <a:buNone/>
         <a:tabLst/>
-        <a:defRPr b="0" baseline="0" cap="none" i="0" spc="0" strike="noStrike" sz="4500" u="none">
+        <a:defRPr sz="4500" b="0" i="0" u="none" strike="noStrike" cap="none" spc="0" baseline="0">
           <a:solidFill>
             <a:schemeClr val="accent2">
               <a:lumOff val="16690"/>
@@ -2450,7 +2558,7 @@
         <a:buFontTx/>
         <a:buNone/>
         <a:tabLst/>
-        <a:defRPr b="0" baseline="0" cap="none" i="0" spc="0" strike="noStrike" sz="4500" u="none">
+        <a:defRPr sz="4500" b="0" i="0" u="none" strike="noStrike" cap="none" spc="0" baseline="0">
           <a:solidFill>
             <a:schemeClr val="accent2">
               <a:lumOff val="16690"/>
@@ -2478,7 +2586,7 @@
         <a:buFontTx/>
         <a:buNone/>
         <a:tabLst/>
-        <a:defRPr b="0" baseline="0" cap="none" i="0" spc="0" strike="noStrike" sz="4500" u="none">
+        <a:defRPr sz="4500" b="0" i="0" u="none" strike="noStrike" cap="none" spc="0" baseline="0">
           <a:solidFill>
             <a:schemeClr val="accent2">
               <a:lumOff val="16690"/>
@@ -2506,7 +2614,7 @@
         <a:buFontTx/>
         <a:buNone/>
         <a:tabLst/>
-        <a:defRPr b="0" baseline="0" cap="none" i="0" spc="0" strike="noStrike" sz="4500" u="none">
+        <a:defRPr sz="4500" b="0" i="0" u="none" strike="noStrike" cap="none" spc="0" baseline="0">
           <a:solidFill>
             <a:schemeClr val="accent2">
               <a:lumOff val="16690"/>
@@ -2534,7 +2642,7 @@
         <a:buFontTx/>
         <a:buNone/>
         <a:tabLst/>
-        <a:defRPr b="0" baseline="0" cap="none" i="0" spc="0" strike="noStrike" sz="4500" u="none">
+        <a:defRPr sz="4500" b="0" i="0" u="none" strike="noStrike" cap="none" spc="0" baseline="0">
           <a:solidFill>
             <a:schemeClr val="accent2">
               <a:lumOff val="16690"/>
@@ -2562,7 +2670,7 @@
         <a:buFontTx/>
         <a:buNone/>
         <a:tabLst/>
-        <a:defRPr b="0" baseline="0" cap="none" i="0" spc="0" strike="noStrike" sz="4500" u="none">
+        <a:defRPr sz="4500" b="0" i="0" u="none" strike="noStrike" cap="none" spc="0" baseline="0">
           <a:solidFill>
             <a:schemeClr val="accent2">
               <a:lumOff val="16690"/>
@@ -2596,7 +2704,7 @@
         <a:buFontTx/>
         <a:buChar char="◼"/>
         <a:tabLst/>
-        <a:defRPr b="0" baseline="0" cap="none" i="0" spc="0" strike="noStrike" sz="3200" u="none">
+        <a:defRPr sz="3200" b="0" i="0" u="none" strike="noStrike" cap="none" spc="0" baseline="0">
           <a:solidFill>
             <a:srgbClr val="000000"/>
           </a:solidFill>
@@ -2626,7 +2734,7 @@
         <a:buFontTx/>
         <a:buChar char="▪"/>
         <a:tabLst/>
-        <a:defRPr b="0" baseline="0" cap="none" i="0" spc="0" strike="noStrike" sz="3200" u="none">
+        <a:defRPr sz="3200" b="0" i="0" u="none" strike="noStrike" cap="none" spc="0" baseline="0">
           <a:solidFill>
             <a:srgbClr val="000000"/>
           </a:solidFill>
@@ -2656,7 +2764,7 @@
         <a:buFontTx/>
         <a:buChar char="▪"/>
         <a:tabLst/>
-        <a:defRPr b="0" baseline="0" cap="none" i="0" spc="0" strike="noStrike" sz="3200" u="none">
+        <a:defRPr sz="3200" b="0" i="0" u="none" strike="noStrike" cap="none" spc="0" baseline="0">
           <a:solidFill>
             <a:srgbClr val="000000"/>
           </a:solidFill>
@@ -2686,7 +2794,7 @@
         <a:buFontTx/>
         <a:buChar char="▪"/>
         <a:tabLst/>
-        <a:defRPr b="0" baseline="0" cap="none" i="0" spc="0" strike="noStrike" sz="3200" u="none">
+        <a:defRPr sz="3200" b="0" i="0" u="none" strike="noStrike" cap="none" spc="0" baseline="0">
           <a:solidFill>
             <a:srgbClr val="000000"/>
           </a:solidFill>
@@ -2716,7 +2824,7 @@
         <a:buFontTx/>
         <a:buChar char=""/>
         <a:tabLst/>
-        <a:defRPr b="0" baseline="0" cap="none" i="0" spc="0" strike="noStrike" sz="3200" u="none">
+        <a:defRPr sz="3200" b="0" i="0" u="none" strike="noStrike" cap="none" spc="0" baseline="0">
           <a:solidFill>
             <a:srgbClr val="000000"/>
           </a:solidFill>
@@ -2746,7 +2854,7 @@
         <a:buFontTx/>
         <a:buChar char="●"/>
         <a:tabLst/>
-        <a:defRPr b="0" baseline="0" cap="none" i="0" spc="0" strike="noStrike" sz="3200" u="none">
+        <a:defRPr sz="3200" b="0" i="0" u="none" strike="noStrike" cap="none" spc="0" baseline="0">
           <a:solidFill>
             <a:srgbClr val="000000"/>
           </a:solidFill>
@@ -2776,7 +2884,7 @@
         <a:buFontTx/>
         <a:buChar char="●"/>
         <a:tabLst/>
-        <a:defRPr b="0" baseline="0" cap="none" i="0" spc="0" strike="noStrike" sz="3200" u="none">
+        <a:defRPr sz="3200" b="0" i="0" u="none" strike="noStrike" cap="none" spc="0" baseline="0">
           <a:solidFill>
             <a:srgbClr val="000000"/>
           </a:solidFill>
@@ -2806,7 +2914,7 @@
         <a:buFontTx/>
         <a:buChar char="●"/>
         <a:tabLst/>
-        <a:defRPr b="0" baseline="0" cap="none" i="0" spc="0" strike="noStrike" sz="3200" u="none">
+        <a:defRPr sz="3200" b="0" i="0" u="none" strike="noStrike" cap="none" spc="0" baseline="0">
           <a:solidFill>
             <a:srgbClr val="000000"/>
           </a:solidFill>
@@ -2836,7 +2944,7 @@
         <a:buFontTx/>
         <a:buChar char="●"/>
         <a:tabLst/>
-        <a:defRPr b="0" baseline="0" cap="none" i="0" spc="0" strike="noStrike" sz="3200" u="none">
+        <a:defRPr sz="3200" b="0" i="0" u="none" strike="noStrike" cap="none" spc="0" baseline="0">
           <a:solidFill>
             <a:srgbClr val="000000"/>
           </a:solidFill>
@@ -2864,7 +2972,7 @@
         <a:buFontTx/>
         <a:buNone/>
         <a:tabLst/>
-        <a:defRPr b="0" baseline="0" cap="none" i="0" spc="0" strike="noStrike" sz="1200" u="none">
+        <a:defRPr sz="1200" b="0" i="0" u="none" strike="noStrike" cap="none" spc="0" baseline="0">
           <a:solidFill>
             <a:schemeClr val="tx1"/>
           </a:solidFill>
@@ -2890,7 +2998,7 @@
         <a:buFontTx/>
         <a:buNone/>
         <a:tabLst/>
-        <a:defRPr b="0" baseline="0" cap="none" i="0" spc="0" strike="noStrike" sz="1200" u="none">
+        <a:defRPr sz="1200" b="0" i="0" u="none" strike="noStrike" cap="none" spc="0" baseline="0">
           <a:solidFill>
             <a:schemeClr val="tx1"/>
           </a:solidFill>
@@ -2916,7 +3024,7 @@
         <a:buFontTx/>
         <a:buNone/>
         <a:tabLst/>
-        <a:defRPr b="0" baseline="0" cap="none" i="0" spc="0" strike="noStrike" sz="1200" u="none">
+        <a:defRPr sz="1200" b="0" i="0" u="none" strike="noStrike" cap="none" spc="0" baseline="0">
           <a:solidFill>
             <a:schemeClr val="tx1"/>
           </a:solidFill>
@@ -2942,7 +3050,7 @@
         <a:buFontTx/>
         <a:buNone/>
         <a:tabLst/>
-        <a:defRPr b="0" baseline="0" cap="none" i="0" spc="0" strike="noStrike" sz="1200" u="none">
+        <a:defRPr sz="1200" b="0" i="0" u="none" strike="noStrike" cap="none" spc="0" baseline="0">
           <a:solidFill>
             <a:schemeClr val="tx1"/>
           </a:solidFill>
@@ -2968,7 +3076,7 @@
         <a:buFontTx/>
         <a:buNone/>
         <a:tabLst/>
-        <a:defRPr b="0" baseline="0" cap="none" i="0" spc="0" strike="noStrike" sz="1200" u="none">
+        <a:defRPr sz="1200" b="0" i="0" u="none" strike="noStrike" cap="none" spc="0" baseline="0">
           <a:solidFill>
             <a:schemeClr val="tx1"/>
           </a:solidFill>
@@ -2994,7 +3102,7 @@
         <a:buFontTx/>
         <a:buNone/>
         <a:tabLst/>
-        <a:defRPr b="0" baseline="0" cap="none" i="0" spc="0" strike="noStrike" sz="1200" u="none">
+        <a:defRPr sz="1200" b="0" i="0" u="none" strike="noStrike" cap="none" spc="0" baseline="0">
           <a:solidFill>
             <a:schemeClr val="tx1"/>
           </a:solidFill>
@@ -3020,7 +3128,7 @@
         <a:buFontTx/>
         <a:buNone/>
         <a:tabLst/>
-        <a:defRPr b="0" baseline="0" cap="none" i="0" spc="0" strike="noStrike" sz="1200" u="none">
+        <a:defRPr sz="1200" b="0" i="0" u="none" strike="noStrike" cap="none" spc="0" baseline="0">
           <a:solidFill>
             <a:schemeClr val="tx1"/>
           </a:solidFill>
@@ -3046,7 +3154,7 @@
         <a:buFontTx/>
         <a:buNone/>
         <a:tabLst/>
-        <a:defRPr b="0" baseline="0" cap="none" i="0" spc="0" strike="noStrike" sz="1200" u="none">
+        <a:defRPr sz="1200" b="0" i="0" u="none" strike="noStrike" cap="none" spc="0" baseline="0">
           <a:solidFill>
             <a:schemeClr val="tx1"/>
           </a:solidFill>
@@ -3072,7 +3180,7 @@
         <a:buFontTx/>
         <a:buNone/>
         <a:tabLst/>
-        <a:defRPr b="0" baseline="0" cap="none" i="0" spc="0" strike="noStrike" sz="1200" u="none">
+        <a:defRPr sz="1200" b="0" i="0" u="none" strike="noStrike" cap="none" spc="0" baseline="0">
           <a:solidFill>
             <a:schemeClr val="tx1"/>
           </a:solidFill>
@@ -3089,7 +3197,7 @@
 </file>
 
 <file path=ppt/slides/slide1.xml><?xml version="1.0" encoding="utf-8"?>
-<p:sld xmlns:a="http://schemas.openxmlformats.org/drawingml/2006/main" xmlns:r="http://schemas.openxmlformats.org/officeDocument/2006/relationships" xmlns:p="http://schemas.openxmlformats.org/presentationml/2006/main" xmlns:m="http://schemas.openxmlformats.org/officeDocument/2006/math" xmlns:a14="http://schemas.microsoft.com/office/drawing/2010/main" showMasterSp="1" showMasterPhAnim="1">
+<p:sld xmlns:a="http://schemas.openxmlformats.org/drawingml/2006/main" xmlns:r="http://schemas.openxmlformats.org/officeDocument/2006/relationships" xmlns:p="http://schemas.openxmlformats.org/presentationml/2006/main">
   <p:cSld>
     <p:spTree>
       <p:nvGrpSpPr>
@@ -3108,7 +3216,9 @@
       <p:sp>
         <p:nvSpPr>
           <p:cNvPr id="104" name="Sottotitolo 5"/>
-          <p:cNvSpPr txBox="1"/>
+          <p:cNvSpPr txBox="1">
+            <a:spLocks noGrp="1"/>
+          </p:cNvSpPr>
           <p:nvPr>
             <p:ph type="subTitle" sz="quarter" idx="1"/>
           </p:nvPr>
@@ -3135,8 +3245,8 @@
             </a:lvl1pPr>
           </a:lstStyle>
           <a:p>
-            <a:pPr/>
-            <a:r>
+            <a:r>
+              <a:rPr dirty="0"/>
               <a:t>Can we predict , within 10 years, whether or not a person sees the risk to get coronary heart disease?</a:t>
             </a:r>
           </a:p>
@@ -3161,7 +3271,7 @@
           </a:ln>
           <a:extLst>
             <a:ext uri="{C572A759-6A51-4108-AA02-DFA0A04FC94B}">
-              <ma14:wrappingTextBoxFlag xmlns:ma14="http://schemas.microsoft.com/office/mac/drawingml/2011/main" val="1"/>
+              <ma14:wrappingTextBoxFlag xmlns:ma14="http://schemas.microsoft.com/office/mac/drawingml/2011/main" xmlns:a14="http://schemas.microsoft.com/office/drawing/2010/main" xmlns:m="http://schemas.openxmlformats.org/officeDocument/2006/math" xmlns="" val="1"/>
             </a:ext>
           </a:extLst>
         </p:spPr>
@@ -3180,6 +3290,7 @@
               </a:defRPr>
             </a:pPr>
             <a:r>
+              <a:rPr dirty="0"/>
               <a:t>by</a:t>
             </a:r>
           </a:p>
@@ -3193,7 +3304,15 @@
               </a:defRPr>
             </a:pPr>
             <a:r>
-              <a:t>Antonio Zappia, Flavia Penta, Gabriel Radu Taranciuc</a:t>
+              <a:rPr dirty="0"/>
+              <a:t>Antonio </a:t>
+            </a:r>
+            <a:r>
+              <a:rPr dirty="0" err="1"/>
+              <a:t>Zappia</a:t>
+            </a:r>
+            <a:r>
+              <a:t>, Flavia Penta, Gabriel Radu Taranciuc</a:t>
             </a:r>
           </a:p>
         </p:txBody>
@@ -3217,7 +3336,7 @@
           </a:ln>
           <a:extLst>
             <a:ext uri="{C572A759-6A51-4108-AA02-DFA0A04FC94B}">
-              <ma14:wrappingTextBoxFlag xmlns:ma14="http://schemas.microsoft.com/office/mac/drawingml/2011/main" val="1"/>
+              <ma14:wrappingTextBoxFlag xmlns:ma14="http://schemas.microsoft.com/office/mac/drawingml/2011/main" xmlns:a14="http://schemas.microsoft.com/office/drawing/2010/main" xmlns:m="http://schemas.openxmlformats.org/officeDocument/2006/math" xmlns="" val="1"/>
             </a:ext>
           </a:extLst>
         </p:spPr>
@@ -3227,7 +3346,7 @@
           </a:bodyPr>
           <a:lstStyle>
             <a:lvl1pPr algn="ctr">
-              <a:defRPr i="1" sz="2800">
+              <a:defRPr sz="2800" i="1">
                 <a:solidFill>
                   <a:srgbClr val="FFFFFF"/>
                 </a:solidFill>
@@ -3239,7 +3358,6 @@
             </a:lvl1pPr>
           </a:lstStyle>
           <a:p>
-            <a:pPr/>
             <a:r>
               <a:t>FINAL PROJECT</a:t>
             </a:r>
@@ -3251,12 +3369,3832 @@
   <p:clrMapOvr>
     <a:masterClrMapping/>
   </p:clrMapOvr>
-  <p:transition xmlns:p14="http://schemas.microsoft.com/office/powerpoint/2010/main" spd="med" advClick="1"/>
+  <p:transition spd="med"/>
 </p:sld>
 </file>
 
 <file path=ppt/slides/slide10.xml><?xml version="1.0" encoding="utf-8"?>
-<p:sld xmlns:a="http://schemas.openxmlformats.org/drawingml/2006/main" xmlns:r="http://schemas.openxmlformats.org/officeDocument/2006/relationships" xmlns:p="http://schemas.openxmlformats.org/presentationml/2006/main" xmlns:m="http://schemas.openxmlformats.org/officeDocument/2006/math" xmlns:a14="http://schemas.microsoft.com/office/drawing/2010/main" showMasterSp="1" showMasterPhAnim="1">
+<p:sld xmlns:a="http://schemas.openxmlformats.org/drawingml/2006/main" xmlns:r="http://schemas.openxmlformats.org/officeDocument/2006/relationships" xmlns:p="http://schemas.openxmlformats.org/presentationml/2006/main">
+  <p:cSld>
+    <p:spTree>
+      <p:nvGrpSpPr>
+        <p:cNvPr id="1" name=""/>
+        <p:cNvGrpSpPr/>
+        <p:nvPr/>
+      </p:nvGrpSpPr>
+      <p:grpSpPr>
+        <a:xfrm>
+          <a:off x="0" y="0"/>
+          <a:ext cx="0" cy="0"/>
+          <a:chOff x="0" y="0"/>
+          <a:chExt cx="0" cy="0"/>
+        </a:xfrm>
+      </p:grpSpPr>
+      <p:sp>
+        <p:nvSpPr>
+          <p:cNvPr id="4" name="Titolo 9"/>
+          <p:cNvSpPr txBox="1">
+            <a:spLocks noGrp="1"/>
+          </p:cNvSpPr>
+          <p:nvPr>
+            <p:ph type="title"/>
+          </p:nvPr>
+        </p:nvSpPr>
+        <p:spPr>
+          <a:xfrm>
+            <a:off x="2857488" y="-428652"/>
+            <a:ext cx="7686700" cy="2428894"/>
+          </a:xfrm>
+          <a:prstGeom prst="rect">
+            <a:avLst/>
+          </a:prstGeom>
+        </p:spPr>
+        <p:txBody>
+          <a:bodyPr>
+            <a:normAutofit/>
+          </a:bodyPr>
+          <a:lstStyle/>
+          <a:p>
+            <a:r>
+              <a:rPr lang="it-IT" sz="4000" b="1" dirty="0" err="1" smtClean="0">
+                <a:solidFill>
+                  <a:schemeClr val="bg1"/>
+                </a:solidFill>
+                <a:latin typeface="Bahnschrift Condensed" pitchFamily="34" charset="0"/>
+              </a:rPr>
+              <a:t>Prediction</a:t>
+            </a:r>
+            <a:r>
+              <a:rPr lang="it-IT" sz="4000" b="1" dirty="0" smtClean="0">
+                <a:solidFill>
+                  <a:schemeClr val="bg1"/>
+                </a:solidFill>
+                <a:latin typeface="Bahnschrift Condensed" pitchFamily="34" charset="0"/>
+              </a:rPr>
+              <a:t> </a:t>
+            </a:r>
+            <a:r>
+              <a:rPr lang="it-IT" sz="4000" b="1" dirty="0" err="1" smtClean="0">
+                <a:solidFill>
+                  <a:schemeClr val="bg1"/>
+                </a:solidFill>
+                <a:latin typeface="Bahnschrift Condensed" pitchFamily="34" charset="0"/>
+              </a:rPr>
+              <a:t>with</a:t>
+            </a:r>
+            <a:r>
+              <a:rPr lang="it-IT" sz="4000" b="1" dirty="0" smtClean="0">
+                <a:solidFill>
+                  <a:schemeClr val="bg1"/>
+                </a:solidFill>
+                <a:latin typeface="Bahnschrift Condensed" pitchFamily="34" charset="0"/>
+              </a:rPr>
+              <a:t> </a:t>
+            </a:r>
+            <a:r>
+              <a:rPr lang="it-IT" sz="4000" b="1" i="1" dirty="0" err="1" smtClean="0">
+                <a:solidFill>
+                  <a:schemeClr val="bg1"/>
+                </a:solidFill>
+                <a:latin typeface="Bahnschrift Condensed" pitchFamily="34" charset="0"/>
+              </a:rPr>
+              <a:t>Logistic</a:t>
+            </a:r>
+            <a:r>
+              <a:rPr lang="it-IT" sz="4000" b="1" i="1" dirty="0" smtClean="0">
+                <a:solidFill>
+                  <a:schemeClr val="bg1"/>
+                </a:solidFill>
+                <a:latin typeface="Bahnschrift Condensed" pitchFamily="34" charset="0"/>
+              </a:rPr>
+              <a:t> </a:t>
+            </a:r>
+            <a:r>
+              <a:rPr lang="it-IT" sz="4000" b="1" i="1" dirty="0" err="1" smtClean="0">
+                <a:solidFill>
+                  <a:schemeClr val="bg1"/>
+                </a:solidFill>
+                <a:latin typeface="Bahnschrift Condensed" pitchFamily="34" charset="0"/>
+              </a:rPr>
+              <a:t>Regression</a:t>
+            </a:r>
+            <a:endParaRPr lang="it-IT" sz="4000" b="1" dirty="0">
+              <a:solidFill>
+                <a:schemeClr val="bg1"/>
+              </a:solidFill>
+              <a:latin typeface="Bahnschrift Condensed" pitchFamily="34" charset="0"/>
+            </a:endParaRPr>
+          </a:p>
+        </p:txBody>
+      </p:sp>
+      <p:sp>
+        <p:nvSpPr>
+          <p:cNvPr id="6" name="Rettangolo 5"/>
+          <p:cNvSpPr/>
+          <p:nvPr/>
+        </p:nvSpPr>
+        <p:spPr>
+          <a:xfrm>
+            <a:off x="3214678" y="1785926"/>
+            <a:ext cx="2069797" cy="369332"/>
+          </a:xfrm>
+          <a:prstGeom prst="rect">
+            <a:avLst/>
+          </a:prstGeom>
+        </p:spPr>
+        <p:txBody>
+          <a:bodyPr wrap="none">
+            <a:spAutoFit/>
+          </a:bodyPr>
+          <a:lstStyle/>
+          <a:p>
+            <a:r>
+              <a:rPr lang="it-IT" b="1" dirty="0" err="1" smtClean="0">
+                <a:latin typeface="Helvetica Neue"/>
+              </a:rPr>
+              <a:t>Confusion</a:t>
+            </a:r>
+            <a:r>
+              <a:rPr lang="it-IT" b="1" dirty="0" smtClean="0">
+                <a:latin typeface="Helvetica Neue"/>
+              </a:rPr>
+              <a:t> Matrix</a:t>
+            </a:r>
+            <a:endParaRPr lang="it-IT" b="1" dirty="0">
+              <a:latin typeface="Helvetica Neue"/>
+            </a:endParaRPr>
+          </a:p>
+        </p:txBody>
+      </p:sp>
+      <p:pic>
+        <p:nvPicPr>
+          <p:cNvPr id="6147" name="Picture 3"/>
+          <p:cNvPicPr>
+            <a:picLocks noChangeAspect="1" noChangeArrowheads="1"/>
+          </p:cNvPicPr>
+          <p:nvPr/>
+        </p:nvPicPr>
+        <p:blipFill>
+          <a:blip r:embed="rId2" cstate="print"/>
+          <a:srcRect/>
+          <a:stretch>
+            <a:fillRect/>
+          </a:stretch>
+        </p:blipFill>
+        <p:spPr bwMode="auto">
+          <a:xfrm>
+            <a:off x="0" y="2428868"/>
+            <a:ext cx="4186249" cy="4232000"/>
+          </a:xfrm>
+          <a:prstGeom prst="rect">
+            <a:avLst/>
+          </a:prstGeom>
+          <a:noFill/>
+          <a:ln w="9525">
+            <a:noFill/>
+            <a:miter lim="800000"/>
+            <a:headEnd/>
+            <a:tailEnd/>
+          </a:ln>
+          <a:effectLst/>
+        </p:spPr>
+      </p:pic>
+      <p:sp>
+        <p:nvSpPr>
+          <p:cNvPr id="9" name="Rettangolo 8"/>
+          <p:cNvSpPr/>
+          <p:nvPr/>
+        </p:nvSpPr>
+        <p:spPr>
+          <a:xfrm>
+            <a:off x="4572000" y="2357430"/>
+            <a:ext cx="4357718" cy="4016484"/>
+          </a:xfrm>
+          <a:prstGeom prst="rect">
+            <a:avLst/>
+          </a:prstGeom>
+        </p:spPr>
+        <p:txBody>
+          <a:bodyPr wrap="square">
+            <a:spAutoFit/>
+          </a:bodyPr>
+          <a:lstStyle/>
+          <a:p>
+            <a:pPr>
+              <a:buFont typeface="Wingdings" pitchFamily="2" charset="2"/>
+              <a:buChar char="§"/>
+            </a:pPr>
+            <a:r>
+              <a:rPr lang="en-US" sz="1700" dirty="0" smtClean="0"/>
+              <a:t>  69</a:t>
+            </a:r>
+            <a:r>
+              <a:rPr lang="en-US" sz="1700" dirty="0" smtClean="0"/>
+              <a:t> </a:t>
+            </a:r>
+            <a:r>
+              <a:rPr lang="en-US" sz="1700" b="1" dirty="0" smtClean="0"/>
+              <a:t>true</a:t>
+            </a:r>
+            <a:r>
+              <a:rPr lang="en-US" sz="1700" dirty="0" smtClean="0"/>
+              <a:t> </a:t>
+            </a:r>
+            <a:r>
+              <a:rPr lang="en-US" sz="1700" dirty="0" err="1" smtClean="0"/>
+              <a:t>True</a:t>
+            </a:r>
+            <a:r>
+              <a:rPr lang="en-US" sz="1700" dirty="0" smtClean="0"/>
+              <a:t> Positive </a:t>
+            </a:r>
+            <a:r>
+              <a:rPr lang="en-US" sz="1700" dirty="0" smtClean="0"/>
+              <a:t>predictions (that is, the prediction says that a patient RUNS the risk, and he </a:t>
+            </a:r>
+            <a:r>
+              <a:rPr lang="en-US" sz="1700" b="1" dirty="0" smtClean="0"/>
+              <a:t>really</a:t>
+            </a:r>
+            <a:r>
+              <a:rPr lang="en-US" sz="1700" dirty="0" smtClean="0"/>
+              <a:t> runs the risk</a:t>
+            </a:r>
+            <a:r>
+              <a:rPr lang="en-US" sz="1700" dirty="0" smtClean="0"/>
+              <a:t>!)</a:t>
+            </a:r>
+          </a:p>
+          <a:p>
+            <a:endParaRPr lang="en-US" sz="1700" dirty="0" smtClean="0"/>
+          </a:p>
+          <a:p>
+            <a:pPr>
+              <a:buFont typeface="Wingdings" pitchFamily="2" charset="2"/>
+              <a:buChar char="§"/>
+            </a:pPr>
+            <a:r>
+              <a:rPr lang="en-US" sz="1700" dirty="0" smtClean="0"/>
+              <a:t>  83</a:t>
+            </a:r>
+            <a:r>
+              <a:rPr lang="en-US" sz="1700" dirty="0" smtClean="0"/>
+              <a:t> </a:t>
+            </a:r>
+            <a:r>
+              <a:rPr lang="en-US" sz="1700" b="1" dirty="0" smtClean="0"/>
+              <a:t>true</a:t>
+            </a:r>
+            <a:r>
+              <a:rPr lang="en-US" sz="1700" dirty="0" smtClean="0"/>
+              <a:t> </a:t>
+            </a:r>
+            <a:r>
+              <a:rPr lang="en-US" sz="1700" dirty="0" err="1" smtClean="0"/>
+              <a:t>True</a:t>
+            </a:r>
+            <a:r>
+              <a:rPr lang="en-US" sz="1700" dirty="0" smtClean="0"/>
+              <a:t> Negative </a:t>
+            </a:r>
+            <a:r>
+              <a:rPr lang="en-US" sz="1700" dirty="0" smtClean="0"/>
+              <a:t>predictions (that is, the prediction says that a patient DOESN'T run the risk, and he </a:t>
+            </a:r>
+            <a:r>
+              <a:rPr lang="en-US" sz="1700" b="1" dirty="0" smtClean="0"/>
+              <a:t>really</a:t>
+            </a:r>
+            <a:r>
+              <a:rPr lang="en-US" sz="1700" dirty="0" smtClean="0"/>
+              <a:t> DOESN'T run the risk</a:t>
+            </a:r>
+            <a:r>
+              <a:rPr lang="en-US" sz="1700" dirty="0" smtClean="0"/>
+              <a:t>!)</a:t>
+            </a:r>
+          </a:p>
+          <a:p>
+            <a:endParaRPr lang="en-US" sz="1700" dirty="0" smtClean="0"/>
+          </a:p>
+          <a:p>
+            <a:pPr>
+              <a:buFont typeface="Wingdings" pitchFamily="2" charset="2"/>
+              <a:buChar char="§"/>
+            </a:pPr>
+            <a:r>
+              <a:rPr lang="en-US" sz="1700" dirty="0" smtClean="0"/>
+              <a:t>  39</a:t>
+            </a:r>
+            <a:r>
+              <a:rPr lang="en-US" sz="1700" dirty="0" smtClean="0"/>
+              <a:t> </a:t>
+            </a:r>
+            <a:r>
+              <a:rPr lang="en-US" sz="1700" b="1" dirty="0" smtClean="0"/>
+              <a:t>false</a:t>
+            </a:r>
+            <a:r>
+              <a:rPr lang="en-US" sz="1700" dirty="0" smtClean="0"/>
+              <a:t> </a:t>
+            </a:r>
+            <a:r>
+              <a:rPr lang="en-US" sz="1700" dirty="0" err="1" smtClean="0"/>
+              <a:t>False</a:t>
+            </a:r>
+            <a:r>
+              <a:rPr lang="en-US" sz="1700" dirty="0" smtClean="0"/>
+              <a:t> Positive </a:t>
+            </a:r>
+            <a:r>
+              <a:rPr lang="en-US" sz="1700" dirty="0" smtClean="0"/>
+              <a:t>predictions (that is, the prediction says that a patient RUNS the risk, but he </a:t>
+            </a:r>
+            <a:r>
+              <a:rPr lang="en-US" sz="1700" b="1" dirty="0" smtClean="0"/>
+              <a:t>doesn't</a:t>
+            </a:r>
+            <a:r>
+              <a:rPr lang="en-US" sz="1700" dirty="0" smtClean="0"/>
+              <a:t> really run the risk</a:t>
+            </a:r>
+            <a:r>
+              <a:rPr lang="en-US" sz="1700" dirty="0" smtClean="0"/>
+              <a:t>!)</a:t>
+            </a:r>
+          </a:p>
+          <a:p>
+            <a:endParaRPr lang="en-US" sz="1700" dirty="0" smtClean="0"/>
+          </a:p>
+          <a:p>
+            <a:pPr>
+              <a:buFont typeface="Wingdings" pitchFamily="2" charset="2"/>
+              <a:buChar char="§"/>
+            </a:pPr>
+            <a:r>
+              <a:rPr lang="en-US" sz="1700" dirty="0" smtClean="0"/>
+              <a:t>  38</a:t>
+            </a:r>
+            <a:r>
+              <a:rPr lang="en-US" sz="1700" dirty="0" smtClean="0"/>
+              <a:t> </a:t>
+            </a:r>
+            <a:r>
+              <a:rPr lang="en-US" sz="1700" b="1" dirty="0" smtClean="0"/>
+              <a:t>false</a:t>
+            </a:r>
+            <a:r>
+              <a:rPr lang="en-US" sz="1700" dirty="0" smtClean="0"/>
+              <a:t> </a:t>
+            </a:r>
+            <a:r>
+              <a:rPr lang="en-US" sz="1700" dirty="0" err="1" smtClean="0"/>
+              <a:t>False</a:t>
+            </a:r>
+            <a:r>
+              <a:rPr lang="en-US" sz="1700" dirty="0" smtClean="0"/>
+              <a:t> Negative </a:t>
+            </a:r>
+            <a:r>
+              <a:rPr lang="en-US" sz="1700" dirty="0" smtClean="0"/>
+              <a:t>predictions (that is, the prediction says that a patient DOESN'T run the risk, but he </a:t>
+            </a:r>
+            <a:r>
+              <a:rPr lang="en-US" sz="1700" b="1" dirty="0" smtClean="0"/>
+              <a:t>really</a:t>
+            </a:r>
+            <a:r>
+              <a:rPr lang="en-US" sz="1700" dirty="0" smtClean="0"/>
+              <a:t> run the risk!)</a:t>
+            </a:r>
+            <a:endParaRPr lang="en-US" sz="1700" dirty="0"/>
+          </a:p>
+        </p:txBody>
+      </p:sp>
+    </p:spTree>
+  </p:cSld>
+  <p:clrMapOvr>
+    <a:masterClrMapping/>
+  </p:clrMapOvr>
+  <p:transition spd="med"/>
+</p:sld>
+</file>
+
+<file path=ppt/slides/slide11.xml><?xml version="1.0" encoding="utf-8"?>
+<p:sld xmlns:a="http://schemas.openxmlformats.org/drawingml/2006/main" xmlns:r="http://schemas.openxmlformats.org/officeDocument/2006/relationships" xmlns:p="http://schemas.openxmlformats.org/presentationml/2006/main">
+  <p:cSld>
+    <p:spTree>
+      <p:nvGrpSpPr>
+        <p:cNvPr id="1" name=""/>
+        <p:cNvGrpSpPr/>
+        <p:nvPr/>
+      </p:nvGrpSpPr>
+      <p:grpSpPr>
+        <a:xfrm>
+          <a:off x="0" y="0"/>
+          <a:ext cx="0" cy="0"/>
+          <a:chOff x="0" y="0"/>
+          <a:chExt cx="0" cy="0"/>
+        </a:xfrm>
+      </p:grpSpPr>
+      <p:sp>
+        <p:nvSpPr>
+          <p:cNvPr id="4" name="Titolo 9"/>
+          <p:cNvSpPr txBox="1">
+            <a:spLocks noGrp="1"/>
+          </p:cNvSpPr>
+          <p:nvPr>
+            <p:ph type="title"/>
+          </p:nvPr>
+        </p:nvSpPr>
+        <p:spPr>
+          <a:xfrm>
+            <a:off x="2857488" y="-428652"/>
+            <a:ext cx="7686700" cy="2428894"/>
+          </a:xfrm>
+          <a:prstGeom prst="rect">
+            <a:avLst/>
+          </a:prstGeom>
+        </p:spPr>
+        <p:txBody>
+          <a:bodyPr>
+            <a:normAutofit/>
+          </a:bodyPr>
+          <a:lstStyle/>
+          <a:p>
+            <a:r>
+              <a:rPr lang="it-IT" sz="4000" b="1" dirty="0" err="1" smtClean="0">
+                <a:solidFill>
+                  <a:schemeClr val="bg1"/>
+                </a:solidFill>
+                <a:latin typeface="Bahnschrift Condensed" pitchFamily="34" charset="0"/>
+              </a:rPr>
+              <a:t>Prediction</a:t>
+            </a:r>
+            <a:r>
+              <a:rPr lang="it-IT" sz="4000" b="1" dirty="0" smtClean="0">
+                <a:solidFill>
+                  <a:schemeClr val="bg1"/>
+                </a:solidFill>
+                <a:latin typeface="Bahnschrift Condensed" pitchFamily="34" charset="0"/>
+              </a:rPr>
+              <a:t> </a:t>
+            </a:r>
+            <a:r>
+              <a:rPr lang="it-IT" sz="4000" b="1" dirty="0" err="1" smtClean="0">
+                <a:solidFill>
+                  <a:schemeClr val="bg1"/>
+                </a:solidFill>
+                <a:latin typeface="Bahnschrift Condensed" pitchFamily="34" charset="0"/>
+              </a:rPr>
+              <a:t>with</a:t>
+            </a:r>
+            <a:r>
+              <a:rPr lang="it-IT" sz="4000" b="1" dirty="0" smtClean="0">
+                <a:solidFill>
+                  <a:schemeClr val="bg1"/>
+                </a:solidFill>
+                <a:latin typeface="Bahnschrift Condensed" pitchFamily="34" charset="0"/>
+              </a:rPr>
+              <a:t> </a:t>
+            </a:r>
+            <a:r>
+              <a:rPr lang="it-IT" sz="4000" b="1" i="1" dirty="0" err="1" smtClean="0">
+                <a:solidFill>
+                  <a:schemeClr val="bg1"/>
+                </a:solidFill>
+                <a:latin typeface="Bahnschrift Condensed" pitchFamily="34" charset="0"/>
+              </a:rPr>
+              <a:t>Logistic</a:t>
+            </a:r>
+            <a:r>
+              <a:rPr lang="it-IT" sz="4000" b="1" i="1" dirty="0" smtClean="0">
+                <a:solidFill>
+                  <a:schemeClr val="bg1"/>
+                </a:solidFill>
+                <a:latin typeface="Bahnschrift Condensed" pitchFamily="34" charset="0"/>
+              </a:rPr>
+              <a:t> </a:t>
+            </a:r>
+            <a:r>
+              <a:rPr lang="it-IT" sz="4000" b="1" i="1" dirty="0" err="1" smtClean="0">
+                <a:solidFill>
+                  <a:schemeClr val="bg1"/>
+                </a:solidFill>
+                <a:latin typeface="Bahnschrift Condensed" pitchFamily="34" charset="0"/>
+              </a:rPr>
+              <a:t>Regression</a:t>
+            </a:r>
+            <a:endParaRPr lang="it-IT" sz="4000" b="1" dirty="0">
+              <a:solidFill>
+                <a:schemeClr val="bg1"/>
+              </a:solidFill>
+              <a:latin typeface="Bahnschrift Condensed" pitchFamily="34" charset="0"/>
+            </a:endParaRPr>
+          </a:p>
+        </p:txBody>
+      </p:sp>
+      <p:sp>
+        <p:nvSpPr>
+          <p:cNvPr id="5" name="Rettangolo 4"/>
+          <p:cNvSpPr/>
+          <p:nvPr/>
+        </p:nvSpPr>
+        <p:spPr>
+          <a:xfrm>
+            <a:off x="214282" y="3357562"/>
+            <a:ext cx="864339" cy="369332"/>
+          </a:xfrm>
+          <a:prstGeom prst="rect">
+            <a:avLst/>
+          </a:prstGeom>
+        </p:spPr>
+        <p:txBody>
+          <a:bodyPr wrap="none">
+            <a:spAutoFit/>
+          </a:bodyPr>
+          <a:lstStyle/>
+          <a:p>
+            <a:r>
+              <a:rPr lang="it-IT" b="1" dirty="0" err="1" smtClean="0">
+                <a:latin typeface="Helvetica Neue"/>
+              </a:rPr>
+              <a:t>Recall</a:t>
+            </a:r>
+            <a:endParaRPr lang="it-IT" b="1" dirty="0" smtClean="0">
+              <a:latin typeface="Helvetica Neue"/>
+            </a:endParaRPr>
+          </a:p>
+        </p:txBody>
+      </p:sp>
+      <p:sp>
+        <p:nvSpPr>
+          <p:cNvPr id="7171" name="Rectangle 3"/>
+          <p:cNvSpPr>
+            <a:spLocks noChangeArrowheads="1"/>
+          </p:cNvSpPr>
+          <p:nvPr/>
+        </p:nvSpPr>
+        <p:spPr bwMode="auto">
+          <a:xfrm>
+            <a:off x="285720" y="2342042"/>
+            <a:ext cx="8390117" cy="584775"/>
+          </a:xfrm>
+          <a:prstGeom prst="rect">
+            <a:avLst/>
+          </a:prstGeom>
+          <a:solidFill>
+            <a:srgbClr val="FFFFFF"/>
+          </a:solidFill>
+          <a:ln w="9525">
+            <a:noFill/>
+            <a:miter lim="800000"/>
+            <a:headEnd/>
+            <a:tailEnd/>
+          </a:ln>
+          <a:effectLst/>
+        </p:spPr>
+        <p:txBody>
+          <a:bodyPr vert="horz" wrap="none" lIns="0" tIns="0" rIns="0" bIns="0" numCol="1" anchor="ctr" anchorCtr="0" compatLnSpc="1">
+            <a:prstTxWarp prst="textNoShape">
+              <a:avLst/>
+            </a:prstTxWarp>
+            <a:spAutoFit/>
+          </a:bodyPr>
+          <a:lstStyle/>
+          <a:p>
+            <a:pPr marL="0" marR="0" lvl="0" indent="0" algn="l" defTabSz="914400" rtl="0" eaLnBrk="1" fontAlgn="base" latinLnBrk="0" hangingPunct="1">
+              <a:lnSpc>
+                <a:spcPct val="100000"/>
+              </a:lnSpc>
+              <a:spcBef>
+                <a:spcPct val="0"/>
+              </a:spcBef>
+              <a:spcAft>
+                <a:spcPct val="0"/>
+              </a:spcAft>
+              <a:buClrTx/>
+              <a:buSzTx/>
+              <a:buFontTx/>
+              <a:buNone/>
+              <a:tabLst/>
+            </a:pPr>
+            <a:r>
+              <a:rPr kumimoji="0" lang="it-IT" b="0" i="0" u="none" strike="noStrike" cap="none" normalizeH="0" baseline="0" dirty="0" smtClean="0">
+                <a:ln>
+                  <a:noFill/>
+                </a:ln>
+                <a:solidFill>
+                  <a:srgbClr val="000000"/>
+                </a:solidFill>
+                <a:effectLst/>
+                <a:cs typeface="Arial" pitchFamily="34" charset="0"/>
+              </a:rPr>
+              <a:t>The </a:t>
+            </a:r>
+            <a:r>
+              <a:rPr kumimoji="0" lang="it-IT" b="0" i="0" u="none" strike="noStrike" cap="none" normalizeH="0" baseline="0" dirty="0" err="1" smtClean="0">
+                <a:ln>
+                  <a:noFill/>
+                </a:ln>
+                <a:solidFill>
+                  <a:srgbClr val="000000"/>
+                </a:solidFill>
+                <a:effectLst/>
+                <a:cs typeface="Arial" pitchFamily="34" charset="0"/>
+              </a:rPr>
+              <a:t>percentage</a:t>
+            </a:r>
+            <a:r>
+              <a:rPr kumimoji="0" lang="it-IT" b="0" i="0" u="none" strike="noStrike" cap="none" normalizeH="0" baseline="0" dirty="0" smtClean="0">
+                <a:ln>
+                  <a:noFill/>
+                </a:ln>
+                <a:solidFill>
+                  <a:srgbClr val="000000"/>
+                </a:solidFill>
+                <a:effectLst/>
+                <a:cs typeface="Arial" pitchFamily="34" charset="0"/>
+              </a:rPr>
+              <a:t> </a:t>
+            </a:r>
+            <a:r>
+              <a:rPr kumimoji="0" lang="it-IT" b="0" i="0" u="none" strike="noStrike" cap="none" normalizeH="0" baseline="0" dirty="0" err="1" smtClean="0">
+                <a:ln>
+                  <a:noFill/>
+                </a:ln>
+                <a:solidFill>
+                  <a:srgbClr val="000000"/>
+                </a:solidFill>
+                <a:effectLst/>
+                <a:cs typeface="Arial" pitchFamily="34" charset="0"/>
+              </a:rPr>
+              <a:t>of</a:t>
+            </a:r>
+            <a:r>
+              <a:rPr kumimoji="0" lang="it-IT" b="0" i="0" u="none" strike="noStrike" cap="none" normalizeH="0" baseline="0" dirty="0" smtClean="0">
+                <a:ln>
+                  <a:noFill/>
+                </a:ln>
+                <a:solidFill>
+                  <a:srgbClr val="000000"/>
+                </a:solidFill>
+                <a:effectLst/>
+                <a:cs typeface="Arial" pitchFamily="34" charset="0"/>
+              </a:rPr>
+              <a:t> the </a:t>
+            </a:r>
+            <a:r>
+              <a:rPr kumimoji="0" lang="it-IT" b="0" i="0" u="none" strike="noStrike" cap="none" normalizeH="0" baseline="0" dirty="0" err="1" smtClean="0">
+                <a:ln>
+                  <a:noFill/>
+                </a:ln>
+                <a:solidFill>
+                  <a:srgbClr val="000000"/>
+                </a:solidFill>
+                <a:effectLst/>
+                <a:cs typeface="Arial" pitchFamily="34" charset="0"/>
+              </a:rPr>
+              <a:t>accuracy</a:t>
+            </a:r>
+            <a:r>
+              <a:rPr kumimoji="0" lang="it-IT" b="0" i="0" u="none" strike="noStrike" cap="none" normalizeH="0" baseline="0" dirty="0" smtClean="0">
+                <a:ln>
+                  <a:noFill/>
+                </a:ln>
+                <a:solidFill>
+                  <a:srgbClr val="000000"/>
+                </a:solidFill>
+                <a:effectLst/>
+                <a:cs typeface="Arial" pitchFamily="34" charset="0"/>
+              </a:rPr>
+              <a:t> </a:t>
+            </a:r>
+            <a:r>
+              <a:rPr kumimoji="0" lang="it-IT" b="0" i="0" u="none" strike="noStrike" cap="none" normalizeH="0" baseline="0" dirty="0" err="1" smtClean="0">
+                <a:ln>
+                  <a:noFill/>
+                </a:ln>
+                <a:solidFill>
+                  <a:srgbClr val="000000"/>
+                </a:solidFill>
+                <a:effectLst/>
+                <a:cs typeface="Arial" pitchFamily="34" charset="0"/>
+              </a:rPr>
+              <a:t>of</a:t>
+            </a:r>
+            <a:r>
+              <a:rPr kumimoji="0" lang="it-IT" b="0" i="0" u="none" strike="noStrike" cap="none" normalizeH="0" baseline="0" dirty="0" smtClean="0">
+                <a:ln>
+                  <a:noFill/>
+                </a:ln>
+                <a:solidFill>
+                  <a:srgbClr val="000000"/>
+                </a:solidFill>
+                <a:effectLst/>
+                <a:cs typeface="Arial" pitchFamily="34" charset="0"/>
+              </a:rPr>
+              <a:t> </a:t>
+            </a:r>
+            <a:r>
+              <a:rPr kumimoji="0" lang="it-IT" b="0" i="0" u="none" strike="noStrike" cap="none" normalizeH="0" baseline="0" dirty="0" err="1" smtClean="0">
+                <a:ln>
+                  <a:noFill/>
+                </a:ln>
+                <a:solidFill>
+                  <a:srgbClr val="000000"/>
+                </a:solidFill>
+                <a:effectLst/>
+                <a:cs typeface="Arial" pitchFamily="34" charset="0"/>
+              </a:rPr>
+              <a:t>our</a:t>
+            </a:r>
+            <a:r>
+              <a:rPr kumimoji="0" lang="it-IT" b="0" i="0" u="none" strike="noStrike" cap="none" normalizeH="0" baseline="0" dirty="0" smtClean="0">
+                <a:ln>
+                  <a:noFill/>
+                </a:ln>
+                <a:solidFill>
+                  <a:srgbClr val="000000"/>
+                </a:solidFill>
+                <a:effectLst/>
+                <a:cs typeface="Arial" pitchFamily="34" charset="0"/>
+              </a:rPr>
+              <a:t> positive </a:t>
+            </a:r>
+            <a:r>
+              <a:rPr kumimoji="0" lang="it-IT" b="0" i="0" u="none" strike="noStrike" cap="none" normalizeH="0" baseline="0" dirty="0" err="1" smtClean="0">
+                <a:ln>
+                  <a:noFill/>
+                </a:ln>
+                <a:solidFill>
+                  <a:srgbClr val="000000"/>
+                </a:solidFill>
+                <a:effectLst/>
+                <a:cs typeface="Arial" pitchFamily="34" charset="0"/>
+              </a:rPr>
+              <a:t>predictions</a:t>
+            </a:r>
+            <a:r>
+              <a:rPr kumimoji="0" lang="it-IT" b="0" i="0" u="none" strike="noStrike" cap="none" normalizeH="0" baseline="0" dirty="0" smtClean="0">
+                <a:ln>
+                  <a:noFill/>
+                </a:ln>
+                <a:solidFill>
+                  <a:srgbClr val="000000"/>
+                </a:solidFill>
+                <a:effectLst/>
+                <a:cs typeface="Arial" pitchFamily="34" charset="0"/>
+              </a:rPr>
+              <a:t>, </a:t>
+            </a:r>
+            <a:r>
+              <a:rPr kumimoji="0" lang="it-IT" b="0" i="0" u="none" strike="noStrike" cap="none" normalizeH="0" baseline="0" dirty="0" err="1" smtClean="0">
+                <a:ln>
+                  <a:noFill/>
+                </a:ln>
+                <a:solidFill>
+                  <a:srgbClr val="000000"/>
+                </a:solidFill>
+                <a:effectLst/>
+                <a:cs typeface="Arial" pitchFamily="34" charset="0"/>
+              </a:rPr>
+              <a:t>represented</a:t>
+            </a:r>
+            <a:r>
+              <a:rPr kumimoji="0" lang="it-IT" b="0" i="0" u="none" strike="noStrike" cap="none" normalizeH="0" baseline="0" dirty="0" smtClean="0">
+                <a:ln>
+                  <a:noFill/>
+                </a:ln>
+                <a:solidFill>
+                  <a:srgbClr val="000000"/>
+                </a:solidFill>
+                <a:effectLst/>
+                <a:cs typeface="Arial" pitchFamily="34" charset="0"/>
+              </a:rPr>
+              <a:t> </a:t>
+            </a:r>
+            <a:r>
+              <a:rPr kumimoji="0" lang="it-IT" b="0" i="0" u="none" strike="noStrike" cap="none" normalizeH="0" baseline="0" dirty="0" err="1" smtClean="0">
+                <a:ln>
+                  <a:noFill/>
+                </a:ln>
+                <a:solidFill>
+                  <a:srgbClr val="000000"/>
+                </a:solidFill>
+                <a:effectLst/>
+                <a:cs typeface="Arial" pitchFamily="34" charset="0"/>
+              </a:rPr>
+              <a:t>by</a:t>
+            </a:r>
+            <a:r>
+              <a:rPr kumimoji="0" lang="it-IT" b="0" i="0" u="none" strike="noStrike" cap="none" normalizeH="0" baseline="0" dirty="0" smtClean="0">
+                <a:ln>
+                  <a:noFill/>
+                </a:ln>
+                <a:solidFill>
+                  <a:srgbClr val="000000"/>
+                </a:solidFill>
+                <a:effectLst/>
+                <a:cs typeface="Arial" pitchFamily="34" charset="0"/>
+              </a:rPr>
+              <a:t> the </a:t>
+            </a:r>
+            <a:r>
+              <a:rPr kumimoji="0" lang="it-IT" b="0" i="0" u="none" strike="noStrike" cap="none" normalizeH="0" baseline="0" dirty="0" err="1" smtClean="0">
+                <a:ln>
+                  <a:noFill/>
+                </a:ln>
+                <a:solidFill>
+                  <a:srgbClr val="000000"/>
+                </a:solidFill>
+                <a:effectLst/>
+                <a:cs typeface="Arial" pitchFamily="34" charset="0"/>
+              </a:rPr>
+              <a:t>Precision</a:t>
+            </a:r>
+            <a:r>
+              <a:rPr kumimoji="0" lang="it-IT" b="0" i="0" u="none" strike="noStrike" cap="none" normalizeH="0" baseline="0" dirty="0" smtClean="0">
+                <a:ln>
+                  <a:noFill/>
+                </a:ln>
+                <a:solidFill>
+                  <a:srgbClr val="000000"/>
+                </a:solidFill>
+                <a:effectLst/>
+                <a:cs typeface="Arial" pitchFamily="34" charset="0"/>
+              </a:rPr>
+              <a:t>,</a:t>
+            </a:r>
+          </a:p>
+          <a:p>
+            <a:pPr marL="0" marR="0" lvl="0" indent="0" algn="l" defTabSz="914400" rtl="0" eaLnBrk="1" fontAlgn="base" latinLnBrk="0" hangingPunct="1">
+              <a:lnSpc>
+                <a:spcPct val="100000"/>
+              </a:lnSpc>
+              <a:spcBef>
+                <a:spcPct val="0"/>
+              </a:spcBef>
+              <a:spcAft>
+                <a:spcPct val="0"/>
+              </a:spcAft>
+              <a:buClrTx/>
+              <a:buSzTx/>
+              <a:buFontTx/>
+              <a:buNone/>
+              <a:tabLst/>
+            </a:pPr>
+            <a:r>
+              <a:rPr kumimoji="0" lang="it-IT" b="0" i="0" u="none" strike="noStrike" cap="none" normalizeH="0" baseline="0" dirty="0" smtClean="0">
+                <a:ln>
+                  <a:noFill/>
+                </a:ln>
+                <a:solidFill>
+                  <a:srgbClr val="000000"/>
+                </a:solidFill>
+                <a:effectLst/>
+                <a:cs typeface="Arial" pitchFamily="34" charset="0"/>
+              </a:rPr>
+              <a:t> </a:t>
+            </a:r>
+            <a:r>
+              <a:rPr kumimoji="0" lang="it-IT" b="0" i="0" u="none" strike="noStrike" cap="none" normalizeH="0" baseline="0" dirty="0" err="1" smtClean="0">
+                <a:ln>
+                  <a:noFill/>
+                </a:ln>
+                <a:solidFill>
+                  <a:srgbClr val="000000"/>
+                </a:solidFill>
+                <a:effectLst/>
+                <a:cs typeface="Arial" pitchFamily="34" charset="0"/>
+              </a:rPr>
+              <a:t>is</a:t>
+            </a:r>
+            <a:r>
+              <a:rPr kumimoji="0" lang="it-IT" b="0" i="0" u="none" strike="noStrike" cap="none" normalizeH="0" baseline="0" dirty="0" smtClean="0">
+                <a:ln>
+                  <a:noFill/>
+                </a:ln>
+                <a:solidFill>
+                  <a:srgbClr val="000000"/>
+                </a:solidFill>
+                <a:effectLst/>
+                <a:cs typeface="Arial" pitchFamily="34" charset="0"/>
+              </a:rPr>
+              <a:t>:   </a:t>
+            </a:r>
+            <a:r>
+              <a:rPr kumimoji="0" lang="it-IT" sz="2000" b="1" i="1" u="none" strike="noStrike" cap="none" normalizeH="0" baseline="0" dirty="0" smtClean="0">
+                <a:ln>
+                  <a:noFill/>
+                </a:ln>
+                <a:solidFill>
+                  <a:srgbClr val="0070C0"/>
+                </a:solidFill>
+                <a:effectLst/>
+                <a:cs typeface="Arial" pitchFamily="34" charset="0"/>
+              </a:rPr>
+              <a:t>63.89% </a:t>
+            </a:r>
+            <a:endParaRPr kumimoji="0" lang="it-IT" b="1" i="1" u="none" strike="noStrike" cap="none" normalizeH="0" baseline="0" dirty="0" smtClean="0">
+              <a:ln>
+                <a:noFill/>
+              </a:ln>
+              <a:solidFill>
+                <a:srgbClr val="0070C0"/>
+              </a:solidFill>
+              <a:effectLst/>
+              <a:cs typeface="Arial" pitchFamily="34" charset="0"/>
+            </a:endParaRPr>
+          </a:p>
+        </p:txBody>
+      </p:sp>
+      <p:sp>
+        <p:nvSpPr>
+          <p:cNvPr id="8" name="Rettangolo 7"/>
+          <p:cNvSpPr/>
+          <p:nvPr/>
+        </p:nvSpPr>
+        <p:spPr>
+          <a:xfrm>
+            <a:off x="142844" y="1857364"/>
+            <a:ext cx="1223412" cy="369332"/>
+          </a:xfrm>
+          <a:prstGeom prst="rect">
+            <a:avLst/>
+          </a:prstGeom>
+        </p:spPr>
+        <p:txBody>
+          <a:bodyPr wrap="none">
+            <a:spAutoFit/>
+          </a:bodyPr>
+          <a:lstStyle/>
+          <a:p>
+            <a:r>
+              <a:rPr lang="it-IT" b="1" dirty="0" err="1" smtClean="0">
+                <a:latin typeface="Helvetica Neue"/>
+              </a:rPr>
+              <a:t>Precision</a:t>
+            </a:r>
+            <a:endParaRPr lang="it-IT" b="1" dirty="0">
+              <a:latin typeface="Helvetica Neue"/>
+            </a:endParaRPr>
+          </a:p>
+        </p:txBody>
+      </p:sp>
+      <p:sp>
+        <p:nvSpPr>
+          <p:cNvPr id="7172" name="Rectangle 4"/>
+          <p:cNvSpPr>
+            <a:spLocks noChangeArrowheads="1"/>
+          </p:cNvSpPr>
+          <p:nvPr/>
+        </p:nvSpPr>
+        <p:spPr bwMode="auto">
+          <a:xfrm>
+            <a:off x="285720" y="3770802"/>
+            <a:ext cx="8858280" cy="584775"/>
+          </a:xfrm>
+          <a:prstGeom prst="rect">
+            <a:avLst/>
+          </a:prstGeom>
+          <a:solidFill>
+            <a:srgbClr val="FFFFFF"/>
+          </a:solidFill>
+          <a:ln w="9525">
+            <a:noFill/>
+            <a:miter lim="800000"/>
+            <a:headEnd/>
+            <a:tailEnd/>
+          </a:ln>
+          <a:effectLst/>
+        </p:spPr>
+        <p:txBody>
+          <a:bodyPr vert="horz" wrap="square" lIns="0" tIns="0" rIns="0" bIns="0" numCol="1" anchor="ctr" anchorCtr="0" compatLnSpc="1">
+            <a:prstTxWarp prst="textNoShape">
+              <a:avLst/>
+            </a:prstTxWarp>
+            <a:spAutoFit/>
+          </a:bodyPr>
+          <a:lstStyle/>
+          <a:p>
+            <a:pPr marL="0" marR="0" lvl="0" indent="0" algn="l" defTabSz="914400" rtl="0" eaLnBrk="1" fontAlgn="base" latinLnBrk="0" hangingPunct="1">
+              <a:lnSpc>
+                <a:spcPct val="100000"/>
+              </a:lnSpc>
+              <a:spcBef>
+                <a:spcPct val="0"/>
+              </a:spcBef>
+              <a:spcAft>
+                <a:spcPct val="0"/>
+              </a:spcAft>
+              <a:buClrTx/>
+              <a:buSzTx/>
+              <a:buFontTx/>
+              <a:buNone/>
+              <a:tabLst/>
+            </a:pPr>
+            <a:r>
+              <a:rPr kumimoji="0" lang="it-IT" b="0" i="0" u="none" strike="noStrike" cap="none" normalizeH="0" baseline="0" dirty="0" smtClean="0">
+                <a:ln>
+                  <a:noFill/>
+                </a:ln>
+                <a:solidFill>
+                  <a:srgbClr val="000000"/>
+                </a:solidFill>
+                <a:effectLst/>
+                <a:cs typeface="Courier New" pitchFamily="49" charset="0"/>
+              </a:rPr>
+              <a:t>The </a:t>
+            </a:r>
+            <a:r>
+              <a:rPr kumimoji="0" lang="it-IT" b="0" i="0" u="none" strike="noStrike" cap="none" normalizeH="0" baseline="0" dirty="0" err="1" smtClean="0">
+                <a:ln>
+                  <a:noFill/>
+                </a:ln>
+                <a:solidFill>
+                  <a:srgbClr val="000000"/>
+                </a:solidFill>
+                <a:effectLst/>
+                <a:cs typeface="Courier New" pitchFamily="49" charset="0"/>
+              </a:rPr>
+              <a:t>ratio</a:t>
+            </a:r>
+            <a:r>
+              <a:rPr kumimoji="0" lang="it-IT" b="0" i="0" u="none" strike="noStrike" cap="none" normalizeH="0" baseline="0" dirty="0" smtClean="0">
+                <a:ln>
+                  <a:noFill/>
+                </a:ln>
+                <a:solidFill>
+                  <a:srgbClr val="000000"/>
+                </a:solidFill>
+                <a:effectLst/>
+                <a:cs typeface="Courier New" pitchFamily="49" charset="0"/>
+              </a:rPr>
+              <a:t> </a:t>
+            </a:r>
+            <a:r>
+              <a:rPr kumimoji="0" lang="it-IT" b="0" i="0" u="none" strike="noStrike" cap="none" normalizeH="0" baseline="0" dirty="0" err="1" smtClean="0">
+                <a:ln>
+                  <a:noFill/>
+                </a:ln>
+                <a:solidFill>
+                  <a:srgbClr val="000000"/>
+                </a:solidFill>
+                <a:effectLst/>
+                <a:cs typeface="Courier New" pitchFamily="49" charset="0"/>
+              </a:rPr>
+              <a:t>of</a:t>
+            </a:r>
+            <a:r>
+              <a:rPr kumimoji="0" lang="it-IT" b="0" i="0" u="none" strike="noStrike" cap="none" normalizeH="0" baseline="0" dirty="0" smtClean="0">
+                <a:ln>
+                  <a:noFill/>
+                </a:ln>
+                <a:solidFill>
+                  <a:srgbClr val="000000"/>
+                </a:solidFill>
+                <a:effectLst/>
+                <a:cs typeface="Courier New" pitchFamily="49" charset="0"/>
+              </a:rPr>
+              <a:t> positive </a:t>
+            </a:r>
+            <a:r>
+              <a:rPr kumimoji="0" lang="it-IT" b="0" i="0" u="none" strike="noStrike" cap="none" normalizeH="0" baseline="0" dirty="0" err="1" smtClean="0">
+                <a:ln>
+                  <a:noFill/>
+                </a:ln>
+                <a:solidFill>
+                  <a:srgbClr val="000000"/>
+                </a:solidFill>
+                <a:effectLst/>
+                <a:cs typeface="Courier New" pitchFamily="49" charset="0"/>
+              </a:rPr>
+              <a:t>instances</a:t>
+            </a:r>
+            <a:r>
+              <a:rPr kumimoji="0" lang="it-IT" b="0" i="0" u="none" strike="noStrike" cap="none" normalizeH="0" baseline="0" dirty="0" smtClean="0">
+                <a:ln>
+                  <a:noFill/>
+                </a:ln>
+                <a:solidFill>
+                  <a:srgbClr val="000000"/>
+                </a:solidFill>
+                <a:effectLst/>
+                <a:cs typeface="Courier New" pitchFamily="49" charset="0"/>
+              </a:rPr>
+              <a:t> </a:t>
+            </a:r>
+            <a:r>
+              <a:rPr kumimoji="0" lang="it-IT" b="0" i="0" u="none" strike="noStrike" cap="none" normalizeH="0" baseline="0" dirty="0" err="1" smtClean="0">
+                <a:ln>
+                  <a:noFill/>
+                </a:ln>
+                <a:solidFill>
+                  <a:srgbClr val="000000"/>
+                </a:solidFill>
+                <a:effectLst/>
+                <a:cs typeface="Courier New" pitchFamily="49" charset="0"/>
+              </a:rPr>
+              <a:t>that</a:t>
+            </a:r>
+            <a:r>
+              <a:rPr kumimoji="0" lang="it-IT" b="0" i="0" u="none" strike="noStrike" cap="none" normalizeH="0" baseline="0" dirty="0" smtClean="0">
+                <a:ln>
+                  <a:noFill/>
+                </a:ln>
+                <a:solidFill>
+                  <a:srgbClr val="000000"/>
+                </a:solidFill>
+                <a:effectLst/>
+                <a:cs typeface="Courier New" pitchFamily="49" charset="0"/>
+              </a:rPr>
+              <a:t> are </a:t>
+            </a:r>
+            <a:r>
+              <a:rPr kumimoji="0" lang="it-IT" b="0" i="0" u="none" strike="noStrike" cap="none" normalizeH="0" baseline="0" dirty="0" err="1" smtClean="0">
+                <a:ln>
+                  <a:noFill/>
+                </a:ln>
+                <a:solidFill>
+                  <a:srgbClr val="000000"/>
+                </a:solidFill>
+                <a:effectLst/>
+                <a:cs typeface="Courier New" pitchFamily="49" charset="0"/>
+              </a:rPr>
+              <a:t>correctly</a:t>
+            </a:r>
+            <a:r>
+              <a:rPr kumimoji="0" lang="it-IT" b="0" i="0" u="none" strike="noStrike" cap="none" normalizeH="0" baseline="0" dirty="0" smtClean="0">
+                <a:ln>
+                  <a:noFill/>
+                </a:ln>
+                <a:solidFill>
+                  <a:srgbClr val="000000"/>
+                </a:solidFill>
+                <a:effectLst/>
+                <a:cs typeface="Courier New" pitchFamily="49" charset="0"/>
+              </a:rPr>
+              <a:t> </a:t>
+            </a:r>
+            <a:r>
+              <a:rPr kumimoji="0" lang="it-IT" b="0" i="0" u="none" strike="noStrike" cap="none" normalizeH="0" baseline="0" dirty="0" err="1" smtClean="0">
+                <a:ln>
+                  <a:noFill/>
+                </a:ln>
+                <a:solidFill>
+                  <a:srgbClr val="000000"/>
+                </a:solidFill>
+                <a:effectLst/>
+                <a:cs typeface="Courier New" pitchFamily="49" charset="0"/>
+              </a:rPr>
+              <a:t>detected</a:t>
+            </a:r>
+            <a:r>
+              <a:rPr kumimoji="0" lang="it-IT" b="0" i="0" u="none" strike="noStrike" cap="none" normalizeH="0" baseline="0" dirty="0" smtClean="0">
+                <a:ln>
+                  <a:noFill/>
+                </a:ln>
+                <a:solidFill>
+                  <a:srgbClr val="000000"/>
+                </a:solidFill>
+                <a:effectLst/>
+                <a:cs typeface="Courier New" pitchFamily="49" charset="0"/>
+              </a:rPr>
+              <a:t> </a:t>
+            </a:r>
+            <a:r>
+              <a:rPr kumimoji="0" lang="it-IT" b="0" i="0" u="none" strike="noStrike" cap="none" normalizeH="0" baseline="0" dirty="0" err="1" smtClean="0">
+                <a:ln>
+                  <a:noFill/>
+                </a:ln>
+                <a:solidFill>
+                  <a:srgbClr val="000000"/>
+                </a:solidFill>
+                <a:effectLst/>
+                <a:cs typeface="Courier New" pitchFamily="49" charset="0"/>
+              </a:rPr>
+              <a:t>by</a:t>
+            </a:r>
+            <a:r>
+              <a:rPr kumimoji="0" lang="it-IT" b="0" i="0" u="none" strike="noStrike" cap="none" normalizeH="0" baseline="0" dirty="0" smtClean="0">
+                <a:ln>
+                  <a:noFill/>
+                </a:ln>
+                <a:solidFill>
+                  <a:srgbClr val="000000"/>
+                </a:solidFill>
+                <a:effectLst/>
+                <a:cs typeface="Courier New" pitchFamily="49" charset="0"/>
+              </a:rPr>
+              <a:t> the </a:t>
+            </a:r>
+            <a:r>
+              <a:rPr kumimoji="0" lang="it-IT" b="0" i="0" u="none" strike="noStrike" cap="none" normalizeH="0" baseline="0" dirty="0" err="1" smtClean="0">
+                <a:ln>
+                  <a:noFill/>
+                </a:ln>
+                <a:solidFill>
+                  <a:srgbClr val="000000"/>
+                </a:solidFill>
+                <a:effectLst/>
+                <a:cs typeface="Courier New" pitchFamily="49" charset="0"/>
+              </a:rPr>
+              <a:t>classifier</a:t>
+            </a:r>
+            <a:r>
+              <a:rPr kumimoji="0" lang="it-IT" b="0" i="0" u="none" strike="noStrike" cap="none" normalizeH="0" baseline="0" dirty="0" smtClean="0">
+                <a:ln>
+                  <a:noFill/>
+                </a:ln>
+                <a:solidFill>
+                  <a:srgbClr val="000000"/>
+                </a:solidFill>
+                <a:effectLst/>
+                <a:cs typeface="Courier New" pitchFamily="49" charset="0"/>
+              </a:rPr>
+              <a:t> (</a:t>
+            </a:r>
+            <a:r>
+              <a:rPr kumimoji="0" lang="it-IT" b="0" i="0" u="none" strike="noStrike" cap="none" normalizeH="0" baseline="0" dirty="0" err="1" smtClean="0">
+                <a:ln>
+                  <a:noFill/>
+                </a:ln>
+                <a:solidFill>
+                  <a:srgbClr val="000000"/>
+                </a:solidFill>
+                <a:effectLst/>
+                <a:cs typeface="Courier New" pitchFamily="49" charset="0"/>
+              </a:rPr>
+              <a:t>true</a:t>
+            </a:r>
+            <a:r>
+              <a:rPr kumimoji="0" lang="it-IT" b="0" i="0" u="none" strike="noStrike" cap="none" normalizeH="0" baseline="0" dirty="0" smtClean="0">
+                <a:ln>
+                  <a:noFill/>
+                </a:ln>
+                <a:solidFill>
+                  <a:srgbClr val="000000"/>
+                </a:solidFill>
+                <a:effectLst/>
+                <a:cs typeface="Courier New" pitchFamily="49" charset="0"/>
+              </a:rPr>
+              <a:t> positive rate), </a:t>
+            </a:r>
+            <a:r>
+              <a:rPr kumimoji="0" lang="it-IT" b="0" i="0" u="none" strike="noStrike" cap="none" normalizeH="0" baseline="0" dirty="0" err="1" smtClean="0">
+                <a:ln>
+                  <a:noFill/>
+                </a:ln>
+                <a:solidFill>
+                  <a:srgbClr val="000000"/>
+                </a:solidFill>
+                <a:effectLst/>
+                <a:cs typeface="Courier New" pitchFamily="49" charset="0"/>
+              </a:rPr>
+              <a:t>represented</a:t>
+            </a:r>
+            <a:r>
+              <a:rPr kumimoji="0" lang="it-IT" b="0" i="0" u="none" strike="noStrike" cap="none" normalizeH="0" baseline="0" dirty="0" smtClean="0">
+                <a:ln>
+                  <a:noFill/>
+                </a:ln>
+                <a:solidFill>
+                  <a:srgbClr val="000000"/>
+                </a:solidFill>
+                <a:effectLst/>
+                <a:cs typeface="Courier New" pitchFamily="49" charset="0"/>
+              </a:rPr>
+              <a:t> </a:t>
+            </a:r>
+            <a:r>
+              <a:rPr kumimoji="0" lang="it-IT" b="0" i="0" u="none" strike="noStrike" cap="none" normalizeH="0" baseline="0" dirty="0" err="1" smtClean="0">
+                <a:ln>
+                  <a:noFill/>
+                </a:ln>
+                <a:solidFill>
+                  <a:srgbClr val="000000"/>
+                </a:solidFill>
+                <a:effectLst/>
+                <a:cs typeface="Courier New" pitchFamily="49" charset="0"/>
+              </a:rPr>
+              <a:t>by</a:t>
+            </a:r>
+            <a:r>
+              <a:rPr kumimoji="0" lang="it-IT" b="0" i="0" u="none" strike="noStrike" cap="none" normalizeH="0" baseline="0" dirty="0" smtClean="0">
+                <a:ln>
+                  <a:noFill/>
+                </a:ln>
+                <a:solidFill>
+                  <a:srgbClr val="000000"/>
+                </a:solidFill>
+                <a:effectLst/>
+                <a:cs typeface="Courier New" pitchFamily="49" charset="0"/>
+              </a:rPr>
+              <a:t> the </a:t>
+            </a:r>
+            <a:r>
+              <a:rPr kumimoji="0" lang="it-IT" b="0" i="0" u="none" strike="noStrike" cap="none" normalizeH="0" baseline="0" dirty="0" err="1" smtClean="0">
+                <a:ln>
+                  <a:noFill/>
+                </a:ln>
+                <a:solidFill>
+                  <a:srgbClr val="000000"/>
+                </a:solidFill>
+                <a:effectLst/>
+                <a:cs typeface="Courier New" pitchFamily="49" charset="0"/>
+              </a:rPr>
+              <a:t>Recall</a:t>
+            </a:r>
+            <a:r>
+              <a:rPr kumimoji="0" lang="it-IT" b="0" i="0" u="none" strike="noStrike" cap="none" normalizeH="0" baseline="0" dirty="0" smtClean="0">
+                <a:ln>
+                  <a:noFill/>
+                </a:ln>
+                <a:solidFill>
+                  <a:srgbClr val="000000"/>
+                </a:solidFill>
+                <a:effectLst/>
+                <a:cs typeface="Courier New" pitchFamily="49" charset="0"/>
+              </a:rPr>
+              <a:t>, </a:t>
+            </a:r>
+            <a:r>
+              <a:rPr kumimoji="0" lang="it-IT" b="0" i="0" u="none" strike="noStrike" cap="none" normalizeH="0" baseline="0" dirty="0" err="1" smtClean="0">
+                <a:ln>
+                  <a:noFill/>
+                </a:ln>
+                <a:solidFill>
+                  <a:srgbClr val="000000"/>
+                </a:solidFill>
+                <a:effectLst/>
+                <a:cs typeface="Courier New" pitchFamily="49" charset="0"/>
+              </a:rPr>
+              <a:t>is</a:t>
+            </a:r>
+            <a:r>
+              <a:rPr kumimoji="0" lang="it-IT" b="0" i="0" u="none" strike="noStrike" cap="none" normalizeH="0" baseline="0" dirty="0" smtClean="0">
+                <a:ln>
+                  <a:noFill/>
+                </a:ln>
+                <a:solidFill>
+                  <a:srgbClr val="000000"/>
+                </a:solidFill>
+                <a:effectLst/>
+                <a:cs typeface="Courier New" pitchFamily="49" charset="0"/>
+              </a:rPr>
+              <a:t>:   </a:t>
+            </a:r>
+            <a:r>
+              <a:rPr kumimoji="0" lang="it-IT" sz="2000" b="1" i="1" u="none" strike="noStrike" cap="none" normalizeH="0" baseline="0" dirty="0" smtClean="0">
+                <a:ln>
+                  <a:noFill/>
+                </a:ln>
+                <a:solidFill>
+                  <a:srgbClr val="0070C0"/>
+                </a:solidFill>
+                <a:effectLst/>
+                <a:cs typeface="Courier New" pitchFamily="49" charset="0"/>
+              </a:rPr>
+              <a:t>64.49%</a:t>
+            </a:r>
+            <a:r>
+              <a:rPr kumimoji="0" lang="it-IT" sz="2000" b="1" i="1" u="none" strike="noStrike" cap="none" normalizeH="0" baseline="0" dirty="0" smtClean="0">
+                <a:ln>
+                  <a:noFill/>
+                </a:ln>
+                <a:solidFill>
+                  <a:srgbClr val="0070C0"/>
+                </a:solidFill>
+                <a:effectLst/>
+                <a:cs typeface="Arial" pitchFamily="34" charset="0"/>
+              </a:rPr>
+              <a:t> </a:t>
+            </a:r>
+            <a:endParaRPr kumimoji="0" lang="it-IT" b="1" i="1" u="none" strike="noStrike" cap="none" normalizeH="0" baseline="0" dirty="0" smtClean="0">
+              <a:ln>
+                <a:noFill/>
+              </a:ln>
+              <a:solidFill>
+                <a:srgbClr val="0070C0"/>
+              </a:solidFill>
+              <a:effectLst/>
+              <a:cs typeface="Arial" pitchFamily="34" charset="0"/>
+            </a:endParaRPr>
+          </a:p>
+        </p:txBody>
+      </p:sp>
+      <p:sp>
+        <p:nvSpPr>
+          <p:cNvPr id="10" name="Rettangolo 9"/>
+          <p:cNvSpPr/>
+          <p:nvPr/>
+        </p:nvSpPr>
+        <p:spPr>
+          <a:xfrm>
+            <a:off x="214282" y="4786322"/>
+            <a:ext cx="1146468" cy="369332"/>
+          </a:xfrm>
+          <a:prstGeom prst="rect">
+            <a:avLst/>
+          </a:prstGeom>
+        </p:spPr>
+        <p:txBody>
+          <a:bodyPr wrap="none">
+            <a:spAutoFit/>
+          </a:bodyPr>
+          <a:lstStyle/>
+          <a:p>
+            <a:r>
+              <a:rPr lang="it-IT" b="1" dirty="0" smtClean="0">
+                <a:latin typeface="Helvetica Neue"/>
+              </a:rPr>
+              <a:t>F1-score</a:t>
+            </a:r>
+            <a:endParaRPr lang="it-IT" b="1" dirty="0">
+              <a:latin typeface="Helvetica Neue"/>
+            </a:endParaRPr>
+          </a:p>
+        </p:txBody>
+      </p:sp>
+      <p:sp>
+        <p:nvSpPr>
+          <p:cNvPr id="11" name="CasellaDiTesto 10"/>
+          <p:cNvSpPr txBox="1"/>
+          <p:nvPr/>
+        </p:nvSpPr>
+        <p:spPr>
+          <a:xfrm>
+            <a:off x="285720" y="5214950"/>
+            <a:ext cx="8858281" cy="954105"/>
+          </a:xfrm>
+          <a:prstGeom prst="rect">
+            <a:avLst/>
+          </a:prstGeom>
+          <a:noFill/>
+          <a:ln w="12700" cap="flat">
+            <a:noFill/>
+            <a:miter lim="400000"/>
+          </a:ln>
+          <a:effectLst/>
+          <a:sp3d/>
+        </p:spPr>
+        <p:style>
+          <a:lnRef idx="0">
+            <a:scrgbClr r="0" g="0" b="0"/>
+          </a:lnRef>
+          <a:fillRef idx="0">
+            <a:scrgbClr r="0" g="0" b="0"/>
+          </a:fillRef>
+          <a:effectRef idx="0">
+            <a:scrgbClr r="0" g="0" b="0"/>
+          </a:effectRef>
+          <a:fontRef idx="none"/>
+        </p:style>
+        <p:txBody>
+          <a:bodyPr rot="0" spcFirstLastPara="1" vertOverflow="overflow" horzOverflow="overflow" vert="horz" wrap="square" lIns="45719" tIns="45719" rIns="45719" bIns="45719" numCol="1" spcCol="38100" rtlCol="0" anchor="t">
+            <a:spAutoFit/>
+          </a:bodyPr>
+          <a:lstStyle/>
+          <a:p>
+            <a:r>
+              <a:rPr lang="en-US" dirty="0" smtClean="0"/>
+              <a:t>The F1-score, represented by the</a:t>
+            </a:r>
+            <a:r>
+              <a:rPr lang="en-US" dirty="0" smtClean="0"/>
+              <a:t> </a:t>
+            </a:r>
+            <a:r>
+              <a:rPr lang="en-US" b="1" dirty="0" smtClean="0"/>
+              <a:t>harmonic</a:t>
+            </a:r>
+            <a:r>
+              <a:rPr lang="en-US" dirty="0" smtClean="0"/>
+              <a:t> mean of precision and </a:t>
+            </a:r>
+            <a:r>
+              <a:rPr lang="en-US" dirty="0" smtClean="0"/>
+              <a:t>recall which,  </a:t>
+            </a:r>
+            <a:r>
+              <a:rPr lang="it-IT" dirty="0" err="1" smtClean="0"/>
+              <a:t>differently</a:t>
+            </a:r>
+            <a:r>
+              <a:rPr lang="it-IT" dirty="0" smtClean="0"/>
+              <a:t> </a:t>
+            </a:r>
+            <a:r>
+              <a:rPr lang="it-IT" dirty="0" err="1" smtClean="0"/>
+              <a:t>from</a:t>
+            </a:r>
+            <a:r>
+              <a:rPr lang="it-IT" dirty="0" smtClean="0"/>
+              <a:t> </a:t>
+            </a:r>
+            <a:r>
+              <a:rPr lang="en-US" dirty="0" smtClean="0"/>
+              <a:t>the </a:t>
+            </a:r>
+            <a:r>
+              <a:rPr lang="en-US" dirty="0" smtClean="0"/>
+              <a:t>regular mean (that gives equal weight to all values</a:t>
+            </a:r>
+            <a:r>
+              <a:rPr lang="en-US" dirty="0" smtClean="0"/>
+              <a:t>),  gives </a:t>
+            </a:r>
+            <a:r>
+              <a:rPr lang="en-US" dirty="0" smtClean="0"/>
+              <a:t>more </a:t>
+            </a:r>
+            <a:r>
+              <a:rPr lang="en-US" dirty="0" smtClean="0"/>
+              <a:t>weight  </a:t>
+            </a:r>
+            <a:r>
+              <a:rPr lang="en-US" dirty="0" smtClean="0"/>
+              <a:t>to low </a:t>
+            </a:r>
+            <a:r>
+              <a:rPr lang="en-US" dirty="0" smtClean="0"/>
+              <a:t>values - favoring </a:t>
+            </a:r>
+            <a:r>
+              <a:rPr lang="en-US" dirty="0" smtClean="0"/>
+              <a:t>classifiers that have similar precision and </a:t>
+            </a:r>
+            <a:r>
+              <a:rPr lang="en-US" dirty="0" smtClean="0"/>
+              <a:t>recall  - is:   </a:t>
+            </a:r>
+            <a:r>
+              <a:rPr lang="it-IT" sz="2000" b="1" i="1" dirty="0" smtClean="0">
+                <a:solidFill>
+                  <a:srgbClr val="0070C0"/>
+                </a:solidFill>
+              </a:rPr>
+              <a:t>64.19</a:t>
+            </a:r>
+            <a:r>
+              <a:rPr lang="it-IT" sz="2000" b="1" i="1" dirty="0" smtClean="0">
+                <a:solidFill>
+                  <a:srgbClr val="0070C0"/>
+                </a:solidFill>
+              </a:rPr>
+              <a:t>%</a:t>
+            </a:r>
+            <a:endParaRPr kumimoji="0" lang="it-IT" sz="1800" b="1" i="1" u="none" strike="noStrike" cap="none" spc="0" normalizeH="0" baseline="0" dirty="0">
+              <a:ln>
+                <a:noFill/>
+              </a:ln>
+              <a:solidFill>
+                <a:srgbClr val="0070C0"/>
+              </a:solidFill>
+              <a:effectLst/>
+              <a:uFillTx/>
+              <a:latin typeface="+mj-lt"/>
+              <a:ea typeface="+mj-ea"/>
+              <a:cs typeface="+mj-cs"/>
+              <a:sym typeface="Corbel"/>
+            </a:endParaRPr>
+          </a:p>
+        </p:txBody>
+      </p:sp>
+    </p:spTree>
+  </p:cSld>
+  <p:clrMapOvr>
+    <a:masterClrMapping/>
+  </p:clrMapOvr>
+  <p:transition spd="med"/>
+</p:sld>
+</file>
+
+<file path=ppt/slides/slide12.xml><?xml version="1.0" encoding="utf-8"?>
+<p:sld xmlns:a="http://schemas.openxmlformats.org/drawingml/2006/main" xmlns:r="http://schemas.openxmlformats.org/officeDocument/2006/relationships" xmlns:p="http://schemas.openxmlformats.org/presentationml/2006/main">
+  <p:cSld>
+    <p:spTree>
+      <p:nvGrpSpPr>
+        <p:cNvPr id="1" name=""/>
+        <p:cNvGrpSpPr/>
+        <p:nvPr/>
+      </p:nvGrpSpPr>
+      <p:grpSpPr>
+        <a:xfrm>
+          <a:off x="0" y="0"/>
+          <a:ext cx="0" cy="0"/>
+          <a:chOff x="0" y="0"/>
+          <a:chExt cx="0" cy="0"/>
+        </a:xfrm>
+      </p:grpSpPr>
+      <p:sp>
+        <p:nvSpPr>
+          <p:cNvPr id="4" name="Titolo 9"/>
+          <p:cNvSpPr txBox="1">
+            <a:spLocks noGrp="1"/>
+          </p:cNvSpPr>
+          <p:nvPr>
+            <p:ph type="title"/>
+          </p:nvPr>
+        </p:nvSpPr>
+        <p:spPr>
+          <a:xfrm>
+            <a:off x="2857488" y="-428652"/>
+            <a:ext cx="7686700" cy="2428894"/>
+          </a:xfrm>
+          <a:prstGeom prst="rect">
+            <a:avLst/>
+          </a:prstGeom>
+        </p:spPr>
+        <p:txBody>
+          <a:bodyPr>
+            <a:normAutofit/>
+          </a:bodyPr>
+          <a:lstStyle/>
+          <a:p>
+            <a:r>
+              <a:rPr lang="it-IT" sz="4000" b="1" dirty="0" err="1" smtClean="0">
+                <a:solidFill>
+                  <a:schemeClr val="bg1"/>
+                </a:solidFill>
+                <a:latin typeface="Bahnschrift Condensed" pitchFamily="34" charset="0"/>
+              </a:rPr>
+              <a:t>Prediction</a:t>
+            </a:r>
+            <a:r>
+              <a:rPr lang="it-IT" sz="4000" b="1" dirty="0" smtClean="0">
+                <a:solidFill>
+                  <a:schemeClr val="bg1"/>
+                </a:solidFill>
+                <a:latin typeface="Bahnschrift Condensed" pitchFamily="34" charset="0"/>
+              </a:rPr>
+              <a:t> </a:t>
+            </a:r>
+            <a:r>
+              <a:rPr lang="it-IT" sz="4000" b="1" dirty="0" err="1" smtClean="0">
+                <a:solidFill>
+                  <a:schemeClr val="bg1"/>
+                </a:solidFill>
+                <a:latin typeface="Bahnschrift Condensed" pitchFamily="34" charset="0"/>
+              </a:rPr>
+              <a:t>with</a:t>
+            </a:r>
+            <a:r>
+              <a:rPr lang="it-IT" sz="4000" b="1" dirty="0" smtClean="0">
+                <a:solidFill>
+                  <a:schemeClr val="bg1"/>
+                </a:solidFill>
+                <a:latin typeface="Bahnschrift Condensed" pitchFamily="34" charset="0"/>
+              </a:rPr>
+              <a:t> </a:t>
+            </a:r>
+            <a:r>
+              <a:rPr lang="it-IT" sz="4000" b="1" i="1" dirty="0" err="1" smtClean="0">
+                <a:solidFill>
+                  <a:schemeClr val="bg1"/>
+                </a:solidFill>
+                <a:latin typeface="Bahnschrift Condensed" pitchFamily="34" charset="0"/>
+              </a:rPr>
+              <a:t>Logistic</a:t>
+            </a:r>
+            <a:r>
+              <a:rPr lang="it-IT" sz="4000" b="1" i="1" dirty="0" smtClean="0">
+                <a:solidFill>
+                  <a:schemeClr val="bg1"/>
+                </a:solidFill>
+                <a:latin typeface="Bahnschrift Condensed" pitchFamily="34" charset="0"/>
+              </a:rPr>
+              <a:t> </a:t>
+            </a:r>
+            <a:r>
+              <a:rPr lang="it-IT" sz="4000" b="1" i="1" dirty="0" err="1" smtClean="0">
+                <a:solidFill>
+                  <a:schemeClr val="bg1"/>
+                </a:solidFill>
+                <a:latin typeface="Bahnschrift Condensed" pitchFamily="34" charset="0"/>
+              </a:rPr>
+              <a:t>Regression</a:t>
+            </a:r>
+            <a:endParaRPr lang="it-IT" sz="4000" b="1" dirty="0">
+              <a:solidFill>
+                <a:schemeClr val="bg1"/>
+              </a:solidFill>
+              <a:latin typeface="Bahnschrift Condensed" pitchFamily="34" charset="0"/>
+            </a:endParaRPr>
+          </a:p>
+        </p:txBody>
+      </p:sp>
+      <p:sp>
+        <p:nvSpPr>
+          <p:cNvPr id="5" name="Rettangolo 4"/>
+          <p:cNvSpPr/>
+          <p:nvPr/>
+        </p:nvSpPr>
+        <p:spPr>
+          <a:xfrm>
+            <a:off x="71374" y="1714488"/>
+            <a:ext cx="9072626" cy="369332"/>
+          </a:xfrm>
+          <a:prstGeom prst="rect">
+            <a:avLst/>
+          </a:prstGeom>
+        </p:spPr>
+        <p:txBody>
+          <a:bodyPr wrap="square">
+            <a:spAutoFit/>
+          </a:bodyPr>
+          <a:lstStyle/>
+          <a:p>
+            <a:r>
+              <a:rPr lang="en-US" b="1" dirty="0" smtClean="0">
+                <a:latin typeface="Helvetica Neue"/>
+              </a:rPr>
+              <a:t> Receiver Operating Characteristic (ROC) and Area Under the ROC Curve (AUC)</a:t>
+            </a:r>
+            <a:endParaRPr lang="en-US" b="1" dirty="0">
+              <a:latin typeface="Helvetica Neue"/>
+            </a:endParaRPr>
+          </a:p>
+        </p:txBody>
+      </p:sp>
+      <p:pic>
+        <p:nvPicPr>
+          <p:cNvPr id="28674" name="Picture 2"/>
+          <p:cNvPicPr>
+            <a:picLocks noChangeAspect="1" noChangeArrowheads="1"/>
+          </p:cNvPicPr>
+          <p:nvPr/>
+        </p:nvPicPr>
+        <p:blipFill>
+          <a:blip r:embed="rId2" cstate="print"/>
+          <a:srcRect/>
+          <a:stretch>
+            <a:fillRect/>
+          </a:stretch>
+        </p:blipFill>
+        <p:spPr bwMode="auto">
+          <a:xfrm>
+            <a:off x="642910" y="2143116"/>
+            <a:ext cx="4473031" cy="3000396"/>
+          </a:xfrm>
+          <a:prstGeom prst="rect">
+            <a:avLst/>
+          </a:prstGeom>
+          <a:noFill/>
+          <a:ln w="9525">
+            <a:noFill/>
+            <a:miter lim="800000"/>
+            <a:headEnd/>
+            <a:tailEnd/>
+          </a:ln>
+          <a:effectLst/>
+        </p:spPr>
+      </p:pic>
+      <p:sp>
+        <p:nvSpPr>
+          <p:cNvPr id="28675" name="Rectangle 3"/>
+          <p:cNvSpPr>
+            <a:spLocks noChangeArrowheads="1"/>
+          </p:cNvSpPr>
+          <p:nvPr/>
+        </p:nvSpPr>
+        <p:spPr bwMode="auto">
+          <a:xfrm>
+            <a:off x="5643570" y="2812460"/>
+            <a:ext cx="2928958" cy="584775"/>
+          </a:xfrm>
+          <a:prstGeom prst="rect">
+            <a:avLst/>
+          </a:prstGeom>
+          <a:solidFill>
+            <a:srgbClr val="FFFFFF"/>
+          </a:solidFill>
+          <a:ln w="9525">
+            <a:noFill/>
+            <a:miter lim="800000"/>
+            <a:headEnd/>
+            <a:tailEnd/>
+          </a:ln>
+          <a:effectLst/>
+        </p:spPr>
+        <p:txBody>
+          <a:bodyPr vert="horz" wrap="square" lIns="0" tIns="0" rIns="0" bIns="0" numCol="1" anchor="ctr" anchorCtr="0" compatLnSpc="1">
+            <a:prstTxWarp prst="textNoShape">
+              <a:avLst/>
+            </a:prstTxWarp>
+            <a:spAutoFit/>
+          </a:bodyPr>
+          <a:lstStyle/>
+          <a:p>
+            <a:pPr marL="0" marR="0" lvl="0" indent="0" algn="l" defTabSz="914400" rtl="0" eaLnBrk="1" fontAlgn="base" latinLnBrk="0" hangingPunct="1">
+              <a:lnSpc>
+                <a:spcPct val="100000"/>
+              </a:lnSpc>
+              <a:spcBef>
+                <a:spcPct val="0"/>
+              </a:spcBef>
+              <a:spcAft>
+                <a:spcPct val="0"/>
+              </a:spcAft>
+              <a:buClrTx/>
+              <a:buSzTx/>
+              <a:buFontTx/>
+              <a:buNone/>
+              <a:tabLst/>
+            </a:pPr>
+            <a:r>
+              <a:rPr kumimoji="0" lang="it-IT" b="0" i="0" u="none" strike="noStrike" cap="none" normalizeH="0" baseline="0" dirty="0" smtClean="0">
+                <a:ln>
+                  <a:noFill/>
+                </a:ln>
+                <a:solidFill>
+                  <a:srgbClr val="000000"/>
+                </a:solidFill>
+                <a:effectLst/>
+                <a:cs typeface="Courier New" pitchFamily="49" charset="0"/>
+              </a:rPr>
+              <a:t>The Area Under the ROC curve (</a:t>
+            </a:r>
+            <a:r>
+              <a:rPr kumimoji="0" lang="it-IT" sz="2000" b="1" i="0" u="none" strike="noStrike" cap="none" normalizeH="0" baseline="0" dirty="0" smtClean="0">
+                <a:ln>
+                  <a:noFill/>
+                </a:ln>
+                <a:solidFill>
+                  <a:srgbClr val="000000"/>
+                </a:solidFill>
+                <a:effectLst/>
+                <a:cs typeface="Courier New" pitchFamily="49" charset="0"/>
+              </a:rPr>
+              <a:t>AUC</a:t>
+            </a:r>
+            <a:r>
+              <a:rPr kumimoji="0" lang="it-IT" b="0" i="0" u="none" strike="noStrike" cap="none" normalizeH="0" baseline="0" dirty="0" smtClean="0">
+                <a:ln>
+                  <a:noFill/>
+                </a:ln>
+                <a:solidFill>
+                  <a:srgbClr val="000000"/>
+                </a:solidFill>
+                <a:effectLst/>
+                <a:cs typeface="Courier New" pitchFamily="49" charset="0"/>
+              </a:rPr>
+              <a:t>) </a:t>
+            </a:r>
+            <a:r>
+              <a:rPr kumimoji="0" lang="it-IT" b="0" i="0" u="none" strike="noStrike" cap="none" normalizeH="0" baseline="0" dirty="0" err="1" smtClean="0">
+                <a:ln>
+                  <a:noFill/>
+                </a:ln>
+                <a:solidFill>
+                  <a:srgbClr val="000000"/>
+                </a:solidFill>
+                <a:effectLst/>
+                <a:cs typeface="Courier New" pitchFamily="49" charset="0"/>
+              </a:rPr>
+              <a:t>is</a:t>
+            </a:r>
+            <a:r>
+              <a:rPr kumimoji="0" lang="it-IT" b="0" i="0" u="none" strike="noStrike" cap="none" normalizeH="0" baseline="0" dirty="0" smtClean="0">
+                <a:ln>
+                  <a:noFill/>
+                </a:ln>
+                <a:solidFill>
+                  <a:srgbClr val="000000"/>
+                </a:solidFill>
+                <a:effectLst/>
+                <a:cs typeface="Courier New" pitchFamily="49" charset="0"/>
+              </a:rPr>
+              <a:t>:</a:t>
+            </a:r>
+            <a:r>
+              <a:rPr kumimoji="0" lang="it-IT" sz="2000" b="1" i="1" u="none" strike="noStrike" cap="none" normalizeH="0" baseline="0" dirty="0" smtClean="0">
+                <a:ln>
+                  <a:noFill/>
+                </a:ln>
+                <a:solidFill>
+                  <a:srgbClr val="0070C0"/>
+                </a:solidFill>
+                <a:effectLst/>
+                <a:cs typeface="Courier New" pitchFamily="49" charset="0"/>
+              </a:rPr>
+              <a:t> 0.7194</a:t>
+            </a:r>
+            <a:r>
+              <a:rPr kumimoji="0" lang="it-IT" sz="1200" b="1" i="1" u="none" strike="noStrike" cap="none" normalizeH="0" baseline="0" dirty="0" smtClean="0">
+                <a:ln>
+                  <a:noFill/>
+                </a:ln>
+                <a:solidFill>
+                  <a:srgbClr val="0070C0"/>
+                </a:solidFill>
+                <a:effectLst/>
+                <a:cs typeface="Arial" pitchFamily="34" charset="0"/>
+              </a:rPr>
+              <a:t> </a:t>
+            </a:r>
+            <a:endParaRPr kumimoji="0" lang="it-IT" sz="4000" b="1" i="1" u="none" strike="noStrike" cap="none" normalizeH="0" baseline="0" dirty="0" smtClean="0">
+              <a:ln>
+                <a:noFill/>
+              </a:ln>
+              <a:solidFill>
+                <a:srgbClr val="0070C0"/>
+              </a:solidFill>
+              <a:effectLst/>
+              <a:cs typeface="Arial" pitchFamily="34" charset="0"/>
+            </a:endParaRPr>
+          </a:p>
+        </p:txBody>
+      </p:sp>
+      <p:sp>
+        <p:nvSpPr>
+          <p:cNvPr id="8" name="Rettangolo 7"/>
+          <p:cNvSpPr/>
+          <p:nvPr/>
+        </p:nvSpPr>
+        <p:spPr>
+          <a:xfrm>
+            <a:off x="357158" y="5643578"/>
+            <a:ext cx="1223412" cy="369332"/>
+          </a:xfrm>
+          <a:prstGeom prst="rect">
+            <a:avLst/>
+          </a:prstGeom>
+        </p:spPr>
+        <p:txBody>
+          <a:bodyPr wrap="none">
+            <a:spAutoFit/>
+          </a:bodyPr>
+          <a:lstStyle/>
+          <a:p>
+            <a:r>
+              <a:rPr lang="it-IT" b="1" dirty="0" err="1" smtClean="0">
+                <a:latin typeface="Helvetica Neue"/>
+              </a:rPr>
+              <a:t>Accuracy</a:t>
+            </a:r>
+            <a:endParaRPr lang="it-IT" b="1" dirty="0">
+              <a:latin typeface="Helvetica Neue"/>
+            </a:endParaRPr>
+          </a:p>
+        </p:txBody>
+      </p:sp>
+      <p:sp>
+        <p:nvSpPr>
+          <p:cNvPr id="28676" name="Rectangle 4"/>
+          <p:cNvSpPr>
+            <a:spLocks noChangeArrowheads="1"/>
+          </p:cNvSpPr>
+          <p:nvPr/>
+        </p:nvSpPr>
+        <p:spPr bwMode="auto">
+          <a:xfrm>
+            <a:off x="428596" y="6056817"/>
+            <a:ext cx="5321970" cy="307777"/>
+          </a:xfrm>
+          <a:prstGeom prst="rect">
+            <a:avLst/>
+          </a:prstGeom>
+          <a:solidFill>
+            <a:srgbClr val="FFFFFF"/>
+          </a:solidFill>
+          <a:ln w="9525">
+            <a:noFill/>
+            <a:miter lim="800000"/>
+            <a:headEnd/>
+            <a:tailEnd/>
+          </a:ln>
+          <a:effectLst/>
+        </p:spPr>
+        <p:txBody>
+          <a:bodyPr vert="horz" wrap="none" lIns="0" tIns="0" rIns="0" bIns="0" numCol="1" anchor="ctr" anchorCtr="0" compatLnSpc="1">
+            <a:prstTxWarp prst="textNoShape">
+              <a:avLst/>
+            </a:prstTxWarp>
+            <a:spAutoFit/>
+          </a:bodyPr>
+          <a:lstStyle/>
+          <a:p>
+            <a:pPr marL="0" marR="0" lvl="0" indent="0" algn="l" defTabSz="914400" rtl="0" eaLnBrk="1" fontAlgn="base" latinLnBrk="0" hangingPunct="1">
+              <a:lnSpc>
+                <a:spcPct val="100000"/>
+              </a:lnSpc>
+              <a:spcBef>
+                <a:spcPct val="0"/>
+              </a:spcBef>
+              <a:spcAft>
+                <a:spcPct val="0"/>
+              </a:spcAft>
+              <a:buClrTx/>
+              <a:buSzTx/>
+              <a:buFontTx/>
+              <a:buNone/>
+              <a:tabLst/>
+            </a:pPr>
+            <a:r>
+              <a:rPr kumimoji="0" lang="it-IT" b="0" i="0" u="none" strike="noStrike" cap="none" normalizeH="0" baseline="0" dirty="0" smtClean="0">
+                <a:ln>
+                  <a:noFill/>
+                </a:ln>
+                <a:solidFill>
+                  <a:srgbClr val="000000"/>
+                </a:solidFill>
+                <a:effectLst/>
+                <a:cs typeface="Courier New" pitchFamily="49" charset="0"/>
+              </a:rPr>
+              <a:t>The </a:t>
+            </a:r>
+            <a:r>
+              <a:rPr kumimoji="0" lang="it-IT" b="0" i="0" u="none" strike="noStrike" cap="none" normalizeH="0" baseline="0" dirty="0" err="1" smtClean="0">
+                <a:ln>
+                  <a:noFill/>
+                </a:ln>
+                <a:solidFill>
+                  <a:srgbClr val="000000"/>
+                </a:solidFill>
+                <a:effectLst/>
+                <a:cs typeface="Courier New" pitchFamily="49" charset="0"/>
+              </a:rPr>
+              <a:t>overall</a:t>
+            </a:r>
+            <a:r>
+              <a:rPr kumimoji="0" lang="it-IT" b="0" i="0" u="none" strike="noStrike" cap="none" normalizeH="0" baseline="0" dirty="0" smtClean="0">
+                <a:ln>
+                  <a:noFill/>
+                </a:ln>
+                <a:solidFill>
+                  <a:srgbClr val="000000"/>
+                </a:solidFill>
+                <a:effectLst/>
+                <a:cs typeface="Courier New" pitchFamily="49" charset="0"/>
+              </a:rPr>
+              <a:t> </a:t>
+            </a:r>
+            <a:r>
+              <a:rPr kumimoji="0" lang="it-IT" b="0" i="0" u="none" strike="noStrike" cap="none" normalizeH="0" baseline="0" dirty="0" err="1" smtClean="0">
+                <a:ln>
+                  <a:noFill/>
+                </a:ln>
+                <a:solidFill>
+                  <a:srgbClr val="000000"/>
+                </a:solidFill>
+                <a:effectLst/>
+                <a:cs typeface="Courier New" pitchFamily="49" charset="0"/>
+              </a:rPr>
+              <a:t>predicted</a:t>
+            </a:r>
+            <a:r>
+              <a:rPr kumimoji="0" lang="it-IT" b="0" i="0" u="none" strike="noStrike" cap="none" normalizeH="0" baseline="0" dirty="0" smtClean="0">
+                <a:ln>
+                  <a:noFill/>
+                </a:ln>
+                <a:solidFill>
+                  <a:srgbClr val="000000"/>
+                </a:solidFill>
+                <a:effectLst/>
+                <a:cs typeface="Courier New" pitchFamily="49" charset="0"/>
+              </a:rPr>
+              <a:t> </a:t>
+            </a:r>
+            <a:r>
+              <a:rPr kumimoji="0" lang="it-IT" b="0" i="0" u="none" strike="noStrike" cap="none" normalizeH="0" baseline="0" dirty="0" err="1" smtClean="0">
+                <a:ln>
+                  <a:noFill/>
+                </a:ln>
+                <a:solidFill>
+                  <a:srgbClr val="000000"/>
+                </a:solidFill>
+                <a:effectLst/>
+                <a:cs typeface="Courier New" pitchFamily="49" charset="0"/>
+              </a:rPr>
+              <a:t>accuracy</a:t>
+            </a:r>
+            <a:r>
+              <a:rPr kumimoji="0" lang="it-IT" b="0" i="0" u="none" strike="noStrike" cap="none" normalizeH="0" baseline="0" dirty="0" smtClean="0">
+                <a:ln>
+                  <a:noFill/>
+                </a:ln>
+                <a:solidFill>
+                  <a:srgbClr val="000000"/>
+                </a:solidFill>
+                <a:effectLst/>
+                <a:cs typeface="Courier New" pitchFamily="49" charset="0"/>
+              </a:rPr>
+              <a:t> </a:t>
+            </a:r>
+            <a:r>
+              <a:rPr kumimoji="0" lang="it-IT" b="0" i="0" u="none" strike="noStrike" cap="none" normalizeH="0" baseline="0" dirty="0" err="1" smtClean="0">
+                <a:ln>
+                  <a:noFill/>
+                </a:ln>
+                <a:solidFill>
+                  <a:srgbClr val="000000"/>
+                </a:solidFill>
+                <a:effectLst/>
+                <a:cs typeface="Courier New" pitchFamily="49" charset="0"/>
+              </a:rPr>
+              <a:t>of</a:t>
+            </a:r>
+            <a:r>
+              <a:rPr kumimoji="0" lang="it-IT" b="0" i="0" u="none" strike="noStrike" cap="none" normalizeH="0" baseline="0" dirty="0" smtClean="0">
+                <a:ln>
+                  <a:noFill/>
+                </a:ln>
+                <a:solidFill>
+                  <a:srgbClr val="000000"/>
+                </a:solidFill>
+                <a:effectLst/>
+                <a:cs typeface="Courier New" pitchFamily="49" charset="0"/>
+              </a:rPr>
+              <a:t> the </a:t>
+            </a:r>
+            <a:r>
+              <a:rPr kumimoji="0" lang="it-IT" b="0" i="0" u="none" strike="noStrike" cap="none" normalizeH="0" baseline="0" dirty="0" err="1" smtClean="0">
+                <a:ln>
+                  <a:noFill/>
+                </a:ln>
+                <a:solidFill>
+                  <a:srgbClr val="000000"/>
+                </a:solidFill>
+                <a:effectLst/>
+                <a:cs typeface="Courier New" pitchFamily="49" charset="0"/>
+              </a:rPr>
+              <a:t>model</a:t>
+            </a:r>
+            <a:r>
+              <a:rPr kumimoji="0" lang="it-IT" b="0" i="0" u="none" strike="noStrike" cap="none" normalizeH="0" baseline="0" dirty="0" smtClean="0">
+                <a:ln>
+                  <a:noFill/>
+                </a:ln>
+                <a:solidFill>
+                  <a:srgbClr val="000000"/>
+                </a:solidFill>
+                <a:effectLst/>
+                <a:cs typeface="Courier New" pitchFamily="49" charset="0"/>
+              </a:rPr>
+              <a:t> </a:t>
+            </a:r>
+            <a:r>
+              <a:rPr kumimoji="0" lang="it-IT" b="0" i="0" u="none" strike="noStrike" cap="none" normalizeH="0" baseline="0" dirty="0" err="1" smtClean="0">
+                <a:ln>
+                  <a:noFill/>
+                </a:ln>
+                <a:solidFill>
+                  <a:srgbClr val="000000"/>
+                </a:solidFill>
+                <a:effectLst/>
+                <a:cs typeface="Courier New" pitchFamily="49" charset="0"/>
+              </a:rPr>
+              <a:t>is</a:t>
+            </a:r>
+            <a:r>
+              <a:rPr kumimoji="0" lang="it-IT" b="0" i="0" u="none" strike="noStrike" cap="none" normalizeH="0" baseline="0" dirty="0" smtClean="0">
+                <a:ln>
+                  <a:noFill/>
+                </a:ln>
+                <a:solidFill>
+                  <a:srgbClr val="000000"/>
+                </a:solidFill>
+                <a:effectLst/>
+                <a:cs typeface="Courier New" pitchFamily="49" charset="0"/>
+              </a:rPr>
+              <a:t>: </a:t>
+            </a:r>
+            <a:r>
+              <a:rPr kumimoji="0" lang="it-IT" sz="2000" b="1" i="1" u="none" strike="noStrike" cap="none" normalizeH="0" baseline="0" dirty="0" smtClean="0">
+                <a:ln>
+                  <a:noFill/>
+                </a:ln>
+                <a:solidFill>
+                  <a:srgbClr val="0070C0"/>
+                </a:solidFill>
+                <a:effectLst/>
+                <a:cs typeface="Courier New" pitchFamily="49" charset="0"/>
+              </a:rPr>
+              <a:t>66.38%</a:t>
+            </a:r>
+            <a:r>
+              <a:rPr kumimoji="0" lang="it-IT" sz="1100" b="0" i="0" u="none" strike="noStrike" cap="none" normalizeH="0" baseline="0" dirty="0" smtClean="0">
+                <a:ln>
+                  <a:noFill/>
+                </a:ln>
+                <a:solidFill>
+                  <a:schemeClr val="tx1"/>
+                </a:solidFill>
+                <a:effectLst/>
+                <a:cs typeface="Arial" pitchFamily="34" charset="0"/>
+              </a:rPr>
+              <a:t> </a:t>
+            </a:r>
+            <a:endParaRPr kumimoji="0" lang="it-IT" sz="4000" b="0" i="0" u="none" strike="noStrike" cap="none" normalizeH="0" baseline="0" dirty="0" smtClean="0">
+              <a:ln>
+                <a:noFill/>
+              </a:ln>
+              <a:solidFill>
+                <a:schemeClr val="tx1"/>
+              </a:solidFill>
+              <a:effectLst/>
+              <a:cs typeface="Arial" pitchFamily="34" charset="0"/>
+            </a:endParaRPr>
+          </a:p>
+        </p:txBody>
+      </p:sp>
+    </p:spTree>
+  </p:cSld>
+  <p:clrMapOvr>
+    <a:masterClrMapping/>
+  </p:clrMapOvr>
+  <p:transition spd="med"/>
+</p:sld>
+</file>
+
+<file path=ppt/slides/slide13.xml><?xml version="1.0" encoding="utf-8"?>
+<p:sld xmlns:a="http://schemas.openxmlformats.org/drawingml/2006/main" xmlns:r="http://schemas.openxmlformats.org/officeDocument/2006/relationships" xmlns:p="http://schemas.openxmlformats.org/presentationml/2006/main">
+  <p:cSld>
+    <p:spTree>
+      <p:nvGrpSpPr>
+        <p:cNvPr id="1" name=""/>
+        <p:cNvGrpSpPr/>
+        <p:nvPr/>
+      </p:nvGrpSpPr>
+      <p:grpSpPr>
+        <a:xfrm>
+          <a:off x="0" y="0"/>
+          <a:ext cx="0" cy="0"/>
+          <a:chOff x="0" y="0"/>
+          <a:chExt cx="0" cy="0"/>
+        </a:xfrm>
+      </p:grpSpPr>
+      <p:sp>
+        <p:nvSpPr>
+          <p:cNvPr id="123" name="Analyses F1 Score and Accuracy"/>
+          <p:cNvSpPr txBox="1">
+            <a:spLocks noGrp="1"/>
+          </p:cNvSpPr>
+          <p:nvPr>
+            <p:ph type="body" sz="quarter" idx="1"/>
+          </p:nvPr>
+        </p:nvSpPr>
+        <p:spPr>
+          <a:xfrm>
+            <a:off x="139700" y="1814134"/>
+            <a:ext cx="5842298" cy="971989"/>
+          </a:xfrm>
+          <a:prstGeom prst="rect">
+            <a:avLst/>
+          </a:prstGeom>
+        </p:spPr>
+        <p:txBody>
+          <a:bodyPr/>
+          <a:lstStyle/>
+          <a:p>
+            <a:pPr marL="381853" indent="-278434" defTabSz="795527">
+              <a:defRPr sz="2784" b="1" i="1"/>
+            </a:pPr>
+            <a:r>
+              <a:rPr dirty="0"/>
+              <a:t>Analyses F1 Score and Accuracy</a:t>
+            </a:r>
+            <a:br>
+              <a:rPr dirty="0"/>
+            </a:br>
+            <a:endParaRPr dirty="0"/>
+          </a:p>
+        </p:txBody>
+      </p:sp>
+      <p:pic>
+        <p:nvPicPr>
+          <p:cNvPr id="124" name="Galleria immagini" descr="Galleria immagini"/>
+          <p:cNvPicPr>
+            <a:picLocks noChangeAspect="1"/>
+          </p:cNvPicPr>
+          <p:nvPr/>
+        </p:nvPicPr>
+        <p:blipFill>
+          <a:blip r:embed="rId2" cstate="print">
+            <a:extLst/>
+          </a:blip>
+          <a:srcRect t="897" b="897"/>
+          <a:stretch>
+            <a:fillRect/>
+          </a:stretch>
+        </p:blipFill>
+        <p:spPr>
+          <a:xfrm>
+            <a:off x="4557662" y="2851025"/>
+            <a:ext cx="4279256" cy="2808785"/>
+          </a:xfrm>
+          <a:prstGeom prst="rect">
+            <a:avLst/>
+          </a:prstGeom>
+          <a:ln w="12700">
+            <a:miter lim="400000"/>
+          </a:ln>
+        </p:spPr>
+      </p:pic>
+      <p:pic>
+        <p:nvPicPr>
+          <p:cNvPr id="125" name="Galleria immagini" descr="Galleria immagini"/>
+          <p:cNvPicPr>
+            <a:picLocks noChangeAspect="1"/>
+          </p:cNvPicPr>
+          <p:nvPr/>
+        </p:nvPicPr>
+        <p:blipFill>
+          <a:blip r:embed="rId3" cstate="print">
+            <a:extLst/>
+          </a:blip>
+          <a:srcRect l="997" r="997"/>
+          <a:stretch>
+            <a:fillRect/>
+          </a:stretch>
+        </p:blipFill>
+        <p:spPr>
+          <a:xfrm>
+            <a:off x="169664" y="2890787"/>
+            <a:ext cx="4063256" cy="2729261"/>
+          </a:xfrm>
+          <a:prstGeom prst="rect">
+            <a:avLst/>
+          </a:prstGeom>
+          <a:ln w="12700">
+            <a:miter lim="400000"/>
+          </a:ln>
+        </p:spPr>
+      </p:pic>
+      <p:sp>
+        <p:nvSpPr>
+          <p:cNvPr id="6" name="Titolo 9"/>
+          <p:cNvSpPr txBox="1">
+            <a:spLocks/>
+          </p:cNvSpPr>
+          <p:nvPr/>
+        </p:nvSpPr>
+        <p:spPr>
+          <a:xfrm>
+            <a:off x="2643174" y="-357214"/>
+            <a:ext cx="7686700" cy="2428894"/>
+          </a:xfrm>
+          <a:prstGeom prst="rect">
+            <a:avLst/>
+          </a:prstGeom>
+          <a:ln w="12700">
+            <a:miter lim="400000"/>
+          </a:ln>
+          <a:extLst>
+            <a:ext uri="{C572A759-6A51-4108-AA02-DFA0A04FC94B}">
+              <ma14:wrappingTextBoxFlag xmlns:ma14="http://schemas.microsoft.com/office/mac/drawingml/2011/main" xmlns:a14="http://schemas.microsoft.com/office/drawing/2010/main" xmlns:m="http://schemas.openxmlformats.org/officeDocument/2006/math" xmlns="" val="1"/>
+            </a:ext>
+          </a:extLst>
+        </p:spPr>
+        <p:txBody>
+          <a:bodyPr lIns="45719" rIns="45719" anchor="ctr">
+            <a:normAutofit/>
+          </a:bodyPr>
+          <a:lstStyle/>
+          <a:p>
+            <a:pPr marL="0" marR="0" lvl="0" indent="0" algn="l" defTabSz="914400" rtl="0" eaLnBrk="1" fontAlgn="auto" latinLnBrk="0" hangingPunct="1">
+              <a:lnSpc>
+                <a:spcPct val="100000"/>
+              </a:lnSpc>
+              <a:spcBef>
+                <a:spcPts val="0"/>
+              </a:spcBef>
+              <a:spcAft>
+                <a:spcPts val="0"/>
+              </a:spcAft>
+              <a:buClrTx/>
+              <a:buSzTx/>
+              <a:buFontTx/>
+              <a:buNone/>
+              <a:tabLst/>
+              <a:defRPr/>
+            </a:pPr>
+            <a:r>
+              <a:rPr kumimoji="0" lang="it-IT" sz="4000" b="1" i="0" u="none" strike="noStrike" kern="0" cap="none" spc="0" normalizeH="0" baseline="0" noProof="0" dirty="0" err="1" smtClean="0">
+                <a:ln>
+                  <a:noFill/>
+                </a:ln>
+                <a:solidFill>
+                  <a:schemeClr val="bg1"/>
+                </a:solidFill>
+                <a:effectLst/>
+                <a:uLnTx/>
+                <a:uFillTx/>
+                <a:latin typeface="Bahnschrift Condensed" pitchFamily="34" charset="0"/>
+                <a:ea typeface="+mj-ea"/>
+                <a:cs typeface="+mj-cs"/>
+                <a:sym typeface="Corbel"/>
+              </a:rPr>
+              <a:t>Prediction</a:t>
+            </a:r>
+            <a:r>
+              <a:rPr kumimoji="0" lang="it-IT" sz="4000" b="1" i="0" u="none" strike="noStrike" kern="0" cap="none" spc="0" normalizeH="0" baseline="0" noProof="0" dirty="0" smtClean="0">
+                <a:ln>
+                  <a:noFill/>
+                </a:ln>
+                <a:solidFill>
+                  <a:schemeClr val="bg1"/>
+                </a:solidFill>
+                <a:effectLst/>
+                <a:uLnTx/>
+                <a:uFillTx/>
+                <a:latin typeface="Bahnschrift Condensed" pitchFamily="34" charset="0"/>
+                <a:ea typeface="+mj-ea"/>
+                <a:cs typeface="+mj-cs"/>
+                <a:sym typeface="Corbel"/>
+              </a:rPr>
+              <a:t> </a:t>
+            </a:r>
+            <a:r>
+              <a:rPr kumimoji="0" lang="it-IT" sz="4000" b="1" i="0" u="none" strike="noStrike" kern="0" cap="none" spc="0" normalizeH="0" baseline="0" noProof="0" dirty="0" err="1" smtClean="0">
+                <a:ln>
+                  <a:noFill/>
+                </a:ln>
+                <a:solidFill>
+                  <a:schemeClr val="bg1"/>
+                </a:solidFill>
+                <a:effectLst/>
+                <a:uLnTx/>
+                <a:uFillTx/>
+                <a:latin typeface="Bahnschrift Condensed" pitchFamily="34" charset="0"/>
+                <a:ea typeface="+mj-ea"/>
+                <a:cs typeface="+mj-cs"/>
+                <a:sym typeface="Corbel"/>
+              </a:rPr>
+              <a:t>with</a:t>
+            </a:r>
+            <a:r>
+              <a:rPr kumimoji="0" lang="it-IT" sz="4000" b="1" i="0" u="none" strike="noStrike" kern="0" cap="none" spc="0" normalizeH="0" baseline="0" noProof="0" dirty="0" smtClean="0">
+                <a:ln>
+                  <a:noFill/>
+                </a:ln>
+                <a:solidFill>
+                  <a:schemeClr val="bg1"/>
+                </a:solidFill>
+                <a:effectLst/>
+                <a:uLnTx/>
+                <a:uFillTx/>
+                <a:latin typeface="Bahnschrift Condensed" pitchFamily="34" charset="0"/>
+                <a:ea typeface="+mj-ea"/>
+                <a:cs typeface="+mj-cs"/>
+                <a:sym typeface="Corbel"/>
+              </a:rPr>
+              <a:t> </a:t>
+            </a:r>
+            <a:r>
+              <a:rPr kumimoji="0" lang="it-IT" sz="4000" b="1" i="1" u="none" strike="noStrike" kern="0" cap="none" spc="0" normalizeH="0" baseline="0" noProof="0" dirty="0" err="1" smtClean="0">
+                <a:ln>
+                  <a:noFill/>
+                </a:ln>
+                <a:solidFill>
+                  <a:schemeClr val="bg1"/>
+                </a:solidFill>
+                <a:effectLst/>
+                <a:uLnTx/>
+                <a:uFillTx/>
+                <a:latin typeface="Bahnschrift Condensed" pitchFamily="34" charset="0"/>
+                <a:ea typeface="+mj-ea"/>
+                <a:cs typeface="+mj-cs"/>
+                <a:sym typeface="Corbel"/>
+              </a:rPr>
+              <a:t>K-Nearest</a:t>
+            </a:r>
+            <a:r>
+              <a:rPr kumimoji="0" lang="it-IT" sz="4000" b="1" i="1" u="none" strike="noStrike" kern="0" cap="none" spc="0" normalizeH="0" baseline="0" noProof="0" dirty="0" smtClean="0">
+                <a:ln>
+                  <a:noFill/>
+                </a:ln>
+                <a:solidFill>
+                  <a:schemeClr val="bg1"/>
+                </a:solidFill>
+                <a:effectLst/>
+                <a:uLnTx/>
+                <a:uFillTx/>
+                <a:latin typeface="Bahnschrift Condensed" pitchFamily="34" charset="0"/>
+                <a:ea typeface="+mj-ea"/>
+                <a:cs typeface="+mj-cs"/>
+                <a:sym typeface="Corbel"/>
+              </a:rPr>
+              <a:t> </a:t>
+            </a:r>
+            <a:r>
+              <a:rPr kumimoji="0" lang="it-IT" sz="4000" b="1" i="1" u="none" strike="noStrike" kern="0" cap="none" spc="0" normalizeH="0" baseline="0" noProof="0" dirty="0" err="1" smtClean="0">
+                <a:ln>
+                  <a:noFill/>
+                </a:ln>
+                <a:solidFill>
+                  <a:schemeClr val="bg1"/>
+                </a:solidFill>
+                <a:effectLst/>
+                <a:uLnTx/>
+                <a:uFillTx/>
+                <a:latin typeface="Bahnschrift Condensed" pitchFamily="34" charset="0"/>
+                <a:ea typeface="+mj-ea"/>
+                <a:cs typeface="+mj-cs"/>
+                <a:sym typeface="Corbel"/>
+              </a:rPr>
+              <a:t>Neighbour</a:t>
+            </a:r>
+            <a:endParaRPr kumimoji="0" lang="it-IT" sz="4000" b="1" i="0" u="none" strike="noStrike" kern="0" cap="none" spc="0" normalizeH="0" baseline="0" noProof="0" dirty="0">
+              <a:ln>
+                <a:noFill/>
+              </a:ln>
+              <a:solidFill>
+                <a:schemeClr val="bg1"/>
+              </a:solidFill>
+              <a:effectLst/>
+              <a:uLnTx/>
+              <a:uFillTx/>
+              <a:latin typeface="Bahnschrift Condensed" pitchFamily="34" charset="0"/>
+              <a:ea typeface="+mj-ea"/>
+              <a:cs typeface="+mj-cs"/>
+              <a:sym typeface="Corbel"/>
+            </a:endParaRPr>
+          </a:p>
+        </p:txBody>
+      </p:sp>
+    </p:spTree>
+  </p:cSld>
+  <p:clrMapOvr>
+    <a:masterClrMapping/>
+  </p:clrMapOvr>
+  <p:transition spd="med"/>
+</p:sld>
+</file>
+
+<file path=ppt/slides/slide14.xml><?xml version="1.0" encoding="utf-8"?>
+<p:sld xmlns:a="http://schemas.openxmlformats.org/drawingml/2006/main" xmlns:r="http://schemas.openxmlformats.org/officeDocument/2006/relationships" xmlns:p="http://schemas.openxmlformats.org/presentationml/2006/main">
+  <p:cSld>
+    <p:spTree>
+      <p:nvGrpSpPr>
+        <p:cNvPr id="1" name=""/>
+        <p:cNvGrpSpPr/>
+        <p:nvPr/>
+      </p:nvGrpSpPr>
+      <p:grpSpPr>
+        <a:xfrm>
+          <a:off x="0" y="0"/>
+          <a:ext cx="0" cy="0"/>
+          <a:chOff x="0" y="0"/>
+          <a:chExt cx="0" cy="0"/>
+        </a:xfrm>
+      </p:grpSpPr>
+      <p:pic>
+        <p:nvPicPr>
+          <p:cNvPr id="128" name="Galleria immagini" descr="Galleria immagini"/>
+          <p:cNvPicPr>
+            <a:picLocks noChangeAspect="1"/>
+          </p:cNvPicPr>
+          <p:nvPr/>
+        </p:nvPicPr>
+        <p:blipFill>
+          <a:blip r:embed="rId2" cstate="print">
+            <a:extLst/>
+          </a:blip>
+          <a:srcRect t="420" b="420"/>
+          <a:stretch>
+            <a:fillRect/>
+          </a:stretch>
+        </p:blipFill>
+        <p:spPr>
+          <a:xfrm>
+            <a:off x="4071934" y="1785926"/>
+            <a:ext cx="4346030" cy="4567784"/>
+          </a:xfrm>
+          <a:prstGeom prst="rect">
+            <a:avLst/>
+          </a:prstGeom>
+          <a:ln w="12700">
+            <a:miter lim="400000"/>
+          </a:ln>
+        </p:spPr>
+      </p:pic>
+      <p:sp>
+        <p:nvSpPr>
+          <p:cNvPr id="129" name="Segnaposto contenuto 2"/>
+          <p:cNvSpPr txBox="1"/>
+          <p:nvPr/>
+        </p:nvSpPr>
+        <p:spPr>
+          <a:xfrm>
+            <a:off x="289941" y="1610934"/>
+            <a:ext cx="7355038" cy="5841653"/>
+          </a:xfrm>
+          <a:prstGeom prst="rect">
+            <a:avLst/>
+          </a:prstGeom>
+          <a:ln w="12700">
+            <a:miter lim="400000"/>
+          </a:ln>
+          <a:extLst>
+            <a:ext uri="{C572A759-6A51-4108-AA02-DFA0A04FC94B}">
+              <ma14:wrappingTextBoxFlag xmlns:ma14="http://schemas.microsoft.com/office/mac/drawingml/2011/main" xmlns:a14="http://schemas.microsoft.com/office/drawing/2010/main" xmlns:m="http://schemas.openxmlformats.org/officeDocument/2006/math" xmlns="" val="1"/>
+            </a:ext>
+          </a:extLst>
+        </p:spPr>
+        <p:txBody>
+          <a:bodyPr lIns="45719" rIns="45719">
+            <a:normAutofit/>
+          </a:bodyPr>
+          <a:lstStyle/>
+          <a:p>
+            <a:pPr marL="250078" indent="-176377" algn="just" defTabSz="566927">
+              <a:buClr>
+                <a:schemeClr val="accent2">
+                  <a:lumOff val="16690"/>
+                </a:schemeClr>
+              </a:buClr>
+              <a:buSzPct val="80000"/>
+              <a:buChar char="◼"/>
+              <a:defRPr sz="1984"/>
+            </a:pPr>
+            <a:endParaRPr dirty="0"/>
+          </a:p>
+          <a:p>
+            <a:pPr marL="250078" indent="-176377" algn="just" defTabSz="566927">
+              <a:buClr>
+                <a:schemeClr val="accent2">
+                  <a:lumOff val="16690"/>
+                </a:schemeClr>
+              </a:buClr>
+              <a:buSzPct val="80000"/>
+              <a:buChar char="◼"/>
+              <a:defRPr sz="1984"/>
+            </a:pPr>
+            <a:r>
+              <a:rPr dirty="0"/>
+              <a:t>Confusion Matrix: </a:t>
+            </a:r>
+          </a:p>
+          <a:p>
+            <a:pPr marL="250078" indent="-176377" algn="just" defTabSz="566927">
+              <a:buClr>
+                <a:schemeClr val="accent2">
+                  <a:lumOff val="16690"/>
+                </a:schemeClr>
+              </a:buClr>
+              <a:buSzPct val="80000"/>
+              <a:buChar char="◼"/>
+              <a:defRPr sz="1984"/>
+            </a:pPr>
+            <a:endParaRPr dirty="0"/>
+          </a:p>
+          <a:p>
+            <a:pPr marL="250078" indent="-176377" algn="just" defTabSz="566927">
+              <a:buClr>
+                <a:schemeClr val="accent2">
+                  <a:lumOff val="16690"/>
+                </a:schemeClr>
+              </a:buClr>
+              <a:buSzPct val="80000"/>
+              <a:buChar char="◼"/>
+              <a:defRPr sz="1984"/>
+            </a:pPr>
+            <a:r>
+              <a:rPr dirty="0"/>
+              <a:t>Precision: 63.06%</a:t>
+            </a:r>
+          </a:p>
+          <a:p>
+            <a:pPr algn="just" defTabSz="566927">
+              <a:defRPr sz="1984"/>
+            </a:pPr>
+            <a:endParaRPr dirty="0"/>
+          </a:p>
+          <a:p>
+            <a:pPr marL="250078" indent="-176377" algn="just" defTabSz="566927">
+              <a:buClr>
+                <a:schemeClr val="accent2">
+                  <a:lumOff val="16690"/>
+                </a:schemeClr>
+              </a:buClr>
+              <a:buSzPct val="80000"/>
+              <a:buChar char="◼"/>
+              <a:defRPr sz="1984"/>
+            </a:pPr>
+            <a:r>
+              <a:rPr dirty="0"/>
+              <a:t>Recall: 65.42%</a:t>
+            </a:r>
+          </a:p>
+          <a:p>
+            <a:pPr algn="just" defTabSz="566927">
+              <a:defRPr sz="1984"/>
+            </a:pPr>
+            <a:endParaRPr dirty="0"/>
+          </a:p>
+          <a:p>
+            <a:pPr marL="250078" indent="-176377" algn="just" defTabSz="566927">
+              <a:buClr>
+                <a:schemeClr val="accent2">
+                  <a:lumOff val="16690"/>
+                </a:schemeClr>
+              </a:buClr>
+              <a:buSzPct val="80000"/>
+              <a:buChar char="◼"/>
+              <a:defRPr sz="1984"/>
+            </a:pPr>
+            <a:r>
+              <a:rPr dirty="0"/>
+              <a:t>F1-Score: 64.22%</a:t>
+            </a:r>
+          </a:p>
+          <a:p>
+            <a:pPr algn="just" defTabSz="566927">
+              <a:defRPr sz="1984"/>
+            </a:pPr>
+            <a:endParaRPr dirty="0"/>
+          </a:p>
+          <a:p>
+            <a:pPr marL="250078" indent="-176377" algn="just" defTabSz="566927">
+              <a:buClr>
+                <a:schemeClr val="accent2">
+                  <a:lumOff val="16690"/>
+                </a:schemeClr>
+              </a:buClr>
+              <a:buSzPct val="80000"/>
+              <a:buChar char="◼"/>
+              <a:defRPr sz="1984"/>
+            </a:pPr>
+            <a:r>
+              <a:rPr dirty="0"/>
+              <a:t>Accuracy: 66%</a:t>
+            </a:r>
+          </a:p>
+          <a:p>
+            <a:pPr algn="just" defTabSz="566927">
+              <a:defRPr sz="1984"/>
+            </a:pPr>
+            <a:endParaRPr dirty="0"/>
+          </a:p>
+          <a:p>
+            <a:pPr marL="250078" indent="-176377" algn="just" defTabSz="566927">
+              <a:buClr>
+                <a:schemeClr val="accent2">
+                  <a:lumOff val="16690"/>
+                </a:schemeClr>
+              </a:buClr>
+              <a:buSzPct val="80000"/>
+              <a:buChar char="◼"/>
+              <a:defRPr sz="1984"/>
+            </a:pPr>
+            <a:r>
+              <a:rPr dirty="0"/>
+              <a:t>Area Under ROC Curve: 0.71</a:t>
+            </a:r>
+          </a:p>
+          <a:p>
+            <a:pPr algn="just" defTabSz="566927">
+              <a:defRPr sz="1984"/>
+            </a:pPr>
+            <a:endParaRPr dirty="0"/>
+          </a:p>
+          <a:p>
+            <a:pPr algn="just" defTabSz="566927">
+              <a:defRPr sz="1984"/>
+            </a:pPr>
+            <a:endParaRPr dirty="0"/>
+          </a:p>
+          <a:p>
+            <a:pPr algn="just" defTabSz="566927">
+              <a:defRPr sz="1984"/>
+            </a:pPr>
+            <a:endParaRPr dirty="0"/>
+          </a:p>
+          <a:p>
+            <a:pPr defTabSz="283463">
+              <a:defRPr sz="1984" i="1">
+                <a:solidFill>
+                  <a:srgbClr val="6B6B6B"/>
+                </a:solidFill>
+                <a:latin typeface="STIXGeneral"/>
+                <a:ea typeface="STIXGeneral"/>
+                <a:cs typeface="STIXGeneral"/>
+                <a:sym typeface="STIXGeneral"/>
+              </a:defRPr>
+            </a:pPr>
+            <a:endParaRPr i="0" dirty="0">
+              <a:latin typeface="+mn-lt"/>
+              <a:ea typeface="+mn-ea"/>
+              <a:cs typeface="+mn-cs"/>
+              <a:sym typeface="Helvetica"/>
+            </a:endParaRPr>
+          </a:p>
+          <a:p>
+            <a:pPr defTabSz="283463">
+              <a:defRPr sz="1984">
+                <a:solidFill>
+                  <a:srgbClr val="6B6B6B"/>
+                </a:solidFill>
+                <a:latin typeface="+mn-lt"/>
+                <a:ea typeface="+mn-ea"/>
+                <a:cs typeface="+mn-cs"/>
+                <a:sym typeface="Helvetica"/>
+              </a:defRPr>
+            </a:pPr>
+            <a:endParaRPr dirty="0"/>
+          </a:p>
+          <a:p>
+            <a:pPr defTabSz="283463">
+              <a:defRPr sz="1984">
+                <a:solidFill>
+                  <a:srgbClr val="6B6B6B"/>
+                </a:solidFill>
+                <a:latin typeface="+mn-lt"/>
+                <a:ea typeface="+mn-ea"/>
+                <a:cs typeface="+mn-cs"/>
+                <a:sym typeface="Helvetica"/>
+              </a:defRPr>
+            </a:pPr>
+            <a:endParaRPr dirty="0"/>
+          </a:p>
+        </p:txBody>
+      </p:sp>
+      <p:sp>
+        <p:nvSpPr>
+          <p:cNvPr id="6" name="Titolo 9"/>
+          <p:cNvSpPr txBox="1">
+            <a:spLocks/>
+          </p:cNvSpPr>
+          <p:nvPr/>
+        </p:nvSpPr>
+        <p:spPr>
+          <a:xfrm>
+            <a:off x="1714480" y="-428652"/>
+            <a:ext cx="7686700" cy="2428894"/>
+          </a:xfrm>
+          <a:prstGeom prst="rect">
+            <a:avLst/>
+          </a:prstGeom>
+          <a:ln w="12700">
+            <a:miter lim="400000"/>
+          </a:ln>
+          <a:extLst>
+            <a:ext uri="{C572A759-6A51-4108-AA02-DFA0A04FC94B}">
+              <ma14:wrappingTextBoxFlag xmlns:ma14="http://schemas.microsoft.com/office/mac/drawingml/2011/main" xmlns:a14="http://schemas.microsoft.com/office/drawing/2010/main" xmlns:m="http://schemas.openxmlformats.org/officeDocument/2006/math" xmlns="" val="1"/>
+            </a:ext>
+          </a:extLst>
+        </p:spPr>
+        <p:txBody>
+          <a:bodyPr lIns="45719" rIns="45719" anchor="ctr">
+            <a:normAutofit/>
+          </a:bodyPr>
+          <a:lstStyle/>
+          <a:p>
+            <a:pPr hangingPunct="1"/>
+            <a:r>
+              <a:rPr kumimoji="0" lang="it-IT" sz="4000" b="1" i="0" u="none" strike="noStrike" kern="0" cap="none" spc="0" normalizeH="0" baseline="0" noProof="0" dirty="0" err="1" smtClean="0">
+                <a:ln>
+                  <a:noFill/>
+                </a:ln>
+                <a:solidFill>
+                  <a:schemeClr val="bg1"/>
+                </a:solidFill>
+                <a:effectLst/>
+                <a:uLnTx/>
+                <a:uFillTx/>
+                <a:latin typeface="Bahnschrift Condensed" pitchFamily="34" charset="0"/>
+                <a:ea typeface="+mj-ea"/>
+                <a:cs typeface="+mj-cs"/>
+                <a:sym typeface="Corbel"/>
+              </a:rPr>
+              <a:t>Prediction</a:t>
+            </a:r>
+            <a:r>
+              <a:rPr kumimoji="0" lang="it-IT" sz="4000" b="1" i="0" u="none" strike="noStrike" kern="0" cap="none" spc="0" normalizeH="0" baseline="0" noProof="0" dirty="0" smtClean="0">
+                <a:ln>
+                  <a:noFill/>
+                </a:ln>
+                <a:solidFill>
+                  <a:schemeClr val="bg1"/>
+                </a:solidFill>
+                <a:effectLst/>
+                <a:uLnTx/>
+                <a:uFillTx/>
+                <a:latin typeface="Bahnschrift Condensed" pitchFamily="34" charset="0"/>
+                <a:ea typeface="+mj-ea"/>
+                <a:cs typeface="+mj-cs"/>
+                <a:sym typeface="Corbel"/>
+              </a:rPr>
+              <a:t> </a:t>
+            </a:r>
+            <a:r>
+              <a:rPr kumimoji="0" lang="it-IT" sz="4000" b="1" i="0" u="none" strike="noStrike" kern="0" cap="none" spc="0" normalizeH="0" baseline="0" noProof="0" dirty="0" err="1" smtClean="0">
+                <a:ln>
+                  <a:noFill/>
+                </a:ln>
+                <a:solidFill>
+                  <a:schemeClr val="bg1"/>
+                </a:solidFill>
+                <a:effectLst/>
+                <a:uLnTx/>
+                <a:uFillTx/>
+                <a:latin typeface="Bahnschrift Condensed" pitchFamily="34" charset="0"/>
+                <a:ea typeface="+mj-ea"/>
+                <a:cs typeface="+mj-cs"/>
+                <a:sym typeface="Corbel"/>
+              </a:rPr>
+              <a:t>with</a:t>
+            </a:r>
+            <a:r>
+              <a:rPr kumimoji="0" lang="it-IT" sz="4000" b="1" i="0" u="none" strike="noStrike" kern="0" cap="none" spc="0" normalizeH="0" baseline="0" noProof="0" dirty="0" smtClean="0">
+                <a:ln>
+                  <a:noFill/>
+                </a:ln>
+                <a:solidFill>
+                  <a:schemeClr val="bg1"/>
+                </a:solidFill>
+                <a:effectLst/>
+                <a:uLnTx/>
+                <a:uFillTx/>
+                <a:latin typeface="Bahnschrift Condensed" pitchFamily="34" charset="0"/>
+                <a:ea typeface="+mj-ea"/>
+                <a:cs typeface="+mj-cs"/>
+                <a:sym typeface="Corbel"/>
+              </a:rPr>
+              <a:t> </a:t>
+            </a:r>
+            <a:r>
+              <a:rPr lang="it-IT" sz="4000" b="1" i="1" dirty="0" smtClean="0">
+                <a:solidFill>
+                  <a:schemeClr val="bg1"/>
+                </a:solidFill>
+                <a:latin typeface="Bahnschrift Condensed" pitchFamily="34" charset="0"/>
+              </a:rPr>
+              <a:t> </a:t>
+            </a:r>
+            <a:r>
+              <a:rPr lang="it-IT" sz="4000" b="1" i="1" dirty="0" err="1" smtClean="0">
+                <a:solidFill>
+                  <a:schemeClr val="bg1"/>
+                </a:solidFill>
+                <a:latin typeface="Bahnschrift Condensed" pitchFamily="34" charset="0"/>
+              </a:rPr>
+              <a:t>Supported</a:t>
+            </a:r>
+            <a:r>
+              <a:rPr lang="it-IT" sz="4000" b="1" i="1" dirty="0" smtClean="0">
+                <a:solidFill>
+                  <a:schemeClr val="bg1"/>
+                </a:solidFill>
+                <a:latin typeface="Bahnschrift Condensed" pitchFamily="34" charset="0"/>
+              </a:rPr>
+              <a:t> </a:t>
+            </a:r>
+            <a:r>
+              <a:rPr lang="it-IT" sz="4000" b="1" i="1" dirty="0" err="1" smtClean="0">
+                <a:solidFill>
+                  <a:schemeClr val="bg1"/>
+                </a:solidFill>
+                <a:latin typeface="Bahnschrift Condensed" pitchFamily="34" charset="0"/>
+              </a:rPr>
+              <a:t>Vector</a:t>
+            </a:r>
+            <a:r>
+              <a:rPr lang="it-IT" sz="4000" b="1" i="1" dirty="0" smtClean="0">
+                <a:solidFill>
+                  <a:schemeClr val="bg1"/>
+                </a:solidFill>
+                <a:latin typeface="Bahnschrift Condensed" pitchFamily="34" charset="0"/>
+              </a:rPr>
+              <a:t> </a:t>
+            </a:r>
+            <a:r>
+              <a:rPr lang="it-IT" sz="4000" b="1" i="1" dirty="0" err="1" smtClean="0">
+                <a:solidFill>
+                  <a:schemeClr val="bg1"/>
+                </a:solidFill>
+                <a:latin typeface="Bahnschrift Condensed" pitchFamily="34" charset="0"/>
+              </a:rPr>
+              <a:t>Machine</a:t>
+            </a:r>
+            <a:endParaRPr kumimoji="0" lang="it-IT" sz="4000" b="1" i="0" u="none" strike="noStrike" kern="0" cap="none" spc="0" normalizeH="0" baseline="0" noProof="0" dirty="0">
+              <a:ln>
+                <a:noFill/>
+              </a:ln>
+              <a:solidFill>
+                <a:schemeClr val="bg1"/>
+              </a:solidFill>
+              <a:effectLst/>
+              <a:uLnTx/>
+              <a:uFillTx/>
+              <a:latin typeface="Bahnschrift Condensed" pitchFamily="34" charset="0"/>
+              <a:ea typeface="+mj-ea"/>
+              <a:cs typeface="+mj-cs"/>
+              <a:sym typeface="Corbel"/>
+            </a:endParaRPr>
+          </a:p>
+        </p:txBody>
+      </p:sp>
+    </p:spTree>
+  </p:cSld>
+  <p:clrMapOvr>
+    <a:masterClrMapping/>
+  </p:clrMapOvr>
+  <p:transition spd="med"/>
+</p:sld>
+</file>
+
+<file path=ppt/slides/slide15.xml><?xml version="1.0" encoding="utf-8"?>
+<p:sld xmlns:a="http://schemas.openxmlformats.org/drawingml/2006/main" xmlns:r="http://schemas.openxmlformats.org/officeDocument/2006/relationships" xmlns:p="http://schemas.openxmlformats.org/presentationml/2006/main">
+  <p:cSld>
+    <p:spTree>
+      <p:nvGrpSpPr>
+        <p:cNvPr id="1" name=""/>
+        <p:cNvGrpSpPr/>
+        <p:nvPr/>
+      </p:nvGrpSpPr>
+      <p:grpSpPr>
+        <a:xfrm>
+          <a:off x="0" y="0"/>
+          <a:ext cx="0" cy="0"/>
+          <a:chOff x="0" y="0"/>
+          <a:chExt cx="0" cy="0"/>
+        </a:xfrm>
+      </p:grpSpPr>
+      <p:pic>
+        <p:nvPicPr>
+          <p:cNvPr id="132" name="Galleria immagini" descr="Galleria immagini"/>
+          <p:cNvPicPr>
+            <a:picLocks noChangeAspect="1"/>
+          </p:cNvPicPr>
+          <p:nvPr/>
+        </p:nvPicPr>
+        <p:blipFill>
+          <a:blip r:embed="rId2" cstate="print">
+            <a:extLst/>
+          </a:blip>
+          <a:srcRect t="173" b="173"/>
+          <a:stretch>
+            <a:fillRect/>
+          </a:stretch>
+        </p:blipFill>
+        <p:spPr>
+          <a:xfrm>
+            <a:off x="2832000" y="2398334"/>
+            <a:ext cx="6046392" cy="3913684"/>
+          </a:xfrm>
+          <a:prstGeom prst="rect">
+            <a:avLst/>
+          </a:prstGeom>
+          <a:ln w="12700">
+            <a:miter lim="400000"/>
+          </a:ln>
+        </p:spPr>
+      </p:pic>
+      <p:sp>
+        <p:nvSpPr>
+          <p:cNvPr id="133" name="Segnaposto contenuto 2"/>
+          <p:cNvSpPr txBox="1"/>
+          <p:nvPr/>
+        </p:nvSpPr>
+        <p:spPr>
+          <a:xfrm>
+            <a:off x="124841" y="1293434"/>
+            <a:ext cx="7355038" cy="5841653"/>
+          </a:xfrm>
+          <a:prstGeom prst="rect">
+            <a:avLst/>
+          </a:prstGeom>
+          <a:ln w="12700">
+            <a:miter lim="400000"/>
+          </a:ln>
+          <a:extLst>
+            <a:ext uri="{C572A759-6A51-4108-AA02-DFA0A04FC94B}">
+              <ma14:wrappingTextBoxFlag xmlns:ma14="http://schemas.microsoft.com/office/mac/drawingml/2011/main" xmlns:a14="http://schemas.microsoft.com/office/drawing/2010/main" xmlns:m="http://schemas.openxmlformats.org/officeDocument/2006/math" xmlns="" val="1"/>
+            </a:ext>
+          </a:extLst>
+        </p:spPr>
+        <p:txBody>
+          <a:bodyPr lIns="45719" rIns="45719">
+            <a:normAutofit/>
+          </a:bodyPr>
+          <a:lstStyle/>
+          <a:p>
+            <a:pPr marL="403351" indent="-284479" algn="just">
+              <a:buClr>
+                <a:schemeClr val="accent2">
+                  <a:lumOff val="16690"/>
+                </a:schemeClr>
+              </a:buClr>
+              <a:buSzPct val="80000"/>
+              <a:buChar char="◼"/>
+              <a:defRPr sz="3200"/>
+            </a:pPr>
+            <a:endParaRPr dirty="0"/>
+          </a:p>
+          <a:p>
+            <a:pPr marL="403351" indent="-284479" algn="just">
+              <a:buClr>
+                <a:schemeClr val="accent2">
+                  <a:lumOff val="16690"/>
+                </a:schemeClr>
+              </a:buClr>
+              <a:buSzPct val="80000"/>
+              <a:buChar char="◼"/>
+              <a:defRPr sz="3200"/>
+            </a:pPr>
+            <a:r>
+              <a:rPr dirty="0" smtClean="0"/>
+              <a:t> </a:t>
+            </a:r>
+            <a:r>
+              <a:rPr sz="2800" b="1" dirty="0"/>
+              <a:t>ROC</a:t>
+            </a:r>
+            <a:r>
+              <a:rPr sz="2800" dirty="0"/>
+              <a:t> Curve:</a:t>
+            </a:r>
+            <a:endParaRPr dirty="0"/>
+          </a:p>
+          <a:p>
+            <a:pPr algn="just">
+              <a:defRPr sz="3200"/>
+            </a:pPr>
+            <a:endParaRPr dirty="0"/>
+          </a:p>
+          <a:p>
+            <a:pPr algn="just">
+              <a:defRPr sz="3200"/>
+            </a:pPr>
+            <a:endParaRPr dirty="0"/>
+          </a:p>
+          <a:p>
+            <a:pPr algn="just">
+              <a:defRPr sz="3200"/>
+            </a:pPr>
+            <a:endParaRPr dirty="0"/>
+          </a:p>
+          <a:p>
+            <a:pPr defTabSz="457200">
+              <a:defRPr sz="3200" i="1">
+                <a:solidFill>
+                  <a:srgbClr val="6B6B6B"/>
+                </a:solidFill>
+                <a:latin typeface="STIXGeneral"/>
+                <a:ea typeface="STIXGeneral"/>
+                <a:cs typeface="STIXGeneral"/>
+                <a:sym typeface="STIXGeneral"/>
+              </a:defRPr>
+            </a:pPr>
+            <a:endParaRPr i="0" dirty="0">
+              <a:latin typeface="+mn-lt"/>
+              <a:ea typeface="+mn-ea"/>
+              <a:cs typeface="+mn-cs"/>
+              <a:sym typeface="Helvetica"/>
+            </a:endParaRPr>
+          </a:p>
+          <a:p>
+            <a:pPr defTabSz="457200">
+              <a:defRPr sz="3200">
+                <a:solidFill>
+                  <a:srgbClr val="6B6B6B"/>
+                </a:solidFill>
+                <a:latin typeface="+mn-lt"/>
+                <a:ea typeface="+mn-ea"/>
+                <a:cs typeface="+mn-cs"/>
+                <a:sym typeface="Helvetica"/>
+              </a:defRPr>
+            </a:pPr>
+            <a:endParaRPr dirty="0"/>
+          </a:p>
+          <a:p>
+            <a:pPr defTabSz="457200">
+              <a:defRPr sz="3200">
+                <a:solidFill>
+                  <a:srgbClr val="6B6B6B"/>
+                </a:solidFill>
+                <a:latin typeface="+mn-lt"/>
+                <a:ea typeface="+mn-ea"/>
+                <a:cs typeface="+mn-cs"/>
+                <a:sym typeface="Helvetica"/>
+              </a:defRPr>
+            </a:pPr>
+            <a:endParaRPr dirty="0"/>
+          </a:p>
+        </p:txBody>
+      </p:sp>
+      <p:sp>
+        <p:nvSpPr>
+          <p:cNvPr id="6" name="Titolo 9"/>
+          <p:cNvSpPr txBox="1">
+            <a:spLocks/>
+          </p:cNvSpPr>
+          <p:nvPr/>
+        </p:nvSpPr>
+        <p:spPr>
+          <a:xfrm>
+            <a:off x="1714480" y="-428652"/>
+            <a:ext cx="7686700" cy="2428894"/>
+          </a:xfrm>
+          <a:prstGeom prst="rect">
+            <a:avLst/>
+          </a:prstGeom>
+          <a:ln w="12700">
+            <a:miter lim="400000"/>
+          </a:ln>
+          <a:extLst>
+            <a:ext uri="{C572A759-6A51-4108-AA02-DFA0A04FC94B}">
+              <ma14:wrappingTextBoxFlag xmlns:ma14="http://schemas.microsoft.com/office/mac/drawingml/2011/main" xmlns:a14="http://schemas.microsoft.com/office/drawing/2010/main" xmlns:m="http://schemas.openxmlformats.org/officeDocument/2006/math" xmlns="" val="1"/>
+            </a:ext>
+          </a:extLst>
+        </p:spPr>
+        <p:txBody>
+          <a:bodyPr lIns="45719" rIns="45719" anchor="ctr">
+            <a:normAutofit/>
+          </a:bodyPr>
+          <a:lstStyle/>
+          <a:p>
+            <a:pPr hangingPunct="1"/>
+            <a:r>
+              <a:rPr kumimoji="0" lang="it-IT" sz="4000" b="1" i="0" u="none" strike="noStrike" kern="0" cap="none" spc="0" normalizeH="0" baseline="0" noProof="0" dirty="0" err="1" smtClean="0">
+                <a:ln>
+                  <a:noFill/>
+                </a:ln>
+                <a:solidFill>
+                  <a:schemeClr val="bg1"/>
+                </a:solidFill>
+                <a:effectLst/>
+                <a:uLnTx/>
+                <a:uFillTx/>
+                <a:latin typeface="Bahnschrift Condensed" pitchFamily="34" charset="0"/>
+                <a:ea typeface="+mj-ea"/>
+                <a:cs typeface="+mj-cs"/>
+                <a:sym typeface="Corbel"/>
+              </a:rPr>
+              <a:t>Prediction</a:t>
+            </a:r>
+            <a:r>
+              <a:rPr kumimoji="0" lang="it-IT" sz="4000" b="1" i="0" u="none" strike="noStrike" kern="0" cap="none" spc="0" normalizeH="0" baseline="0" noProof="0" dirty="0" smtClean="0">
+                <a:ln>
+                  <a:noFill/>
+                </a:ln>
+                <a:solidFill>
+                  <a:schemeClr val="bg1"/>
+                </a:solidFill>
+                <a:effectLst/>
+                <a:uLnTx/>
+                <a:uFillTx/>
+                <a:latin typeface="Bahnschrift Condensed" pitchFamily="34" charset="0"/>
+                <a:ea typeface="+mj-ea"/>
+                <a:cs typeface="+mj-cs"/>
+                <a:sym typeface="Corbel"/>
+              </a:rPr>
+              <a:t> </a:t>
+            </a:r>
+            <a:r>
+              <a:rPr kumimoji="0" lang="it-IT" sz="4000" b="1" i="0" u="none" strike="noStrike" kern="0" cap="none" spc="0" normalizeH="0" baseline="0" noProof="0" dirty="0" err="1" smtClean="0">
+                <a:ln>
+                  <a:noFill/>
+                </a:ln>
+                <a:solidFill>
+                  <a:schemeClr val="bg1"/>
+                </a:solidFill>
+                <a:effectLst/>
+                <a:uLnTx/>
+                <a:uFillTx/>
+                <a:latin typeface="Bahnschrift Condensed" pitchFamily="34" charset="0"/>
+                <a:ea typeface="+mj-ea"/>
+                <a:cs typeface="+mj-cs"/>
+                <a:sym typeface="Corbel"/>
+              </a:rPr>
+              <a:t>with</a:t>
+            </a:r>
+            <a:r>
+              <a:rPr kumimoji="0" lang="it-IT" sz="4000" b="1" i="0" u="none" strike="noStrike" kern="0" cap="none" spc="0" normalizeH="0" baseline="0" noProof="0" dirty="0" smtClean="0">
+                <a:ln>
+                  <a:noFill/>
+                </a:ln>
+                <a:solidFill>
+                  <a:schemeClr val="bg1"/>
+                </a:solidFill>
+                <a:effectLst/>
+                <a:uLnTx/>
+                <a:uFillTx/>
+                <a:latin typeface="Bahnschrift Condensed" pitchFamily="34" charset="0"/>
+                <a:ea typeface="+mj-ea"/>
+                <a:cs typeface="+mj-cs"/>
+                <a:sym typeface="Corbel"/>
+              </a:rPr>
+              <a:t> </a:t>
+            </a:r>
+            <a:r>
+              <a:rPr lang="it-IT" sz="4000" b="1" i="1" dirty="0" err="1" smtClean="0">
+                <a:solidFill>
+                  <a:schemeClr val="bg1"/>
+                </a:solidFill>
+                <a:latin typeface="Bahnschrift Condensed" pitchFamily="34" charset="0"/>
+              </a:rPr>
+              <a:t>Supported</a:t>
+            </a:r>
+            <a:r>
+              <a:rPr lang="it-IT" sz="4000" b="1" i="1" dirty="0" smtClean="0">
+                <a:solidFill>
+                  <a:schemeClr val="bg1"/>
+                </a:solidFill>
+                <a:latin typeface="Bahnschrift Condensed" pitchFamily="34" charset="0"/>
+              </a:rPr>
+              <a:t> </a:t>
+            </a:r>
+            <a:r>
+              <a:rPr lang="it-IT" sz="4000" b="1" i="1" dirty="0" err="1" smtClean="0">
+                <a:solidFill>
+                  <a:schemeClr val="bg1"/>
+                </a:solidFill>
+                <a:latin typeface="Bahnschrift Condensed" pitchFamily="34" charset="0"/>
+              </a:rPr>
+              <a:t>Vector</a:t>
+            </a:r>
+            <a:r>
+              <a:rPr lang="it-IT" sz="4000" b="1" i="1" dirty="0" smtClean="0">
+                <a:solidFill>
+                  <a:schemeClr val="bg1"/>
+                </a:solidFill>
+                <a:latin typeface="Bahnschrift Condensed" pitchFamily="34" charset="0"/>
+              </a:rPr>
+              <a:t> </a:t>
+            </a:r>
+            <a:r>
+              <a:rPr lang="it-IT" sz="4000" b="1" i="1" dirty="0" err="1" smtClean="0">
+                <a:solidFill>
+                  <a:schemeClr val="bg1"/>
+                </a:solidFill>
+                <a:latin typeface="Bahnschrift Condensed" pitchFamily="34" charset="0"/>
+              </a:rPr>
+              <a:t>Machine</a:t>
+            </a:r>
+            <a:endParaRPr kumimoji="0" lang="it-IT" sz="4000" b="1" i="0" u="none" strike="noStrike" kern="0" cap="none" spc="0" normalizeH="0" baseline="0" noProof="0" dirty="0">
+              <a:ln>
+                <a:noFill/>
+              </a:ln>
+              <a:solidFill>
+                <a:schemeClr val="bg1"/>
+              </a:solidFill>
+              <a:effectLst/>
+              <a:uLnTx/>
+              <a:uFillTx/>
+              <a:latin typeface="Bahnschrift Condensed" pitchFamily="34" charset="0"/>
+              <a:ea typeface="+mj-ea"/>
+              <a:cs typeface="+mj-cs"/>
+              <a:sym typeface="Corbel"/>
+            </a:endParaRPr>
+          </a:p>
+        </p:txBody>
+      </p:sp>
+    </p:spTree>
+  </p:cSld>
+  <p:clrMapOvr>
+    <a:masterClrMapping/>
+  </p:clrMapOvr>
+  <p:transition spd="med"/>
+</p:sld>
+</file>
+
+<file path=ppt/slides/slide16.xml><?xml version="1.0" encoding="utf-8"?>
+<p:sld xmlns:a="http://schemas.openxmlformats.org/drawingml/2006/main" xmlns:r="http://schemas.openxmlformats.org/officeDocument/2006/relationships" xmlns:p="http://schemas.openxmlformats.org/presentationml/2006/main">
+  <p:cSld>
+    <p:spTree>
+      <p:nvGrpSpPr>
+        <p:cNvPr id="1" name=""/>
+        <p:cNvGrpSpPr/>
+        <p:nvPr/>
+      </p:nvGrpSpPr>
+      <p:grpSpPr>
+        <a:xfrm>
+          <a:off x="0" y="0"/>
+          <a:ext cx="0" cy="0"/>
+          <a:chOff x="0" y="0"/>
+          <a:chExt cx="0" cy="0"/>
+        </a:xfrm>
+      </p:grpSpPr>
+      <p:pic>
+        <p:nvPicPr>
+          <p:cNvPr id="136" name="Galleria immagini" descr="Galleria immagini"/>
+          <p:cNvPicPr>
+            <a:picLocks noChangeAspect="1"/>
+          </p:cNvPicPr>
+          <p:nvPr/>
+        </p:nvPicPr>
+        <p:blipFill>
+          <a:blip r:embed="rId2" cstate="print">
+            <a:extLst/>
+          </a:blip>
+          <a:srcRect t="1759" b="1759"/>
+          <a:stretch>
+            <a:fillRect/>
+          </a:stretch>
+        </p:blipFill>
+        <p:spPr>
+          <a:xfrm>
+            <a:off x="4286248" y="1928802"/>
+            <a:ext cx="4449763" cy="4550569"/>
+          </a:xfrm>
+          <a:prstGeom prst="rect">
+            <a:avLst/>
+          </a:prstGeom>
+          <a:ln w="12700">
+            <a:miter lim="400000"/>
+          </a:ln>
+        </p:spPr>
+      </p:pic>
+      <p:sp>
+        <p:nvSpPr>
+          <p:cNvPr id="137" name="Segnaposto contenuto 2"/>
+          <p:cNvSpPr txBox="1"/>
+          <p:nvPr/>
+        </p:nvSpPr>
+        <p:spPr>
+          <a:xfrm>
+            <a:off x="429641" y="1852234"/>
+            <a:ext cx="7355038" cy="5841653"/>
+          </a:xfrm>
+          <a:prstGeom prst="rect">
+            <a:avLst/>
+          </a:prstGeom>
+          <a:ln w="12700">
+            <a:miter lim="400000"/>
+          </a:ln>
+          <a:extLst>
+            <a:ext uri="{C572A759-6A51-4108-AA02-DFA0A04FC94B}">
+              <ma14:wrappingTextBoxFlag xmlns:ma14="http://schemas.microsoft.com/office/mac/drawingml/2011/main" xmlns:a14="http://schemas.microsoft.com/office/drawing/2010/main" xmlns:m="http://schemas.openxmlformats.org/officeDocument/2006/math" xmlns="" val="1"/>
+            </a:ext>
+          </a:extLst>
+        </p:spPr>
+        <p:txBody>
+          <a:bodyPr lIns="45719" rIns="45719">
+            <a:normAutofit/>
+          </a:bodyPr>
+          <a:lstStyle/>
+          <a:p>
+            <a:pPr marL="250078" indent="-176377" algn="just" defTabSz="566927">
+              <a:buClr>
+                <a:schemeClr val="accent2">
+                  <a:lumOff val="16690"/>
+                </a:schemeClr>
+              </a:buClr>
+              <a:buSzPct val="80000"/>
+              <a:buChar char="◼"/>
+              <a:defRPr sz="1984"/>
+            </a:pPr>
+            <a:endParaRPr/>
+          </a:p>
+          <a:p>
+            <a:pPr marL="250078" indent="-176377" algn="just" defTabSz="566927">
+              <a:buClr>
+                <a:schemeClr val="accent2">
+                  <a:lumOff val="16690"/>
+                </a:schemeClr>
+              </a:buClr>
+              <a:buSzPct val="80000"/>
+              <a:buChar char="◼"/>
+              <a:defRPr sz="1984"/>
+            </a:pPr>
+            <a:r>
+              <a:t>Confusion Matrix: </a:t>
+            </a:r>
+          </a:p>
+          <a:p>
+            <a:pPr marL="250078" indent="-176377" algn="just" defTabSz="566927">
+              <a:buClr>
+                <a:schemeClr val="accent2">
+                  <a:lumOff val="16690"/>
+                </a:schemeClr>
+              </a:buClr>
+              <a:buSzPct val="80000"/>
+              <a:buChar char="◼"/>
+              <a:defRPr sz="1984"/>
+            </a:pPr>
+            <a:endParaRPr/>
+          </a:p>
+          <a:p>
+            <a:pPr marL="250078" indent="-176377" algn="just" defTabSz="566927">
+              <a:buClr>
+                <a:schemeClr val="accent2">
+                  <a:lumOff val="16690"/>
+                </a:schemeClr>
+              </a:buClr>
+              <a:buSzPct val="80000"/>
+              <a:buChar char="◼"/>
+              <a:defRPr sz="1984"/>
+            </a:pPr>
+            <a:r>
+              <a:t>Precision: 55.1%</a:t>
+            </a:r>
+          </a:p>
+          <a:p>
+            <a:pPr algn="just" defTabSz="566927">
+              <a:defRPr sz="1984"/>
+            </a:pPr>
+            <a:endParaRPr/>
+          </a:p>
+          <a:p>
+            <a:pPr marL="250078" indent="-176377" algn="just" defTabSz="566927">
+              <a:buClr>
+                <a:schemeClr val="accent2">
+                  <a:lumOff val="16690"/>
+                </a:schemeClr>
+              </a:buClr>
+              <a:buSzPct val="80000"/>
+              <a:buChar char="◼"/>
+              <a:defRPr sz="1984"/>
+            </a:pPr>
+            <a:r>
+              <a:t>Recall: 60.75%</a:t>
+            </a:r>
+          </a:p>
+          <a:p>
+            <a:pPr algn="just" defTabSz="566927">
+              <a:defRPr sz="1984"/>
+            </a:pPr>
+            <a:endParaRPr/>
+          </a:p>
+          <a:p>
+            <a:pPr marL="250078" indent="-176377" algn="just" defTabSz="566927">
+              <a:buClr>
+                <a:schemeClr val="accent2">
+                  <a:lumOff val="16690"/>
+                </a:schemeClr>
+              </a:buClr>
+              <a:buSzPct val="80000"/>
+              <a:buChar char="◼"/>
+              <a:defRPr sz="1984"/>
+            </a:pPr>
+            <a:r>
+              <a:t>F1-Score: 57.08%</a:t>
+            </a:r>
+          </a:p>
+          <a:p>
+            <a:pPr algn="just" defTabSz="566927">
+              <a:defRPr sz="1984"/>
+            </a:pPr>
+            <a:endParaRPr/>
+          </a:p>
+          <a:p>
+            <a:pPr marL="250078" indent="-176377" algn="just" defTabSz="566927">
+              <a:buClr>
+                <a:schemeClr val="accent2">
+                  <a:lumOff val="16690"/>
+                </a:schemeClr>
+              </a:buClr>
+              <a:buSzPct val="80000"/>
+              <a:buChar char="◼"/>
+              <a:defRPr sz="1984"/>
+            </a:pPr>
+            <a:r>
+              <a:t>Accuracy: 58.52%</a:t>
+            </a:r>
+          </a:p>
+          <a:p>
+            <a:pPr algn="just" defTabSz="566927">
+              <a:defRPr sz="1984"/>
+            </a:pPr>
+            <a:endParaRPr/>
+          </a:p>
+          <a:p>
+            <a:pPr marL="250078" indent="-176377" algn="just" defTabSz="566927">
+              <a:buClr>
+                <a:schemeClr val="accent2">
+                  <a:lumOff val="16690"/>
+                </a:schemeClr>
+              </a:buClr>
+              <a:buSzPct val="80000"/>
+              <a:buChar char="◼"/>
+              <a:defRPr sz="1984"/>
+            </a:pPr>
+            <a:r>
+              <a:t>Area Under ROC Curve: 0.64</a:t>
+            </a:r>
+          </a:p>
+          <a:p>
+            <a:pPr algn="just" defTabSz="566927">
+              <a:defRPr sz="1984"/>
+            </a:pPr>
+            <a:endParaRPr/>
+          </a:p>
+          <a:p>
+            <a:pPr algn="just" defTabSz="566927">
+              <a:defRPr sz="1984"/>
+            </a:pPr>
+            <a:endParaRPr/>
+          </a:p>
+          <a:p>
+            <a:pPr algn="just" defTabSz="566927">
+              <a:defRPr sz="1984"/>
+            </a:pPr>
+            <a:endParaRPr/>
+          </a:p>
+          <a:p>
+            <a:pPr defTabSz="283463">
+              <a:defRPr sz="1984" i="1">
+                <a:solidFill>
+                  <a:srgbClr val="6B6B6B"/>
+                </a:solidFill>
+                <a:latin typeface="STIXGeneral"/>
+                <a:ea typeface="STIXGeneral"/>
+                <a:cs typeface="STIXGeneral"/>
+                <a:sym typeface="STIXGeneral"/>
+              </a:defRPr>
+            </a:pPr>
+            <a:endParaRPr i="0">
+              <a:latin typeface="+mn-lt"/>
+              <a:ea typeface="+mn-ea"/>
+              <a:cs typeface="+mn-cs"/>
+              <a:sym typeface="Helvetica"/>
+            </a:endParaRPr>
+          </a:p>
+          <a:p>
+            <a:pPr defTabSz="283463">
+              <a:defRPr sz="1984">
+                <a:solidFill>
+                  <a:srgbClr val="6B6B6B"/>
+                </a:solidFill>
+                <a:latin typeface="+mn-lt"/>
+                <a:ea typeface="+mn-ea"/>
+                <a:cs typeface="+mn-cs"/>
+                <a:sym typeface="Helvetica"/>
+              </a:defRPr>
+            </a:pPr>
+            <a:endParaRPr/>
+          </a:p>
+          <a:p>
+            <a:pPr defTabSz="283463">
+              <a:defRPr sz="1984">
+                <a:solidFill>
+                  <a:srgbClr val="6B6B6B"/>
+                </a:solidFill>
+                <a:latin typeface="+mn-lt"/>
+                <a:ea typeface="+mn-ea"/>
+                <a:cs typeface="+mn-cs"/>
+                <a:sym typeface="Helvetica"/>
+              </a:defRPr>
+            </a:pPr>
+            <a:endParaRPr/>
+          </a:p>
+        </p:txBody>
+      </p:sp>
+      <p:sp>
+        <p:nvSpPr>
+          <p:cNvPr id="5" name="Titolo 9"/>
+          <p:cNvSpPr txBox="1">
+            <a:spLocks/>
+          </p:cNvSpPr>
+          <p:nvPr/>
+        </p:nvSpPr>
+        <p:spPr>
+          <a:xfrm>
+            <a:off x="3071802" y="-285776"/>
+            <a:ext cx="7686700" cy="2428894"/>
+          </a:xfrm>
+          <a:prstGeom prst="rect">
+            <a:avLst/>
+          </a:prstGeom>
+          <a:ln w="12700">
+            <a:miter lim="400000"/>
+          </a:ln>
+          <a:extLst>
+            <a:ext uri="{C572A759-6A51-4108-AA02-DFA0A04FC94B}">
+              <ma14:wrappingTextBoxFlag xmlns:ma14="http://schemas.microsoft.com/office/mac/drawingml/2011/main" xmlns:a14="http://schemas.microsoft.com/office/drawing/2010/main" xmlns:m="http://schemas.openxmlformats.org/officeDocument/2006/math" xmlns="" val="1"/>
+            </a:ext>
+          </a:extLst>
+        </p:spPr>
+        <p:txBody>
+          <a:bodyPr lIns="45719" rIns="45719" anchor="ctr">
+            <a:normAutofit/>
+          </a:bodyPr>
+          <a:lstStyle/>
+          <a:p>
+            <a:pPr hangingPunct="1"/>
+            <a:r>
+              <a:rPr kumimoji="0" lang="it-IT" sz="4000" b="1" i="0" u="none" strike="noStrike" kern="0" cap="none" spc="0" normalizeH="0" baseline="0" noProof="0" dirty="0" err="1" smtClean="0">
+                <a:ln>
+                  <a:noFill/>
+                </a:ln>
+                <a:solidFill>
+                  <a:schemeClr val="bg1"/>
+                </a:solidFill>
+                <a:effectLst/>
+                <a:uLnTx/>
+                <a:uFillTx/>
+                <a:latin typeface="Bahnschrift Condensed" pitchFamily="34" charset="0"/>
+                <a:ea typeface="+mj-ea"/>
+                <a:cs typeface="+mj-cs"/>
+                <a:sym typeface="Corbel"/>
+              </a:rPr>
+              <a:t>Prediction</a:t>
+            </a:r>
+            <a:r>
+              <a:rPr kumimoji="0" lang="it-IT" sz="4000" b="1" i="0" u="none" strike="noStrike" kern="0" cap="none" spc="0" normalizeH="0" baseline="0" noProof="0" dirty="0" smtClean="0">
+                <a:ln>
+                  <a:noFill/>
+                </a:ln>
+                <a:solidFill>
+                  <a:schemeClr val="bg1"/>
+                </a:solidFill>
+                <a:effectLst/>
+                <a:uLnTx/>
+                <a:uFillTx/>
+                <a:latin typeface="Bahnschrift Condensed" pitchFamily="34" charset="0"/>
+                <a:ea typeface="+mj-ea"/>
+                <a:cs typeface="+mj-cs"/>
+                <a:sym typeface="Corbel"/>
+              </a:rPr>
+              <a:t> </a:t>
+            </a:r>
+            <a:r>
+              <a:rPr kumimoji="0" lang="it-IT" sz="4000" b="1" i="0" u="none" strike="noStrike" kern="0" cap="none" spc="0" normalizeH="0" baseline="0" noProof="0" dirty="0" err="1" smtClean="0">
+                <a:ln>
+                  <a:noFill/>
+                </a:ln>
+                <a:solidFill>
+                  <a:schemeClr val="bg1"/>
+                </a:solidFill>
+                <a:effectLst/>
+                <a:uLnTx/>
+                <a:uFillTx/>
+                <a:latin typeface="Bahnschrift Condensed" pitchFamily="34" charset="0"/>
+                <a:ea typeface="+mj-ea"/>
+                <a:cs typeface="+mj-cs"/>
+                <a:sym typeface="Corbel"/>
+              </a:rPr>
+              <a:t>with</a:t>
+            </a:r>
+            <a:r>
+              <a:rPr kumimoji="0" lang="it-IT" sz="4000" b="1" i="0" u="none" strike="noStrike" kern="0" cap="none" spc="0" normalizeH="0" baseline="0" noProof="0" dirty="0" smtClean="0">
+                <a:ln>
+                  <a:noFill/>
+                </a:ln>
+                <a:solidFill>
+                  <a:schemeClr val="bg1"/>
+                </a:solidFill>
+                <a:effectLst/>
+                <a:uLnTx/>
+                <a:uFillTx/>
+                <a:latin typeface="Bahnschrift Condensed" pitchFamily="34" charset="0"/>
+                <a:ea typeface="+mj-ea"/>
+                <a:cs typeface="+mj-cs"/>
+                <a:sym typeface="Corbel"/>
+              </a:rPr>
+              <a:t> </a:t>
+            </a:r>
+            <a:r>
+              <a:rPr lang="it-IT" sz="4000" b="1" i="1" dirty="0" err="1" smtClean="0">
+                <a:solidFill>
+                  <a:schemeClr val="bg1"/>
+                </a:solidFill>
+                <a:latin typeface="Bahnschrift Condensed" pitchFamily="34" charset="0"/>
+              </a:rPr>
+              <a:t>Neural</a:t>
+            </a:r>
+            <a:r>
+              <a:rPr lang="it-IT" sz="4000" b="1" i="1" dirty="0" smtClean="0">
+                <a:solidFill>
+                  <a:schemeClr val="bg1"/>
+                </a:solidFill>
+                <a:latin typeface="Bahnschrift Condensed" pitchFamily="34" charset="0"/>
+              </a:rPr>
+              <a:t> </a:t>
+            </a:r>
+            <a:r>
+              <a:rPr lang="it-IT" sz="4000" b="1" i="1" dirty="0" err="1" smtClean="0">
+                <a:solidFill>
+                  <a:schemeClr val="bg1"/>
+                </a:solidFill>
+                <a:latin typeface="Bahnschrift Condensed" pitchFamily="34" charset="0"/>
+              </a:rPr>
+              <a:t>Networks</a:t>
+            </a:r>
+            <a:endParaRPr kumimoji="0" lang="it-IT" sz="4000" b="1" i="0" u="none" strike="noStrike" kern="0" cap="none" spc="0" normalizeH="0" baseline="0" noProof="0" dirty="0">
+              <a:ln>
+                <a:noFill/>
+              </a:ln>
+              <a:solidFill>
+                <a:schemeClr val="bg1"/>
+              </a:solidFill>
+              <a:effectLst/>
+              <a:uLnTx/>
+              <a:uFillTx/>
+              <a:latin typeface="Bahnschrift Condensed" pitchFamily="34" charset="0"/>
+              <a:ea typeface="+mj-ea"/>
+              <a:cs typeface="+mj-cs"/>
+              <a:sym typeface="Corbel"/>
+            </a:endParaRPr>
+          </a:p>
+        </p:txBody>
+      </p:sp>
+    </p:spTree>
+  </p:cSld>
+  <p:clrMapOvr>
+    <a:masterClrMapping/>
+  </p:clrMapOvr>
+  <p:transition spd="med"/>
+</p:sld>
+</file>
+
+<file path=ppt/slides/slide17.xml><?xml version="1.0" encoding="utf-8"?>
+<p:sld xmlns:a="http://schemas.openxmlformats.org/drawingml/2006/main" xmlns:r="http://schemas.openxmlformats.org/officeDocument/2006/relationships" xmlns:p="http://schemas.openxmlformats.org/presentationml/2006/main">
   <p:cSld>
     <p:spTree>
       <p:nvGrpSpPr>
@@ -3275,7 +7213,9 @@
       <p:sp>
         <p:nvSpPr>
           <p:cNvPr id="139" name="Plot ROC Curve:"/>
-          <p:cNvSpPr txBox="1"/>
+          <p:cNvSpPr txBox="1">
+            <a:spLocks noGrp="1"/>
+          </p:cNvSpPr>
           <p:nvPr>
             <p:ph type="body" sz="half" idx="1"/>
           </p:nvPr>
@@ -3290,52 +7230,26 @@
           </a:prstGeom>
         </p:spPr>
         <p:txBody>
-          <a:bodyPr/>
+          <a:bodyPr>
+            <a:normAutofit/>
+          </a:bodyPr>
           <a:lstStyle>
             <a:lvl1pPr marL="403351" indent="-284479" algn="just">
               <a:defRPr sz="3200"/>
             </a:lvl1pPr>
           </a:lstStyle>
           <a:p>
-            <a:pPr/>
-            <a:r>
-              <a:t>Plot ROC Curve:</a:t>
-            </a:r>
-          </a:p>
-        </p:txBody>
-      </p:sp>
-      <p:sp>
-        <p:nvSpPr>
-          <p:cNvPr id="140" name="Prediction with Neural Networks"/>
-          <p:cNvSpPr txBox="1"/>
-          <p:nvPr>
-            <p:ph type="title"/>
-          </p:nvPr>
-        </p:nvSpPr>
-        <p:spPr>
-          <a:xfrm>
-            <a:off x="457200" y="155447"/>
-            <a:ext cx="8229600" cy="1252729"/>
-          </a:xfrm>
-          <a:prstGeom prst="rect">
-            <a:avLst/>
-          </a:prstGeom>
-        </p:spPr>
-        <p:txBody>
-          <a:bodyPr/>
-          <a:lstStyle>
-            <a:lvl1pPr algn="r">
-              <a:defRPr b="1" i="1" sz="3200">
-                <a:solidFill>
-                  <a:srgbClr val="FFFFFF"/>
-                </a:solidFill>
-              </a:defRPr>
-            </a:lvl1pPr>
-          </a:lstStyle>
-          <a:p>
-            <a:pPr/>
-            <a:r>
-              <a:t>Prediction with Neural Networks</a:t>
+            <a:r>
+              <a:rPr sz="2800" dirty="0"/>
+              <a:t>Plot </a:t>
+            </a:r>
+            <a:r>
+              <a:rPr sz="2800" b="1" dirty="0"/>
+              <a:t>ROC</a:t>
+            </a:r>
+            <a:r>
+              <a:rPr sz="2800" dirty="0"/>
+              <a:t> Curve:</a:t>
             </a:r>
           </a:p>
         </p:txBody>
@@ -3349,10 +7263,10 @@
           <p:nvPr/>
         </p:nvPicPr>
         <p:blipFill>
-          <a:blip r:embed="rId2">
+          <a:blip r:embed="rId2" cstate="print">
             <a:extLst/>
           </a:blip>
-          <a:srcRect l="0" t="1202" r="0" b="1202"/>
+          <a:srcRect t="1202" b="1202"/>
           <a:stretch>
             <a:fillRect/>
           </a:stretch>
@@ -3389,13 +7303,13 @@
           </a:ln>
           <a:extLst>
             <a:ext uri="{C572A759-6A51-4108-AA02-DFA0A04FC94B}">
-              <ma14:wrappingTextBoxFlag xmlns:ma14="http://schemas.microsoft.com/office/mac/drawingml/2011/main" val="1"/>
+              <ma14:wrappingTextBoxFlag xmlns:ma14="http://schemas.microsoft.com/office/mac/drawingml/2011/main" xmlns:a14="http://schemas.microsoft.com/office/drawing/2010/main" xmlns:m="http://schemas.openxmlformats.org/officeDocument/2006/math" xmlns="" val="1"/>
             </a:ext>
           </a:extLst>
         </p:spPr>
         <p:txBody>
           <a:bodyPr lIns="45719" rIns="45719">
-            <a:normAutofit fontScale="100000" lnSpcReduction="0"/>
+            <a:normAutofit/>
           </a:bodyPr>
           <a:lstStyle>
             <a:lvl1pPr marL="403351" indent="-284479" algn="just">
@@ -3410,9 +7324,13 @@
             </a:lvl1pPr>
           </a:lstStyle>
           <a:p>
-            <a:pPr/>
-            <a:r>
-              <a:t>LOSS Curve:</a:t>
+            <a:r>
+              <a:rPr sz="2800" b="1" dirty="0"/>
+              <a:t>LOSS</a:t>
+            </a:r>
+            <a:r>
+              <a:rPr sz="2800" dirty="0"/>
+              <a:t> Curve:</a:t>
             </a:r>
           </a:p>
         </p:txBody>
@@ -3440,10 +7358,10 @@
             <p:nvPr/>
           </p:nvPicPr>
           <p:blipFill>
-            <a:blip r:embed="rId3">
+            <a:blip r:embed="rId3" cstate="print">
               <a:extLst/>
             </a:blip>
-            <a:srcRect l="1471" t="0" r="1471" b="0"/>
+            <a:srcRect l="1471" r="1471"/>
             <a:stretch>
               <a:fillRect/>
             </a:stretch>
@@ -3485,7 +7403,7 @@
             <a:effectLst/>
             <a:extLst>
               <a:ext uri="{C572A759-6A51-4108-AA02-DFA0A04FC94B}">
-                <ma14:wrappingTextBoxFlag xmlns:ma14="http://schemas.microsoft.com/office/mac/drawingml/2011/main" val="1"/>
+                <ma14:wrappingTextBoxFlag xmlns:ma14="http://schemas.microsoft.com/office/mac/drawingml/2011/main" xmlns:a14="http://schemas.microsoft.com/office/drawing/2010/main" xmlns:m="http://schemas.openxmlformats.org/officeDocument/2006/math" xmlns="" val="1"/>
               </a:ext>
             </a:extLst>
           </p:spPr>
@@ -3504,7 +7422,6 @@
               </a:lvl1pPr>
             </a:lstStyle>
             <a:p>
-              <a:pPr/>
               <a:r>
                 <a:t>Scrivi per inserire una didascalia.</a:t>
               </a:r>
@@ -3512,17 +7429,175 @@
           </p:txBody>
         </p:sp>
       </p:grpSp>
+      <p:sp>
+        <p:nvSpPr>
+          <p:cNvPr id="10" name="Titolo 9"/>
+          <p:cNvSpPr txBox="1">
+            <a:spLocks/>
+          </p:cNvSpPr>
+          <p:nvPr/>
+        </p:nvSpPr>
+        <p:spPr>
+          <a:xfrm>
+            <a:off x="3071802" y="-214338"/>
+            <a:ext cx="7686700" cy="2428894"/>
+          </a:xfrm>
+          <a:prstGeom prst="rect">
+            <a:avLst/>
+          </a:prstGeom>
+          <a:ln w="12700">
+            <a:miter lim="400000"/>
+          </a:ln>
+          <a:extLst>
+            <a:ext uri="{C572A759-6A51-4108-AA02-DFA0A04FC94B}">
+              <ma14:wrappingTextBoxFlag xmlns:ma14="http://schemas.microsoft.com/office/mac/drawingml/2011/main" xmlns:a14="http://schemas.microsoft.com/office/drawing/2010/main" xmlns:m="http://schemas.openxmlformats.org/officeDocument/2006/math" xmlns="" val="1"/>
+            </a:ext>
+          </a:extLst>
+        </p:spPr>
+        <p:txBody>
+          <a:bodyPr lIns="45719" rIns="45719" anchor="ctr">
+            <a:normAutofit/>
+          </a:bodyPr>
+          <a:lstStyle/>
+          <a:p>
+            <a:pPr hangingPunct="1"/>
+            <a:r>
+              <a:rPr kumimoji="0" lang="it-IT" sz="4000" b="1" i="0" u="none" strike="noStrike" kern="0" cap="none" spc="0" normalizeH="0" baseline="0" noProof="0" dirty="0" err="1" smtClean="0">
+                <a:ln>
+                  <a:noFill/>
+                </a:ln>
+                <a:solidFill>
+                  <a:schemeClr val="bg1"/>
+                </a:solidFill>
+                <a:effectLst/>
+                <a:uLnTx/>
+                <a:uFillTx/>
+                <a:latin typeface="Bahnschrift Condensed" pitchFamily="34" charset="0"/>
+                <a:ea typeface="+mj-ea"/>
+                <a:cs typeface="+mj-cs"/>
+                <a:sym typeface="Corbel"/>
+              </a:rPr>
+              <a:t>Prediction</a:t>
+            </a:r>
+            <a:r>
+              <a:rPr kumimoji="0" lang="it-IT" sz="4000" b="1" i="0" u="none" strike="noStrike" kern="0" cap="none" spc="0" normalizeH="0" baseline="0" noProof="0" dirty="0" smtClean="0">
+                <a:ln>
+                  <a:noFill/>
+                </a:ln>
+                <a:solidFill>
+                  <a:schemeClr val="bg1"/>
+                </a:solidFill>
+                <a:effectLst/>
+                <a:uLnTx/>
+                <a:uFillTx/>
+                <a:latin typeface="Bahnschrift Condensed" pitchFamily="34" charset="0"/>
+                <a:ea typeface="+mj-ea"/>
+                <a:cs typeface="+mj-cs"/>
+                <a:sym typeface="Corbel"/>
+              </a:rPr>
+              <a:t> </a:t>
+            </a:r>
+            <a:r>
+              <a:rPr kumimoji="0" lang="it-IT" sz="4000" b="1" i="0" u="none" strike="noStrike" kern="0" cap="none" spc="0" normalizeH="0" baseline="0" noProof="0" dirty="0" err="1" smtClean="0">
+                <a:ln>
+                  <a:noFill/>
+                </a:ln>
+                <a:solidFill>
+                  <a:schemeClr val="bg1"/>
+                </a:solidFill>
+                <a:effectLst/>
+                <a:uLnTx/>
+                <a:uFillTx/>
+                <a:latin typeface="Bahnschrift Condensed" pitchFamily="34" charset="0"/>
+                <a:ea typeface="+mj-ea"/>
+                <a:cs typeface="+mj-cs"/>
+                <a:sym typeface="Corbel"/>
+              </a:rPr>
+              <a:t>with</a:t>
+            </a:r>
+            <a:r>
+              <a:rPr kumimoji="0" lang="it-IT" sz="4000" b="1" i="0" u="none" strike="noStrike" kern="0" cap="none" spc="0" normalizeH="0" baseline="0" noProof="0" dirty="0" smtClean="0">
+                <a:ln>
+                  <a:noFill/>
+                </a:ln>
+                <a:solidFill>
+                  <a:schemeClr val="bg1"/>
+                </a:solidFill>
+                <a:effectLst/>
+                <a:uLnTx/>
+                <a:uFillTx/>
+                <a:latin typeface="Bahnschrift Condensed" pitchFamily="34" charset="0"/>
+                <a:ea typeface="+mj-ea"/>
+                <a:cs typeface="+mj-cs"/>
+                <a:sym typeface="Corbel"/>
+              </a:rPr>
+              <a:t> </a:t>
+            </a:r>
+            <a:r>
+              <a:rPr lang="it-IT" sz="4000" b="1" i="1" dirty="0" smtClean="0">
+                <a:solidFill>
+                  <a:schemeClr val="bg1"/>
+                </a:solidFill>
+                <a:latin typeface="Bahnschrift Condensed" pitchFamily="34" charset="0"/>
+              </a:rPr>
+              <a:t> </a:t>
+            </a:r>
+            <a:r>
+              <a:rPr lang="it-IT" sz="4000" b="1" i="1" dirty="0" err="1" smtClean="0">
+                <a:solidFill>
+                  <a:schemeClr val="bg1"/>
+                </a:solidFill>
+                <a:latin typeface="Bahnschrift Condensed" pitchFamily="34" charset="0"/>
+              </a:rPr>
+              <a:t>Neural</a:t>
+            </a:r>
+            <a:r>
+              <a:rPr lang="it-IT" sz="4000" b="1" i="1" dirty="0" smtClean="0">
+                <a:solidFill>
+                  <a:schemeClr val="bg1"/>
+                </a:solidFill>
+                <a:latin typeface="Bahnschrift Condensed" pitchFamily="34" charset="0"/>
+              </a:rPr>
+              <a:t> </a:t>
+            </a:r>
+            <a:r>
+              <a:rPr lang="it-IT" sz="4000" b="1" i="1" dirty="0" err="1" smtClean="0">
+                <a:solidFill>
+                  <a:schemeClr val="bg1"/>
+                </a:solidFill>
+                <a:latin typeface="Bahnschrift Condensed" pitchFamily="34" charset="0"/>
+              </a:rPr>
+              <a:t>Networks</a:t>
+            </a:r>
+            <a:endParaRPr kumimoji="0" lang="it-IT" sz="4000" b="1" i="0" u="none" strike="noStrike" kern="0" cap="none" spc="0" normalizeH="0" baseline="0" noProof="0" dirty="0">
+              <a:ln>
+                <a:noFill/>
+              </a:ln>
+              <a:solidFill>
+                <a:schemeClr val="bg1"/>
+              </a:solidFill>
+              <a:effectLst/>
+              <a:uLnTx/>
+              <a:uFillTx/>
+              <a:latin typeface="Bahnschrift Condensed" pitchFamily="34" charset="0"/>
+              <a:ea typeface="+mj-ea"/>
+              <a:cs typeface="+mj-cs"/>
+              <a:sym typeface="Corbel"/>
+            </a:endParaRPr>
+          </a:p>
+        </p:txBody>
+      </p:sp>
     </p:spTree>
   </p:cSld>
   <p:clrMapOvr>
     <a:masterClrMapping/>
   </p:clrMapOvr>
-  <p:transition xmlns:p14="http://schemas.microsoft.com/office/powerpoint/2010/main" spd="med" advClick="1"/>
+  <p:transition spd="med"/>
 </p:sld>
 </file>
 
 <file path=ppt/slides/slide2.xml><?xml version="1.0" encoding="utf-8"?>
-<p:sld xmlns:a="http://schemas.openxmlformats.org/drawingml/2006/main" xmlns:r="http://schemas.openxmlformats.org/officeDocument/2006/relationships" xmlns:p="http://schemas.openxmlformats.org/presentationml/2006/main" xmlns:m="http://schemas.openxmlformats.org/officeDocument/2006/math" xmlns:a14="http://schemas.microsoft.com/office/drawing/2010/main" showMasterSp="1" showMasterPhAnim="1">
+<p:sld xmlns:a="http://schemas.openxmlformats.org/drawingml/2006/main" xmlns:r="http://schemas.openxmlformats.org/officeDocument/2006/relationships" xmlns:p="http://schemas.openxmlformats.org/presentationml/2006/main">
   <p:cSld>
     <p:spTree>
       <p:nvGrpSpPr>
@@ -3541,7 +7616,9 @@
       <p:sp>
         <p:nvSpPr>
           <p:cNvPr id="108" name="Titolo 9"/>
-          <p:cNvSpPr txBox="1"/>
+          <p:cNvSpPr txBox="1">
+            <a:spLocks noGrp="1"/>
+          </p:cNvSpPr>
           <p:nvPr>
             <p:ph type="title"/>
           </p:nvPr>
@@ -3559,7 +7636,7 @@
           <a:bodyPr/>
           <a:lstStyle>
             <a:lvl1pPr algn="r">
-              <a:defRPr b="1" sz="4000">
+              <a:defRPr sz="4000" b="1">
                 <a:solidFill>
                   <a:srgbClr val="FFFFFF"/>
                 </a:solidFill>
@@ -3571,7 +7648,6 @@
             </a:lvl1pPr>
           </a:lstStyle>
           <a:p>
-            <a:pPr/>
             <a:r>
               <a:t>Introduction</a:t>
             </a:r>
@@ -3581,7 +7657,9 @@
       <p:sp>
         <p:nvSpPr>
           <p:cNvPr id="109" name="Segnaposto contenuto 10"/>
-          <p:cNvSpPr txBox="1"/>
+          <p:cNvSpPr txBox="1">
+            <a:spLocks noGrp="1"/>
+          </p:cNvSpPr>
           <p:nvPr>
             <p:ph type="body" idx="1"/>
           </p:nvPr>
@@ -3609,13 +7687,7 @@
               <a:defRPr sz="2900"/>
             </a:pPr>
             <a:r>
-              <a:t>World Health Organization has estimated 12 million deaths occur worldwide, every year due to Heart diseases; in fact, Cardiovascular diseases are the number </a:t>
-            </a:r>
-            <a:r>
-              <a:t>1</a:t>
-            </a:r>
-            <a:r>
-              <a:t> cause of death globally!</a:t>
+              <a:t>World Health Organization has estimated 12 million deaths occur worldwide, every year due to Heart diseases; in fact, Cardiovascular diseases are the number 1 cause of death globally!</a:t>
             </a:r>
           </a:p>
           <a:p>
@@ -3653,12 +7725,12 @@
   <p:clrMapOvr>
     <a:masterClrMapping/>
   </p:clrMapOvr>
-  <p:transition xmlns:p14="http://schemas.microsoft.com/office/powerpoint/2010/main" spd="med" advClick="1"/>
+  <p:transition spd="med"/>
 </p:sld>
 </file>
 
 <file path=ppt/slides/slide3.xml><?xml version="1.0" encoding="utf-8"?>
-<p:sld xmlns:a="http://schemas.openxmlformats.org/drawingml/2006/main" xmlns:r="http://schemas.openxmlformats.org/officeDocument/2006/relationships" xmlns:p="http://schemas.openxmlformats.org/presentationml/2006/main" xmlns:m="http://schemas.openxmlformats.org/officeDocument/2006/math" xmlns:a14="http://schemas.microsoft.com/office/drawing/2010/main" showMasterSp="1" showMasterPhAnim="1">
+<p:sld xmlns:a="http://schemas.openxmlformats.org/drawingml/2006/main" xmlns:r="http://schemas.openxmlformats.org/officeDocument/2006/relationships" xmlns:p="http://schemas.openxmlformats.org/presentationml/2006/main">
   <p:cSld>
     <p:spTree>
       <p:nvGrpSpPr>
@@ -3677,7 +7749,9 @@
       <p:sp>
         <p:nvSpPr>
           <p:cNvPr id="111" name="Titolo 9"/>
-          <p:cNvSpPr txBox="1"/>
+          <p:cNvSpPr txBox="1">
+            <a:spLocks noGrp="1"/>
+          </p:cNvSpPr>
           <p:nvPr>
             <p:ph type="title"/>
           </p:nvPr>
@@ -3695,7 +7769,7 @@
           <a:bodyPr/>
           <a:lstStyle>
             <a:lvl1pPr algn="r">
-              <a:defRPr b="1" sz="4000">
+              <a:defRPr sz="4000" b="1">
                 <a:solidFill>
                   <a:srgbClr val="FFFFFF"/>
                 </a:solidFill>
@@ -3707,7 +7781,6 @@
             </a:lvl1pPr>
           </a:lstStyle>
           <a:p>
-            <a:pPr/>
             <a:r>
               <a:t>Summary</a:t>
             </a:r>
@@ -3723,7 +7796,7 @@
         <p:spPr>
           <a:xfrm>
             <a:off x="331440" y="1857363"/>
-            <a:ext cx="4480560" cy="2250441"/>
+            <a:ext cx="8598278" cy="4708981"/>
           </a:xfrm>
           <a:prstGeom prst="rect">
             <a:avLst/>
@@ -3733,12 +7806,12 @@
           </a:ln>
           <a:extLst>
             <a:ext uri="{C572A759-6A51-4108-AA02-DFA0A04FC94B}">
-              <ma14:wrappingTextBoxFlag xmlns:ma14="http://schemas.microsoft.com/office/mac/drawingml/2011/main" val="1"/>
+              <ma14:wrappingTextBoxFlag xmlns:ma14="http://schemas.microsoft.com/office/mac/drawingml/2011/main" xmlns:a14="http://schemas.microsoft.com/office/drawing/2010/main" xmlns:m="http://schemas.openxmlformats.org/officeDocument/2006/math" xmlns="" val="1"/>
             </a:ext>
           </a:extLst>
         </p:spPr>
         <p:txBody>
-          <a:bodyPr lIns="45719" rIns="45719">
+          <a:bodyPr wrap="square" lIns="45719" rIns="45719">
             <a:spAutoFit/>
           </a:bodyPr>
           <a:lstStyle/>
@@ -3747,7 +7820,44 @@
               <a:defRPr sz="3000"/>
             </a:pPr>
             <a:r>
-              <a:t>1. Initialization</a:t>
+              <a:rPr sz="3000" dirty="0"/>
+              <a:t>1. </a:t>
+            </a:r>
+            <a:r>
+              <a:rPr sz="3000" dirty="0" smtClean="0"/>
+              <a:t>Initialization </a:t>
+            </a:r>
+            <a:r>
+              <a:rPr lang="it-IT" sz="3000" dirty="0" smtClean="0"/>
+              <a:t>and </a:t>
+            </a:r>
+            <a:r>
+              <a:rPr lang="it-IT" sz="3000" dirty="0" err="1" smtClean="0"/>
+              <a:t>Presentation</a:t>
+            </a:r>
+            <a:r>
+              <a:rPr lang="it-IT" sz="3000" dirty="0" smtClean="0"/>
+              <a:t> </a:t>
+            </a:r>
+            <a:r>
+              <a:rPr lang="it-IT" sz="3000" dirty="0" err="1" smtClean="0"/>
+              <a:t>of</a:t>
+            </a:r>
+            <a:r>
+              <a:rPr sz="3000" dirty="0" smtClean="0"/>
+              <a:t> </a:t>
+            </a:r>
+            <a:r>
+              <a:rPr lang="it-IT" sz="3000" dirty="0" smtClean="0"/>
+              <a:t>the</a:t>
+            </a:r>
+            <a:r>
+              <a:rPr sz="3000" dirty="0" smtClean="0"/>
+              <a:t> </a:t>
+            </a:r>
+            <a:r>
+              <a:rPr sz="3000" dirty="0"/>
+              <a:t>dataset</a:t>
             </a:r>
           </a:p>
           <a:p>
@@ -3755,24 +7865,294 @@
               <a:defRPr sz="3000"/>
             </a:pPr>
             <a:r>
-              <a:t>2. Show our dataset</a:t>
-            </a:r>
+              <a:rPr lang="it-IT" sz="3000" dirty="0" smtClean="0"/>
+              <a:t>2</a:t>
+            </a:r>
+            <a:r>
+              <a:rPr sz="3000" dirty="0" smtClean="0"/>
+              <a:t>. </a:t>
+            </a:r>
+            <a:r>
+              <a:rPr sz="3000" dirty="0"/>
+              <a:t>Data </a:t>
+            </a:r>
+            <a:r>
+              <a:rPr sz="3000" dirty="0" smtClean="0"/>
+              <a:t>Exploration</a:t>
+            </a:r>
+            <a:endParaRPr lang="it-IT" sz="3000" dirty="0" smtClean="0"/>
           </a:p>
           <a:p>
             <a:pPr>
               <a:defRPr sz="3000"/>
             </a:pPr>
             <a:r>
-              <a:t>3. Data Exploration</a:t>
-            </a:r>
+              <a:rPr lang="it-IT" sz="3000" dirty="0" smtClean="0"/>
+              <a:t>3. </a:t>
+            </a:r>
+            <a:r>
+              <a:rPr lang="en-US" sz="3000" dirty="0" smtClean="0">
+                <a:sym typeface="Bahnschrift Condensed"/>
+              </a:rPr>
+              <a:t>Modify and work on the dataset</a:t>
+            </a:r>
+            <a:endParaRPr sz="3000" dirty="0"/>
           </a:p>
           <a:p>
             <a:pPr>
               <a:defRPr sz="3000"/>
             </a:pPr>
             <a:r>
-              <a:t>4. Modify and work on the dataset</a:t>
-            </a:r>
+              <a:rPr sz="3000" dirty="0"/>
+              <a:t>4. </a:t>
+            </a:r>
+            <a:r>
+              <a:rPr lang="it-IT" sz="3000" dirty="0" err="1" smtClean="0">
+                <a:solidFill>
+                  <a:schemeClr val="tx1"/>
+                </a:solidFill>
+              </a:rPr>
+              <a:t>Prediction</a:t>
+            </a:r>
+            <a:r>
+              <a:rPr lang="it-IT" sz="3000" dirty="0" smtClean="0">
+                <a:solidFill>
+                  <a:schemeClr val="tx1"/>
+                </a:solidFill>
+              </a:rPr>
+              <a:t> </a:t>
+            </a:r>
+            <a:r>
+              <a:rPr lang="it-IT" sz="3000" dirty="0" err="1" smtClean="0">
+                <a:solidFill>
+                  <a:schemeClr val="tx1"/>
+                </a:solidFill>
+              </a:rPr>
+              <a:t>with</a:t>
+            </a:r>
+            <a:r>
+              <a:rPr lang="it-IT" sz="3000" dirty="0" smtClean="0">
+                <a:solidFill>
+                  <a:schemeClr val="tx1"/>
+                </a:solidFill>
+              </a:rPr>
+              <a:t> </a:t>
+            </a:r>
+            <a:r>
+              <a:rPr lang="it-IT" sz="3000" i="1" dirty="0" err="1" smtClean="0">
+                <a:solidFill>
+                  <a:schemeClr val="tx1"/>
+                </a:solidFill>
+              </a:rPr>
+              <a:t>Logistic</a:t>
+            </a:r>
+            <a:r>
+              <a:rPr lang="it-IT" sz="3000" i="1" dirty="0" smtClean="0">
+                <a:solidFill>
+                  <a:schemeClr val="tx1"/>
+                </a:solidFill>
+              </a:rPr>
+              <a:t> </a:t>
+            </a:r>
+            <a:r>
+              <a:rPr lang="it-IT" sz="3000" i="1" dirty="0" err="1" smtClean="0">
+                <a:solidFill>
+                  <a:schemeClr val="tx1"/>
+                </a:solidFill>
+              </a:rPr>
+              <a:t>Regression</a:t>
+            </a:r>
+            <a:endParaRPr lang="it-IT" sz="3000" i="1" dirty="0" smtClean="0">
+              <a:solidFill>
+                <a:schemeClr val="tx1"/>
+              </a:solidFill>
+            </a:endParaRPr>
+          </a:p>
+          <a:p>
+            <a:pPr lvl="0">
+              <a:defRPr sz="3000"/>
+            </a:pPr>
+            <a:r>
+              <a:rPr lang="it-IT" sz="3000" i="1" dirty="0" smtClean="0">
+                <a:solidFill>
+                  <a:schemeClr val="tx1"/>
+                </a:solidFill>
+              </a:rPr>
+              <a:t>5</a:t>
+            </a:r>
+            <a:r>
+              <a:rPr lang="it-IT" sz="3000" i="1" dirty="0" smtClean="0">
+                <a:solidFill>
+                  <a:schemeClr val="tx1"/>
+                </a:solidFill>
+              </a:rPr>
+              <a:t>. </a:t>
+            </a:r>
+            <a:r>
+              <a:rPr lang="it-IT" sz="3000" dirty="0" err="1" smtClean="0">
+                <a:solidFill>
+                  <a:schemeClr val="tx1"/>
+                </a:solidFill>
+              </a:rPr>
+              <a:t>Prediction</a:t>
+            </a:r>
+            <a:r>
+              <a:rPr lang="it-IT" sz="3000" dirty="0" smtClean="0">
+                <a:solidFill>
+                  <a:schemeClr val="tx1"/>
+                </a:solidFill>
+              </a:rPr>
+              <a:t> </a:t>
+            </a:r>
+            <a:r>
+              <a:rPr lang="it-IT" sz="3000" dirty="0" err="1" smtClean="0">
+                <a:solidFill>
+                  <a:schemeClr val="tx1"/>
+                </a:solidFill>
+              </a:rPr>
+              <a:t>with</a:t>
+            </a:r>
+            <a:r>
+              <a:rPr lang="it-IT" sz="3000" i="1" dirty="0" smtClean="0">
+                <a:solidFill>
+                  <a:schemeClr val="tx1"/>
+                </a:solidFill>
+              </a:rPr>
+              <a:t> </a:t>
+            </a:r>
+            <a:r>
+              <a:rPr lang="it-IT" sz="3000" i="1" dirty="0" err="1" smtClean="0">
+                <a:solidFill>
+                  <a:schemeClr val="tx1"/>
+                </a:solidFill>
+              </a:rPr>
+              <a:t>K-Nearest</a:t>
+            </a:r>
+            <a:r>
+              <a:rPr lang="it-IT" sz="3000" i="1" dirty="0" smtClean="0">
+                <a:solidFill>
+                  <a:schemeClr val="tx1"/>
+                </a:solidFill>
+              </a:rPr>
+              <a:t> </a:t>
+            </a:r>
+            <a:r>
+              <a:rPr lang="it-IT" sz="3000" i="1" dirty="0" err="1" smtClean="0">
+                <a:solidFill>
+                  <a:schemeClr val="tx1"/>
+                </a:solidFill>
+              </a:rPr>
+              <a:t>Neighbour</a:t>
+            </a:r>
+            <a:endParaRPr lang="it-IT" sz="3000" i="1" dirty="0" smtClean="0">
+              <a:solidFill>
+                <a:schemeClr val="tx1"/>
+              </a:solidFill>
+            </a:endParaRPr>
+          </a:p>
+          <a:p>
+            <a:pPr>
+              <a:defRPr sz="3000"/>
+            </a:pPr>
+            <a:r>
+              <a:rPr lang="it-IT" sz="3000" i="1" dirty="0" smtClean="0">
+                <a:solidFill>
+                  <a:schemeClr val="tx1"/>
+                </a:solidFill>
+              </a:rPr>
+              <a:t>6. </a:t>
+            </a:r>
+            <a:r>
+              <a:rPr lang="en-US" sz="3000" dirty="0" smtClean="0">
+                <a:solidFill>
+                  <a:schemeClr val="tx1"/>
+                </a:solidFill>
+              </a:rPr>
+              <a:t>Prediction with</a:t>
+            </a:r>
+            <a:r>
+              <a:rPr lang="en-US" sz="3000" i="1" dirty="0" smtClean="0">
+                <a:solidFill>
+                  <a:schemeClr val="tx1"/>
+                </a:solidFill>
+              </a:rPr>
+              <a:t>  Supported Vector </a:t>
+            </a:r>
+            <a:r>
+              <a:rPr lang="en-US" sz="3000" i="1" dirty="0" smtClean="0">
+                <a:solidFill>
+                  <a:schemeClr val="tx1"/>
+                </a:solidFill>
+              </a:rPr>
+              <a:t>Machine</a:t>
+            </a:r>
+          </a:p>
+          <a:p>
+            <a:pPr>
+              <a:defRPr sz="3000"/>
+            </a:pPr>
+            <a:r>
+              <a:rPr lang="en-US" sz="3000" i="1" dirty="0" smtClean="0">
+                <a:solidFill>
+                  <a:schemeClr val="tx1"/>
+                </a:solidFill>
+              </a:rPr>
+              <a:t>7. </a:t>
+            </a:r>
+            <a:r>
+              <a:rPr lang="en-US" sz="3000" dirty="0" smtClean="0">
+                <a:solidFill>
+                  <a:schemeClr val="tx1"/>
+                </a:solidFill>
+              </a:rPr>
+              <a:t>Prediction </a:t>
+            </a:r>
+            <a:r>
+              <a:rPr lang="en-US" sz="3000" dirty="0" smtClean="0">
+                <a:solidFill>
+                  <a:schemeClr val="tx1"/>
+                </a:solidFill>
+              </a:rPr>
+              <a:t>with</a:t>
+            </a:r>
+            <a:r>
+              <a:rPr lang="en-US" sz="3000" i="1" dirty="0" smtClean="0">
+                <a:solidFill>
+                  <a:schemeClr val="tx1"/>
+                </a:solidFill>
+              </a:rPr>
+              <a:t>  Neural Networks</a:t>
+            </a:r>
+          </a:p>
+          <a:p>
+            <a:pPr>
+              <a:defRPr sz="3000"/>
+            </a:pPr>
+            <a:endParaRPr lang="en-US" sz="3000" i="1" dirty="0" smtClean="0">
+              <a:solidFill>
+                <a:schemeClr val="tx1"/>
+              </a:solidFill>
+            </a:endParaRPr>
+          </a:p>
+          <a:p>
+            <a:pPr>
+              <a:defRPr sz="3000"/>
+            </a:pPr>
+            <a:endParaRPr lang="it-IT" sz="3000" i="1" dirty="0" smtClean="0">
+              <a:solidFill>
+                <a:schemeClr val="tx1"/>
+              </a:solidFill>
+            </a:endParaRPr>
+          </a:p>
+          <a:p>
+            <a:pPr lvl="0">
+              <a:defRPr sz="3000"/>
+            </a:pPr>
+            <a:endParaRPr sz="3000" dirty="0">
+              <a:solidFill>
+                <a:schemeClr val="tx1"/>
+              </a:solidFill>
+            </a:endParaRPr>
           </a:p>
         </p:txBody>
       </p:sp>
@@ -3781,12 +8161,12 @@
   <p:clrMapOvr>
     <a:masterClrMapping/>
   </p:clrMapOvr>
-  <p:transition xmlns:p14="http://schemas.microsoft.com/office/powerpoint/2010/main" spd="med" advClick="1"/>
+  <p:transition spd="med"/>
 </p:sld>
 </file>
 
 <file path=ppt/slides/slide4.xml><?xml version="1.0" encoding="utf-8"?>
-<p:sld xmlns:a="http://schemas.openxmlformats.org/drawingml/2006/main" xmlns:r="http://schemas.openxmlformats.org/officeDocument/2006/relationships" xmlns:p="http://schemas.openxmlformats.org/presentationml/2006/main" xmlns:m="http://schemas.openxmlformats.org/officeDocument/2006/math" xmlns:a14="http://schemas.microsoft.com/office/drawing/2010/main" showMasterSp="1" showMasterPhAnim="1">
+<p:sld xmlns:a="http://schemas.openxmlformats.org/drawingml/2006/main" xmlns:r="http://schemas.openxmlformats.org/officeDocument/2006/relationships" xmlns:p="http://schemas.openxmlformats.org/presentationml/2006/main">
   <p:cSld>
     <p:spTree>
       <p:nvGrpSpPr>
@@ -3805,7 +8185,9 @@
       <p:sp>
         <p:nvSpPr>
           <p:cNvPr id="114" name="Titolo 9"/>
-          <p:cNvSpPr txBox="1"/>
+          <p:cNvSpPr txBox="1">
+            <a:spLocks noGrp="1"/>
+          </p:cNvSpPr>
           <p:nvPr>
             <p:ph type="title"/>
           </p:nvPr>
@@ -3824,7 +8206,7 @@
           <a:lstStyle/>
           <a:p>
             <a:pPr algn="r">
-              <a:defRPr b="1" sz="3600">
+              <a:defRPr sz="3600" b="1">
                 <a:solidFill>
                   <a:srgbClr val="FFFFFF"/>
                 </a:solidFill>
@@ -3835,17 +8217,22 @@
               </a:defRPr>
             </a:pPr>
             <a:r>
+              <a:rPr dirty="0"/>
               <a:t>Initialization </a:t>
             </a:r>
             <a:r>
-              <a:rPr sz="2400"/>
+              <a:rPr sz="2400" dirty="0"/>
               <a:t>and</a:t>
             </a:r>
             <a:r>
+              <a:rPr dirty="0"/>
               <a:t> </a:t>
             </a:r>
-            <a:br/>
-            <a:r>
+            <a:br>
+              <a:rPr dirty="0"/>
+            </a:br>
+            <a:r>
+              <a:rPr dirty="0"/>
               <a:t>Presentation of the dataset</a:t>
             </a:r>
           </a:p>
@@ -3854,7 +8241,9 @@
       <p:sp>
         <p:nvSpPr>
           <p:cNvPr id="115" name="Segnaposto contenuto 10"/>
-          <p:cNvSpPr txBox="1"/>
+          <p:cNvSpPr txBox="1">
+            <a:spLocks noGrp="1"/>
+          </p:cNvSpPr>
           <p:nvPr>
             <p:ph type="body" idx="1"/>
           </p:nvPr>
@@ -3879,6 +8268,7 @@
               <a:defRPr sz="2600"/>
             </a:pPr>
             <a:r>
+              <a:rPr dirty="0"/>
               <a:t>The dataset consist of an ongoing cardiovascular study on residents of the town of Framingham, Massachusetts.</a:t>
             </a:r>
           </a:p>
@@ -3890,17 +8280,14 @@
               <a:defRPr sz="2600"/>
             </a:pPr>
             <a:r>
-              <a:t>We have a dataset consisting of </a:t>
-            </a:r>
-            <a:r>
-              <a:t>3749 rows</a:t>
-            </a:r>
-            <a:r>
-              <a:t> and </a:t>
-            </a:r>
-            <a:r>
-              <a:t>16 columns.</a:t>
-            </a:r>
+              <a:rPr dirty="0"/>
+              <a:t>We have a dataset consisting of 3749 rows and 16 columns</a:t>
+            </a:r>
+            <a:r>
+              <a:rPr dirty="0" smtClean="0"/>
+              <a:t>.</a:t>
+            </a:r>
+            <a:endParaRPr lang="it-IT" dirty="0" smtClean="0"/>
           </a:p>
           <a:p>
             <a:pPr marL="320040" indent="-640080">
@@ -3909,7 +8296,17 @@
               <a:buNone/>
               <a:defRPr sz="2600"/>
             </a:pPr>
-            <a:r>
+            <a:endParaRPr dirty="0"/>
+          </a:p>
+          <a:p>
+            <a:pPr marL="320040" indent="-640080">
+              <a:buSzTx/>
+              <a:buFont typeface="Wingdings 2"/>
+              <a:buNone/>
+              <a:defRPr sz="2600"/>
+            </a:pPr>
+            <a:r>
+              <a:rPr dirty="0"/>
               <a:t>The shown attributes are divided in:</a:t>
             </a:r>
           </a:p>
@@ -3919,10 +8316,8 @@
               <a:defRPr sz="2600"/>
             </a:pPr>
             <a:r>
-              <a:t>Demographic  </a:t>
-            </a:r>
-            <a:r>
-              <a:t>attributes</a:t>
+              <a:rPr dirty="0"/>
+              <a:t>Demographic  attributes</a:t>
             </a:r>
           </a:p>
           <a:p>
@@ -3931,10 +8326,8 @@
               <a:defRPr sz="2600"/>
             </a:pPr>
             <a:r>
-              <a:t>Behavioral  </a:t>
-            </a:r>
-            <a:r>
-              <a:t>attributes</a:t>
+              <a:rPr dirty="0"/>
+              <a:t>Behavioral  attributes</a:t>
             </a:r>
           </a:p>
           <a:p>
@@ -3943,13 +8336,8 @@
               <a:defRPr sz="2600"/>
             </a:pPr>
             <a:r>
-              <a:t>Medical </a:t>
-            </a:r>
-            <a:r>
-              <a:t>attributes </a:t>
-            </a:r>
-            <a:r>
-              <a:t>(history) </a:t>
+              <a:rPr dirty="0"/>
+              <a:t>Medical attributes (history) </a:t>
             </a:r>
           </a:p>
           <a:p>
@@ -3958,13 +8346,8 @@
               <a:defRPr sz="2600"/>
             </a:pPr>
             <a:r>
-              <a:t>Medical </a:t>
-            </a:r>
-            <a:r>
-              <a:t>attributes </a:t>
-            </a:r>
-            <a:r>
-              <a:t>(current)</a:t>
+              <a:rPr dirty="0"/>
+              <a:t>Medical attributes (current)</a:t>
             </a:r>
           </a:p>
           <a:p>
@@ -3973,13 +8356,8 @@
               <a:defRPr sz="2600"/>
             </a:pPr>
             <a:r>
-              <a:t>Predict </a:t>
-            </a:r>
-            <a:r>
-              <a:t>variable</a:t>
-            </a:r>
-            <a:r>
-              <a:t> (desired target)</a:t>
+              <a:rPr dirty="0"/>
+              <a:t>Predict variable (desired target)</a:t>
             </a:r>
           </a:p>
         </p:txBody>
@@ -3989,12 +8367,12 @@
   <p:clrMapOvr>
     <a:masterClrMapping/>
   </p:clrMapOvr>
-  <p:transition xmlns:p14="http://schemas.microsoft.com/office/powerpoint/2010/main" spd="med" advClick="1"/>
+  <p:transition spd="med"/>
 </p:sld>
 </file>
 
 <file path=ppt/slides/slide5.xml><?xml version="1.0" encoding="utf-8"?>
-<p:sld xmlns:a="http://schemas.openxmlformats.org/drawingml/2006/main" xmlns:r="http://schemas.openxmlformats.org/officeDocument/2006/relationships" xmlns:p="http://schemas.openxmlformats.org/presentationml/2006/main" xmlns:m="http://schemas.openxmlformats.org/officeDocument/2006/math" xmlns:a14="http://schemas.microsoft.com/office/drawing/2010/main" showMasterSp="1" showMasterPhAnim="1">
+<p:sld xmlns:a="http://schemas.openxmlformats.org/drawingml/2006/main" xmlns:r="http://schemas.openxmlformats.org/officeDocument/2006/relationships" xmlns:p="http://schemas.openxmlformats.org/presentationml/2006/main">
   <p:cSld>
     <p:spTree>
       <p:nvGrpSpPr>
@@ -4012,48 +8390,18 @@
       </p:grpSpPr>
       <p:sp>
         <p:nvSpPr>
-          <p:cNvPr id="117" name="Titolo 1"/>
-          <p:cNvSpPr txBox="1"/>
+          <p:cNvPr id="4" name="Titolo 9"/>
+          <p:cNvSpPr txBox="1">
+            <a:spLocks noGrp="1"/>
+          </p:cNvSpPr>
           <p:nvPr>
             <p:ph type="title"/>
           </p:nvPr>
         </p:nvSpPr>
         <p:spPr>
-          <a:prstGeom prst="rect">
-            <a:avLst/>
-          </a:prstGeom>
-        </p:spPr>
-        <p:txBody>
-          <a:bodyPr/>
-          <a:lstStyle>
-            <a:lvl1pPr algn="r">
-              <a:defRPr b="1" i="1" sz="3300">
-                <a:solidFill>
-                  <a:srgbClr val="FFFFFF"/>
-                </a:solidFill>
-              </a:defRPr>
-            </a:lvl1pPr>
-          </a:lstStyle>
-          <a:p>
-            <a:pPr/>
-            <a:r>
-              <a:t>Prediction with K-Nearest Neighbour</a:t>
-            </a:r>
-          </a:p>
-        </p:txBody>
-      </p:sp>
-      <p:sp>
-        <p:nvSpPr>
-          <p:cNvPr id="118" name="Segnaposto contenuto 2"/>
-          <p:cNvSpPr txBox="1"/>
-          <p:nvPr>
-            <p:ph type="body" sz="quarter" idx="1"/>
-          </p:nvPr>
-        </p:nvSpPr>
-        <p:spPr>
           <a:xfrm>
-            <a:off x="571500" y="1509334"/>
-            <a:ext cx="3936752" cy="877731"/>
+            <a:off x="1357290" y="-428653"/>
+            <a:ext cx="7686700" cy="2428894"/>
           </a:xfrm>
           <a:prstGeom prst="rect">
             <a:avLst/>
@@ -4063,496 +8411,83 @@
           <a:bodyPr/>
           <a:lstStyle/>
           <a:p>
-            <a:pPr marL="0" indent="0" algn="just">
-              <a:buClrTx/>
-              <a:buSzTx/>
-              <a:buNone/>
-              <a:defRPr b="1" sz="2400"/>
+            <a:pPr algn="r">
+              <a:defRPr sz="3600" b="1">
+                <a:solidFill>
+                  <a:srgbClr val="FFFFFF"/>
+                </a:solidFill>
+                <a:latin typeface="Bahnschrift Condensed"/>
+                <a:ea typeface="Bahnschrift Condensed"/>
+                <a:cs typeface="Bahnschrift Condensed"/>
+                <a:sym typeface="Bahnschrift Condensed"/>
+              </a:defRPr>
             </a:pPr>
             <a:r>
-              <a:t>Measures</a:t>
-            </a:r>
-            <a:br/>
+              <a:rPr dirty="0"/>
+              <a:t>Initialization </a:t>
+            </a:r>
+            <a:r>
+              <a:rPr sz="2400" dirty="0"/>
+              <a:t>and</a:t>
+            </a:r>
+            <a:r>
+              <a:rPr dirty="0"/>
+              <a:t> </a:t>
+            </a:r>
+            <a:br>
+              <a:rPr dirty="0"/>
+            </a:br>
+            <a:r>
+              <a:rPr dirty="0"/>
+              <a:t>Presentation of the dataset</a:t>
+            </a:r>
           </a:p>
         </p:txBody>
       </p:sp>
       <p:pic>
         <p:nvPicPr>
-          <p:cNvPr id="119" name="Galleria immagini" descr="Galleria immagini"/>
+          <p:cNvPr id="1027" name="Picture 3"/>
           <p:cNvPicPr>
-            <a:picLocks noChangeAspect="1"/>
+            <a:picLocks noChangeAspect="1" noChangeArrowheads="1"/>
           </p:cNvPicPr>
           <p:nvPr/>
         </p:nvPicPr>
         <p:blipFill>
-          <a:blip r:embed="rId2">
-            <a:extLst/>
-          </a:blip>
-          <a:srcRect l="0" t="420" r="0" b="420"/>
+          <a:blip r:embed="rId2" cstate="print"/>
+          <a:srcRect/>
           <a:stretch>
             <a:fillRect/>
           </a:stretch>
         </p:blipFill>
-        <p:spPr>
+        <p:spPr bwMode="auto">
           <a:xfrm>
-            <a:off x="4595862" y="1689695"/>
-            <a:ext cx="4346030" cy="4567784"/>
+            <a:off x="1071538" y="1697655"/>
+            <a:ext cx="7143800" cy="5160345"/>
           </a:xfrm>
           <a:prstGeom prst="rect">
             <a:avLst/>
           </a:prstGeom>
-          <a:ln w="12700">
-            <a:miter lim="400000"/>
+          <a:noFill/>
+          <a:ln w="9525">
+            <a:noFill/>
+            <a:miter lim="800000"/>
+            <a:headEnd/>
+            <a:tailEnd/>
           </a:ln>
+          <a:effectLst/>
         </p:spPr>
       </p:pic>
-      <p:sp>
-        <p:nvSpPr>
-          <p:cNvPr id="120" name="Segnaposto contenuto 2"/>
-          <p:cNvSpPr txBox="1"/>
-          <p:nvPr/>
-        </p:nvSpPr>
-        <p:spPr>
-          <a:xfrm>
-            <a:off x="480441" y="1988223"/>
-            <a:ext cx="5394376" cy="4909643"/>
-          </a:xfrm>
-          <a:prstGeom prst="rect">
-            <a:avLst/>
-          </a:prstGeom>
-          <a:ln w="12700">
-            <a:miter lim="400000"/>
-          </a:ln>
-          <a:extLst>
-            <a:ext uri="{C572A759-6A51-4108-AA02-DFA0A04FC94B}">
-              <ma14:wrappingTextBoxFlag xmlns:ma14="http://schemas.microsoft.com/office/mac/drawingml/2011/main" val="1"/>
-            </a:ext>
-          </a:extLst>
-        </p:spPr>
-        <p:txBody>
-          <a:bodyPr lIns="45719" rIns="45719">
-            <a:normAutofit fontScale="100000" lnSpcReduction="0"/>
-          </a:bodyPr>
-          <a:lstStyle/>
-          <a:p>
-            <a:pPr marL="318648" indent="-224739" algn="just" defTabSz="722376">
-              <a:buClr>
-                <a:schemeClr val="accent2">
-                  <a:lumOff val="16690"/>
-                </a:schemeClr>
-              </a:buClr>
-              <a:buSzPct val="80000"/>
-              <a:buChar char="◼"/>
-              <a:defRPr sz="1896"/>
-            </a:pPr>
-          </a:p>
-          <a:p>
-            <a:pPr marL="318648" indent="-224739" algn="just" defTabSz="722376">
-              <a:buClr>
-                <a:schemeClr val="accent2">
-                  <a:lumOff val="16690"/>
-                </a:schemeClr>
-              </a:buClr>
-              <a:buSzPct val="80000"/>
-              <a:buChar char="◼"/>
-              <a:defRPr sz="1896"/>
-            </a:pPr>
-            <a:r>
-              <a:t>Confusion Matrix: </a:t>
-            </a:r>
-          </a:p>
-          <a:p>
-            <a:pPr marL="318648" indent="-224739" algn="just" defTabSz="722376">
-              <a:buClr>
-                <a:schemeClr val="accent2">
-                  <a:lumOff val="16690"/>
-                </a:schemeClr>
-              </a:buClr>
-              <a:buSzPct val="80000"/>
-              <a:buChar char="◼"/>
-              <a:defRPr sz="1896"/>
-            </a:pPr>
-          </a:p>
-          <a:p>
-            <a:pPr marL="318648" indent="-224739" algn="just" defTabSz="722376">
-              <a:buClr>
-                <a:schemeClr val="accent2">
-                  <a:lumOff val="16690"/>
-                </a:schemeClr>
-              </a:buClr>
-              <a:buSzPct val="80000"/>
-              <a:buChar char="◼"/>
-              <a:defRPr sz="1896"/>
-            </a:pPr>
-            <a:r>
-              <a:t>Precision: 59.81%</a:t>
-            </a:r>
-          </a:p>
-          <a:p>
-            <a:pPr algn="just" defTabSz="722376">
-              <a:defRPr sz="1896"/>
-            </a:pPr>
-          </a:p>
-          <a:p>
-            <a:pPr marL="318648" indent="-224739" algn="just" defTabSz="722376">
-              <a:buClr>
-                <a:schemeClr val="accent2">
-                  <a:lumOff val="16690"/>
-                </a:schemeClr>
-              </a:buClr>
-              <a:buSzPct val="80000"/>
-              <a:buChar char="◼"/>
-              <a:defRPr sz="1896"/>
-            </a:pPr>
-            <a:r>
-              <a:t>Recall: 59.81%</a:t>
-            </a:r>
-          </a:p>
-          <a:p>
-            <a:pPr algn="just" defTabSz="722376">
-              <a:defRPr sz="1896"/>
-            </a:pPr>
-          </a:p>
-          <a:p>
-            <a:pPr marL="318648" indent="-224739" algn="just" defTabSz="722376">
-              <a:buClr>
-                <a:schemeClr val="accent2">
-                  <a:lumOff val="16690"/>
-                </a:schemeClr>
-              </a:buClr>
-              <a:buSzPct val="80000"/>
-              <a:buChar char="◼"/>
-              <a:defRPr sz="1896"/>
-            </a:pPr>
-            <a:r>
-              <a:t>F1-Score: 59.81%</a:t>
-            </a:r>
-          </a:p>
-          <a:p>
-            <a:pPr algn="just" defTabSz="722376">
-              <a:defRPr sz="1896"/>
-            </a:pPr>
-          </a:p>
-          <a:p>
-            <a:pPr algn="just" defTabSz="722376">
-              <a:defRPr sz="1896"/>
-            </a:pPr>
-            <a:r>
-              <a:t>Why this?</a:t>
-            </a:r>
-          </a:p>
-          <a:p>
-            <a:pPr algn="just" defTabSz="722376">
-              <a:defRPr sz="1896"/>
-            </a:pPr>
-          </a:p>
-          <a:p>
-            <a:pPr algn="just" defTabSz="722376">
-              <a:defRPr sz="1896"/>
-            </a:pPr>
-            <a14:m>
-              <m:oMathPara>
-                <m:oMathParaPr>
-                  <m:jc m:val="left"/>
-                </m:oMathParaPr>
-                <m:oMath>
-                  <m:r>
-                    <a:rPr xmlns:a="http://schemas.openxmlformats.org/drawingml/2006/main" sz="2200" i="1">
-                      <a:solidFill>
-                        <a:srgbClr val="000000"/>
-                      </a:solidFill>
-                      <a:latin typeface="Cambria Math" panose="02040503050406030204" pitchFamily="18" charset="0"/>
-                    </a:rPr>
-                    <m:t>P</m:t>
-                  </m:r>
-                  <m:r>
-                    <a:rPr xmlns:a="http://schemas.openxmlformats.org/drawingml/2006/main" sz="2200" i="1">
-                      <a:solidFill>
-                        <a:srgbClr val="000000"/>
-                      </a:solidFill>
-                      <a:latin typeface="Cambria Math" panose="02040503050406030204" pitchFamily="18" charset="0"/>
-                    </a:rPr>
-                    <m:t>=</m:t>
-                  </m:r>
-                  <m:r>
-                    <a:rPr xmlns:a="http://schemas.openxmlformats.org/drawingml/2006/main" sz="2200" i="1">
-                      <a:solidFill>
-                        <a:srgbClr val="000000"/>
-                      </a:solidFill>
-                      <a:latin typeface="Cambria Math" panose="02040503050406030204" pitchFamily="18" charset="0"/>
-                    </a:rPr>
-                    <m:t>T</m:t>
-                  </m:r>
-                  <m:r>
-                    <a:rPr xmlns:a="http://schemas.openxmlformats.org/drawingml/2006/main" sz="2200" i="1">
-                      <a:solidFill>
-                        <a:srgbClr val="000000"/>
-                      </a:solidFill>
-                      <a:latin typeface="Cambria Math" panose="02040503050406030204" pitchFamily="18" charset="0"/>
-                    </a:rPr>
-                    <m:t>P</m:t>
-                  </m:r>
-                  <m:r>
-                    <a:rPr xmlns:a="http://schemas.openxmlformats.org/drawingml/2006/main" sz="2200" i="1">
-                      <a:solidFill>
-                        <a:srgbClr val="000000"/>
-                      </a:solidFill>
-                      <a:latin typeface="Cambria Math" panose="02040503050406030204" pitchFamily="18" charset="0"/>
-                    </a:rPr>
-                    <m:t>/</m:t>
-                  </m:r>
-                  <m:r>
-                    <a:rPr xmlns:a="http://schemas.openxmlformats.org/drawingml/2006/main" sz="2200" i="1">
-                      <a:solidFill>
-                        <a:srgbClr val="000000"/>
-                      </a:solidFill>
-                      <a:latin typeface="Cambria Math" panose="02040503050406030204" pitchFamily="18" charset="0"/>
-                    </a:rPr>
-                    <m:t>(</m:t>
-                  </m:r>
-                  <m:r>
-                    <a:rPr xmlns:a="http://schemas.openxmlformats.org/drawingml/2006/main" sz="2200" i="1">
-                      <a:solidFill>
-                        <a:srgbClr val="000000"/>
-                      </a:solidFill>
-                      <a:latin typeface="Cambria Math" panose="02040503050406030204" pitchFamily="18" charset="0"/>
-                    </a:rPr>
-                    <m:t>T</m:t>
-                  </m:r>
-                  <m:r>
-                    <a:rPr xmlns:a="http://schemas.openxmlformats.org/drawingml/2006/main" sz="2200" i="1">
-                      <a:solidFill>
-                        <a:srgbClr val="000000"/>
-                      </a:solidFill>
-                      <a:latin typeface="Cambria Math" panose="02040503050406030204" pitchFamily="18" charset="0"/>
-                    </a:rPr>
-                    <m:t>P</m:t>
-                  </m:r>
-                  <m:r>
-                    <a:rPr xmlns:a="http://schemas.openxmlformats.org/drawingml/2006/main" sz="2200" i="1">
-                      <a:solidFill>
-                        <a:srgbClr val="000000"/>
-                      </a:solidFill>
-                      <a:latin typeface="Cambria Math" panose="02040503050406030204" pitchFamily="18" charset="0"/>
-                    </a:rPr>
-                    <m:t>+</m:t>
-                  </m:r>
-                  <m:r>
-                    <a:rPr xmlns:a="http://schemas.openxmlformats.org/drawingml/2006/main" sz="2200" i="1">
-                      <a:solidFill>
-                        <a:srgbClr val="000000"/>
-                      </a:solidFill>
-                      <a:latin typeface="Cambria Math" panose="02040503050406030204" pitchFamily="18" charset="0"/>
-                    </a:rPr>
-                    <m:t>F</m:t>
-                  </m:r>
-                  <m:r>
-                    <a:rPr xmlns:a="http://schemas.openxmlformats.org/drawingml/2006/main" sz="2200" i="1">
-                      <a:solidFill>
-                        <a:srgbClr val="000000"/>
-                      </a:solidFill>
-                      <a:latin typeface="Cambria Math" panose="02040503050406030204" pitchFamily="18" charset="0"/>
-                    </a:rPr>
-                    <m:t>P</m:t>
-                  </m:r>
-                  <m:r>
-                    <a:rPr xmlns:a="http://schemas.openxmlformats.org/drawingml/2006/main" sz="2200" i="1">
-                      <a:solidFill>
-                        <a:srgbClr val="000000"/>
-                      </a:solidFill>
-                      <a:latin typeface="Cambria Math" panose="02040503050406030204" pitchFamily="18" charset="0"/>
-                    </a:rPr>
-                    <m:t>)</m:t>
-                  </m:r>
-                </m:oMath>
-              </m:oMathPara>
-            </a14:m>
-          </a:p>
-          <a:p>
-            <a:pPr algn="just" defTabSz="722376">
-              <a:defRPr sz="1896"/>
-            </a:pPr>
-          </a:p>
-          <a:p>
-            <a:pPr algn="just" defTabSz="722376">
-              <a:defRPr sz="1896"/>
-            </a:pPr>
-            <a14:m>
-              <m:oMathPara>
-                <m:oMathParaPr>
-                  <m:jc m:val="left"/>
-                </m:oMathParaPr>
-                <m:oMath>
-                  <m:r>
-                    <a:rPr xmlns:a="http://schemas.openxmlformats.org/drawingml/2006/main" sz="2200" i="1">
-                      <a:solidFill>
-                        <a:srgbClr val="000000"/>
-                      </a:solidFill>
-                      <a:latin typeface="Cambria Math" panose="02040503050406030204" pitchFamily="18" charset="0"/>
-                    </a:rPr>
-                    <m:t>R</m:t>
-                  </m:r>
-                  <m:r>
-                    <a:rPr xmlns:a="http://schemas.openxmlformats.org/drawingml/2006/main" sz="2200" i="1">
-                      <a:solidFill>
-                        <a:srgbClr val="000000"/>
-                      </a:solidFill>
-                      <a:latin typeface="Cambria Math" panose="02040503050406030204" pitchFamily="18" charset="0"/>
-                    </a:rPr>
-                    <m:t>=</m:t>
-                  </m:r>
-                  <m:r>
-                    <a:rPr xmlns:a="http://schemas.openxmlformats.org/drawingml/2006/main" sz="2200" i="1">
-                      <a:solidFill>
-                        <a:srgbClr val="000000"/>
-                      </a:solidFill>
-                      <a:latin typeface="Cambria Math" panose="02040503050406030204" pitchFamily="18" charset="0"/>
-                    </a:rPr>
-                    <m:t>T</m:t>
-                  </m:r>
-                  <m:r>
-                    <a:rPr xmlns:a="http://schemas.openxmlformats.org/drawingml/2006/main" sz="2200" i="1">
-                      <a:solidFill>
-                        <a:srgbClr val="000000"/>
-                      </a:solidFill>
-                      <a:latin typeface="Cambria Math" panose="02040503050406030204" pitchFamily="18" charset="0"/>
-                    </a:rPr>
-                    <m:t>P</m:t>
-                  </m:r>
-                  <m:r>
-                    <a:rPr xmlns:a="http://schemas.openxmlformats.org/drawingml/2006/main" sz="2200" i="1">
-                      <a:solidFill>
-                        <a:srgbClr val="000000"/>
-                      </a:solidFill>
-                      <a:latin typeface="Cambria Math" panose="02040503050406030204" pitchFamily="18" charset="0"/>
-                    </a:rPr>
-                    <m:t>/</m:t>
-                  </m:r>
-                  <m:r>
-                    <a:rPr xmlns:a="http://schemas.openxmlformats.org/drawingml/2006/main" sz="2200" i="1">
-                      <a:solidFill>
-                        <a:srgbClr val="000000"/>
-                      </a:solidFill>
-                      <a:latin typeface="Cambria Math" panose="02040503050406030204" pitchFamily="18" charset="0"/>
-                    </a:rPr>
-                    <m:t>(</m:t>
-                  </m:r>
-                  <m:r>
-                    <a:rPr xmlns:a="http://schemas.openxmlformats.org/drawingml/2006/main" sz="2200" i="1">
-                      <a:solidFill>
-                        <a:srgbClr val="000000"/>
-                      </a:solidFill>
-                      <a:latin typeface="Cambria Math" panose="02040503050406030204" pitchFamily="18" charset="0"/>
-                    </a:rPr>
-                    <m:t>T</m:t>
-                  </m:r>
-                  <m:r>
-                    <a:rPr xmlns:a="http://schemas.openxmlformats.org/drawingml/2006/main" sz="2200" i="1">
-                      <a:solidFill>
-                        <a:srgbClr val="000000"/>
-                      </a:solidFill>
-                      <a:latin typeface="Cambria Math" panose="02040503050406030204" pitchFamily="18" charset="0"/>
-                    </a:rPr>
-                    <m:t>P</m:t>
-                  </m:r>
-                  <m:r>
-                    <a:rPr xmlns:a="http://schemas.openxmlformats.org/drawingml/2006/main" sz="2200" i="1">
-                      <a:solidFill>
-                        <a:srgbClr val="000000"/>
-                      </a:solidFill>
-                      <a:latin typeface="Cambria Math" panose="02040503050406030204" pitchFamily="18" charset="0"/>
-                    </a:rPr>
-                    <m:t>+</m:t>
-                  </m:r>
-                  <m:r>
-                    <a:rPr xmlns:a="http://schemas.openxmlformats.org/drawingml/2006/main" sz="2200" i="1">
-                      <a:solidFill>
-                        <a:srgbClr val="000000"/>
-                      </a:solidFill>
-                      <a:latin typeface="Cambria Math" panose="02040503050406030204" pitchFamily="18" charset="0"/>
-                    </a:rPr>
-                    <m:t>F</m:t>
-                  </m:r>
-                  <m:r>
-                    <a:rPr xmlns:a="http://schemas.openxmlformats.org/drawingml/2006/main" sz="2200" i="1">
-                      <a:solidFill>
-                        <a:srgbClr val="000000"/>
-                      </a:solidFill>
-                      <a:latin typeface="Cambria Math" panose="02040503050406030204" pitchFamily="18" charset="0"/>
-                    </a:rPr>
-                    <m:t>N</m:t>
-                  </m:r>
-                  <m:r>
-                    <a:rPr xmlns:a="http://schemas.openxmlformats.org/drawingml/2006/main" sz="2200" i="1">
-                      <a:solidFill>
-                        <a:srgbClr val="000000"/>
-                      </a:solidFill>
-                      <a:latin typeface="Cambria Math" panose="02040503050406030204" pitchFamily="18" charset="0"/>
-                    </a:rPr>
-                    <m:t>)</m:t>
-                  </m:r>
-                </m:oMath>
-              </m:oMathPara>
-            </a14:m>
-          </a:p>
-          <a:p>
-            <a:pPr defTabSz="361188">
-              <a:defRPr i="1" sz="969">
-                <a:solidFill>
-                  <a:srgbClr val="6B6B6B"/>
-                </a:solidFill>
-                <a:latin typeface="STIXGeneral"/>
-                <a:ea typeface="STIXGeneral"/>
-                <a:cs typeface="STIXGeneral"/>
-                <a:sym typeface="STIXGeneral"/>
-              </a:defRPr>
-            </a:pPr>
-            <a:endParaRPr i="0" sz="1371">
-              <a:latin typeface="+mn-lt"/>
-              <a:ea typeface="+mn-ea"/>
-              <a:cs typeface="+mn-cs"/>
-              <a:sym typeface="Helvetica"/>
-            </a:endParaRPr>
-          </a:p>
-          <a:p>
-            <a:pPr defTabSz="361188">
-              <a:defRPr sz="1371">
-                <a:solidFill>
-                  <a:srgbClr val="6B6B6B"/>
-                </a:solidFill>
-                <a:latin typeface="+mn-lt"/>
-                <a:ea typeface="+mn-ea"/>
-                <a:cs typeface="+mn-cs"/>
-                <a:sym typeface="Helvetica"/>
-              </a:defRPr>
-            </a:pPr>
-          </a:p>
-          <a:p>
-            <a:pPr defTabSz="361188">
-              <a:defRPr sz="1371">
-                <a:solidFill>
-                  <a:srgbClr val="6B6B6B"/>
-                </a:solidFill>
-                <a:latin typeface="+mn-lt"/>
-                <a:ea typeface="+mn-ea"/>
-                <a:cs typeface="+mn-cs"/>
-                <a:sym typeface="Helvetica"/>
-              </a:defRPr>
-            </a:pPr>
-          </a:p>
-        </p:txBody>
-      </p:sp>
     </p:spTree>
   </p:cSld>
   <p:clrMapOvr>
     <a:masterClrMapping/>
   </p:clrMapOvr>
-  <p:transition xmlns:p14="http://schemas.microsoft.com/office/powerpoint/2010/main" spd="med" advClick="1"/>
+  <p:transition spd="med"/>
 </p:sld>
 </file>
 
 <file path=ppt/slides/slide6.xml><?xml version="1.0" encoding="utf-8"?>
-<p:sld xmlns:a="http://schemas.openxmlformats.org/drawingml/2006/main" xmlns:r="http://schemas.openxmlformats.org/officeDocument/2006/relationships" xmlns:p="http://schemas.openxmlformats.org/presentationml/2006/main" xmlns:m="http://schemas.openxmlformats.org/officeDocument/2006/math" xmlns:a14="http://schemas.microsoft.com/office/drawing/2010/main" showMasterSp="1" showMasterPhAnim="1">
+<p:sld xmlns:a="http://schemas.openxmlformats.org/drawingml/2006/main" xmlns:r="http://schemas.openxmlformats.org/officeDocument/2006/relationships" xmlns:p="http://schemas.openxmlformats.org/presentationml/2006/main">
   <p:cSld>
     <p:spTree>
       <p:nvGrpSpPr>
@@ -4570,52 +8505,18 @@
       </p:grpSpPr>
       <p:sp>
         <p:nvSpPr>
-          <p:cNvPr id="122" name="Prediction with K-Nearest Neighbour"/>
-          <p:cNvSpPr txBox="1"/>
+          <p:cNvPr id="4" name="Titolo 9"/>
+          <p:cNvSpPr txBox="1">
+            <a:spLocks noGrp="1"/>
+          </p:cNvSpPr>
           <p:nvPr>
             <p:ph type="title"/>
           </p:nvPr>
         </p:nvSpPr>
         <p:spPr>
           <a:xfrm>
-            <a:off x="457200" y="90502"/>
-            <a:ext cx="8229600" cy="1252729"/>
-          </a:xfrm>
-          <a:prstGeom prst="rect">
-            <a:avLst/>
-          </a:prstGeom>
-        </p:spPr>
-        <p:txBody>
-          <a:bodyPr/>
-          <a:lstStyle>
-            <a:lvl1pPr algn="r">
-              <a:defRPr b="1" i="1" sz="3300">
-                <a:solidFill>
-                  <a:srgbClr val="FFFFFF"/>
-                </a:solidFill>
-              </a:defRPr>
-            </a:lvl1pPr>
-          </a:lstStyle>
-          <a:p>
-            <a:pPr/>
-            <a:r>
-              <a:t>Prediction with K-Nearest Neighbour</a:t>
-            </a:r>
-          </a:p>
-        </p:txBody>
-      </p:sp>
-      <p:sp>
-        <p:nvSpPr>
-          <p:cNvPr id="123" name="Analyses F1 Score and Accuracy"/>
-          <p:cNvSpPr txBox="1"/>
-          <p:nvPr>
-            <p:ph type="body" sz="quarter" idx="1"/>
-          </p:nvPr>
-        </p:nvSpPr>
-        <p:spPr>
-          <a:xfrm>
-            <a:off x="139700" y="1814134"/>
-            <a:ext cx="5842298" cy="971989"/>
+            <a:off x="1357290" y="-428653"/>
+            <a:ext cx="7686700" cy="2428894"/>
           </a:xfrm>
           <a:prstGeom prst="rect">
             <a:avLst/>
@@ -4625,74 +8526,103 @@
           <a:bodyPr/>
           <a:lstStyle/>
           <a:p>
-            <a:pPr marL="381853" indent="-278434" defTabSz="795527">
-              <a:defRPr b="1" i="1" sz="2784"/>
+            <a:pPr algn="r">
+              <a:defRPr sz="3600" b="1">
+                <a:solidFill>
+                  <a:srgbClr val="FFFFFF"/>
+                </a:solidFill>
+                <a:latin typeface="Bahnschrift Condensed"/>
+                <a:ea typeface="Bahnschrift Condensed"/>
+                <a:cs typeface="Bahnschrift Condensed"/>
+                <a:sym typeface="Bahnschrift Condensed"/>
+              </a:defRPr>
             </a:pPr>
             <a:r>
-              <a:t>Analyses F1 Score and Accuracy</a:t>
-            </a:r>
-            <a:br/>
+              <a:rPr dirty="0"/>
+              <a:t>Initialization </a:t>
+            </a:r>
+            <a:r>
+              <a:rPr sz="2400" dirty="0"/>
+              <a:t>and</a:t>
+            </a:r>
+            <a:r>
+              <a:rPr dirty="0"/>
+              <a:t> </a:t>
+            </a:r>
+            <a:br>
+              <a:rPr dirty="0"/>
+            </a:br>
+            <a:r>
+              <a:rPr dirty="0"/>
+              <a:t>Presentation of the dataset</a:t>
+            </a:r>
           </a:p>
         </p:txBody>
       </p:sp>
       <p:pic>
         <p:nvPicPr>
-          <p:cNvPr id="124" name="Galleria immagini" descr="Galleria immagini"/>
+          <p:cNvPr id="2050" name="Picture 2"/>
           <p:cNvPicPr>
-            <a:picLocks noChangeAspect="1"/>
+            <a:picLocks noChangeAspect="1" noChangeArrowheads="1"/>
           </p:cNvPicPr>
           <p:nvPr/>
         </p:nvPicPr>
         <p:blipFill>
-          <a:blip r:embed="rId2">
-            <a:extLst/>
-          </a:blip>
-          <a:srcRect l="0" t="897" r="0" b="897"/>
+          <a:blip r:embed="rId2" cstate="print"/>
+          <a:srcRect/>
           <a:stretch>
             <a:fillRect/>
           </a:stretch>
         </p:blipFill>
-        <p:spPr>
+        <p:spPr bwMode="auto">
           <a:xfrm>
-            <a:off x="4557662" y="2851025"/>
-            <a:ext cx="4279256" cy="2808785"/>
+            <a:off x="357158" y="1574052"/>
+            <a:ext cx="3929090" cy="5283948"/>
           </a:xfrm>
           <a:prstGeom prst="rect">
             <a:avLst/>
           </a:prstGeom>
-          <a:ln w="12700">
-            <a:miter lim="400000"/>
+          <a:noFill/>
+          <a:ln w="9525">
+            <a:noFill/>
+            <a:miter lim="800000"/>
+            <a:headEnd/>
+            <a:tailEnd/>
           </a:ln>
+          <a:effectLst/>
         </p:spPr>
       </p:pic>
       <p:pic>
         <p:nvPicPr>
-          <p:cNvPr id="125" name="Galleria immagini" descr="Galleria immagini"/>
+          <p:cNvPr id="2051" name="Picture 3"/>
           <p:cNvPicPr>
-            <a:picLocks noChangeAspect="1"/>
+            <a:picLocks noChangeAspect="1" noChangeArrowheads="1"/>
           </p:cNvPicPr>
           <p:nvPr/>
         </p:nvPicPr>
         <p:blipFill>
-          <a:blip r:embed="rId3">
-            <a:extLst/>
-          </a:blip>
-          <a:srcRect l="997" t="0" r="997" b="0"/>
+          <a:blip r:embed="rId3" cstate="print"/>
+          <a:srcRect/>
           <a:stretch>
             <a:fillRect/>
           </a:stretch>
         </p:blipFill>
-        <p:spPr>
+        <p:spPr bwMode="auto">
           <a:xfrm>
-            <a:off x="169664" y="2890787"/>
-            <a:ext cx="4063256" cy="2729261"/>
+            <a:off x="4357654" y="3571876"/>
+            <a:ext cx="4786346" cy="1090766"/>
           </a:xfrm>
           <a:prstGeom prst="rect">
             <a:avLst/>
           </a:prstGeom>
-          <a:ln w="12700">
-            <a:miter lim="400000"/>
+          <a:noFill/>
+          <a:ln w="9525">
+            <a:noFill/>
+            <a:miter lim="800000"/>
+            <a:headEnd/>
+            <a:tailEnd/>
           </a:ln>
+          <a:effectLst/>
         </p:spPr>
       </p:pic>
     </p:spTree>
@@ -4700,12 +8630,12 @@
   <p:clrMapOvr>
     <a:masterClrMapping/>
   </p:clrMapOvr>
-  <p:transition xmlns:p14="http://schemas.microsoft.com/office/powerpoint/2010/main" spd="med" advClick="1"/>
+  <p:transition spd="med"/>
 </p:sld>
 </file>
 
 <file path=ppt/slides/slide7.xml><?xml version="1.0" encoding="utf-8"?>
-<p:sld xmlns:a="http://schemas.openxmlformats.org/drawingml/2006/main" xmlns:r="http://schemas.openxmlformats.org/officeDocument/2006/relationships" xmlns:p="http://schemas.openxmlformats.org/presentationml/2006/main" xmlns:m="http://schemas.openxmlformats.org/officeDocument/2006/math" xmlns:a14="http://schemas.microsoft.com/office/drawing/2010/main" showMasterSp="1" showMasterPhAnim="1">
+<p:sld xmlns:a="http://schemas.openxmlformats.org/drawingml/2006/main" xmlns:r="http://schemas.openxmlformats.org/officeDocument/2006/relationships" xmlns:p="http://schemas.openxmlformats.org/presentationml/2006/main">
   <p:cSld>
     <p:spTree>
       <p:nvGrpSpPr>
@@ -4723,301 +8653,479 @@
       </p:grpSpPr>
       <p:sp>
         <p:nvSpPr>
-          <p:cNvPr id="127" name="Titolo 1"/>
-          <p:cNvSpPr txBox="1"/>
+          <p:cNvPr id="5" name="Titolo 9"/>
+          <p:cNvSpPr txBox="1">
+            <a:spLocks noGrp="1"/>
+          </p:cNvSpPr>
           <p:nvPr>
             <p:ph type="title"/>
           </p:nvPr>
         </p:nvSpPr>
         <p:spPr>
+          <a:xfrm>
+            <a:off x="1357290" y="-428653"/>
+            <a:ext cx="7686700" cy="2428894"/>
+          </a:xfrm>
           <a:prstGeom prst="rect">
             <a:avLst/>
           </a:prstGeom>
         </p:spPr>
         <p:txBody>
-          <a:bodyPr/>
-          <a:lstStyle>
-            <a:lvl1pPr algn="r">
-              <a:defRPr b="1" i="1" sz="2800">
+          <a:bodyPr>
+            <a:normAutofit/>
+          </a:bodyPr>
+          <a:lstStyle/>
+          <a:p>
+            <a:pPr algn="r">
+              <a:defRPr sz="3600" b="1">
                 <a:solidFill>
                   <a:srgbClr val="FFFFFF"/>
                 </a:solidFill>
+                <a:latin typeface="Bahnschrift Condensed"/>
+                <a:ea typeface="Bahnschrift Condensed"/>
+                <a:cs typeface="Bahnschrift Condensed"/>
+                <a:sym typeface="Bahnschrift Condensed"/>
               </a:defRPr>
-            </a:lvl1pPr>
-          </a:lstStyle>
-          <a:p>
-            <a:pPr/>
-            <a:r>
-              <a:t>Prediction with  Supported Vector Machine</a:t>
-            </a:r>
+            </a:pPr>
+            <a:r>
+              <a:rPr lang="it-IT" sz="4000" dirty="0" smtClean="0"/>
+              <a:t>Data </a:t>
+            </a:r>
+            <a:r>
+              <a:rPr lang="it-IT" sz="4000" dirty="0" err="1" smtClean="0"/>
+              <a:t>Exploration</a:t>
+            </a:r>
+            <a:endParaRPr sz="4000" dirty="0"/>
           </a:p>
         </p:txBody>
       </p:sp>
-      <p:pic>
-        <p:nvPicPr>
-          <p:cNvPr id="128" name="Galleria immagini" descr="Galleria immagini"/>
-          <p:cNvPicPr>
-            <a:picLocks noChangeAspect="1"/>
-          </p:cNvPicPr>
-          <p:nvPr/>
-        </p:nvPicPr>
-        <p:blipFill>
-          <a:blip r:embed="rId2">
-            <a:extLst/>
-          </a:blip>
-          <a:srcRect l="0" t="420" r="0" b="420"/>
-          <a:stretch>
-            <a:fillRect/>
-          </a:stretch>
-        </p:blipFill>
-        <p:spPr>
-          <a:xfrm>
-            <a:off x="4113262" y="1737934"/>
-            <a:ext cx="4346030" cy="4567784"/>
-          </a:xfrm>
-          <a:prstGeom prst="rect">
-            <a:avLst/>
-          </a:prstGeom>
-          <a:ln w="12700">
-            <a:miter lim="400000"/>
-          </a:ln>
-        </p:spPr>
-      </p:pic>
       <p:sp>
         <p:nvSpPr>
-          <p:cNvPr id="129" name="Segnaposto contenuto 2"/>
+          <p:cNvPr id="6" name="CasellaDiTesto 5"/>
           <p:cNvSpPr txBox="1"/>
           <p:nvPr/>
         </p:nvSpPr>
         <p:spPr>
           <a:xfrm>
-            <a:off x="289941" y="1610934"/>
-            <a:ext cx="7355038" cy="5841653"/>
+            <a:off x="0" y="2643182"/>
+            <a:ext cx="5143536" cy="861772"/>
           </a:xfrm>
           <a:prstGeom prst="rect">
             <a:avLst/>
           </a:prstGeom>
-          <a:ln w="12700">
+          <a:noFill/>
+          <a:ln w="12700" cap="flat">
+            <a:noFill/>
             <a:miter lim="400000"/>
           </a:ln>
-          <a:extLst>
-            <a:ext uri="{C572A759-6A51-4108-AA02-DFA0A04FC94B}">
-              <ma14:wrappingTextBoxFlag xmlns:ma14="http://schemas.microsoft.com/office/mac/drawingml/2011/main" val="1"/>
-            </a:ext>
-          </a:extLst>
+          <a:effectLst/>
+          <a:sp3d/>
+        </p:spPr>
+        <p:style>
+          <a:lnRef idx="0">
+            <a:scrgbClr r="0" g="0" b="0"/>
+          </a:lnRef>
+          <a:fillRef idx="0">
+            <a:scrgbClr r="0" g="0" b="0"/>
+          </a:fillRef>
+          <a:effectRef idx="0">
+            <a:scrgbClr r="0" g="0" b="0"/>
+          </a:effectRef>
+          <a:fontRef idx="none"/>
+        </p:style>
+        <p:txBody>
+          <a:bodyPr rot="0" spcFirstLastPara="1" vertOverflow="overflow" horzOverflow="overflow" vert="horz" wrap="square" lIns="45719" tIns="45719" rIns="45719" bIns="45719" numCol="1" spcCol="38100" rtlCol="0" anchor="t">
+            <a:spAutoFit/>
+          </a:bodyPr>
+          <a:lstStyle/>
+          <a:p>
+            <a:r>
+              <a:rPr lang="en-US" sz="1600" b="1" dirty="0" smtClean="0">
+                <a:latin typeface="Helvetica Neue"/>
+              </a:rPr>
+              <a:t>1</a:t>
+            </a:r>
+            <a:r>
+              <a:rPr lang="en-US" sz="1600" b="1" baseline="30000" dirty="0" smtClean="0">
+                <a:latin typeface="Helvetica Neue"/>
+              </a:rPr>
+              <a:t>st</a:t>
+            </a:r>
+            <a:r>
+              <a:rPr lang="en-US" sz="1600" b="1" dirty="0" smtClean="0">
+                <a:latin typeface="Helvetica Neue"/>
+              </a:rPr>
+              <a:t> example: SMOKERS </a:t>
+            </a:r>
+            <a:r>
+              <a:rPr lang="en-US" sz="1600" b="1" dirty="0" err="1" smtClean="0">
+                <a:latin typeface="Helvetica Neue"/>
+              </a:rPr>
+              <a:t>vs</a:t>
+            </a:r>
+            <a:r>
+              <a:rPr lang="en-US" sz="1600" b="1" dirty="0" smtClean="0">
+                <a:latin typeface="Helvetica Neue"/>
+              </a:rPr>
+              <a:t> </a:t>
+            </a:r>
+            <a:r>
+              <a:rPr lang="en-US" sz="1600" b="1" dirty="0" smtClean="0">
+                <a:latin typeface="Helvetica Neue"/>
+              </a:rPr>
+              <a:t>NON-smokers</a:t>
+            </a:r>
+          </a:p>
+          <a:p>
+            <a:endParaRPr lang="en-US" sz="1600" b="1" dirty="0" smtClean="0">
+              <a:latin typeface="Helvetica Neue"/>
+            </a:endParaRPr>
+          </a:p>
+          <a:p>
+            <a:pPr marL="0" marR="0" indent="0" algn="l" defTabSz="914400" rtl="0" fontAlgn="auto" latinLnBrk="0" hangingPunct="0">
+              <a:lnSpc>
+                <a:spcPct val="100000"/>
+              </a:lnSpc>
+              <a:spcBef>
+                <a:spcPts val="0"/>
+              </a:spcBef>
+              <a:spcAft>
+                <a:spcPts val="0"/>
+              </a:spcAft>
+              <a:buClrTx/>
+              <a:buSzTx/>
+              <a:buFontTx/>
+              <a:buNone/>
+              <a:tabLst/>
+            </a:pPr>
+            <a:endParaRPr kumimoji="0" lang="it-IT" sz="1600" b="0" i="0" u="none" strike="noStrike" cap="none" spc="0" normalizeH="0" baseline="0" dirty="0">
+              <a:ln>
+                <a:noFill/>
+              </a:ln>
+              <a:solidFill>
+                <a:srgbClr val="000000"/>
+              </a:solidFill>
+              <a:effectLst/>
+              <a:uFillTx/>
+              <a:latin typeface="+mj-lt"/>
+              <a:ea typeface="+mj-ea"/>
+              <a:cs typeface="+mj-cs"/>
+              <a:sym typeface="Corbel"/>
+            </a:endParaRPr>
+          </a:p>
+        </p:txBody>
+      </p:sp>
+      <p:pic>
+        <p:nvPicPr>
+          <p:cNvPr id="3074" name="Picture 2"/>
+          <p:cNvPicPr>
+            <a:picLocks noChangeAspect="1" noChangeArrowheads="1"/>
+          </p:cNvPicPr>
+          <p:nvPr/>
+        </p:nvPicPr>
+        <p:blipFill>
+          <a:blip r:embed="rId2" cstate="print"/>
+          <a:srcRect/>
+          <a:stretch>
+            <a:fillRect/>
+          </a:stretch>
+        </p:blipFill>
+        <p:spPr bwMode="auto">
+          <a:xfrm>
+            <a:off x="714348" y="3071810"/>
+            <a:ext cx="5610225" cy="590550"/>
+          </a:xfrm>
+          <a:prstGeom prst="rect">
+            <a:avLst/>
+          </a:prstGeom>
+          <a:noFill/>
+          <a:ln w="9525">
+            <a:noFill/>
+            <a:miter lim="800000"/>
+            <a:headEnd/>
+            <a:tailEnd/>
+          </a:ln>
+          <a:effectLst/>
+        </p:spPr>
+      </p:pic>
+      <p:sp>
+        <p:nvSpPr>
+          <p:cNvPr id="9" name="Rettangolo 8"/>
+          <p:cNvSpPr/>
+          <p:nvPr/>
+        </p:nvSpPr>
+        <p:spPr>
+          <a:xfrm>
+            <a:off x="0" y="4000504"/>
+            <a:ext cx="6643718" cy="338554"/>
+          </a:xfrm>
+          <a:prstGeom prst="rect">
+            <a:avLst/>
+          </a:prstGeom>
         </p:spPr>
         <p:txBody>
-          <a:bodyPr lIns="45719" rIns="45719">
-            <a:normAutofit fontScale="100000" lnSpcReduction="0"/>
+          <a:bodyPr wrap="square">
+            <a:spAutoFit/>
           </a:bodyPr>
           <a:lstStyle/>
           <a:p>
-            <a:pPr marL="250078" indent="-176377" algn="just" defTabSz="566927">
-              <a:buClr>
-                <a:schemeClr val="accent2">
-                  <a:lumOff val="16690"/>
-                </a:schemeClr>
-              </a:buClr>
-              <a:buSzPct val="80000"/>
-              <a:buChar char="◼"/>
-              <a:defRPr sz="1984"/>
-            </a:pPr>
-          </a:p>
-          <a:p>
-            <a:pPr marL="250078" indent="-176377" algn="just" defTabSz="566927">
-              <a:buClr>
-                <a:schemeClr val="accent2">
-                  <a:lumOff val="16690"/>
-                </a:schemeClr>
-              </a:buClr>
-              <a:buSzPct val="80000"/>
-              <a:buChar char="◼"/>
-              <a:defRPr sz="1984"/>
-            </a:pPr>
-            <a:r>
-              <a:t>Confusion Matrix: </a:t>
-            </a:r>
-          </a:p>
-          <a:p>
-            <a:pPr marL="250078" indent="-176377" algn="just" defTabSz="566927">
-              <a:buClr>
-                <a:schemeClr val="accent2">
-                  <a:lumOff val="16690"/>
-                </a:schemeClr>
-              </a:buClr>
-              <a:buSzPct val="80000"/>
-              <a:buChar char="◼"/>
-              <a:defRPr sz="1984"/>
-            </a:pPr>
-          </a:p>
-          <a:p>
-            <a:pPr marL="250078" indent="-176377" algn="just" defTabSz="566927">
-              <a:buClr>
-                <a:schemeClr val="accent2">
-                  <a:lumOff val="16690"/>
-                </a:schemeClr>
-              </a:buClr>
-              <a:buSzPct val="80000"/>
-              <a:buChar char="◼"/>
-              <a:defRPr sz="1984"/>
-            </a:pPr>
-            <a:r>
-              <a:t>Precision: 63.06%</a:t>
-            </a:r>
-          </a:p>
-          <a:p>
-            <a:pPr algn="just" defTabSz="566927">
-              <a:defRPr sz="1984"/>
-            </a:pPr>
-          </a:p>
-          <a:p>
-            <a:pPr marL="250078" indent="-176377" algn="just" defTabSz="566927">
-              <a:buClr>
-                <a:schemeClr val="accent2">
-                  <a:lumOff val="16690"/>
-                </a:schemeClr>
-              </a:buClr>
-              <a:buSzPct val="80000"/>
-              <a:buChar char="◼"/>
-              <a:defRPr sz="1984"/>
-            </a:pPr>
-            <a:r>
-              <a:t>Recall: 65.42%</a:t>
-            </a:r>
-          </a:p>
-          <a:p>
-            <a:pPr algn="just" defTabSz="566927">
-              <a:defRPr sz="1984"/>
-            </a:pPr>
-          </a:p>
-          <a:p>
-            <a:pPr marL="250078" indent="-176377" algn="just" defTabSz="566927">
-              <a:buClr>
-                <a:schemeClr val="accent2">
-                  <a:lumOff val="16690"/>
-                </a:schemeClr>
-              </a:buClr>
-              <a:buSzPct val="80000"/>
-              <a:buChar char="◼"/>
-              <a:defRPr sz="1984"/>
-            </a:pPr>
-            <a:r>
-              <a:t>F1-Score: 64.22%</a:t>
-            </a:r>
-          </a:p>
-          <a:p>
-            <a:pPr algn="just" defTabSz="566927">
-              <a:defRPr sz="1984"/>
-            </a:pPr>
-          </a:p>
-          <a:p>
-            <a:pPr marL="250078" indent="-176377" algn="just" defTabSz="566927">
-              <a:buClr>
-                <a:schemeClr val="accent2">
-                  <a:lumOff val="16690"/>
-                </a:schemeClr>
-              </a:buClr>
-              <a:buSzPct val="80000"/>
-              <a:buChar char="◼"/>
-              <a:defRPr sz="1984"/>
-            </a:pPr>
-            <a:r>
-              <a:t>Accuracy: 66%</a:t>
-            </a:r>
-          </a:p>
-          <a:p>
-            <a:pPr algn="just" defTabSz="566927">
-              <a:defRPr sz="1984"/>
-            </a:pPr>
-          </a:p>
-          <a:p>
-            <a:pPr marL="250078" indent="-176377" algn="just" defTabSz="566927">
-              <a:buClr>
-                <a:schemeClr val="accent2">
-                  <a:lumOff val="16690"/>
-                </a:schemeClr>
-              </a:buClr>
-              <a:buSzPct val="80000"/>
-              <a:buChar char="◼"/>
-              <a:defRPr sz="1984"/>
-            </a:pPr>
-            <a:r>
-              <a:t>Area Under ROC Curve: 0.71</a:t>
-            </a:r>
-          </a:p>
-          <a:p>
-            <a:pPr algn="just" defTabSz="566927">
-              <a:defRPr sz="1984"/>
-            </a:pPr>
-          </a:p>
-          <a:p>
-            <a:pPr algn="just" defTabSz="566927">
-              <a:defRPr sz="1984"/>
-            </a:pPr>
-          </a:p>
-          <a:p>
-            <a:pPr algn="just" defTabSz="566927">
-              <a:defRPr sz="1984"/>
-            </a:pPr>
-          </a:p>
-          <a:p>
-            <a:pPr defTabSz="283463">
-              <a:defRPr i="1" sz="1984">
-                <a:solidFill>
-                  <a:srgbClr val="6B6B6B"/>
-                </a:solidFill>
-                <a:latin typeface="STIXGeneral"/>
-                <a:ea typeface="STIXGeneral"/>
-                <a:cs typeface="STIXGeneral"/>
-                <a:sym typeface="STIXGeneral"/>
-              </a:defRPr>
-            </a:pPr>
-            <a:endParaRPr i="0">
-              <a:latin typeface="+mn-lt"/>
-              <a:ea typeface="+mn-ea"/>
-              <a:cs typeface="+mn-cs"/>
-              <a:sym typeface="Helvetica"/>
+            <a:r>
+              <a:rPr lang="en-US" sz="1600" b="1" dirty="0" smtClean="0">
+                <a:latin typeface="Helvetica Neue"/>
+              </a:rPr>
+              <a:t>2</a:t>
+            </a:r>
+            <a:r>
+              <a:rPr lang="en-US" sz="1600" b="1" baseline="30000" dirty="0" smtClean="0">
+                <a:latin typeface="Helvetica Neue"/>
+              </a:rPr>
+              <a:t>nd</a:t>
+            </a:r>
+            <a:r>
+              <a:rPr lang="en-US" sz="1600" b="1" dirty="0" smtClean="0">
+                <a:latin typeface="Helvetica Neue"/>
+              </a:rPr>
+              <a:t> example: patients WITH diabetes </a:t>
+            </a:r>
+            <a:r>
+              <a:rPr lang="en-US" sz="1600" b="1" dirty="0" err="1" smtClean="0">
+                <a:latin typeface="Helvetica Neue"/>
+              </a:rPr>
+              <a:t>vs</a:t>
+            </a:r>
+            <a:r>
+              <a:rPr lang="en-US" sz="1600" b="1" dirty="0" smtClean="0">
+                <a:latin typeface="Helvetica Neue"/>
+              </a:rPr>
+              <a:t> </a:t>
+            </a:r>
+            <a:r>
+              <a:rPr lang="en-US" sz="1600" b="1" dirty="0" err="1" smtClean="0">
+                <a:latin typeface="Helvetica Neue"/>
+              </a:rPr>
+              <a:t>withOUT</a:t>
+            </a:r>
+            <a:r>
+              <a:rPr lang="en-US" sz="1600" b="1" dirty="0" smtClean="0">
+                <a:latin typeface="Helvetica Neue"/>
+              </a:rPr>
+              <a:t> diabetes</a:t>
+            </a:r>
+            <a:endParaRPr lang="en-US" sz="1600" b="1" dirty="0">
+              <a:latin typeface="Helvetica Neue"/>
             </a:endParaRPr>
-          </a:p>
-          <a:p>
-            <a:pPr defTabSz="283463">
-              <a:defRPr sz="1984">
-                <a:solidFill>
-                  <a:srgbClr val="6B6B6B"/>
-                </a:solidFill>
-                <a:latin typeface="+mn-lt"/>
-                <a:ea typeface="+mn-ea"/>
-                <a:cs typeface="+mn-cs"/>
-                <a:sym typeface="Helvetica"/>
-              </a:defRPr>
-            </a:pPr>
-          </a:p>
-          <a:p>
-            <a:pPr defTabSz="283463">
-              <a:defRPr sz="1984">
-                <a:solidFill>
-                  <a:srgbClr val="6B6B6B"/>
-                </a:solidFill>
-                <a:latin typeface="+mn-lt"/>
-                <a:ea typeface="+mn-ea"/>
-                <a:cs typeface="+mn-cs"/>
-                <a:sym typeface="Helvetica"/>
-              </a:defRPr>
-            </a:pPr>
           </a:p>
         </p:txBody>
       </p:sp>
+      <p:sp>
+        <p:nvSpPr>
+          <p:cNvPr id="10" name="CasellaDiTesto 9"/>
+          <p:cNvSpPr txBox="1"/>
+          <p:nvPr/>
+        </p:nvSpPr>
+        <p:spPr>
+          <a:xfrm>
+            <a:off x="0" y="1500174"/>
+            <a:ext cx="9144000" cy="584773"/>
+          </a:xfrm>
+          <a:prstGeom prst="rect">
+            <a:avLst/>
+          </a:prstGeom>
+          <a:noFill/>
+          <a:ln w="12700" cap="flat">
+            <a:noFill/>
+            <a:miter lim="400000"/>
+          </a:ln>
+          <a:effectLst/>
+          <a:sp3d/>
+        </p:spPr>
+        <p:style>
+          <a:lnRef idx="0">
+            <a:scrgbClr r="0" g="0" b="0"/>
+          </a:lnRef>
+          <a:fillRef idx="0">
+            <a:scrgbClr r="0" g="0" b="0"/>
+          </a:fillRef>
+          <a:effectRef idx="0">
+            <a:scrgbClr r="0" g="0" b="0"/>
+          </a:effectRef>
+          <a:fontRef idx="none"/>
+        </p:style>
+        <p:txBody>
+          <a:bodyPr rot="0" spcFirstLastPara="1" vertOverflow="overflow" horzOverflow="overflow" vert="horz" wrap="square" lIns="45719" tIns="45719" rIns="45719" bIns="45719" numCol="1" spcCol="38100" rtlCol="0" anchor="t">
+            <a:spAutoFit/>
+          </a:bodyPr>
+          <a:lstStyle/>
+          <a:p>
+            <a:r>
+              <a:rPr lang="en-US" sz="1600" dirty="0" smtClean="0">
+                <a:latin typeface="Helvetica Neue"/>
+              </a:rPr>
+              <a:t> </a:t>
+            </a:r>
+            <a:r>
+              <a:rPr lang="en-US" sz="1600" dirty="0" smtClean="0">
+                <a:latin typeface="Helvetica Neue"/>
+              </a:rPr>
+              <a:t>We </a:t>
+            </a:r>
+            <a:r>
+              <a:rPr lang="en-US" sz="1600" dirty="0" smtClean="0">
+                <a:latin typeface="Helvetica Neue"/>
+              </a:rPr>
+              <a:t>can quite demonstrate that , for some of the variables, our dataset is enough balanced... but for other variables the dataset is NOT balanced</a:t>
+            </a:r>
+            <a:endParaRPr kumimoji="0" lang="it-IT" sz="1600" b="0" i="0" u="none" strike="noStrike" cap="none" spc="0" normalizeH="0" baseline="0" dirty="0">
+              <a:ln>
+                <a:noFill/>
+              </a:ln>
+              <a:solidFill>
+                <a:srgbClr val="000000"/>
+              </a:solidFill>
+              <a:effectLst/>
+              <a:uFillTx/>
+              <a:latin typeface="+mj-lt"/>
+              <a:ea typeface="+mj-ea"/>
+              <a:cs typeface="+mj-cs"/>
+              <a:sym typeface="Corbel"/>
+            </a:endParaRPr>
+          </a:p>
+        </p:txBody>
+      </p:sp>
+      <p:pic>
+        <p:nvPicPr>
+          <p:cNvPr id="3075" name="Picture 3"/>
+          <p:cNvPicPr>
+            <a:picLocks noChangeAspect="1" noChangeArrowheads="1"/>
+          </p:cNvPicPr>
+          <p:nvPr/>
+        </p:nvPicPr>
+        <p:blipFill>
+          <a:blip r:embed="rId3" cstate="print"/>
+          <a:srcRect/>
+          <a:stretch>
+            <a:fillRect/>
+          </a:stretch>
+        </p:blipFill>
+        <p:spPr bwMode="auto">
+          <a:xfrm>
+            <a:off x="714348" y="4429132"/>
+            <a:ext cx="4972050" cy="466725"/>
+          </a:xfrm>
+          <a:prstGeom prst="rect">
+            <a:avLst/>
+          </a:prstGeom>
+          <a:noFill/>
+          <a:ln w="9525">
+            <a:noFill/>
+            <a:miter lim="800000"/>
+            <a:headEnd/>
+            <a:tailEnd/>
+          </a:ln>
+          <a:effectLst/>
+        </p:spPr>
+      </p:pic>
+      <p:sp>
+        <p:nvSpPr>
+          <p:cNvPr id="12" name="Rettangolo 11"/>
+          <p:cNvSpPr/>
+          <p:nvPr/>
+        </p:nvSpPr>
+        <p:spPr>
+          <a:xfrm>
+            <a:off x="0" y="5286388"/>
+            <a:ext cx="9644114" cy="338554"/>
+          </a:xfrm>
+          <a:prstGeom prst="rect">
+            <a:avLst/>
+          </a:prstGeom>
+        </p:spPr>
+        <p:txBody>
+          <a:bodyPr wrap="square">
+            <a:spAutoFit/>
+          </a:bodyPr>
+          <a:lstStyle/>
+          <a:p>
+            <a:r>
+              <a:rPr lang="en-US" sz="1600" b="1" dirty="0" smtClean="0">
+                <a:latin typeface="Helvetica Neue"/>
+              </a:rPr>
+              <a:t>3</a:t>
+            </a:r>
+            <a:r>
+              <a:rPr lang="en-US" sz="1600" b="1" baseline="30000" dirty="0" smtClean="0">
+                <a:latin typeface="Helvetica Neue"/>
+              </a:rPr>
+              <a:t>rd</a:t>
+            </a:r>
+            <a:r>
+              <a:rPr lang="en-US" sz="1600" b="1" dirty="0" smtClean="0">
+                <a:latin typeface="Helvetica Neue"/>
+              </a:rPr>
+              <a:t> example: patients WITH or </a:t>
+            </a:r>
+            <a:r>
+              <a:rPr lang="en-US" sz="1600" b="1" dirty="0" err="1" smtClean="0">
+                <a:latin typeface="Helvetica Neue"/>
+              </a:rPr>
+              <a:t>withOUT</a:t>
+            </a:r>
+            <a:r>
+              <a:rPr lang="en-US" sz="1600" b="1" dirty="0" smtClean="0">
+                <a:latin typeface="Helvetica Neue"/>
+              </a:rPr>
+              <a:t> risk of coronary heart disease CHD within 10 years</a:t>
+            </a:r>
+            <a:endParaRPr lang="en-US" sz="1600" b="1" dirty="0">
+              <a:latin typeface="Helvetica Neue"/>
+            </a:endParaRPr>
+          </a:p>
+        </p:txBody>
+      </p:sp>
+      <p:pic>
+        <p:nvPicPr>
+          <p:cNvPr id="3076" name="Picture 4"/>
+          <p:cNvPicPr>
+            <a:picLocks noChangeAspect="1" noChangeArrowheads="1"/>
+          </p:cNvPicPr>
+          <p:nvPr/>
+        </p:nvPicPr>
+        <p:blipFill>
+          <a:blip r:embed="rId4" cstate="print"/>
+          <a:srcRect/>
+          <a:stretch>
+            <a:fillRect/>
+          </a:stretch>
+        </p:blipFill>
+        <p:spPr bwMode="auto">
+          <a:xfrm>
+            <a:off x="214282" y="5715016"/>
+            <a:ext cx="8929718" cy="579751"/>
+          </a:xfrm>
+          <a:prstGeom prst="rect">
+            <a:avLst/>
+          </a:prstGeom>
+          <a:noFill/>
+          <a:ln w="9525">
+            <a:noFill/>
+            <a:miter lim="800000"/>
+            <a:headEnd/>
+            <a:tailEnd/>
+          </a:ln>
+          <a:effectLst/>
+        </p:spPr>
+      </p:pic>
     </p:spTree>
   </p:cSld>
   <p:clrMapOvr>
     <a:masterClrMapping/>
   </p:clrMapOvr>
-  <p:transition xmlns:p14="http://schemas.microsoft.com/office/powerpoint/2010/main" spd="med" advClick="1"/>
+  <p:transition spd="med"/>
 </p:sld>
 </file>
 
 <file path=ppt/slides/slide8.xml><?xml version="1.0" encoding="utf-8"?>
-<p:sld xmlns:a="http://schemas.openxmlformats.org/drawingml/2006/main" xmlns:r="http://schemas.openxmlformats.org/officeDocument/2006/relationships" xmlns:p="http://schemas.openxmlformats.org/presentationml/2006/main" xmlns:m="http://schemas.openxmlformats.org/officeDocument/2006/math" xmlns:a14="http://schemas.microsoft.com/office/drawing/2010/main" showMasterSp="1" showMasterPhAnim="1">
+<p:sld xmlns:a="http://schemas.openxmlformats.org/drawingml/2006/main" xmlns:r="http://schemas.openxmlformats.org/officeDocument/2006/relationships" xmlns:p="http://schemas.openxmlformats.org/presentationml/2006/main">
   <p:cSld>
     <p:spTree>
       <p:nvGrpSpPr>
@@ -5035,194 +9143,141 @@
       </p:grpSpPr>
       <p:sp>
         <p:nvSpPr>
-          <p:cNvPr id="131" name="Titolo 1"/>
-          <p:cNvSpPr txBox="1"/>
+          <p:cNvPr id="4" name="Titolo 9"/>
+          <p:cNvSpPr txBox="1">
+            <a:spLocks noGrp="1"/>
+          </p:cNvSpPr>
           <p:nvPr>
             <p:ph type="title"/>
           </p:nvPr>
         </p:nvSpPr>
         <p:spPr>
+          <a:xfrm>
+            <a:off x="1357290" y="-428653"/>
+            <a:ext cx="7686700" cy="2428894"/>
+          </a:xfrm>
           <a:prstGeom prst="rect">
             <a:avLst/>
           </a:prstGeom>
         </p:spPr>
         <p:txBody>
-          <a:bodyPr/>
-          <a:lstStyle>
-            <a:lvl1pPr algn="r">
-              <a:defRPr b="1" i="1" sz="2800">
+          <a:bodyPr>
+            <a:normAutofit/>
+          </a:bodyPr>
+          <a:lstStyle/>
+          <a:p>
+            <a:pPr algn="r">
+              <a:defRPr sz="3600" b="1">
                 <a:solidFill>
                   <a:srgbClr val="FFFFFF"/>
                 </a:solidFill>
+                <a:latin typeface="Bahnschrift Condensed"/>
+                <a:ea typeface="Bahnschrift Condensed"/>
+                <a:cs typeface="Bahnschrift Condensed"/>
+                <a:sym typeface="Bahnschrift Condensed"/>
               </a:defRPr>
-            </a:lvl1pPr>
-          </a:lstStyle>
-          <a:p>
-            <a:pPr/>
-            <a:r>
-              <a:t>Prediction with  Supported Vector Machine</a:t>
-            </a:r>
+            </a:pPr>
+            <a:r>
+              <a:rPr lang="it-IT" sz="4000" dirty="0" smtClean="0"/>
+              <a:t>Data </a:t>
+            </a:r>
+            <a:r>
+              <a:rPr lang="it-IT" sz="4000" dirty="0" err="1" smtClean="0"/>
+              <a:t>Exploration</a:t>
+            </a:r>
+            <a:endParaRPr sz="4000" dirty="0"/>
+          </a:p>
+        </p:txBody>
+      </p:sp>
+      <p:sp>
+        <p:nvSpPr>
+          <p:cNvPr id="5" name="Rettangolo 4"/>
+          <p:cNvSpPr/>
+          <p:nvPr/>
+        </p:nvSpPr>
+        <p:spPr>
+          <a:xfrm>
+            <a:off x="285720" y="1928802"/>
+            <a:ext cx="8001040" cy="338554"/>
+          </a:xfrm>
+          <a:prstGeom prst="rect">
+            <a:avLst/>
+          </a:prstGeom>
+        </p:spPr>
+        <p:txBody>
+          <a:bodyPr wrap="square">
+            <a:spAutoFit/>
+          </a:bodyPr>
+          <a:lstStyle/>
+          <a:p>
+            <a:r>
+              <a:rPr lang="en-US" sz="1600" b="1" dirty="0" smtClean="0">
+                <a:latin typeface="Helvetica Neue"/>
+              </a:rPr>
+              <a:t>4</a:t>
+            </a:r>
+            <a:r>
+              <a:rPr lang="en-US" sz="1600" b="1" baseline="30000" dirty="0" smtClean="0">
+                <a:latin typeface="Helvetica Neue"/>
+              </a:rPr>
+              <a:t>th</a:t>
+            </a:r>
+            <a:r>
+              <a:rPr lang="en-US" sz="1600" b="1" dirty="0" smtClean="0">
+                <a:latin typeface="Helvetica Neue"/>
+              </a:rPr>
+              <a:t> example: frequency of a previous Stroke differentiated for Sex</a:t>
+            </a:r>
+            <a:endParaRPr lang="en-US" sz="1600" b="1" dirty="0">
+              <a:latin typeface="Helvetica Neue"/>
+            </a:endParaRPr>
           </a:p>
         </p:txBody>
       </p:sp>
       <p:pic>
         <p:nvPicPr>
-          <p:cNvPr id="132" name="Galleria immagini" descr="Galleria immagini"/>
+          <p:cNvPr id="4098" name="Picture 2"/>
           <p:cNvPicPr>
-            <a:picLocks noChangeAspect="1"/>
+            <a:picLocks noChangeAspect="1" noChangeArrowheads="1"/>
           </p:cNvPicPr>
           <p:nvPr/>
         </p:nvPicPr>
         <p:blipFill>
-          <a:blip r:embed="rId2">
-            <a:extLst/>
-          </a:blip>
-          <a:srcRect l="0" t="173" r="0" b="173"/>
+          <a:blip r:embed="rId2" cstate="print"/>
+          <a:srcRect/>
           <a:stretch>
             <a:fillRect/>
           </a:stretch>
         </p:blipFill>
-        <p:spPr>
+        <p:spPr bwMode="auto">
           <a:xfrm>
-            <a:off x="2832000" y="2398334"/>
-            <a:ext cx="6046392" cy="3913684"/>
+            <a:off x="1142976" y="2500306"/>
+            <a:ext cx="6078558" cy="3857652"/>
           </a:xfrm>
           <a:prstGeom prst="rect">
             <a:avLst/>
           </a:prstGeom>
-          <a:ln w="12700">
-            <a:miter lim="400000"/>
+          <a:noFill/>
+          <a:ln w="9525">
+            <a:noFill/>
+            <a:miter lim="800000"/>
+            <a:headEnd/>
+            <a:tailEnd/>
           </a:ln>
+          <a:effectLst/>
         </p:spPr>
       </p:pic>
-      <p:sp>
-        <p:nvSpPr>
-          <p:cNvPr id="133" name="Segnaposto contenuto 2"/>
-          <p:cNvSpPr txBox="1"/>
-          <p:nvPr/>
-        </p:nvSpPr>
-        <p:spPr>
-          <a:xfrm>
-            <a:off x="124841" y="1293434"/>
-            <a:ext cx="7355038" cy="5841653"/>
-          </a:xfrm>
-          <a:prstGeom prst="rect">
-            <a:avLst/>
-          </a:prstGeom>
-          <a:ln w="12700">
-            <a:miter lim="400000"/>
-          </a:ln>
-          <a:extLst>
-            <a:ext uri="{C572A759-6A51-4108-AA02-DFA0A04FC94B}">
-              <ma14:wrappingTextBoxFlag xmlns:ma14="http://schemas.microsoft.com/office/mac/drawingml/2011/main" val="1"/>
-            </a:ext>
-          </a:extLst>
-        </p:spPr>
-        <p:txBody>
-          <a:bodyPr lIns="45719" rIns="45719">
-            <a:normAutofit fontScale="100000" lnSpcReduction="0"/>
-          </a:bodyPr>
-          <a:lstStyle/>
-          <a:p>
-            <a:pPr marL="403351" indent="-284479" algn="just">
-              <a:buClr>
-                <a:schemeClr val="accent2">
-                  <a:lumOff val="16690"/>
-                </a:schemeClr>
-              </a:buClr>
-              <a:buSzPct val="80000"/>
-              <a:buChar char="◼"/>
-              <a:defRPr sz="3200"/>
-            </a:pPr>
-          </a:p>
-          <a:p>
-            <a:pPr marL="403351" indent="-284479" algn="just">
-              <a:buClr>
-                <a:schemeClr val="accent2">
-                  <a:lumOff val="16690"/>
-                </a:schemeClr>
-              </a:buClr>
-              <a:buSzPct val="80000"/>
-              <a:buChar char="◼"/>
-              <a:defRPr sz="3200"/>
-            </a:pPr>
-            <a:r>
-              <a:t>Plot ROC Curve:</a:t>
-            </a:r>
-          </a:p>
-          <a:p>
-            <a:pPr algn="just">
-              <a:defRPr sz="3200"/>
-            </a:pPr>
-          </a:p>
-          <a:p>
-            <a:pPr algn="just">
-              <a:defRPr sz="3200"/>
-            </a:pPr>
-          </a:p>
-          <a:p>
-            <a:pPr algn="just">
-              <a:defRPr sz="3200"/>
-            </a:pPr>
-          </a:p>
-          <a:p>
-            <a:pPr defTabSz="457200">
-              <a:defRPr i="1" sz="3200">
-                <a:solidFill>
-                  <a:srgbClr val="6B6B6B"/>
-                </a:solidFill>
-                <a:latin typeface="STIXGeneral"/>
-                <a:ea typeface="STIXGeneral"/>
-                <a:cs typeface="STIXGeneral"/>
-                <a:sym typeface="STIXGeneral"/>
-              </a:defRPr>
-            </a:pPr>
-            <a:endParaRPr i="0">
-              <a:latin typeface="+mn-lt"/>
-              <a:ea typeface="+mn-ea"/>
-              <a:cs typeface="+mn-cs"/>
-              <a:sym typeface="Helvetica"/>
-            </a:endParaRPr>
-          </a:p>
-          <a:p>
-            <a:pPr defTabSz="457200">
-              <a:defRPr sz="3200">
-                <a:solidFill>
-                  <a:srgbClr val="6B6B6B"/>
-                </a:solidFill>
-                <a:latin typeface="+mn-lt"/>
-                <a:ea typeface="+mn-ea"/>
-                <a:cs typeface="+mn-cs"/>
-                <a:sym typeface="Helvetica"/>
-              </a:defRPr>
-            </a:pPr>
-          </a:p>
-          <a:p>
-            <a:pPr defTabSz="457200">
-              <a:defRPr sz="3200">
-                <a:solidFill>
-                  <a:srgbClr val="6B6B6B"/>
-                </a:solidFill>
-                <a:latin typeface="+mn-lt"/>
-                <a:ea typeface="+mn-ea"/>
-                <a:cs typeface="+mn-cs"/>
-                <a:sym typeface="Helvetica"/>
-              </a:defRPr>
-            </a:pPr>
-          </a:p>
-        </p:txBody>
-      </p:sp>
     </p:spTree>
   </p:cSld>
   <p:clrMapOvr>
     <a:masterClrMapping/>
   </p:clrMapOvr>
-  <p:transition xmlns:p14="http://schemas.microsoft.com/office/powerpoint/2010/main" spd="med" advClick="1"/>
+  <p:transition spd="med"/>
 </p:sld>
 </file>
 
 <file path=ppt/slides/slide9.xml><?xml version="1.0" encoding="utf-8"?>
-<p:sld xmlns:a="http://schemas.openxmlformats.org/drawingml/2006/main" xmlns:r="http://schemas.openxmlformats.org/officeDocument/2006/relationships" xmlns:p="http://schemas.openxmlformats.org/presentationml/2006/main" xmlns:m="http://schemas.openxmlformats.org/officeDocument/2006/math" xmlns:a14="http://schemas.microsoft.com/office/drawing/2010/main" showMasterSp="1" showMasterPhAnim="1">
+<p:sld xmlns:a="http://schemas.openxmlformats.org/drawingml/2006/main" xmlns:r="http://schemas.openxmlformats.org/officeDocument/2006/relationships" xmlns:p="http://schemas.openxmlformats.org/presentationml/2006/main">
   <p:cSld>
     <p:spTree>
       <p:nvGrpSpPr>
@@ -5240,287 +9295,499 @@
       </p:grpSpPr>
       <p:sp>
         <p:nvSpPr>
-          <p:cNvPr id="135" name="Titolo 1"/>
-          <p:cNvSpPr txBox="1"/>
+          <p:cNvPr id="4" name="Titolo 9"/>
+          <p:cNvSpPr txBox="1">
+            <a:spLocks noGrp="1"/>
+          </p:cNvSpPr>
           <p:nvPr>
             <p:ph type="title"/>
           </p:nvPr>
         </p:nvSpPr>
         <p:spPr>
+          <a:xfrm>
+            <a:off x="1285852" y="0"/>
+            <a:ext cx="7686700" cy="2428894"/>
+          </a:xfrm>
           <a:prstGeom prst="rect">
             <a:avLst/>
           </a:prstGeom>
         </p:spPr>
         <p:txBody>
-          <a:bodyPr/>
-          <a:lstStyle>
-            <a:lvl1pPr algn="r">
-              <a:defRPr b="1" i="1" sz="3200">
+          <a:bodyPr>
+            <a:normAutofit/>
+          </a:bodyPr>
+          <a:lstStyle/>
+          <a:p>
+            <a:pPr algn="r">
+              <a:defRPr sz="3600" b="1">
                 <a:solidFill>
                   <a:srgbClr val="FFFFFF"/>
                 </a:solidFill>
+                <a:latin typeface="Bahnschrift Condensed"/>
+                <a:ea typeface="Bahnschrift Condensed"/>
+                <a:cs typeface="Bahnschrift Condensed"/>
+                <a:sym typeface="Bahnschrift Condensed"/>
               </a:defRPr>
-            </a:lvl1pPr>
-          </a:lstStyle>
-          <a:p>
-            <a:pPr/>
-            <a:r>
-              <a:t>Prediction with Neural Networks</a:t>
-            </a:r>
+            </a:pPr>
+            <a:r>
+              <a:rPr lang="en-US" sz="3600" dirty="0" smtClean="0">
+                <a:sym typeface="Bahnschrift Condensed"/>
+              </a:rPr>
+              <a:t>Modify and work on the dataset</a:t>
+            </a:r>
+            <a:r>
+              <a:rPr lang="en-US" sz="4000" dirty="0" smtClean="0">
+                <a:sym typeface="Bahnschrift Condensed"/>
+              </a:rPr>
+              <a:t/>
+            </a:r>
+            <a:br>
+              <a:rPr lang="en-US" sz="4000" dirty="0" smtClean="0">
+                <a:sym typeface="Bahnschrift Condensed"/>
+              </a:rPr>
+            </a:br>
+            <a:endParaRPr sz="4400" dirty="0"/>
           </a:p>
         </p:txBody>
       </p:sp>
-      <p:pic>
-        <p:nvPicPr>
-          <p:cNvPr id="136" name="Galleria immagini" descr="Galleria immagini"/>
-          <p:cNvPicPr>
-            <a:picLocks noChangeAspect="1"/>
-          </p:cNvPicPr>
-          <p:nvPr/>
-        </p:nvPicPr>
-        <p:blipFill>
-          <a:blip r:embed="rId2">
-            <a:extLst/>
-          </a:blip>
-          <a:srcRect l="0" t="1759" r="0" b="1759"/>
-          <a:stretch>
-            <a:fillRect/>
-          </a:stretch>
-        </p:blipFill>
-        <p:spPr>
-          <a:xfrm>
-            <a:off x="4291062" y="1864934"/>
-            <a:ext cx="4449763" cy="4550569"/>
-          </a:xfrm>
-          <a:prstGeom prst="rect">
-            <a:avLst/>
-          </a:prstGeom>
-          <a:ln w="12700">
-            <a:miter lim="400000"/>
-          </a:ln>
-        </p:spPr>
-      </p:pic>
       <p:sp>
         <p:nvSpPr>
-          <p:cNvPr id="137" name="Segnaposto contenuto 2"/>
+          <p:cNvPr id="5" name="CasellaDiTesto 4"/>
           <p:cNvSpPr txBox="1"/>
           <p:nvPr/>
         </p:nvSpPr>
         <p:spPr>
           <a:xfrm>
-            <a:off x="429641" y="1852234"/>
-            <a:ext cx="7355038" cy="5841653"/>
+            <a:off x="142844" y="1714488"/>
+            <a:ext cx="2020744" cy="584773"/>
           </a:xfrm>
           <a:prstGeom prst="rect">
             <a:avLst/>
           </a:prstGeom>
-          <a:ln w="12700">
+          <a:noFill/>
+          <a:ln w="12700" cap="flat">
+            <a:noFill/>
             <a:miter lim="400000"/>
           </a:ln>
-          <a:extLst>
-            <a:ext uri="{C572A759-6A51-4108-AA02-DFA0A04FC94B}">
-              <ma14:wrappingTextBoxFlag xmlns:ma14="http://schemas.microsoft.com/office/mac/drawingml/2011/main" val="1"/>
-            </a:ext>
-          </a:extLst>
+          <a:effectLst/>
+          <a:sp3d/>
+        </p:spPr>
+        <p:style>
+          <a:lnRef idx="0">
+            <a:scrgbClr r="0" g="0" b="0"/>
+          </a:lnRef>
+          <a:fillRef idx="0">
+            <a:scrgbClr r="0" g="0" b="0"/>
+          </a:fillRef>
+          <a:effectRef idx="0">
+            <a:scrgbClr r="0" g="0" b="0"/>
+          </a:effectRef>
+          <a:fontRef idx="none"/>
+        </p:style>
+        <p:txBody>
+          <a:bodyPr rot="0" spcFirstLastPara="1" vertOverflow="overflow" horzOverflow="overflow" vert="horz" wrap="none" lIns="45719" tIns="45719" rIns="45719" bIns="45719" numCol="1" spcCol="38100" rtlCol="0" anchor="t">
+            <a:spAutoFit/>
+          </a:bodyPr>
+          <a:lstStyle/>
+          <a:p>
+            <a:r>
+              <a:rPr lang="it-IT" sz="1600" b="1" dirty="0" smtClean="0">
+                <a:latin typeface="Helvetica Neue"/>
+              </a:rPr>
+              <a:t>Solve the </a:t>
+            </a:r>
+            <a:r>
+              <a:rPr lang="it-IT" sz="1600" b="1" dirty="0" err="1" smtClean="0">
+                <a:latin typeface="Helvetica Neue"/>
+              </a:rPr>
+              <a:t>inequality</a:t>
+            </a:r>
+            <a:endParaRPr lang="it-IT" sz="1600" b="1" dirty="0" smtClean="0">
+              <a:latin typeface="Helvetica Neue"/>
+            </a:endParaRPr>
+          </a:p>
+          <a:p>
+            <a:pPr marL="0" marR="0" indent="0" algn="l" defTabSz="914400" rtl="0" fontAlgn="auto" latinLnBrk="0" hangingPunct="0">
+              <a:lnSpc>
+                <a:spcPct val="100000"/>
+              </a:lnSpc>
+              <a:spcBef>
+                <a:spcPts val="0"/>
+              </a:spcBef>
+              <a:spcAft>
+                <a:spcPts val="0"/>
+              </a:spcAft>
+              <a:buClrTx/>
+              <a:buSzTx/>
+              <a:buFontTx/>
+              <a:buNone/>
+              <a:tabLst/>
+            </a:pPr>
+            <a:endParaRPr kumimoji="0" lang="it-IT" sz="1600" b="0" i="0" u="none" strike="noStrike" cap="none" spc="0" normalizeH="0" baseline="0" dirty="0">
+              <a:ln>
+                <a:noFill/>
+              </a:ln>
+              <a:solidFill>
+                <a:srgbClr val="000000"/>
+              </a:solidFill>
+              <a:effectLst/>
+              <a:uFillTx/>
+              <a:latin typeface="+mj-lt"/>
+              <a:ea typeface="+mj-ea"/>
+              <a:cs typeface="+mj-cs"/>
+              <a:sym typeface="Corbel"/>
+            </a:endParaRPr>
+          </a:p>
+        </p:txBody>
+      </p:sp>
+      <p:sp>
+        <p:nvSpPr>
+          <p:cNvPr id="6" name="CasellaDiTesto 5"/>
+          <p:cNvSpPr txBox="1"/>
+          <p:nvPr/>
+        </p:nvSpPr>
+        <p:spPr>
+          <a:xfrm>
+            <a:off x="142844" y="2071678"/>
+            <a:ext cx="9001156" cy="830995"/>
+          </a:xfrm>
+          <a:prstGeom prst="rect">
+            <a:avLst/>
+          </a:prstGeom>
+          <a:noFill/>
+          <a:ln w="12700" cap="flat">
+            <a:noFill/>
+            <a:miter lim="400000"/>
+          </a:ln>
+          <a:effectLst/>
+          <a:sp3d/>
+        </p:spPr>
+        <p:style>
+          <a:lnRef idx="0">
+            <a:scrgbClr r="0" g="0" b="0"/>
+          </a:lnRef>
+          <a:fillRef idx="0">
+            <a:scrgbClr r="0" g="0" b="0"/>
+          </a:fillRef>
+          <a:effectRef idx="0">
+            <a:scrgbClr r="0" g="0" b="0"/>
+          </a:effectRef>
+          <a:fontRef idx="none"/>
+        </p:style>
+        <p:txBody>
+          <a:bodyPr rot="0" spcFirstLastPara="1" vertOverflow="overflow" horzOverflow="overflow" vert="horz" wrap="square" lIns="45719" tIns="45719" rIns="45719" bIns="45719" numCol="1" spcCol="38100" rtlCol="0" anchor="t">
+            <a:spAutoFit/>
+          </a:bodyPr>
+          <a:lstStyle/>
+          <a:p>
+            <a:r>
+              <a:rPr lang="en-US" sz="1600" dirty="0" smtClean="0">
+                <a:latin typeface="Helvetica Neue"/>
+              </a:rPr>
+              <a:t>In </a:t>
+            </a:r>
+            <a:r>
+              <a:rPr lang="en-US" sz="1600" dirty="0" smtClean="0">
+                <a:latin typeface="Helvetica Neue"/>
+              </a:rPr>
+              <a:t>order to have </a:t>
+            </a:r>
+            <a:r>
+              <a:rPr lang="en-US" sz="1600" b="1" dirty="0" smtClean="0">
+                <a:latin typeface="Helvetica Neue"/>
+              </a:rPr>
+              <a:t>equality</a:t>
+            </a:r>
+            <a:r>
+              <a:rPr lang="en-US" sz="1600" dirty="0" smtClean="0">
+                <a:latin typeface="Helvetica Neue"/>
+              </a:rPr>
+              <a:t> between 0 and 1 belonging to the '</a:t>
+            </a:r>
+            <a:r>
+              <a:rPr lang="en-US" sz="1600" dirty="0" err="1" smtClean="0">
+                <a:latin typeface="Helvetica Neue"/>
+              </a:rPr>
+              <a:t>TenYearCHD</a:t>
+            </a:r>
+            <a:r>
+              <a:rPr lang="en-US" sz="1600" dirty="0" smtClean="0">
+                <a:latin typeface="Helvetica Neue"/>
+              </a:rPr>
+              <a:t>' </a:t>
+            </a:r>
+            <a:r>
+              <a:rPr lang="en-US" sz="1600" dirty="0" smtClean="0">
+                <a:latin typeface="Helvetica Neue"/>
+              </a:rPr>
+              <a:t>column, we </a:t>
+            </a:r>
+            <a:r>
+              <a:rPr lang="en-US" sz="1600" dirty="0" smtClean="0">
+                <a:latin typeface="Helvetica Neue"/>
+              </a:rPr>
+              <a:t>delete some row representing patients whose risk is </a:t>
+            </a:r>
+            <a:r>
+              <a:rPr lang="en-US" sz="1600" dirty="0" smtClean="0">
+                <a:latin typeface="Helvetica Neue"/>
+              </a:rPr>
+              <a:t>=</a:t>
+            </a:r>
+            <a:r>
+              <a:rPr lang="en-US" sz="1600" dirty="0" smtClean="0">
+                <a:latin typeface="Helvetica Neue"/>
+              </a:rPr>
+              <a:t>0 (that is, </a:t>
+            </a:r>
+            <a:r>
+              <a:rPr lang="en-US" sz="1600" dirty="0" err="1" smtClean="0">
+                <a:latin typeface="Helvetica Neue"/>
+              </a:rPr>
+              <a:t>pationt</a:t>
+            </a:r>
+            <a:r>
+              <a:rPr lang="en-US" sz="1600" dirty="0" smtClean="0">
+                <a:latin typeface="Helvetica Neue"/>
+              </a:rPr>
+              <a:t> </a:t>
+            </a:r>
+            <a:r>
+              <a:rPr lang="en-US" sz="1600" dirty="0" err="1" smtClean="0">
+                <a:latin typeface="Helvetica Neue"/>
+              </a:rPr>
+              <a:t>witOUT</a:t>
+            </a:r>
+            <a:r>
+              <a:rPr lang="en-US" sz="1600" dirty="0" smtClean="0">
+                <a:latin typeface="Helvetica Neue"/>
+              </a:rPr>
+              <a:t> risk of coronary heart disease CHD within 10 years</a:t>
+            </a:r>
+            <a:r>
+              <a:rPr lang="en-US" sz="1600" dirty="0" smtClean="0">
+                <a:latin typeface="Helvetica Neue"/>
+              </a:rPr>
+              <a:t>), obtaining:</a:t>
+            </a:r>
+            <a:endParaRPr kumimoji="0" lang="it-IT" sz="1600" b="0" i="0" u="none" strike="noStrike" cap="none" spc="0" normalizeH="0" baseline="0" dirty="0">
+              <a:ln>
+                <a:noFill/>
+              </a:ln>
+              <a:solidFill>
+                <a:srgbClr val="000000"/>
+              </a:solidFill>
+              <a:effectLst/>
+              <a:uFillTx/>
+              <a:latin typeface="+mj-lt"/>
+              <a:ea typeface="+mj-ea"/>
+              <a:cs typeface="+mj-cs"/>
+              <a:sym typeface="Corbel"/>
+            </a:endParaRPr>
+          </a:p>
+        </p:txBody>
+      </p:sp>
+      <p:pic>
+        <p:nvPicPr>
+          <p:cNvPr id="5122" name="Picture 2"/>
+          <p:cNvPicPr>
+            <a:picLocks noChangeAspect="1" noChangeArrowheads="1"/>
+          </p:cNvPicPr>
+          <p:nvPr/>
+        </p:nvPicPr>
+        <p:blipFill>
+          <a:blip r:embed="rId2" cstate="print"/>
+          <a:srcRect/>
+          <a:stretch>
+            <a:fillRect/>
+          </a:stretch>
+        </p:blipFill>
+        <p:spPr bwMode="auto">
+          <a:xfrm>
+            <a:off x="217658" y="3000372"/>
+            <a:ext cx="8926342" cy="454027"/>
+          </a:xfrm>
+          <a:prstGeom prst="rect">
+            <a:avLst/>
+          </a:prstGeom>
+          <a:noFill/>
+          <a:ln w="9525">
+            <a:noFill/>
+            <a:miter lim="800000"/>
+            <a:headEnd/>
+            <a:tailEnd/>
+          </a:ln>
+          <a:effectLst/>
+        </p:spPr>
+      </p:pic>
+      <p:sp>
+        <p:nvSpPr>
+          <p:cNvPr id="8" name="Rettangolo 7"/>
+          <p:cNvSpPr/>
+          <p:nvPr/>
+        </p:nvSpPr>
+        <p:spPr>
+          <a:xfrm>
+            <a:off x="142844" y="4143380"/>
+            <a:ext cx="2879314" cy="338554"/>
+          </a:xfrm>
+          <a:prstGeom prst="rect">
+            <a:avLst/>
+          </a:prstGeom>
         </p:spPr>
         <p:txBody>
-          <a:bodyPr lIns="45719" rIns="45719">
-            <a:normAutofit fontScale="100000" lnSpcReduction="0"/>
+          <a:bodyPr wrap="none">
+            <a:spAutoFit/>
           </a:bodyPr>
           <a:lstStyle/>
           <a:p>
-            <a:pPr marL="250078" indent="-176377" algn="just" defTabSz="566927">
-              <a:buClr>
-                <a:schemeClr val="accent2">
-                  <a:lumOff val="16690"/>
-                </a:schemeClr>
-              </a:buClr>
-              <a:buSzPct val="80000"/>
-              <a:buChar char="◼"/>
-              <a:defRPr sz="1984"/>
-            </a:pPr>
-          </a:p>
-          <a:p>
-            <a:pPr marL="250078" indent="-176377" algn="just" defTabSz="566927">
-              <a:buClr>
-                <a:schemeClr val="accent2">
-                  <a:lumOff val="16690"/>
-                </a:schemeClr>
-              </a:buClr>
-              <a:buSzPct val="80000"/>
-              <a:buChar char="◼"/>
-              <a:defRPr sz="1984"/>
-            </a:pPr>
-            <a:r>
-              <a:t>Confusion Matrix: </a:t>
-            </a:r>
-          </a:p>
-          <a:p>
-            <a:pPr marL="250078" indent="-176377" algn="just" defTabSz="566927">
-              <a:buClr>
-                <a:schemeClr val="accent2">
-                  <a:lumOff val="16690"/>
-                </a:schemeClr>
-              </a:buClr>
-              <a:buSzPct val="80000"/>
-              <a:buChar char="◼"/>
-              <a:defRPr sz="1984"/>
-            </a:pPr>
-          </a:p>
-          <a:p>
-            <a:pPr marL="250078" indent="-176377" algn="just" defTabSz="566927">
-              <a:buClr>
-                <a:schemeClr val="accent2">
-                  <a:lumOff val="16690"/>
-                </a:schemeClr>
-              </a:buClr>
-              <a:buSzPct val="80000"/>
-              <a:buChar char="◼"/>
-              <a:defRPr sz="1984"/>
-            </a:pPr>
-            <a:r>
-              <a:t>Precision: 55.1%</a:t>
-            </a:r>
-          </a:p>
-          <a:p>
-            <a:pPr algn="just" defTabSz="566927">
-              <a:defRPr sz="1984"/>
-            </a:pPr>
-          </a:p>
-          <a:p>
-            <a:pPr marL="250078" indent="-176377" algn="just" defTabSz="566927">
-              <a:buClr>
-                <a:schemeClr val="accent2">
-                  <a:lumOff val="16690"/>
-                </a:schemeClr>
-              </a:buClr>
-              <a:buSzPct val="80000"/>
-              <a:buChar char="◼"/>
-              <a:defRPr sz="1984"/>
-            </a:pPr>
-            <a:r>
-              <a:t>Recall: 60.75%</a:t>
-            </a:r>
-          </a:p>
-          <a:p>
-            <a:pPr algn="just" defTabSz="566927">
-              <a:defRPr sz="1984"/>
-            </a:pPr>
-          </a:p>
-          <a:p>
-            <a:pPr marL="250078" indent="-176377" algn="just" defTabSz="566927">
-              <a:buClr>
-                <a:schemeClr val="accent2">
-                  <a:lumOff val="16690"/>
-                </a:schemeClr>
-              </a:buClr>
-              <a:buSzPct val="80000"/>
-              <a:buChar char="◼"/>
-              <a:defRPr sz="1984"/>
-            </a:pPr>
-            <a:r>
-              <a:t>F1-Score: 57.08%</a:t>
-            </a:r>
-          </a:p>
-          <a:p>
-            <a:pPr algn="just" defTabSz="566927">
-              <a:defRPr sz="1984"/>
-            </a:pPr>
-          </a:p>
-          <a:p>
-            <a:pPr marL="250078" indent="-176377" algn="just" defTabSz="566927">
-              <a:buClr>
-                <a:schemeClr val="accent2">
-                  <a:lumOff val="16690"/>
-                </a:schemeClr>
-              </a:buClr>
-              <a:buSzPct val="80000"/>
-              <a:buChar char="◼"/>
-              <a:defRPr sz="1984"/>
-            </a:pPr>
-            <a:r>
-              <a:t>Accuracy: 58.52%</a:t>
-            </a:r>
-          </a:p>
-          <a:p>
-            <a:pPr algn="just" defTabSz="566927">
-              <a:defRPr sz="1984"/>
-            </a:pPr>
-          </a:p>
-          <a:p>
-            <a:pPr marL="250078" indent="-176377" algn="just" defTabSz="566927">
-              <a:buClr>
-                <a:schemeClr val="accent2">
-                  <a:lumOff val="16690"/>
-                </a:schemeClr>
-              </a:buClr>
-              <a:buSzPct val="80000"/>
-              <a:buChar char="◼"/>
-              <a:defRPr sz="1984"/>
-            </a:pPr>
-            <a:r>
-              <a:t>Area Under ROC Curve: 0.64</a:t>
-            </a:r>
-          </a:p>
-          <a:p>
-            <a:pPr algn="just" defTabSz="566927">
-              <a:defRPr sz="1984"/>
-            </a:pPr>
-          </a:p>
-          <a:p>
-            <a:pPr algn="just" defTabSz="566927">
-              <a:defRPr sz="1984"/>
-            </a:pPr>
-          </a:p>
-          <a:p>
-            <a:pPr algn="just" defTabSz="566927">
-              <a:defRPr sz="1984"/>
-            </a:pPr>
-          </a:p>
-          <a:p>
-            <a:pPr defTabSz="283463">
-              <a:defRPr i="1" sz="1984">
-                <a:solidFill>
-                  <a:srgbClr val="6B6B6B"/>
-                </a:solidFill>
-                <a:latin typeface="STIXGeneral"/>
-                <a:ea typeface="STIXGeneral"/>
-                <a:cs typeface="STIXGeneral"/>
-                <a:sym typeface="STIXGeneral"/>
-              </a:defRPr>
-            </a:pPr>
-            <a:endParaRPr i="0">
-              <a:latin typeface="+mn-lt"/>
-              <a:ea typeface="+mn-ea"/>
-              <a:cs typeface="+mn-cs"/>
-              <a:sym typeface="Helvetica"/>
+            <a:r>
+              <a:rPr lang="it-IT" sz="1600" b="1" dirty="0" err="1" smtClean="0">
+                <a:latin typeface="Helvetica Neue"/>
+              </a:rPr>
+              <a:t>Normalization</a:t>
+            </a:r>
+            <a:r>
+              <a:rPr lang="it-IT" sz="1600" b="1" dirty="0" smtClean="0">
+                <a:latin typeface="Helvetica Neue"/>
+              </a:rPr>
+              <a:t> in </a:t>
+            </a:r>
+            <a:r>
+              <a:rPr lang="it-IT" sz="1600" b="1" dirty="0" err="1" smtClean="0">
+                <a:latin typeface="Helvetica Neue"/>
+              </a:rPr>
+              <a:t>range</a:t>
+            </a:r>
+            <a:r>
+              <a:rPr lang="it-IT" sz="1600" b="1" dirty="0" smtClean="0">
+                <a:latin typeface="Helvetica Neue"/>
+              </a:rPr>
+              <a:t> (</a:t>
+            </a:r>
+            <a:r>
+              <a:rPr lang="it-IT" sz="1600" b="1" dirty="0" smtClean="0">
+                <a:latin typeface="Helvetica Neue"/>
+              </a:rPr>
+              <a:t>0,1)</a:t>
+            </a:r>
+            <a:endParaRPr lang="it-IT" sz="1600" b="1" dirty="0">
+              <a:latin typeface="Helvetica Neue"/>
             </a:endParaRPr>
           </a:p>
-          <a:p>
-            <a:pPr defTabSz="283463">
-              <a:defRPr sz="1984">
-                <a:solidFill>
-                  <a:srgbClr val="6B6B6B"/>
-                </a:solidFill>
-                <a:latin typeface="+mn-lt"/>
-                <a:ea typeface="+mn-ea"/>
-                <a:cs typeface="+mn-cs"/>
-                <a:sym typeface="Helvetica"/>
-              </a:defRPr>
-            </a:pPr>
-          </a:p>
-          <a:p>
-            <a:pPr defTabSz="283463">
-              <a:defRPr sz="1984">
-                <a:solidFill>
-                  <a:srgbClr val="6B6B6B"/>
-                </a:solidFill>
-                <a:latin typeface="+mn-lt"/>
-                <a:ea typeface="+mn-ea"/>
-                <a:cs typeface="+mn-cs"/>
-                <a:sym typeface="Helvetica"/>
-              </a:defRPr>
-            </a:pPr>
+        </p:txBody>
+      </p:sp>
+      <p:pic>
+        <p:nvPicPr>
+          <p:cNvPr id="5123" name="Picture 3"/>
+          <p:cNvPicPr>
+            <a:picLocks noChangeAspect="1" noChangeArrowheads="1"/>
+          </p:cNvPicPr>
+          <p:nvPr/>
+        </p:nvPicPr>
+        <p:blipFill>
+          <a:blip r:embed="rId3" cstate="print"/>
+          <a:srcRect/>
+          <a:stretch>
+            <a:fillRect/>
+          </a:stretch>
+        </p:blipFill>
+        <p:spPr bwMode="auto">
+          <a:xfrm>
+            <a:off x="142844" y="4500570"/>
+            <a:ext cx="7705725" cy="1152525"/>
+          </a:xfrm>
+          <a:prstGeom prst="rect">
+            <a:avLst/>
+          </a:prstGeom>
+          <a:noFill/>
+          <a:ln w="9525">
+            <a:noFill/>
+            <a:miter lim="800000"/>
+            <a:headEnd/>
+            <a:tailEnd/>
+          </a:ln>
+          <a:effectLst/>
+        </p:spPr>
+      </p:pic>
+      <p:sp>
+        <p:nvSpPr>
+          <p:cNvPr id="11" name="CasellaDiTesto 10"/>
+          <p:cNvSpPr txBox="1"/>
+          <p:nvPr/>
+        </p:nvSpPr>
+        <p:spPr>
+          <a:xfrm>
+            <a:off x="142844" y="5857892"/>
+            <a:ext cx="9001156" cy="584773"/>
+          </a:xfrm>
+          <a:prstGeom prst="rect">
+            <a:avLst/>
+          </a:prstGeom>
+          <a:noFill/>
+          <a:ln w="12700" cap="flat">
+            <a:noFill/>
+            <a:miter lim="400000"/>
+          </a:ln>
+          <a:effectLst/>
+          <a:sp3d/>
+        </p:spPr>
+        <p:style>
+          <a:lnRef idx="0">
+            <a:scrgbClr r="0" g="0" b="0"/>
+          </a:lnRef>
+          <a:fillRef idx="0">
+            <a:scrgbClr r="0" g="0" b="0"/>
+          </a:fillRef>
+          <a:effectRef idx="0">
+            <a:scrgbClr r="0" g="0" b="0"/>
+          </a:effectRef>
+          <a:fontRef idx="none"/>
+        </p:style>
+        <p:txBody>
+          <a:bodyPr rot="0" spcFirstLastPara="1" vertOverflow="overflow" horzOverflow="overflow" vert="horz" wrap="square" lIns="45719" tIns="45719" rIns="45719" bIns="45719" numCol="1" spcCol="38100" rtlCol="0" anchor="t">
+            <a:spAutoFit/>
+          </a:bodyPr>
+          <a:lstStyle/>
+          <a:p>
+            <a:r>
+              <a:rPr lang="en-US" sz="1600" dirty="0" smtClean="0">
+                <a:latin typeface="Helvetica Neue"/>
+              </a:rPr>
+              <a:t>and normalize those values which </a:t>
+            </a:r>
+            <a:r>
+              <a:rPr lang="en-US" sz="1600" dirty="0" smtClean="0">
+                <a:latin typeface="Helvetica Neue"/>
+              </a:rPr>
+              <a:t>are in a too large range (we need that all the values are in the range </a:t>
+            </a:r>
+            <a:r>
+              <a:rPr lang="en-US" sz="1600" b="1" dirty="0" smtClean="0">
+                <a:latin typeface="Helvetica Neue"/>
+              </a:rPr>
+              <a:t>(0,1)</a:t>
+            </a:r>
+            <a:r>
+              <a:rPr lang="en-US" sz="1600" dirty="0" smtClean="0">
+                <a:latin typeface="Helvetica Neue"/>
+              </a:rPr>
+              <a:t>)</a:t>
+            </a:r>
+            <a:endParaRPr kumimoji="0" lang="it-IT" sz="1600" b="0" i="0" u="none" strike="noStrike" cap="none" spc="0" normalizeH="0" baseline="0" dirty="0">
+              <a:ln>
+                <a:noFill/>
+              </a:ln>
+              <a:solidFill>
+                <a:srgbClr val="000000"/>
+              </a:solidFill>
+              <a:effectLst/>
+              <a:uFillTx/>
+              <a:latin typeface="+mj-lt"/>
+              <a:ea typeface="+mj-ea"/>
+              <a:cs typeface="+mj-cs"/>
+              <a:sym typeface="Corbel"/>
+            </a:endParaRPr>
           </a:p>
         </p:txBody>
       </p:sp>
@@ -5529,12 +9796,12 @@
   <p:clrMapOvr>
     <a:masterClrMapping/>
   </p:clrMapOvr>
-  <p:transition xmlns:p14="http://schemas.microsoft.com/office/powerpoint/2010/main" spd="med" advClick="1"/>
+  <p:transition spd="med"/>
 </p:sld>
 </file>
 
 <file path=ppt/theme/theme1.xml><?xml version="1.0" encoding="utf-8"?>
-<a:theme xmlns:a="http://schemas.openxmlformats.org/drawingml/2006/main" xmlns:r="http://schemas.openxmlformats.org/officeDocument/2006/relationships" name="Modulo">
+<a:theme xmlns:a="http://schemas.openxmlformats.org/drawingml/2006/main" name="Modulo">
   <a:themeElements>
     <a:clrScheme name="Modulo">
       <a:dk1>
@@ -5660,7 +9927,7 @@
       <a:effectStyleLst>
         <a:effectStyle>
           <a:effectLst>
-            <a:outerShdw sx="100000" sy="100000" kx="0" ky="0" algn="b" rotWithShape="0" blurRad="38100" dist="25400" dir="5400000">
+            <a:outerShdw blurRad="38100" dist="25400" dir="5400000" rotWithShape="0">
               <a:srgbClr val="000000">
                 <a:alpha val="38000"/>
               </a:srgbClr>
@@ -5669,7 +9936,7 @@
         </a:effectStyle>
         <a:effectStyle>
           <a:effectLst>
-            <a:outerShdw sx="100000" sy="100000" kx="0" ky="0" algn="b" rotWithShape="0" blurRad="38100" dist="25400" dir="5400000">
+            <a:outerShdw blurRad="38100" dist="25400" dir="5400000" rotWithShape="0">
               <a:srgbClr val="000000">
                 <a:alpha val="38000"/>
               </a:srgbClr>
@@ -5678,7 +9945,7 @@
         </a:effectStyle>
         <a:effectStyle>
           <a:effectLst>
-            <a:outerShdw sx="100000" sy="100000" kx="0" ky="0" algn="b" rotWithShape="0" blurRad="50800" dist="25000" dir="5400000">
+            <a:outerShdw blurRad="50800" dist="25000" dir="5400000" rotWithShape="0">
               <a:srgbClr val="000000">
                 <a:alpha val="38000"/>
               </a:srgbClr>
@@ -5754,7 +10021,7 @@
           <a:round/>
         </a:ln>
         <a:effectLst>
-          <a:outerShdw sx="100000" sy="100000" kx="0" ky="0" algn="b" rotWithShape="0" blurRad="38100" dist="25400" dir="5400000">
+          <a:outerShdw blurRad="38100" dist="25400" dir="5400000" rotWithShape="0">
             <a:srgbClr val="000000">
               <a:alpha val="38000"/>
             </a:srgbClr>
@@ -5762,7 +10029,7 @@
         </a:effectLst>
         <a:sp3d/>
       </a:spPr>
-      <a:bodyPr rot="0" spcFirstLastPara="1" vertOverflow="overflow" horzOverflow="overflow" vert="horz" wrap="square" lIns="45719" tIns="45719" rIns="45719" bIns="45719" numCol="1" spcCol="38100" rtlCol="0" anchor="ctr" upright="0">
+      <a:bodyPr rot="0" spcFirstLastPara="1" vertOverflow="overflow" horzOverflow="overflow" vert="horz" wrap="square" lIns="45719" tIns="45719" rIns="45719" bIns="45719" numCol="1" spcCol="38100" rtlCol="0" anchor="ctr">
         <a:spAutoFit/>
       </a:bodyPr>
       <a:lstStyle>
@@ -5781,7 +10048,7 @@
           <a:buFontTx/>
           <a:buNone/>
           <a:tabLst/>
-          <a:defRPr b="0" baseline="0" cap="none" i="0" spc="0" strike="noStrike" sz="1800" u="none" kumimoji="0" normalizeH="0">
+          <a:defRPr kumimoji="0" sz="1800" b="0" i="0" u="none" strike="noStrike" cap="none" spc="0" normalizeH="0" baseline="0">
             <a:ln>
               <a:noFill/>
             </a:ln>
@@ -5811,7 +10078,7 @@
           <a:buFontTx/>
           <a:buNone/>
           <a:tabLst/>
-          <a:defRPr b="0" baseline="0" cap="none" i="0" spc="0" strike="noStrike" sz="1800" u="none" kumimoji="0" normalizeH="0">
+          <a:defRPr kumimoji="0" sz="1800" b="0" i="0" u="none" strike="noStrike" cap="none" spc="0" normalizeH="0" baseline="0">
             <a:ln>
               <a:noFill/>
             </a:ln>
@@ -5837,7 +10104,7 @@
           <a:buFontTx/>
           <a:buNone/>
           <a:tabLst/>
-          <a:defRPr b="0" baseline="0" cap="none" i="0" spc="0" strike="noStrike" sz="1800" u="none" kumimoji="0" normalizeH="0">
+          <a:defRPr kumimoji="0" sz="1800" b="0" i="0" u="none" strike="noStrike" cap="none" spc="0" normalizeH="0" baseline="0">
             <a:ln>
               <a:noFill/>
             </a:ln>
@@ -5863,7 +10130,7 @@
           <a:buFontTx/>
           <a:buNone/>
           <a:tabLst/>
-          <a:defRPr b="0" baseline="0" cap="none" i="0" spc="0" strike="noStrike" sz="1800" u="none" kumimoji="0" normalizeH="0">
+          <a:defRPr kumimoji="0" sz="1800" b="0" i="0" u="none" strike="noStrike" cap="none" spc="0" normalizeH="0" baseline="0">
             <a:ln>
               <a:noFill/>
             </a:ln>
@@ -5889,7 +10156,7 @@
           <a:buFontTx/>
           <a:buNone/>
           <a:tabLst/>
-          <a:defRPr b="0" baseline="0" cap="none" i="0" spc="0" strike="noStrike" sz="1800" u="none" kumimoji="0" normalizeH="0">
+          <a:defRPr kumimoji="0" sz="1800" b="0" i="0" u="none" strike="noStrike" cap="none" spc="0" normalizeH="0" baseline="0">
             <a:ln>
               <a:noFill/>
             </a:ln>
@@ -5915,7 +10182,7 @@
           <a:buFontTx/>
           <a:buNone/>
           <a:tabLst/>
-          <a:defRPr b="0" baseline="0" cap="none" i="0" spc="0" strike="noStrike" sz="1800" u="none" kumimoji="0" normalizeH="0">
+          <a:defRPr kumimoji="0" sz="1800" b="0" i="0" u="none" strike="noStrike" cap="none" spc="0" normalizeH="0" baseline="0">
             <a:ln>
               <a:noFill/>
             </a:ln>
@@ -5941,7 +10208,7 @@
           <a:buFontTx/>
           <a:buNone/>
           <a:tabLst/>
-          <a:defRPr b="0" baseline="0" cap="none" i="0" spc="0" strike="noStrike" sz="1800" u="none" kumimoji="0" normalizeH="0">
+          <a:defRPr kumimoji="0" sz="1800" b="0" i="0" u="none" strike="noStrike" cap="none" spc="0" normalizeH="0" baseline="0">
             <a:ln>
               <a:noFill/>
             </a:ln>
@@ -5967,7 +10234,7 @@
           <a:buFontTx/>
           <a:buNone/>
           <a:tabLst/>
-          <a:defRPr b="0" baseline="0" cap="none" i="0" spc="0" strike="noStrike" sz="1800" u="none" kumimoji="0" normalizeH="0">
+          <a:defRPr kumimoji="0" sz="1800" b="0" i="0" u="none" strike="noStrike" cap="none" spc="0" normalizeH="0" baseline="0">
             <a:ln>
               <a:noFill/>
             </a:ln>
@@ -5993,7 +10260,7 @@
           <a:buFontTx/>
           <a:buNone/>
           <a:tabLst/>
-          <a:defRPr b="0" baseline="0" cap="none" i="0" spc="0" strike="noStrike" sz="1800" u="none" kumimoji="0" normalizeH="0">
+          <a:defRPr kumimoji="0" sz="1800" b="0" i="0" u="none" strike="noStrike" cap="none" spc="0" normalizeH="0" baseline="0">
             <a:ln>
               <a:noFill/>
             </a:ln>
@@ -6019,7 +10286,7 @@
           <a:buFontTx/>
           <a:buNone/>
           <a:tabLst/>
-          <a:defRPr b="0" baseline="0" cap="none" i="0" spc="0" strike="noStrike" sz="1800" u="none" kumimoji="0" normalizeH="0">
+          <a:defRPr kumimoji="0" sz="1800" b="0" i="0" u="none" strike="noStrike" cap="none" spc="0" normalizeH="0" baseline="0">
             <a:ln>
               <a:noFill/>
             </a:ln>
@@ -6032,9 +10299,15 @@
         </a:lvl9pPr>
       </a:lstStyle>
       <a:style>
-        <a:lnRef idx="0"/>
-        <a:fillRef idx="0"/>
-        <a:effectRef idx="0"/>
+        <a:lnRef idx="0">
+          <a:scrgbClr r="0" g="0" b="0"/>
+        </a:lnRef>
+        <a:fillRef idx="0">
+          <a:scrgbClr r="0" g="0" b="0"/>
+        </a:fillRef>
+        <a:effectRef idx="0">
+          <a:scrgbClr r="0" g="0" b="0"/>
+        </a:effectRef>
         <a:fontRef idx="none"/>
       </a:style>
     </a:spDef>
@@ -6051,7 +10324,7 @@
           <a:round/>
         </a:ln>
         <a:effectLst>
-          <a:outerShdw sx="100000" sy="100000" kx="0" ky="0" algn="b" rotWithShape="0" blurRad="50800" dist="25000" dir="5400000">
+          <a:outerShdw blurRad="50800" dist="25000" dir="5400000" rotWithShape="0">
             <a:srgbClr val="000000">
               <a:alpha val="38000"/>
             </a:srgbClr>
@@ -6059,7 +10332,7 @@
         </a:effectLst>
         <a:sp3d/>
       </a:spPr>
-      <a:bodyPr rot="0" spcFirstLastPara="1" vertOverflow="overflow" horzOverflow="overflow" vert="horz" wrap="square" lIns="91439" tIns="45719" rIns="91439" bIns="45719" numCol="1" spcCol="38100" rtlCol="0" anchor="t" upright="0">
+      <a:bodyPr rot="0" spcFirstLastPara="1" vertOverflow="overflow" horzOverflow="overflow" vert="horz" wrap="square" lIns="91439" tIns="45719" rIns="91439" bIns="45719" numCol="1" spcCol="38100" rtlCol="0" anchor="t">
         <a:noAutofit/>
       </a:bodyPr>
       <a:lstStyle>
@@ -6078,7 +10351,7 @@
           <a:buFontTx/>
           <a:buNone/>
           <a:tabLst/>
-          <a:defRPr b="0" baseline="0" cap="none" i="0" spc="0" strike="noStrike" sz="1800" u="none" kumimoji="0" normalizeH="0">
+          <a:defRPr kumimoji="0" sz="1800" b="0" i="0" u="none" strike="noStrike" cap="none" spc="0" normalizeH="0" baseline="0">
             <a:ln>
               <a:noFill/>
             </a:ln>
@@ -6104,7 +10377,7 @@
           <a:buFontTx/>
           <a:buNone/>
           <a:tabLst/>
-          <a:defRPr b="0" baseline="0" cap="none" i="0" spc="0" strike="noStrike" sz="1800" u="none" kumimoji="0" normalizeH="0">
+          <a:defRPr kumimoji="0" sz="1800" b="0" i="0" u="none" strike="noStrike" cap="none" spc="0" normalizeH="0" baseline="0">
             <a:ln>
               <a:noFill/>
             </a:ln>
@@ -6130,7 +10403,7 @@
           <a:buFontTx/>
           <a:buNone/>
           <a:tabLst/>
-          <a:defRPr b="0" baseline="0" cap="none" i="0" spc="0" strike="noStrike" sz="1800" u="none" kumimoji="0" normalizeH="0">
+          <a:defRPr kumimoji="0" sz="1800" b="0" i="0" u="none" strike="noStrike" cap="none" spc="0" normalizeH="0" baseline="0">
             <a:ln>
               <a:noFill/>
             </a:ln>
@@ -6156,7 +10429,7 @@
           <a:buFontTx/>
           <a:buNone/>
           <a:tabLst/>
-          <a:defRPr b="0" baseline="0" cap="none" i="0" spc="0" strike="noStrike" sz="1800" u="none" kumimoji="0" normalizeH="0">
+          <a:defRPr kumimoji="0" sz="1800" b="0" i="0" u="none" strike="noStrike" cap="none" spc="0" normalizeH="0" baseline="0">
             <a:ln>
               <a:noFill/>
             </a:ln>
@@ -6182,7 +10455,7 @@
           <a:buFontTx/>
           <a:buNone/>
           <a:tabLst/>
-          <a:defRPr b="0" baseline="0" cap="none" i="0" spc="0" strike="noStrike" sz="1800" u="none" kumimoji="0" normalizeH="0">
+          <a:defRPr kumimoji="0" sz="1800" b="0" i="0" u="none" strike="noStrike" cap="none" spc="0" normalizeH="0" baseline="0">
             <a:ln>
               <a:noFill/>
             </a:ln>
@@ -6208,7 +10481,7 @@
           <a:buFontTx/>
           <a:buNone/>
           <a:tabLst/>
-          <a:defRPr b="0" baseline="0" cap="none" i="0" spc="0" strike="noStrike" sz="1800" u="none" kumimoji="0" normalizeH="0">
+          <a:defRPr kumimoji="0" sz="1800" b="0" i="0" u="none" strike="noStrike" cap="none" spc="0" normalizeH="0" baseline="0">
             <a:ln>
               <a:noFill/>
             </a:ln>
@@ -6234,7 +10507,7 @@
           <a:buFontTx/>
           <a:buNone/>
           <a:tabLst/>
-          <a:defRPr b="0" baseline="0" cap="none" i="0" spc="0" strike="noStrike" sz="1800" u="none" kumimoji="0" normalizeH="0">
+          <a:defRPr kumimoji="0" sz="1800" b="0" i="0" u="none" strike="noStrike" cap="none" spc="0" normalizeH="0" baseline="0">
             <a:ln>
               <a:noFill/>
             </a:ln>
@@ -6260,7 +10533,7 @@
           <a:buFontTx/>
           <a:buNone/>
           <a:tabLst/>
-          <a:defRPr b="0" baseline="0" cap="none" i="0" spc="0" strike="noStrike" sz="1800" u="none" kumimoji="0" normalizeH="0">
+          <a:defRPr kumimoji="0" sz="1800" b="0" i="0" u="none" strike="noStrike" cap="none" spc="0" normalizeH="0" baseline="0">
             <a:ln>
               <a:noFill/>
             </a:ln>
@@ -6286,7 +10559,7 @@
           <a:buFontTx/>
           <a:buNone/>
           <a:tabLst/>
-          <a:defRPr b="0" baseline="0" cap="none" i="0" spc="0" strike="noStrike" sz="1800" u="none" kumimoji="0" normalizeH="0">
+          <a:defRPr kumimoji="0" sz="1800" b="0" i="0" u="none" strike="noStrike" cap="none" spc="0" normalizeH="0" baseline="0">
             <a:ln>
               <a:noFill/>
             </a:ln>
@@ -6312,7 +10585,7 @@
           <a:buFontTx/>
           <a:buNone/>
           <a:tabLst/>
-          <a:defRPr b="0" baseline="0" cap="none" i="0" spc="0" strike="noStrike" sz="1800" u="none" kumimoji="0" normalizeH="0">
+          <a:defRPr kumimoji="0" sz="1800" b="0" i="0" u="none" strike="noStrike" cap="none" spc="0" normalizeH="0" baseline="0">
             <a:ln>
               <a:noFill/>
             </a:ln>
@@ -6325,9 +10598,15 @@
         </a:lvl9pPr>
       </a:lstStyle>
       <a:style>
-        <a:lnRef idx="0"/>
-        <a:fillRef idx="0"/>
-        <a:effectRef idx="0"/>
+        <a:lnRef idx="0">
+          <a:scrgbClr r="0" g="0" b="0"/>
+        </a:lnRef>
+        <a:fillRef idx="0">
+          <a:scrgbClr r="0" g="0" b="0"/>
+        </a:fillRef>
+        <a:effectRef idx="0">
+          <a:scrgbClr r="0" g="0" b="0"/>
+        </a:effectRef>
         <a:fontRef idx="none"/>
       </a:style>
     </a:lnDef>
@@ -6341,7 +10620,7 @@
         <a:effectLst/>
         <a:sp3d/>
       </a:spPr>
-      <a:bodyPr rot="0" spcFirstLastPara="1" vertOverflow="overflow" horzOverflow="overflow" vert="horz" wrap="square" lIns="45719" tIns="45719" rIns="45719" bIns="45719" numCol="1" spcCol="38100" rtlCol="0" anchor="t" upright="0">
+      <a:bodyPr rot="0" spcFirstLastPara="1" vertOverflow="overflow" horzOverflow="overflow" vert="horz" wrap="square" lIns="45719" tIns="45719" rIns="45719" bIns="45719" numCol="1" spcCol="38100" rtlCol="0" anchor="t">
         <a:spAutoFit/>
       </a:bodyPr>
       <a:lstStyle>
@@ -6360,7 +10639,7 @@
           <a:buFontTx/>
           <a:buNone/>
           <a:tabLst/>
-          <a:defRPr b="0" baseline="0" cap="none" i="0" spc="0" strike="noStrike" sz="1800" u="none" kumimoji="0" normalizeH="0">
+          <a:defRPr kumimoji="0" sz="1800" b="0" i="0" u="none" strike="noStrike" cap="none" spc="0" normalizeH="0" baseline="0">
             <a:ln>
               <a:noFill/>
             </a:ln>
@@ -6390,7 +10669,7 @@
           <a:buFontTx/>
           <a:buNone/>
           <a:tabLst/>
-          <a:defRPr b="0" baseline="0" cap="none" i="0" spc="0" strike="noStrike" sz="1800" u="none" kumimoji="0" normalizeH="0">
+          <a:defRPr kumimoji="0" sz="1800" b="0" i="0" u="none" strike="noStrike" cap="none" spc="0" normalizeH="0" baseline="0">
             <a:ln>
               <a:noFill/>
             </a:ln>
@@ -6416,7 +10695,7 @@
           <a:buFontTx/>
           <a:buNone/>
           <a:tabLst/>
-          <a:defRPr b="0" baseline="0" cap="none" i="0" spc="0" strike="noStrike" sz="1800" u="none" kumimoji="0" normalizeH="0">
+          <a:defRPr kumimoji="0" sz="1800" b="0" i="0" u="none" strike="noStrike" cap="none" spc="0" normalizeH="0" baseline="0">
             <a:ln>
               <a:noFill/>
             </a:ln>
@@ -6442,7 +10721,7 @@
           <a:buFontTx/>
           <a:buNone/>
           <a:tabLst/>
-          <a:defRPr b="0" baseline="0" cap="none" i="0" spc="0" strike="noStrike" sz="1800" u="none" kumimoji="0" normalizeH="0">
+          <a:defRPr kumimoji="0" sz="1800" b="0" i="0" u="none" strike="noStrike" cap="none" spc="0" normalizeH="0" baseline="0">
             <a:ln>
               <a:noFill/>
             </a:ln>
@@ -6468,7 +10747,7 @@
           <a:buFontTx/>
           <a:buNone/>
           <a:tabLst/>
-          <a:defRPr b="0" baseline="0" cap="none" i="0" spc="0" strike="noStrike" sz="1800" u="none" kumimoji="0" normalizeH="0">
+          <a:defRPr kumimoji="0" sz="1800" b="0" i="0" u="none" strike="noStrike" cap="none" spc="0" normalizeH="0" baseline="0">
             <a:ln>
               <a:noFill/>
             </a:ln>
@@ -6494,7 +10773,7 @@
           <a:buFontTx/>
           <a:buNone/>
           <a:tabLst/>
-          <a:defRPr b="0" baseline="0" cap="none" i="0" spc="0" strike="noStrike" sz="1800" u="none" kumimoji="0" normalizeH="0">
+          <a:defRPr kumimoji="0" sz="1800" b="0" i="0" u="none" strike="noStrike" cap="none" spc="0" normalizeH="0" baseline="0">
             <a:ln>
               <a:noFill/>
             </a:ln>
@@ -6520,7 +10799,7 @@
           <a:buFontTx/>
           <a:buNone/>
           <a:tabLst/>
-          <a:defRPr b="0" baseline="0" cap="none" i="0" spc="0" strike="noStrike" sz="1800" u="none" kumimoji="0" normalizeH="0">
+          <a:defRPr kumimoji="0" sz="1800" b="0" i="0" u="none" strike="noStrike" cap="none" spc="0" normalizeH="0" baseline="0">
             <a:ln>
               <a:noFill/>
             </a:ln>
@@ -6546,7 +10825,7 @@
           <a:buFontTx/>
           <a:buNone/>
           <a:tabLst/>
-          <a:defRPr b="0" baseline="0" cap="none" i="0" spc="0" strike="noStrike" sz="1800" u="none" kumimoji="0" normalizeH="0">
+          <a:defRPr kumimoji="0" sz="1800" b="0" i="0" u="none" strike="noStrike" cap="none" spc="0" normalizeH="0" baseline="0">
             <a:ln>
               <a:noFill/>
             </a:ln>
@@ -6572,7 +10851,7 @@
           <a:buFontTx/>
           <a:buNone/>
           <a:tabLst/>
-          <a:defRPr b="0" baseline="0" cap="none" i="0" spc="0" strike="noStrike" sz="1800" u="none" kumimoji="0" normalizeH="0">
+          <a:defRPr kumimoji="0" sz="1800" b="0" i="0" u="none" strike="noStrike" cap="none" spc="0" normalizeH="0" baseline="0">
             <a:ln>
               <a:noFill/>
             </a:ln>
@@ -6598,7 +10877,7 @@
           <a:buFontTx/>
           <a:buNone/>
           <a:tabLst/>
-          <a:defRPr b="0" baseline="0" cap="none" i="0" spc="0" strike="noStrike" sz="1800" u="none" kumimoji="0" normalizeH="0">
+          <a:defRPr kumimoji="0" sz="1800" b="0" i="0" u="none" strike="noStrike" cap="none" spc="0" normalizeH="0" baseline="0">
             <a:ln>
               <a:noFill/>
             </a:ln>
@@ -6611,18 +10890,25 @@
         </a:lvl9pPr>
       </a:lstStyle>
       <a:style>
-        <a:lnRef idx="0"/>
-        <a:fillRef idx="0"/>
-        <a:effectRef idx="0"/>
+        <a:lnRef idx="0">
+          <a:scrgbClr r="0" g="0" b="0"/>
+        </a:lnRef>
+        <a:fillRef idx="0">
+          <a:scrgbClr r="0" g="0" b="0"/>
+        </a:fillRef>
+        <a:effectRef idx="0">
+          <a:scrgbClr r="0" g="0" b="0"/>
+        </a:effectRef>
         <a:fontRef idx="none"/>
       </a:style>
     </a:txDef>
   </a:objectDefaults>
+  <a:extraClrSchemeLst/>
 </a:theme>
 </file>
 
 <file path=ppt/theme/theme2.xml><?xml version="1.0" encoding="utf-8"?>
-<a:theme xmlns:a="http://schemas.openxmlformats.org/drawingml/2006/main" xmlns:r="http://schemas.openxmlformats.org/officeDocument/2006/relationships" name="Modulo">
+<a:theme xmlns:a="http://schemas.openxmlformats.org/drawingml/2006/main" name="Modulo">
   <a:themeElements>
     <a:clrScheme name="Modulo">
       <a:dk1>
@@ -6748,7 +11034,7 @@
       <a:effectStyleLst>
         <a:effectStyle>
           <a:effectLst>
-            <a:outerShdw sx="100000" sy="100000" kx="0" ky="0" algn="b" rotWithShape="0" blurRad="38100" dist="25400" dir="5400000">
+            <a:outerShdw blurRad="38100" dist="25400" dir="5400000" rotWithShape="0">
               <a:srgbClr val="000000">
                 <a:alpha val="38000"/>
               </a:srgbClr>
@@ -6757,7 +11043,7 @@
         </a:effectStyle>
         <a:effectStyle>
           <a:effectLst>
-            <a:outerShdw sx="100000" sy="100000" kx="0" ky="0" algn="b" rotWithShape="0" blurRad="38100" dist="25400" dir="5400000">
+            <a:outerShdw blurRad="38100" dist="25400" dir="5400000" rotWithShape="0">
               <a:srgbClr val="000000">
                 <a:alpha val="38000"/>
               </a:srgbClr>
@@ -6766,7 +11052,7 @@
         </a:effectStyle>
         <a:effectStyle>
           <a:effectLst>
-            <a:outerShdw sx="100000" sy="100000" kx="0" ky="0" algn="b" rotWithShape="0" blurRad="50800" dist="25000" dir="5400000">
+            <a:outerShdw blurRad="50800" dist="25000" dir="5400000" rotWithShape="0">
               <a:srgbClr val="000000">
                 <a:alpha val="38000"/>
               </a:srgbClr>
@@ -6842,7 +11128,7 @@
           <a:round/>
         </a:ln>
         <a:effectLst>
-          <a:outerShdw sx="100000" sy="100000" kx="0" ky="0" algn="b" rotWithShape="0" blurRad="38100" dist="25400" dir="5400000">
+          <a:outerShdw blurRad="38100" dist="25400" dir="5400000" rotWithShape="0">
             <a:srgbClr val="000000">
               <a:alpha val="38000"/>
             </a:srgbClr>
@@ -6850,7 +11136,7 @@
         </a:effectLst>
         <a:sp3d/>
       </a:spPr>
-      <a:bodyPr rot="0" spcFirstLastPara="1" vertOverflow="overflow" horzOverflow="overflow" vert="horz" wrap="square" lIns="45719" tIns="45719" rIns="45719" bIns="45719" numCol="1" spcCol="38100" rtlCol="0" anchor="ctr" upright="0">
+      <a:bodyPr rot="0" spcFirstLastPara="1" vertOverflow="overflow" horzOverflow="overflow" vert="horz" wrap="square" lIns="45719" tIns="45719" rIns="45719" bIns="45719" numCol="1" spcCol="38100" rtlCol="0" anchor="ctr">
         <a:spAutoFit/>
       </a:bodyPr>
       <a:lstStyle>
@@ -6869,7 +11155,7 @@
           <a:buFontTx/>
           <a:buNone/>
           <a:tabLst/>
-          <a:defRPr b="0" baseline="0" cap="none" i="0" spc="0" strike="noStrike" sz="1800" u="none" kumimoji="0" normalizeH="0">
+          <a:defRPr kumimoji="0" sz="1800" b="0" i="0" u="none" strike="noStrike" cap="none" spc="0" normalizeH="0" baseline="0">
             <a:ln>
               <a:noFill/>
             </a:ln>
@@ -6899,7 +11185,7 @@
           <a:buFontTx/>
           <a:buNone/>
           <a:tabLst/>
-          <a:defRPr b="0" baseline="0" cap="none" i="0" spc="0" strike="noStrike" sz="1800" u="none" kumimoji="0" normalizeH="0">
+          <a:defRPr kumimoji="0" sz="1800" b="0" i="0" u="none" strike="noStrike" cap="none" spc="0" normalizeH="0" baseline="0">
             <a:ln>
               <a:noFill/>
             </a:ln>
@@ -6925,7 +11211,7 @@
           <a:buFontTx/>
           <a:buNone/>
           <a:tabLst/>
-          <a:defRPr b="0" baseline="0" cap="none" i="0" spc="0" strike="noStrike" sz="1800" u="none" kumimoji="0" normalizeH="0">
+          <a:defRPr kumimoji="0" sz="1800" b="0" i="0" u="none" strike="noStrike" cap="none" spc="0" normalizeH="0" baseline="0">
             <a:ln>
               <a:noFill/>
             </a:ln>
@@ -6951,7 +11237,7 @@
           <a:buFontTx/>
           <a:buNone/>
           <a:tabLst/>
-          <a:defRPr b="0" baseline="0" cap="none" i="0" spc="0" strike="noStrike" sz="1800" u="none" kumimoji="0" normalizeH="0">
+          <a:defRPr kumimoji="0" sz="1800" b="0" i="0" u="none" strike="noStrike" cap="none" spc="0" normalizeH="0" baseline="0">
             <a:ln>
               <a:noFill/>
             </a:ln>
@@ -6977,7 +11263,7 @@
           <a:buFontTx/>
           <a:buNone/>
           <a:tabLst/>
-          <a:defRPr b="0" baseline="0" cap="none" i="0" spc="0" strike="noStrike" sz="1800" u="none" kumimoji="0" normalizeH="0">
+          <a:defRPr kumimoji="0" sz="1800" b="0" i="0" u="none" strike="noStrike" cap="none" spc="0" normalizeH="0" baseline="0">
             <a:ln>
               <a:noFill/>
             </a:ln>
@@ -7003,7 +11289,7 @@
           <a:buFontTx/>
           <a:buNone/>
           <a:tabLst/>
-          <a:defRPr b="0" baseline="0" cap="none" i="0" spc="0" strike="noStrike" sz="1800" u="none" kumimoji="0" normalizeH="0">
+          <a:defRPr kumimoji="0" sz="1800" b="0" i="0" u="none" strike="noStrike" cap="none" spc="0" normalizeH="0" baseline="0">
             <a:ln>
               <a:noFill/>
             </a:ln>
@@ -7029,7 +11315,7 @@
           <a:buFontTx/>
           <a:buNone/>
           <a:tabLst/>
-          <a:defRPr b="0" baseline="0" cap="none" i="0" spc="0" strike="noStrike" sz="1800" u="none" kumimoji="0" normalizeH="0">
+          <a:defRPr kumimoji="0" sz="1800" b="0" i="0" u="none" strike="noStrike" cap="none" spc="0" normalizeH="0" baseline="0">
             <a:ln>
               <a:noFill/>
             </a:ln>
@@ -7055,7 +11341,7 @@
           <a:buFontTx/>
           <a:buNone/>
           <a:tabLst/>
-          <a:defRPr b="0" baseline="0" cap="none" i="0" spc="0" strike="noStrike" sz="1800" u="none" kumimoji="0" normalizeH="0">
+          <a:defRPr kumimoji="0" sz="1800" b="0" i="0" u="none" strike="noStrike" cap="none" spc="0" normalizeH="0" baseline="0">
             <a:ln>
               <a:noFill/>
             </a:ln>
@@ -7081,7 +11367,7 @@
           <a:buFontTx/>
           <a:buNone/>
           <a:tabLst/>
-          <a:defRPr b="0" baseline="0" cap="none" i="0" spc="0" strike="noStrike" sz="1800" u="none" kumimoji="0" normalizeH="0">
+          <a:defRPr kumimoji="0" sz="1800" b="0" i="0" u="none" strike="noStrike" cap="none" spc="0" normalizeH="0" baseline="0">
             <a:ln>
               <a:noFill/>
             </a:ln>
@@ -7107,7 +11393,7 @@
           <a:buFontTx/>
           <a:buNone/>
           <a:tabLst/>
-          <a:defRPr b="0" baseline="0" cap="none" i="0" spc="0" strike="noStrike" sz="1800" u="none" kumimoji="0" normalizeH="0">
+          <a:defRPr kumimoji="0" sz="1800" b="0" i="0" u="none" strike="noStrike" cap="none" spc="0" normalizeH="0" baseline="0">
             <a:ln>
               <a:noFill/>
             </a:ln>
@@ -7120,9 +11406,15 @@
         </a:lvl9pPr>
       </a:lstStyle>
       <a:style>
-        <a:lnRef idx="0"/>
-        <a:fillRef idx="0"/>
-        <a:effectRef idx="0"/>
+        <a:lnRef idx="0">
+          <a:scrgbClr r="0" g="0" b="0"/>
+        </a:lnRef>
+        <a:fillRef idx="0">
+          <a:scrgbClr r="0" g="0" b="0"/>
+        </a:fillRef>
+        <a:effectRef idx="0">
+          <a:scrgbClr r="0" g="0" b="0"/>
+        </a:effectRef>
         <a:fontRef idx="none"/>
       </a:style>
     </a:spDef>
@@ -7139,7 +11431,7 @@
           <a:round/>
         </a:ln>
         <a:effectLst>
-          <a:outerShdw sx="100000" sy="100000" kx="0" ky="0" algn="b" rotWithShape="0" blurRad="50800" dist="25000" dir="5400000">
+          <a:outerShdw blurRad="50800" dist="25000" dir="5400000" rotWithShape="0">
             <a:srgbClr val="000000">
               <a:alpha val="38000"/>
             </a:srgbClr>
@@ -7147,7 +11439,7 @@
         </a:effectLst>
         <a:sp3d/>
       </a:spPr>
-      <a:bodyPr rot="0" spcFirstLastPara="1" vertOverflow="overflow" horzOverflow="overflow" vert="horz" wrap="square" lIns="91439" tIns="45719" rIns="91439" bIns="45719" numCol="1" spcCol="38100" rtlCol="0" anchor="t" upright="0">
+      <a:bodyPr rot="0" spcFirstLastPara="1" vertOverflow="overflow" horzOverflow="overflow" vert="horz" wrap="square" lIns="91439" tIns="45719" rIns="91439" bIns="45719" numCol="1" spcCol="38100" rtlCol="0" anchor="t">
         <a:noAutofit/>
       </a:bodyPr>
       <a:lstStyle>
@@ -7166,7 +11458,7 @@
           <a:buFontTx/>
           <a:buNone/>
           <a:tabLst/>
-          <a:defRPr b="0" baseline="0" cap="none" i="0" spc="0" strike="noStrike" sz="1800" u="none" kumimoji="0" normalizeH="0">
+          <a:defRPr kumimoji="0" sz="1800" b="0" i="0" u="none" strike="noStrike" cap="none" spc="0" normalizeH="0" baseline="0">
             <a:ln>
               <a:noFill/>
             </a:ln>
@@ -7192,7 +11484,7 @@
           <a:buFontTx/>
           <a:buNone/>
           <a:tabLst/>
-          <a:defRPr b="0" baseline="0" cap="none" i="0" spc="0" strike="noStrike" sz="1800" u="none" kumimoji="0" normalizeH="0">
+          <a:defRPr kumimoji="0" sz="1800" b="0" i="0" u="none" strike="noStrike" cap="none" spc="0" normalizeH="0" baseline="0">
             <a:ln>
               <a:noFill/>
             </a:ln>
@@ -7218,7 +11510,7 @@
           <a:buFontTx/>
           <a:buNone/>
           <a:tabLst/>
-          <a:defRPr b="0" baseline="0" cap="none" i="0" spc="0" strike="noStrike" sz="1800" u="none" kumimoji="0" normalizeH="0">
+          <a:defRPr kumimoji="0" sz="1800" b="0" i="0" u="none" strike="noStrike" cap="none" spc="0" normalizeH="0" baseline="0">
             <a:ln>
               <a:noFill/>
             </a:ln>
@@ -7244,7 +11536,7 @@
           <a:buFontTx/>
           <a:buNone/>
           <a:tabLst/>
-          <a:defRPr b="0" baseline="0" cap="none" i="0" spc="0" strike="noStrike" sz="1800" u="none" kumimoji="0" normalizeH="0">
+          <a:defRPr kumimoji="0" sz="1800" b="0" i="0" u="none" strike="noStrike" cap="none" spc="0" normalizeH="0" baseline="0">
             <a:ln>
               <a:noFill/>
             </a:ln>
@@ -7270,7 +11562,7 @@
           <a:buFontTx/>
           <a:buNone/>
           <a:tabLst/>
-          <a:defRPr b="0" baseline="0" cap="none" i="0" spc="0" strike="noStrike" sz="1800" u="none" kumimoji="0" normalizeH="0">
+          <a:defRPr kumimoji="0" sz="1800" b="0" i="0" u="none" strike="noStrike" cap="none" spc="0" normalizeH="0" baseline="0">
             <a:ln>
               <a:noFill/>
             </a:ln>
@@ -7296,7 +11588,7 @@
           <a:buFontTx/>
           <a:buNone/>
           <a:tabLst/>
-          <a:defRPr b="0" baseline="0" cap="none" i="0" spc="0" strike="noStrike" sz="1800" u="none" kumimoji="0" normalizeH="0">
+          <a:defRPr kumimoji="0" sz="1800" b="0" i="0" u="none" strike="noStrike" cap="none" spc="0" normalizeH="0" baseline="0">
             <a:ln>
               <a:noFill/>
             </a:ln>
@@ -7322,7 +11614,7 @@
           <a:buFontTx/>
           <a:buNone/>
           <a:tabLst/>
-          <a:defRPr b="0" baseline="0" cap="none" i="0" spc="0" strike="noStrike" sz="1800" u="none" kumimoji="0" normalizeH="0">
+          <a:defRPr kumimoji="0" sz="1800" b="0" i="0" u="none" strike="noStrike" cap="none" spc="0" normalizeH="0" baseline="0">
             <a:ln>
               <a:noFill/>
             </a:ln>
@@ -7348,7 +11640,7 @@
           <a:buFontTx/>
           <a:buNone/>
           <a:tabLst/>
-          <a:defRPr b="0" baseline="0" cap="none" i="0" spc="0" strike="noStrike" sz="1800" u="none" kumimoji="0" normalizeH="0">
+          <a:defRPr kumimoji="0" sz="1800" b="0" i="0" u="none" strike="noStrike" cap="none" spc="0" normalizeH="0" baseline="0">
             <a:ln>
               <a:noFill/>
             </a:ln>
@@ -7374,7 +11666,7 @@
           <a:buFontTx/>
           <a:buNone/>
           <a:tabLst/>
-          <a:defRPr b="0" baseline="0" cap="none" i="0" spc="0" strike="noStrike" sz="1800" u="none" kumimoji="0" normalizeH="0">
+          <a:defRPr kumimoji="0" sz="1800" b="0" i="0" u="none" strike="noStrike" cap="none" spc="0" normalizeH="0" baseline="0">
             <a:ln>
               <a:noFill/>
             </a:ln>
@@ -7400,7 +11692,7 @@
           <a:buFontTx/>
           <a:buNone/>
           <a:tabLst/>
-          <a:defRPr b="0" baseline="0" cap="none" i="0" spc="0" strike="noStrike" sz="1800" u="none" kumimoji="0" normalizeH="0">
+          <a:defRPr kumimoji="0" sz="1800" b="0" i="0" u="none" strike="noStrike" cap="none" spc="0" normalizeH="0" baseline="0">
             <a:ln>
               <a:noFill/>
             </a:ln>
@@ -7413,9 +11705,15 @@
         </a:lvl9pPr>
       </a:lstStyle>
       <a:style>
-        <a:lnRef idx="0"/>
-        <a:fillRef idx="0"/>
-        <a:effectRef idx="0"/>
+        <a:lnRef idx="0">
+          <a:scrgbClr r="0" g="0" b="0"/>
+        </a:lnRef>
+        <a:fillRef idx="0">
+          <a:scrgbClr r="0" g="0" b="0"/>
+        </a:fillRef>
+        <a:effectRef idx="0">
+          <a:scrgbClr r="0" g="0" b="0"/>
+        </a:effectRef>
         <a:fontRef idx="none"/>
       </a:style>
     </a:lnDef>
@@ -7429,7 +11727,7 @@
         <a:effectLst/>
         <a:sp3d/>
       </a:spPr>
-      <a:bodyPr rot="0" spcFirstLastPara="1" vertOverflow="overflow" horzOverflow="overflow" vert="horz" wrap="square" lIns="45719" tIns="45719" rIns="45719" bIns="45719" numCol="1" spcCol="38100" rtlCol="0" anchor="t" upright="0">
+      <a:bodyPr rot="0" spcFirstLastPara="1" vertOverflow="overflow" horzOverflow="overflow" vert="horz" wrap="square" lIns="45719" tIns="45719" rIns="45719" bIns="45719" numCol="1" spcCol="38100" rtlCol="0" anchor="t">
         <a:spAutoFit/>
       </a:bodyPr>
       <a:lstStyle>
@@ -7448,7 +11746,7 @@
           <a:buFontTx/>
           <a:buNone/>
           <a:tabLst/>
-          <a:defRPr b="0" baseline="0" cap="none" i="0" spc="0" strike="noStrike" sz="1800" u="none" kumimoji="0" normalizeH="0">
+          <a:defRPr kumimoji="0" sz="1800" b="0" i="0" u="none" strike="noStrike" cap="none" spc="0" normalizeH="0" baseline="0">
             <a:ln>
               <a:noFill/>
             </a:ln>
@@ -7478,7 +11776,7 @@
           <a:buFontTx/>
           <a:buNone/>
           <a:tabLst/>
-          <a:defRPr b="0" baseline="0" cap="none" i="0" spc="0" strike="noStrike" sz="1800" u="none" kumimoji="0" normalizeH="0">
+          <a:defRPr kumimoji="0" sz="1800" b="0" i="0" u="none" strike="noStrike" cap="none" spc="0" normalizeH="0" baseline="0">
             <a:ln>
               <a:noFill/>
             </a:ln>
@@ -7504,7 +11802,7 @@
           <a:buFontTx/>
           <a:buNone/>
           <a:tabLst/>
-          <a:defRPr b="0" baseline="0" cap="none" i="0" spc="0" strike="noStrike" sz="1800" u="none" kumimoji="0" normalizeH="0">
+          <a:defRPr kumimoji="0" sz="1800" b="0" i="0" u="none" strike="noStrike" cap="none" spc="0" normalizeH="0" baseline="0">
             <a:ln>
               <a:noFill/>
             </a:ln>
@@ -7530,7 +11828,7 @@
           <a:buFontTx/>
           <a:buNone/>
           <a:tabLst/>
-          <a:defRPr b="0" baseline="0" cap="none" i="0" spc="0" strike="noStrike" sz="1800" u="none" kumimoji="0" normalizeH="0">
+          <a:defRPr kumimoji="0" sz="1800" b="0" i="0" u="none" strike="noStrike" cap="none" spc="0" normalizeH="0" baseline="0">
             <a:ln>
               <a:noFill/>
             </a:ln>
@@ -7556,7 +11854,7 @@
           <a:buFontTx/>
           <a:buNone/>
           <a:tabLst/>
-          <a:defRPr b="0" baseline="0" cap="none" i="0" spc="0" strike="noStrike" sz="1800" u="none" kumimoji="0" normalizeH="0">
+          <a:defRPr kumimoji="0" sz="1800" b="0" i="0" u="none" strike="noStrike" cap="none" spc="0" normalizeH="0" baseline="0">
             <a:ln>
               <a:noFill/>
             </a:ln>
@@ -7582,7 +11880,7 @@
           <a:buFontTx/>
           <a:buNone/>
           <a:tabLst/>
-          <a:defRPr b="0" baseline="0" cap="none" i="0" spc="0" strike="noStrike" sz="1800" u="none" kumimoji="0" normalizeH="0">
+          <a:defRPr kumimoji="0" sz="1800" b="0" i="0" u="none" strike="noStrike" cap="none" spc="0" normalizeH="0" baseline="0">
             <a:ln>
               <a:noFill/>
             </a:ln>
@@ -7608,7 +11906,7 @@
           <a:buFontTx/>
           <a:buNone/>
           <a:tabLst/>
-          <a:defRPr b="0" baseline="0" cap="none" i="0" spc="0" strike="noStrike" sz="1800" u="none" kumimoji="0" normalizeH="0">
+          <a:defRPr kumimoji="0" sz="1800" b="0" i="0" u="none" strike="noStrike" cap="none" spc="0" normalizeH="0" baseline="0">
             <a:ln>
               <a:noFill/>
             </a:ln>
@@ -7634,7 +11932,7 @@
           <a:buFontTx/>
           <a:buNone/>
           <a:tabLst/>
-          <a:defRPr b="0" baseline="0" cap="none" i="0" spc="0" strike="noStrike" sz="1800" u="none" kumimoji="0" normalizeH="0">
+          <a:defRPr kumimoji="0" sz="1800" b="0" i="0" u="none" strike="noStrike" cap="none" spc="0" normalizeH="0" baseline="0">
             <a:ln>
               <a:noFill/>
             </a:ln>
@@ -7660,7 +11958,7 @@
           <a:buFontTx/>
           <a:buNone/>
           <a:tabLst/>
-          <a:defRPr b="0" baseline="0" cap="none" i="0" spc="0" strike="noStrike" sz="1800" u="none" kumimoji="0" normalizeH="0">
+          <a:defRPr kumimoji="0" sz="1800" b="0" i="0" u="none" strike="noStrike" cap="none" spc="0" normalizeH="0" baseline="0">
             <a:ln>
               <a:noFill/>
             </a:ln>
@@ -7686,7 +11984,7 @@
           <a:buFontTx/>
           <a:buNone/>
           <a:tabLst/>
-          <a:defRPr b="0" baseline="0" cap="none" i="0" spc="0" strike="noStrike" sz="1800" u="none" kumimoji="0" normalizeH="0">
+          <a:defRPr kumimoji="0" sz="1800" b="0" i="0" u="none" strike="noStrike" cap="none" spc="0" normalizeH="0" baseline="0">
             <a:ln>
               <a:noFill/>
             </a:ln>
@@ -7699,12 +11997,19 @@
         </a:lvl9pPr>
       </a:lstStyle>
       <a:style>
-        <a:lnRef idx="0"/>
-        <a:fillRef idx="0"/>
-        <a:effectRef idx="0"/>
+        <a:lnRef idx="0">
+          <a:scrgbClr r="0" g="0" b="0"/>
+        </a:lnRef>
+        <a:fillRef idx="0">
+          <a:scrgbClr r="0" g="0" b="0"/>
+        </a:fillRef>
+        <a:effectRef idx="0">
+          <a:scrgbClr r="0" g="0" b="0"/>
+        </a:effectRef>
         <a:fontRef idx="none"/>
       </a:style>
     </a:txDef>
   </a:objectDefaults>
+  <a:extraClrSchemeLst/>
 </a:theme>
 </file>